--- a/Presentation.pptx
+++ b/Presentation.pptx
@@ -5,7 +5,7 @@
     <p:sldMasterId id="2147484278" r:id="rId1"/>
   </p:sldMasterIdLst>
   <p:notesMasterIdLst>
-    <p:notesMasterId r:id="rId13"/>
+    <p:notesMasterId r:id="rId14"/>
   </p:notesMasterIdLst>
   <p:sldIdLst>
     <p:sldId id="262" r:id="rId2"/>
@@ -16,9 +16,10 @@
     <p:sldId id="265" r:id="rId7"/>
     <p:sldId id="266" r:id="rId8"/>
     <p:sldId id="267" r:id="rId9"/>
-    <p:sldId id="260" r:id="rId10"/>
-    <p:sldId id="261" r:id="rId11"/>
-    <p:sldId id="263" r:id="rId12"/>
+    <p:sldId id="268" r:id="rId10"/>
+    <p:sldId id="260" r:id="rId11"/>
+    <p:sldId id="261" r:id="rId12"/>
+    <p:sldId id="263" r:id="rId13"/>
   </p:sldIdLst>
   <p:sldSz cx="12192000" cy="6858000"/>
   <p:notesSz cx="6858000" cy="9144000"/>
@@ -3900,7 +3901,7 @@
           <a:p>
             <a:fld id="{43CAB5D0-FA79-466C-BEA9-4696C2647A17}" type="datetimeFigureOut">
               <a:rPr lang="fr-FR" smtClean="0"/>
-              <a:t>10/02/2014</a:t>
+              <a:t>11/02/2014</a:t>
             </a:fld>
             <a:endParaRPr lang="fr-FR"/>
           </a:p>
@@ -4327,6 +4328,90 @@
     <p:extLst>
       <p:ext uri="{BB962C8B-B14F-4D97-AF65-F5344CB8AC3E}">
         <p14:creationId xmlns:p14="http://schemas.microsoft.com/office/powerpoint/2010/main" val="2653415903"/>
+      </p:ext>
+    </p:extLst>
+  </p:cSld>
+  <p:clrMapOvr>
+    <a:masterClrMapping/>
+  </p:clrMapOvr>
+</p:notes>
+</file>
+
+<file path=ppt/notesSlides/notesSlide3.xml><?xml version="1.0" encoding="utf-8"?>
+<p:notes xmlns:a="http://schemas.openxmlformats.org/drawingml/2006/main" xmlns:r="http://schemas.openxmlformats.org/officeDocument/2006/relationships" xmlns:p="http://schemas.openxmlformats.org/presentationml/2006/main">
+  <p:cSld>
+    <p:spTree>
+      <p:nvGrpSpPr>
+        <p:cNvPr id="1" name=""/>
+        <p:cNvGrpSpPr/>
+        <p:nvPr/>
+      </p:nvGrpSpPr>
+      <p:grpSpPr>
+        <a:xfrm>
+          <a:off x="0" y="0"/>
+          <a:ext cx="0" cy="0"/>
+          <a:chOff x="0" y="0"/>
+          <a:chExt cx="0" cy="0"/>
+        </a:xfrm>
+      </p:grpSpPr>
+      <p:sp>
+        <p:nvSpPr>
+          <p:cNvPr id="2" name="Slide Image Placeholder 1"/>
+          <p:cNvSpPr>
+            <a:spLocks noGrp="1" noRot="1" noChangeAspect="1"/>
+          </p:cNvSpPr>
+          <p:nvPr>
+            <p:ph type="sldImg"/>
+          </p:nvPr>
+        </p:nvSpPr>
+        <p:spPr/>
+      </p:sp>
+      <p:sp>
+        <p:nvSpPr>
+          <p:cNvPr id="3" name="Notes Placeholder 2"/>
+          <p:cNvSpPr>
+            <a:spLocks noGrp="1"/>
+          </p:cNvSpPr>
+          <p:nvPr>
+            <p:ph type="body" idx="1"/>
+          </p:nvPr>
+        </p:nvSpPr>
+        <p:spPr/>
+        <p:txBody>
+          <a:bodyPr/>
+          <a:lstStyle/>
+          <a:p>
+            <a:endParaRPr lang="fr-FR"/>
+          </a:p>
+        </p:txBody>
+      </p:sp>
+      <p:sp>
+        <p:nvSpPr>
+          <p:cNvPr id="4" name="Slide Number Placeholder 3"/>
+          <p:cNvSpPr>
+            <a:spLocks noGrp="1"/>
+          </p:cNvSpPr>
+          <p:nvPr>
+            <p:ph type="sldNum" sz="quarter" idx="10"/>
+          </p:nvPr>
+        </p:nvSpPr>
+        <p:spPr/>
+        <p:txBody>
+          <a:bodyPr/>
+          <a:lstStyle/>
+          <a:p>
+            <a:fld id="{30972B6B-B5CF-41E4-B246-750F6E702F96}" type="slidenum">
+              <a:rPr lang="fr-FR" smtClean="0"/>
+              <a:t>10</a:t>
+            </a:fld>
+            <a:endParaRPr lang="fr-FR"/>
+          </a:p>
+        </p:txBody>
+      </p:sp>
+    </p:spTree>
+    <p:extLst>
+      <p:ext uri="{BB962C8B-B14F-4D97-AF65-F5344CB8AC3E}">
+        <p14:creationId xmlns:p14="http://schemas.microsoft.com/office/powerpoint/2010/main" val="453182980"/>
       </p:ext>
     </p:extLst>
   </p:cSld>
@@ -4739,7 +4824,7 @@
           <a:p>
             <a:fld id="{6B0339B2-9F74-4C9D-A9E4-BAA83C9857E2}" type="datetime1">
               <a:rPr lang="fr-FR" smtClean="0"/>
-              <a:t>10/02/2014</a:t>
+              <a:t>11/02/2014</a:t>
             </a:fld>
             <a:endParaRPr lang="en-US"/>
           </a:p>
@@ -4919,7 +5004,7 @@
           <a:p>
             <a:fld id="{6B0339B2-9F74-4C9D-A9E4-BAA83C9857E2}" type="datetime1">
               <a:rPr lang="fr-FR" smtClean="0"/>
-              <a:t>10/02/2014</a:t>
+              <a:t>11/02/2014</a:t>
             </a:fld>
             <a:endParaRPr lang="en-US"/>
           </a:p>
@@ -5100,7 +5185,7 @@
           <a:p>
             <a:fld id="{6B0339B2-9F74-4C9D-A9E4-BAA83C9857E2}" type="datetime1">
               <a:rPr lang="fr-FR" smtClean="0"/>
-              <a:t>10/02/2014</a:t>
+              <a:t>11/02/2014</a:t>
             </a:fld>
             <a:endParaRPr lang="en-US"/>
           </a:p>
@@ -5271,7 +5356,7 @@
           <a:p>
             <a:fld id="{6B0339B2-9F74-4C9D-A9E4-BAA83C9857E2}" type="datetime1">
               <a:rPr lang="fr-FR" smtClean="0"/>
-              <a:t>10/02/2014</a:t>
+              <a:t>11/02/2014</a:t>
             </a:fld>
             <a:endParaRPr lang="en-US"/>
           </a:p>
@@ -5585,7 +5670,7 @@
           <a:p>
             <a:fld id="{6B0339B2-9F74-4C9D-A9E4-BAA83C9857E2}" type="datetime1">
               <a:rPr lang="fr-FR" smtClean="0"/>
-              <a:t>10/02/2014</a:t>
+              <a:t>11/02/2014</a:t>
             </a:fld>
             <a:endParaRPr lang="en-US"/>
           </a:p>
@@ -5972,7 +6057,7 @@
           <a:p>
             <a:fld id="{6B0339B2-9F74-4C9D-A9E4-BAA83C9857E2}" type="datetime1">
               <a:rPr lang="fr-FR" smtClean="0"/>
-              <a:t>10/02/2014</a:t>
+              <a:t>11/02/2014</a:t>
             </a:fld>
             <a:endParaRPr lang="en-US"/>
           </a:p>
@@ -6407,7 +6492,7 @@
           <a:p>
             <a:fld id="{6B0339B2-9F74-4C9D-A9E4-BAA83C9857E2}" type="datetime1">
               <a:rPr lang="fr-FR" smtClean="0"/>
-              <a:t>10/02/2014</a:t>
+              <a:t>11/02/2014</a:t>
             </a:fld>
             <a:endParaRPr lang="en-US"/>
           </a:p>
@@ -6526,7 +6611,7 @@
           <a:p>
             <a:fld id="{6B0339B2-9F74-4C9D-A9E4-BAA83C9857E2}" type="datetime1">
               <a:rPr lang="fr-FR" smtClean="0"/>
-              <a:t>10/02/2014</a:t>
+              <a:t>11/02/2014</a:t>
             </a:fld>
             <a:endParaRPr lang="en-US"/>
           </a:p>
@@ -6622,7 +6707,7 @@
           <a:p>
             <a:fld id="{6B0339B2-9F74-4C9D-A9E4-BAA83C9857E2}" type="datetime1">
               <a:rPr lang="fr-FR" smtClean="0"/>
-              <a:t>10/02/2014</a:t>
+              <a:t>11/02/2014</a:t>
             </a:fld>
             <a:endParaRPr lang="en-US"/>
           </a:p>
@@ -6973,7 +7058,7 @@
           <a:p>
             <a:fld id="{6B0339B2-9F74-4C9D-A9E4-BAA83C9857E2}" type="datetime1">
               <a:rPr lang="fr-FR" smtClean="0"/>
-              <a:t>10/02/2014</a:t>
+              <a:t>11/02/2014</a:t>
             </a:fld>
             <a:endParaRPr lang="en-US"/>
           </a:p>
@@ -7399,7 +7484,7 @@
           <a:p>
             <a:fld id="{6B0339B2-9F74-4C9D-A9E4-BAA83C9857E2}" type="datetime1">
               <a:rPr lang="fr-FR" smtClean="0"/>
-              <a:t>10/02/2014</a:t>
+              <a:t>11/02/2014</a:t>
             </a:fld>
             <a:endParaRPr lang="en-US"/>
           </a:p>
@@ -7686,7 +7771,7 @@
           <a:p>
             <a:fld id="{6B0339B2-9F74-4C9D-A9E4-BAA83C9857E2}" type="datetime1">
               <a:rPr lang="fr-FR" smtClean="0"/>
-              <a:t>10/02/2014</a:t>
+              <a:t>11/02/2014</a:t>
             </a:fld>
             <a:endParaRPr lang="en-US"/>
           </a:p>
@@ -8342,7 +8427,7 @@
           <a:p>
             <a:fld id="{45DF6BF9-2561-418A-8A3F-01EBEA8528AD}" type="datetime1">
               <a:rPr lang="fr-FR" smtClean="0"/>
-              <a:t>10/02/2014</a:t>
+              <a:t>11/02/2014</a:t>
             </a:fld>
             <a:endParaRPr lang="en-US"/>
           </a:p>
@@ -8723,6 +8808,36 @@
           <a:chExt cx="0" cy="0"/>
         </a:xfrm>
       </p:grpSpPr>
+      <p:pic>
+        <p:nvPicPr>
+          <p:cNvPr id="4" name="Picture 3"/>
+          <p:cNvPicPr>
+            <a:picLocks noChangeAspect="1"/>
+          </p:cNvPicPr>
+          <p:nvPr/>
+        </p:nvPicPr>
+        <p:blipFill>
+          <a:blip r:embed="rId3">
+            <a:extLst>
+              <a:ext uri="{28A0092B-C50C-407E-A947-70E740481C1C}">
+                <a14:useLocalDpi xmlns:a14="http://schemas.microsoft.com/office/drawing/2010/main" val="0"/>
+              </a:ext>
+            </a:extLst>
+          </a:blip>
+          <a:stretch>
+            <a:fillRect/>
+          </a:stretch>
+        </p:blipFill>
+        <p:spPr>
+          <a:xfrm>
+            <a:off x="8561119" y="334072"/>
+            <a:ext cx="2750009" cy="1910463"/>
+          </a:xfrm>
+          <a:prstGeom prst="rect">
+            <a:avLst/>
+          </a:prstGeom>
+        </p:spPr>
+      </p:pic>
       <p:sp>
         <p:nvSpPr>
           <p:cNvPr id="2" name="Title 1"/>
@@ -8741,7 +8856,7 @@
             <a:pPr lvl="0"/>
             <a:r>
               <a:rPr lang="fr-FR" dirty="0"/>
-              <a:t>Architecture Physique</a:t>
+              <a:t>Architecture Logicielle</a:t>
             </a:r>
           </a:p>
         </p:txBody>
@@ -8758,10 +8873,85 @@
         </p:nvSpPr>
         <p:spPr/>
         <p:txBody>
-          <a:bodyPr/>
+          <a:bodyPr>
+            <a:normAutofit/>
+          </a:bodyPr>
           <a:lstStyle/>
           <a:p>
-            <a:endParaRPr lang="fr-FR"/>
+            <a:pPr>
+              <a:lnSpc>
+                <a:spcPct val="150000"/>
+              </a:lnSpc>
+            </a:pPr>
+            <a:r>
+              <a:rPr lang="fr-FR" sz="2400" dirty="0" smtClean="0"/>
+              <a:t>Choix D’une Architecture Orientée Service:</a:t>
+            </a:r>
+          </a:p>
+          <a:p>
+            <a:pPr lvl="1">
+              <a:lnSpc>
+                <a:spcPct val="150000"/>
+              </a:lnSpc>
+              <a:buFont typeface="Wingdings" panose="05000000000000000000" pitchFamily="2" charset="2"/>
+              <a:buChar char="v"/>
+            </a:pPr>
+            <a:r>
+              <a:rPr lang="fr-FR" sz="2000" dirty="0" smtClean="0"/>
+              <a:t>Blocks Applicatifs De La Centrale</a:t>
+            </a:r>
+            <a:endParaRPr lang="fr-FR" sz="2000" dirty="0" smtClean="0"/>
+          </a:p>
+          <a:p>
+            <a:pPr lvl="1">
+              <a:lnSpc>
+                <a:spcPct val="150000"/>
+              </a:lnSpc>
+              <a:buFont typeface="Wingdings" panose="05000000000000000000" pitchFamily="2" charset="2"/>
+              <a:buChar char="v"/>
+            </a:pPr>
+            <a:r>
+              <a:rPr lang="fr-FR" sz="2000" dirty="0" smtClean="0"/>
+              <a:t>Gros Clients</a:t>
+            </a:r>
+          </a:p>
+          <a:p>
+            <a:pPr lvl="1">
+              <a:lnSpc>
+                <a:spcPct val="150000"/>
+              </a:lnSpc>
+              <a:buFont typeface="Wingdings" panose="05000000000000000000" pitchFamily="2" charset="2"/>
+              <a:buChar char="v"/>
+            </a:pPr>
+            <a:r>
+              <a:rPr lang="fr-FR" sz="2000" dirty="0" smtClean="0"/>
+              <a:t>Courtiers</a:t>
+            </a:r>
+          </a:p>
+          <a:p>
+            <a:pPr lvl="1">
+              <a:lnSpc>
+                <a:spcPct val="150000"/>
+              </a:lnSpc>
+              <a:buFont typeface="Wingdings" panose="05000000000000000000" pitchFamily="2" charset="2"/>
+              <a:buChar char="v"/>
+            </a:pPr>
+            <a:r>
+              <a:rPr lang="fr-FR" sz="2000" dirty="0" smtClean="0"/>
+              <a:t>Les Agences Régionales</a:t>
+            </a:r>
+          </a:p>
+          <a:p>
+            <a:pPr>
+              <a:lnSpc>
+                <a:spcPct val="150000"/>
+              </a:lnSpc>
+            </a:pPr>
+            <a:r>
+              <a:rPr lang="fr-FR" sz="2200" dirty="0" smtClean="0"/>
+              <a:t>Les Reste Des Composants Du SI Vont Utiliser Du HTML</a:t>
+            </a:r>
+            <a:endParaRPr lang="fr-FR" sz="2200" dirty="0"/>
           </a:p>
         </p:txBody>
       </p:sp>
@@ -8780,9 +8970,9 @@
           <a:bodyPr/>
           <a:lstStyle/>
           <a:p>
-            <a:fld id="{75D9AB38-9A3B-4299-A716-F9578564FF92}" type="datetime1">
+            <a:fld id="{FB1B83DD-50DA-412C-AC7A-B7308402EA50}" type="datetime1">
               <a:rPr lang="fr-FR" smtClean="0"/>
-              <a:t>10/02/2014</a:t>
+              <a:t>11/02/2014</a:t>
             </a:fld>
             <a:endParaRPr lang="en-US"/>
           </a:p>
@@ -8814,7 +9004,7 @@
     </p:spTree>
     <p:extLst>
       <p:ext uri="{BB962C8B-B14F-4D97-AF65-F5344CB8AC3E}">
-        <p14:creationId xmlns:p14="http://schemas.microsoft.com/office/powerpoint/2010/main" val="2908912957"/>
+        <p14:creationId xmlns:p14="http://schemas.microsoft.com/office/powerpoint/2010/main" val="3059149869"/>
       </p:ext>
     </p:extLst>
   </p:cSld>
@@ -8866,7 +9056,7 @@
             <a:pPr lvl="0"/>
             <a:r>
               <a:rPr lang="fr-FR" dirty="0"/>
-              <a:t>Proof of Concept</a:t>
+              <a:t>Architecture Physique</a:t>
             </a:r>
           </a:p>
         </p:txBody>
@@ -8907,7 +9097,7 @@
           <a:p>
             <a:fld id="{75D9AB38-9A3B-4299-A716-F9578564FF92}" type="datetime1">
               <a:rPr lang="fr-FR" smtClean="0"/>
-              <a:t>10/02/2014</a:t>
+              <a:t>11/02/2014</a:t>
             </a:fld>
             <a:endParaRPr lang="en-US"/>
           </a:p>
@@ -8931,6 +9121,131 @@
             <a:fld id="{7F2870A4-FAE2-438A-8102-A1D6C3BFD565}" type="slidenum">
               <a:rPr lang="en-US" smtClean="0"/>
               <a:t>11</a:t>
+            </a:fld>
+            <a:endParaRPr lang="en-US"/>
+          </a:p>
+        </p:txBody>
+      </p:sp>
+    </p:spTree>
+    <p:extLst>
+      <p:ext uri="{BB962C8B-B14F-4D97-AF65-F5344CB8AC3E}">
+        <p14:creationId xmlns:p14="http://schemas.microsoft.com/office/powerpoint/2010/main" val="2908912957"/>
+      </p:ext>
+    </p:extLst>
+  </p:cSld>
+  <p:clrMapOvr>
+    <a:masterClrMapping/>
+  </p:clrMapOvr>
+  <p:timing>
+    <p:tnLst>
+      <p:par>
+        <p:cTn id="1" dur="indefinite" restart="never" nodeType="tmRoot"/>
+      </p:par>
+    </p:tnLst>
+  </p:timing>
+</p:sld>
+</file>
+
+<file path=ppt/slides/slide12.xml><?xml version="1.0" encoding="utf-8"?>
+<p:sld xmlns:a="http://schemas.openxmlformats.org/drawingml/2006/main" xmlns:r="http://schemas.openxmlformats.org/officeDocument/2006/relationships" xmlns:p="http://schemas.openxmlformats.org/presentationml/2006/main">
+  <p:cSld>
+    <p:spTree>
+      <p:nvGrpSpPr>
+        <p:cNvPr id="1" name=""/>
+        <p:cNvGrpSpPr/>
+        <p:nvPr/>
+      </p:nvGrpSpPr>
+      <p:grpSpPr>
+        <a:xfrm>
+          <a:off x="0" y="0"/>
+          <a:ext cx="0" cy="0"/>
+          <a:chOff x="0" y="0"/>
+          <a:chExt cx="0" cy="0"/>
+        </a:xfrm>
+      </p:grpSpPr>
+      <p:sp>
+        <p:nvSpPr>
+          <p:cNvPr id="2" name="Title 1"/>
+          <p:cNvSpPr>
+            <a:spLocks noGrp="1"/>
+          </p:cNvSpPr>
+          <p:nvPr>
+            <p:ph type="title"/>
+          </p:nvPr>
+        </p:nvSpPr>
+        <p:spPr/>
+        <p:txBody>
+          <a:bodyPr/>
+          <a:lstStyle/>
+          <a:p>
+            <a:pPr lvl="0"/>
+            <a:r>
+              <a:rPr lang="fr-FR" dirty="0"/>
+              <a:t>Proof of Concept</a:t>
+            </a:r>
+          </a:p>
+        </p:txBody>
+      </p:sp>
+      <p:sp>
+        <p:nvSpPr>
+          <p:cNvPr id="3" name="Content Placeholder 2"/>
+          <p:cNvSpPr>
+            <a:spLocks noGrp="1"/>
+          </p:cNvSpPr>
+          <p:nvPr>
+            <p:ph idx="1"/>
+          </p:nvPr>
+        </p:nvSpPr>
+        <p:spPr/>
+        <p:txBody>
+          <a:bodyPr/>
+          <a:lstStyle/>
+          <a:p>
+            <a:endParaRPr lang="fr-FR"/>
+          </a:p>
+        </p:txBody>
+      </p:sp>
+      <p:sp>
+        <p:nvSpPr>
+          <p:cNvPr id="5" name="Date Placeholder 4"/>
+          <p:cNvSpPr>
+            <a:spLocks noGrp="1"/>
+          </p:cNvSpPr>
+          <p:nvPr>
+            <p:ph type="dt" sz="half" idx="10"/>
+          </p:nvPr>
+        </p:nvSpPr>
+        <p:spPr/>
+        <p:txBody>
+          <a:bodyPr/>
+          <a:lstStyle/>
+          <a:p>
+            <a:fld id="{75D9AB38-9A3B-4299-A716-F9578564FF92}" type="datetime1">
+              <a:rPr lang="fr-FR" smtClean="0"/>
+              <a:t>11/02/2014</a:t>
+            </a:fld>
+            <a:endParaRPr lang="en-US"/>
+          </a:p>
+        </p:txBody>
+      </p:sp>
+      <p:sp>
+        <p:nvSpPr>
+          <p:cNvPr id="7" name="Slide Number Placeholder 6"/>
+          <p:cNvSpPr>
+            <a:spLocks noGrp="1"/>
+          </p:cNvSpPr>
+          <p:nvPr>
+            <p:ph type="sldNum" sz="quarter" idx="12"/>
+          </p:nvPr>
+        </p:nvSpPr>
+        <p:spPr/>
+        <p:txBody>
+          <a:bodyPr/>
+          <a:lstStyle/>
+          <a:p>
+            <a:fld id="{7F2870A4-FAE2-438A-8102-A1D6C3BFD565}" type="slidenum">
+              <a:rPr lang="en-US" smtClean="0"/>
+              <a:t>12</a:t>
             </a:fld>
             <a:endParaRPr lang="en-US"/>
           </a:p>
@@ -9006,7 +9321,7 @@
           <a:p>
             <a:fld id="{256F38FA-52ED-4A86-A46E-21A00260D8EF}" type="datetime1">
               <a:rPr lang="fr-FR" smtClean="0"/>
-              <a:t>10/02/2014</a:t>
+              <a:t>11/02/2014</a:t>
             </a:fld>
             <a:endParaRPr lang="en-US"/>
           </a:p>
@@ -9293,7 +9608,7 @@
           <a:p>
             <a:fld id="{74268F3B-B68E-4782-B3DC-846E45352065}" type="datetime1">
               <a:rPr lang="fr-FR" smtClean="0"/>
-              <a:t>10/02/2014</a:t>
+              <a:t>11/02/2014</a:t>
             </a:fld>
             <a:endParaRPr lang="en-US"/>
           </a:p>
@@ -10217,7 +10532,7 @@
           <a:p>
             <a:fld id="{74268F3B-B68E-4782-B3DC-846E45352065}" type="datetime1">
               <a:rPr lang="fr-FR" smtClean="0"/>
-              <a:t>10/02/2014</a:t>
+              <a:t>11/02/2014</a:t>
             </a:fld>
             <a:endParaRPr lang="en-US"/>
           </a:p>
@@ -10982,7 +11297,7 @@
           <a:p>
             <a:fld id="{40C929A7-D313-490D-B877-ABDEEB22D221}" type="datetime1">
               <a:rPr lang="fr-FR" smtClean="0"/>
-              <a:t>10/02/2014</a:t>
+              <a:t>11/02/2014</a:t>
             </a:fld>
             <a:endParaRPr lang="en-US"/>
           </a:p>
@@ -11243,11 +11558,6 @@
               </a:rPr>
               <a:t>1 Mbps</a:t>
             </a:r>
-            <a:endParaRPr lang="fr-FR" sz="2000" b="1" dirty="0">
-              <a:solidFill>
-                <a:srgbClr val="00B0F0"/>
-              </a:solidFill>
-            </a:endParaRPr>
           </a:p>
         </p:txBody>
       </p:sp>
@@ -11392,11 +11702,11 @@
   <p:clrMapOvr>
     <a:masterClrMapping/>
   </p:clrMapOvr>
-  <mc:AlternateContent xmlns:mc="http://schemas.openxmlformats.org/markup-compatibility/2006">
-    <mc:Choice xmlns:p14="http://schemas.microsoft.com/office/powerpoint/2010/main" Requires="p14">
+  <mc:AlternateContent xmlns:mc="http://schemas.openxmlformats.org/markup-compatibility/2006" xmlns:p14="http://schemas.microsoft.com/office/powerpoint/2010/main">
+    <mc:Choice Requires="p14">
       <p:transition spd="slow" p14:dur="2000"/>
     </mc:Choice>
-    <mc:Fallback>
+    <mc:Fallback xmlns="">
       <p:transition spd="slow"/>
     </mc:Fallback>
   </mc:AlternateContent>
@@ -11412,6 +11722,9 @@
                     <p:cTn id="3" fill="hold">
                       <p:stCondLst>
                         <p:cond delay="indefinite"/>
+                        <p:cond evt="onBegin" delay="0">
+                          <p:tn val="2"/>
+                        </p:cond>
                       </p:stCondLst>
                       <p:childTnLst>
                         <p:par>
@@ -11421,7 +11734,7 @@
                             </p:stCondLst>
                             <p:childTnLst>
                               <p:par>
-                                <p:cTn id="5" presetID="42" presetClass="entr" presetSubtype="0" fill="hold" nodeType="clickEffect">
+                                <p:cTn id="5" presetID="42" presetClass="entr" presetSubtype="0" fill="hold" nodeType="withEffect">
                                   <p:stCondLst>
                                     <p:cond delay="0"/>
                                   </p:stCondLst>
@@ -12554,7 +12867,7 @@
           <a:p>
             <a:fld id="{40C929A7-D313-490D-B877-ABDEEB22D221}" type="datetime1">
               <a:rPr lang="fr-FR" smtClean="0"/>
-              <a:t>10/02/2014</a:t>
+              <a:t>11/02/2014</a:t>
             </a:fld>
             <a:endParaRPr lang="en-US"/>
           </a:p>
@@ -12765,11 +13078,11 @@
   <p:clrMapOvr>
     <a:masterClrMapping/>
   </p:clrMapOvr>
-  <mc:AlternateContent xmlns:mc="http://schemas.openxmlformats.org/markup-compatibility/2006">
-    <mc:Choice xmlns:p14="http://schemas.microsoft.com/office/powerpoint/2010/main" Requires="p14">
+  <mc:AlternateContent xmlns:mc="http://schemas.openxmlformats.org/markup-compatibility/2006" xmlns:p14="http://schemas.microsoft.com/office/powerpoint/2010/main">
+    <mc:Choice Requires="p14">
       <p:transition spd="slow" p14:dur="2000"/>
     </mc:Choice>
-    <mc:Fallback>
+    <mc:Fallback xmlns="">
       <p:transition spd="slow"/>
     </mc:Fallback>
   </mc:AlternateContent>
@@ -13389,7 +13702,7 @@
           <a:p>
             <a:fld id="{40C929A7-D313-490D-B877-ABDEEB22D221}" type="datetime1">
               <a:rPr lang="fr-FR" smtClean="0"/>
-              <a:t>10/02/2014</a:t>
+              <a:t>11/02/2014</a:t>
             </a:fld>
             <a:endParaRPr lang="en-US"/>
           </a:p>
@@ -13612,7 +13925,6 @@
               <a:rPr lang="fr-FR" dirty="0"/>
               <a:t>Spécifier Des Services Divers </a:t>
             </a:r>
-            <a:endParaRPr lang="fr-FR" dirty="0"/>
           </a:p>
         </p:txBody>
       </p:sp>
@@ -13626,11 +13938,11 @@
   <p:clrMapOvr>
     <a:masterClrMapping/>
   </p:clrMapOvr>
-  <mc:AlternateContent xmlns:mc="http://schemas.openxmlformats.org/markup-compatibility/2006">
-    <mc:Choice xmlns:p14="http://schemas.microsoft.com/office/powerpoint/2010/main" Requires="p14">
+  <mc:AlternateContent xmlns:mc="http://schemas.openxmlformats.org/markup-compatibility/2006" xmlns:p14="http://schemas.microsoft.com/office/powerpoint/2010/main">
+    <mc:Choice Requires="p14">
       <p:transition spd="slow" p14:dur="2000"/>
     </mc:Choice>
-    <mc:Fallback>
+    <mc:Fallback xmlns="">
       <p:transition spd="slow"/>
     </mc:Fallback>
   </mc:AlternateContent>
@@ -15018,7 +15330,7 @@
           <a:p>
             <a:fld id="{40C929A7-D313-490D-B877-ABDEEB22D221}" type="datetime1">
               <a:rPr lang="fr-FR" smtClean="0"/>
-              <a:t>10/02/2014</a:t>
+              <a:t>11/02/2014</a:t>
             </a:fld>
             <a:endParaRPr lang="en-US"/>
           </a:p>
@@ -15047,6 +15359,312 @@
           </a:p>
         </p:txBody>
       </p:sp>
+      <p:pic>
+        <p:nvPicPr>
+          <p:cNvPr id="3" name="Picture 2"/>
+          <p:cNvPicPr>
+            <a:picLocks noChangeAspect="1"/>
+          </p:cNvPicPr>
+          <p:nvPr/>
+        </p:nvPicPr>
+        <p:blipFill>
+          <a:blip r:embed="rId2"/>
+          <a:stretch>
+            <a:fillRect/>
+          </a:stretch>
+        </p:blipFill>
+        <p:spPr>
+          <a:xfrm>
+            <a:off x="1582188" y="1709202"/>
+            <a:ext cx="7204236" cy="4344469"/>
+          </a:xfrm>
+          <a:prstGeom prst="rect">
+            <a:avLst/>
+          </a:prstGeom>
+        </p:spPr>
+      </p:pic>
+      <p:sp>
+        <p:nvSpPr>
+          <p:cNvPr id="4" name="TextBox 3"/>
+          <p:cNvSpPr txBox="1"/>
+          <p:nvPr/>
+        </p:nvSpPr>
+        <p:spPr>
+          <a:xfrm>
+            <a:off x="149714" y="1851085"/>
+            <a:ext cx="3150699" cy="646331"/>
+          </a:xfrm>
+          <a:prstGeom prst="rect">
+            <a:avLst/>
+          </a:prstGeom>
+          <a:noFill/>
+        </p:spPr>
+        <p:txBody>
+          <a:bodyPr wrap="square" rtlCol="0">
+            <a:spAutoFit/>
+          </a:bodyPr>
+          <a:lstStyle/>
+          <a:p>
+            <a:pPr marL="285750" indent="-285750">
+              <a:buFont typeface="Wingdings" panose="05000000000000000000" pitchFamily="2" charset="2"/>
+              <a:buChar char="§"/>
+            </a:pPr>
+            <a:r>
+              <a:rPr lang="fr-FR" dirty="0" smtClean="0"/>
+              <a:t>Passage et récupération des ordres</a:t>
+            </a:r>
+            <a:endParaRPr lang="fr-FR" dirty="0"/>
+          </a:p>
+        </p:txBody>
+      </p:sp>
+      <p:sp>
+        <p:nvSpPr>
+          <p:cNvPr id="6" name="TextBox 5"/>
+          <p:cNvSpPr txBox="1"/>
+          <p:nvPr/>
+        </p:nvSpPr>
+        <p:spPr>
+          <a:xfrm>
+            <a:off x="149714" y="4557711"/>
+            <a:ext cx="2487740" cy="646331"/>
+          </a:xfrm>
+          <a:prstGeom prst="rect">
+            <a:avLst/>
+          </a:prstGeom>
+          <a:noFill/>
+        </p:spPr>
+        <p:txBody>
+          <a:bodyPr wrap="square" rtlCol="0">
+            <a:spAutoFit/>
+          </a:bodyPr>
+          <a:lstStyle/>
+          <a:p>
+            <a:pPr marL="285750" indent="-285750">
+              <a:buFont typeface="Wingdings" panose="05000000000000000000" pitchFamily="2" charset="2"/>
+              <a:buChar char="§"/>
+            </a:pPr>
+            <a:r>
+              <a:rPr lang="fr-FR" dirty="0" smtClean="0"/>
+              <a:t>Stocker les cours les plus consultés </a:t>
+            </a:r>
+            <a:endParaRPr lang="fr-FR" dirty="0"/>
+          </a:p>
+        </p:txBody>
+      </p:sp>
+      <p:sp>
+        <p:nvSpPr>
+          <p:cNvPr id="8" name="TextBox 7"/>
+          <p:cNvSpPr txBox="1"/>
+          <p:nvPr/>
+        </p:nvSpPr>
+        <p:spPr>
+          <a:xfrm>
+            <a:off x="7985164" y="4018180"/>
+            <a:ext cx="3844850" cy="1477328"/>
+          </a:xfrm>
+          <a:prstGeom prst="rect">
+            <a:avLst/>
+          </a:prstGeom>
+          <a:noFill/>
+        </p:spPr>
+        <p:txBody>
+          <a:bodyPr wrap="square" rtlCol="0">
+            <a:spAutoFit/>
+          </a:bodyPr>
+          <a:lstStyle/>
+          <a:p>
+            <a:pPr marL="285750" indent="-285750">
+              <a:buFont typeface="Wingdings" panose="05000000000000000000" pitchFamily="2" charset="2"/>
+              <a:buChar char="§"/>
+            </a:pPr>
+            <a:r>
+              <a:rPr lang="fr-FR" dirty="0" smtClean="0"/>
+              <a:t>L’application </a:t>
+            </a:r>
+            <a:r>
+              <a:rPr lang="fr-FR" b="1" dirty="0" smtClean="0">
+                <a:solidFill>
+                  <a:srgbClr val="00B0F0"/>
+                </a:solidFill>
+              </a:rPr>
+              <a:t>Web</a:t>
+            </a:r>
+            <a:r>
+              <a:rPr lang="fr-FR" dirty="0" smtClean="0"/>
+              <a:t> Passe par l’application </a:t>
+            </a:r>
+            <a:r>
+              <a:rPr lang="fr-FR" b="1" dirty="0" smtClean="0">
+                <a:solidFill>
+                  <a:srgbClr val="00B0F0"/>
+                </a:solidFill>
+              </a:rPr>
+              <a:t>Transaction</a:t>
+            </a:r>
+            <a:r>
+              <a:rPr lang="fr-FR" dirty="0" smtClean="0">
+                <a:solidFill>
+                  <a:srgbClr val="00B0F0"/>
+                </a:solidFill>
+              </a:rPr>
+              <a:t> </a:t>
+            </a:r>
+            <a:r>
+              <a:rPr lang="fr-FR" b="1" dirty="0" smtClean="0">
+                <a:solidFill>
+                  <a:srgbClr val="00B0F0"/>
+                </a:solidFill>
+              </a:rPr>
+              <a:t>System</a:t>
+            </a:r>
+            <a:r>
+              <a:rPr lang="fr-FR" dirty="0" smtClean="0">
+                <a:solidFill>
+                  <a:srgbClr val="00B0F0"/>
+                </a:solidFill>
+              </a:rPr>
+              <a:t> </a:t>
+            </a:r>
+            <a:r>
+              <a:rPr lang="fr-FR" dirty="0" smtClean="0"/>
+              <a:t>pour passer  les ordres</a:t>
+            </a:r>
+          </a:p>
+          <a:p>
+            <a:pPr marL="742950" lvl="1" indent="-285750">
+              <a:buFont typeface="Wingdings" panose="05000000000000000000" pitchFamily="2" charset="2"/>
+              <a:buChar char="§"/>
+            </a:pPr>
+            <a:r>
+              <a:rPr lang="fr-FR" dirty="0" smtClean="0"/>
+              <a:t>Séparer la consultation et le passage d’ordres</a:t>
+            </a:r>
+            <a:endParaRPr lang="fr-FR" dirty="0"/>
+          </a:p>
+        </p:txBody>
+      </p:sp>
+      <p:sp>
+        <p:nvSpPr>
+          <p:cNvPr id="10" name="Oval 9"/>
+          <p:cNvSpPr/>
+          <p:nvPr/>
+        </p:nvSpPr>
+        <p:spPr>
+          <a:xfrm>
+            <a:off x="3260923" y="3548065"/>
+            <a:ext cx="1954017" cy="1023934"/>
+          </a:xfrm>
+          <a:prstGeom prst="ellipse">
+            <a:avLst/>
+          </a:prstGeom>
+          <a:noFill/>
+          <a:ln w="31750">
+            <a:solidFill>
+              <a:srgbClr val="FFC000"/>
+            </a:solidFill>
+          </a:ln>
+        </p:spPr>
+        <p:style>
+          <a:lnRef idx="2">
+            <a:schemeClr val="accent1">
+              <a:shade val="50000"/>
+            </a:schemeClr>
+          </a:lnRef>
+          <a:fillRef idx="1">
+            <a:schemeClr val="accent1"/>
+          </a:fillRef>
+          <a:effectRef idx="0">
+            <a:schemeClr val="accent1"/>
+          </a:effectRef>
+          <a:fontRef idx="minor">
+            <a:schemeClr val="lt1"/>
+          </a:fontRef>
+        </p:style>
+        <p:txBody>
+          <a:bodyPr rtlCol="0" anchor="ctr"/>
+          <a:lstStyle/>
+          <a:p>
+            <a:pPr algn="ctr"/>
+            <a:endParaRPr lang="fr-FR"/>
+          </a:p>
+        </p:txBody>
+      </p:sp>
+      <p:sp>
+        <p:nvSpPr>
+          <p:cNvPr id="12" name="Oval 11"/>
+          <p:cNvSpPr/>
+          <p:nvPr/>
+        </p:nvSpPr>
+        <p:spPr>
+          <a:xfrm>
+            <a:off x="5838409" y="3614736"/>
+            <a:ext cx="2117323" cy="866092"/>
+          </a:xfrm>
+          <a:prstGeom prst="ellipse">
+            <a:avLst/>
+          </a:prstGeom>
+          <a:noFill/>
+          <a:ln w="31750">
+            <a:solidFill>
+              <a:srgbClr val="00B0F0"/>
+            </a:solidFill>
+          </a:ln>
+        </p:spPr>
+        <p:style>
+          <a:lnRef idx="2">
+            <a:schemeClr val="accent1">
+              <a:shade val="50000"/>
+            </a:schemeClr>
+          </a:lnRef>
+          <a:fillRef idx="1">
+            <a:schemeClr val="accent1"/>
+          </a:fillRef>
+          <a:effectRef idx="0">
+            <a:schemeClr val="accent1"/>
+          </a:effectRef>
+          <a:fontRef idx="minor">
+            <a:schemeClr val="lt1"/>
+          </a:fontRef>
+        </p:style>
+        <p:txBody>
+          <a:bodyPr rtlCol="0" anchor="ctr"/>
+          <a:lstStyle/>
+          <a:p>
+            <a:pPr algn="ctr"/>
+            <a:endParaRPr lang="fr-FR"/>
+          </a:p>
+        </p:txBody>
+      </p:sp>
+      <p:pic>
+        <p:nvPicPr>
+          <p:cNvPr id="13" name="Picture 12"/>
+          <p:cNvPicPr>
+            <a:picLocks noChangeAspect="1"/>
+          </p:cNvPicPr>
+          <p:nvPr/>
+        </p:nvPicPr>
+        <p:blipFill>
+          <a:blip r:embed="rId3" cstate="print">
+            <a:extLst>
+              <a:ext uri="{28A0092B-C50C-407E-A947-70E740481C1C}">
+                <a14:useLocalDpi xmlns:a14="http://schemas.microsoft.com/office/drawing/2010/main" val="0"/>
+              </a:ext>
+            </a:extLst>
+          </a:blip>
+          <a:stretch>
+            <a:fillRect/>
+          </a:stretch>
+        </p:blipFill>
+        <p:spPr>
+          <a:xfrm>
+            <a:off x="9864368" y="565924"/>
+            <a:ext cx="1446760" cy="1446760"/>
+          </a:xfrm>
+          <a:prstGeom prst="rect">
+            <a:avLst/>
+          </a:prstGeom>
+        </p:spPr>
+      </p:pic>
     </p:spTree>
     <p:extLst>
       <p:ext uri="{BB962C8B-B14F-4D97-AF65-F5344CB8AC3E}">
@@ -15057,20 +15675,543 @@
   <p:clrMapOvr>
     <a:masterClrMapping/>
   </p:clrMapOvr>
-  <mc:AlternateContent xmlns:mc="http://schemas.openxmlformats.org/markup-compatibility/2006">
-    <mc:Choice xmlns:p14="http://schemas.microsoft.com/office/powerpoint/2010/main" Requires="p14">
+  <mc:AlternateContent xmlns:mc="http://schemas.openxmlformats.org/markup-compatibility/2006" xmlns:p14="http://schemas.microsoft.com/office/powerpoint/2010/main">
+    <mc:Choice Requires="p14">
       <p:transition spd="slow" p14:dur="2000"/>
     </mc:Choice>
-    <mc:Fallback>
+    <mc:Fallback xmlns="">
       <p:transition spd="slow"/>
     </mc:Fallback>
   </mc:AlternateContent>
   <p:timing>
     <p:tnLst>
       <p:par>
-        <p:cTn id="1" dur="indefinite" restart="never" nodeType="tmRoot"/>
+        <p:cTn id="1" dur="indefinite" restart="never" nodeType="tmRoot">
+          <p:childTnLst>
+            <p:seq concurrent="1" nextAc="seek">
+              <p:cTn id="2" dur="indefinite" nodeType="mainSeq">
+                <p:childTnLst>
+                  <p:par>
+                    <p:cTn id="3" fill="hold">
+                      <p:stCondLst>
+                        <p:cond delay="indefinite"/>
+                        <p:cond evt="onBegin" delay="0">
+                          <p:tn val="2"/>
+                        </p:cond>
+                      </p:stCondLst>
+                      <p:childTnLst>
+                        <p:par>
+                          <p:cTn id="4" fill="hold">
+                            <p:stCondLst>
+                              <p:cond delay="0"/>
+                            </p:stCondLst>
+                            <p:childTnLst>
+                              <p:par>
+                                <p:cTn id="5" presetID="2" presetClass="entr" presetSubtype="1" fill="hold" nodeType="withEffect">
+                                  <p:stCondLst>
+                                    <p:cond delay="0"/>
+                                  </p:stCondLst>
+                                  <p:childTnLst>
+                                    <p:set>
+                                      <p:cBhvr>
+                                        <p:cTn id="6" dur="1" fill="hold">
+                                          <p:stCondLst>
+                                            <p:cond delay="0"/>
+                                          </p:stCondLst>
+                                        </p:cTn>
+                                        <p:tgtEl>
+                                          <p:spTgt spid="3"/>
+                                        </p:tgtEl>
+                                        <p:attrNameLst>
+                                          <p:attrName>style.visibility</p:attrName>
+                                        </p:attrNameLst>
+                                      </p:cBhvr>
+                                      <p:to>
+                                        <p:strVal val="visible"/>
+                                      </p:to>
+                                    </p:set>
+                                    <p:anim calcmode="lin" valueType="num">
+                                      <p:cBhvr additive="base">
+                                        <p:cTn id="7" dur="500" fill="hold"/>
+                                        <p:tgtEl>
+                                          <p:spTgt spid="3"/>
+                                        </p:tgtEl>
+                                        <p:attrNameLst>
+                                          <p:attrName>ppt_x</p:attrName>
+                                        </p:attrNameLst>
+                                      </p:cBhvr>
+                                      <p:tavLst>
+                                        <p:tav tm="0">
+                                          <p:val>
+                                            <p:strVal val="#ppt_x"/>
+                                          </p:val>
+                                        </p:tav>
+                                        <p:tav tm="100000">
+                                          <p:val>
+                                            <p:strVal val="#ppt_x"/>
+                                          </p:val>
+                                        </p:tav>
+                                      </p:tavLst>
+                                    </p:anim>
+                                    <p:anim calcmode="lin" valueType="num">
+                                      <p:cBhvr additive="base">
+                                        <p:cTn id="8" dur="500" fill="hold"/>
+                                        <p:tgtEl>
+                                          <p:spTgt spid="3"/>
+                                        </p:tgtEl>
+                                        <p:attrNameLst>
+                                          <p:attrName>ppt_y</p:attrName>
+                                        </p:attrNameLst>
+                                      </p:cBhvr>
+                                      <p:tavLst>
+                                        <p:tav tm="0">
+                                          <p:val>
+                                            <p:strVal val="0-#ppt_h/2"/>
+                                          </p:val>
+                                        </p:tav>
+                                        <p:tav tm="100000">
+                                          <p:val>
+                                            <p:strVal val="#ppt_y"/>
+                                          </p:val>
+                                        </p:tav>
+                                      </p:tavLst>
+                                    </p:anim>
+                                  </p:childTnLst>
+                                </p:cTn>
+                              </p:par>
+                            </p:childTnLst>
+                          </p:cTn>
+                        </p:par>
+                        <p:par>
+                          <p:cTn id="9" fill="hold">
+                            <p:stCondLst>
+                              <p:cond delay="500"/>
+                            </p:stCondLst>
+                            <p:childTnLst>
+                              <p:par>
+                                <p:cTn id="10" presetID="45" presetClass="entr" presetSubtype="0" fill="hold" grpId="0" nodeType="afterEffect">
+                                  <p:stCondLst>
+                                    <p:cond delay="0"/>
+                                  </p:stCondLst>
+                                  <p:childTnLst>
+                                    <p:set>
+                                      <p:cBhvr>
+                                        <p:cTn id="11" dur="1" fill="hold">
+                                          <p:stCondLst>
+                                            <p:cond delay="0"/>
+                                          </p:stCondLst>
+                                        </p:cTn>
+                                        <p:tgtEl>
+                                          <p:spTgt spid="10"/>
+                                        </p:tgtEl>
+                                        <p:attrNameLst>
+                                          <p:attrName>style.visibility</p:attrName>
+                                        </p:attrNameLst>
+                                      </p:cBhvr>
+                                      <p:to>
+                                        <p:strVal val="visible"/>
+                                      </p:to>
+                                    </p:set>
+                                    <p:animEffect transition="in" filter="fade">
+                                      <p:cBhvr>
+                                        <p:cTn id="12" dur="800"/>
+                                        <p:tgtEl>
+                                          <p:spTgt spid="10"/>
+                                        </p:tgtEl>
+                                      </p:cBhvr>
+                                    </p:animEffect>
+                                    <p:anim calcmode="lin" valueType="num">
+                                      <p:cBhvr>
+                                        <p:cTn id="13" dur="800" fill="hold"/>
+                                        <p:tgtEl>
+                                          <p:spTgt spid="10"/>
+                                        </p:tgtEl>
+                                        <p:attrNameLst>
+                                          <p:attrName>ppt_w</p:attrName>
+                                        </p:attrNameLst>
+                                      </p:cBhvr>
+                                      <p:tavLst>
+                                        <p:tav tm="0" fmla="#ppt_w*sin(2.5*pi*$)">
+                                          <p:val>
+                                            <p:fltVal val="0"/>
+                                          </p:val>
+                                        </p:tav>
+                                        <p:tav tm="100000">
+                                          <p:val>
+                                            <p:fltVal val="1"/>
+                                          </p:val>
+                                        </p:tav>
+                                      </p:tavLst>
+                                    </p:anim>
+                                    <p:anim calcmode="lin" valueType="num">
+                                      <p:cBhvr>
+                                        <p:cTn id="14" dur="800" fill="hold"/>
+                                        <p:tgtEl>
+                                          <p:spTgt spid="10"/>
+                                        </p:tgtEl>
+                                        <p:attrNameLst>
+                                          <p:attrName>ppt_h</p:attrName>
+                                        </p:attrNameLst>
+                                      </p:cBhvr>
+                                      <p:tavLst>
+                                        <p:tav tm="0">
+                                          <p:val>
+                                            <p:strVal val="#ppt_h"/>
+                                          </p:val>
+                                        </p:tav>
+                                        <p:tav tm="100000">
+                                          <p:val>
+                                            <p:strVal val="#ppt_h"/>
+                                          </p:val>
+                                        </p:tav>
+                                      </p:tavLst>
+                                    </p:anim>
+                                  </p:childTnLst>
+                                </p:cTn>
+                              </p:par>
+                              <p:par>
+                                <p:cTn id="15" presetID="2" presetClass="entr" presetSubtype="8" fill="hold" grpId="0" nodeType="withEffect">
+                                  <p:stCondLst>
+                                    <p:cond delay="0"/>
+                                  </p:stCondLst>
+                                  <p:childTnLst>
+                                    <p:set>
+                                      <p:cBhvr>
+                                        <p:cTn id="16" dur="1" fill="hold">
+                                          <p:stCondLst>
+                                            <p:cond delay="0"/>
+                                          </p:stCondLst>
+                                        </p:cTn>
+                                        <p:tgtEl>
+                                          <p:spTgt spid="4"/>
+                                        </p:tgtEl>
+                                        <p:attrNameLst>
+                                          <p:attrName>style.visibility</p:attrName>
+                                        </p:attrNameLst>
+                                      </p:cBhvr>
+                                      <p:to>
+                                        <p:strVal val="visible"/>
+                                      </p:to>
+                                    </p:set>
+                                    <p:anim calcmode="lin" valueType="num">
+                                      <p:cBhvr additive="base">
+                                        <p:cTn id="17" dur="500" fill="hold"/>
+                                        <p:tgtEl>
+                                          <p:spTgt spid="4"/>
+                                        </p:tgtEl>
+                                        <p:attrNameLst>
+                                          <p:attrName>ppt_x</p:attrName>
+                                        </p:attrNameLst>
+                                      </p:cBhvr>
+                                      <p:tavLst>
+                                        <p:tav tm="0">
+                                          <p:val>
+                                            <p:strVal val="0-#ppt_w/2"/>
+                                          </p:val>
+                                        </p:tav>
+                                        <p:tav tm="100000">
+                                          <p:val>
+                                            <p:strVal val="#ppt_x"/>
+                                          </p:val>
+                                        </p:tav>
+                                      </p:tavLst>
+                                    </p:anim>
+                                    <p:anim calcmode="lin" valueType="num">
+                                      <p:cBhvr additive="base">
+                                        <p:cTn id="18" dur="500" fill="hold"/>
+                                        <p:tgtEl>
+                                          <p:spTgt spid="4"/>
+                                        </p:tgtEl>
+                                        <p:attrNameLst>
+                                          <p:attrName>ppt_y</p:attrName>
+                                        </p:attrNameLst>
+                                      </p:cBhvr>
+                                      <p:tavLst>
+                                        <p:tav tm="0">
+                                          <p:val>
+                                            <p:strVal val="#ppt_y"/>
+                                          </p:val>
+                                        </p:tav>
+                                        <p:tav tm="100000">
+                                          <p:val>
+                                            <p:strVal val="#ppt_y"/>
+                                          </p:val>
+                                        </p:tav>
+                                      </p:tavLst>
+                                    </p:anim>
+                                  </p:childTnLst>
+                                </p:cTn>
+                              </p:par>
+                              <p:par>
+                                <p:cTn id="19" presetID="2" presetClass="entr" presetSubtype="2" fill="hold" grpId="0" nodeType="withEffect">
+                                  <p:stCondLst>
+                                    <p:cond delay="0"/>
+                                  </p:stCondLst>
+                                  <p:childTnLst>
+                                    <p:set>
+                                      <p:cBhvr>
+                                        <p:cTn id="20" dur="1" fill="hold">
+                                          <p:stCondLst>
+                                            <p:cond delay="0"/>
+                                          </p:stCondLst>
+                                        </p:cTn>
+                                        <p:tgtEl>
+                                          <p:spTgt spid="6"/>
+                                        </p:tgtEl>
+                                        <p:attrNameLst>
+                                          <p:attrName>style.visibility</p:attrName>
+                                        </p:attrNameLst>
+                                      </p:cBhvr>
+                                      <p:to>
+                                        <p:strVal val="visible"/>
+                                      </p:to>
+                                    </p:set>
+                                    <p:anim calcmode="lin" valueType="num">
+                                      <p:cBhvr additive="base">
+                                        <p:cTn id="21" dur="500" fill="hold"/>
+                                        <p:tgtEl>
+                                          <p:spTgt spid="6"/>
+                                        </p:tgtEl>
+                                        <p:attrNameLst>
+                                          <p:attrName>ppt_x</p:attrName>
+                                        </p:attrNameLst>
+                                      </p:cBhvr>
+                                      <p:tavLst>
+                                        <p:tav tm="0">
+                                          <p:val>
+                                            <p:strVal val="1+#ppt_w/2"/>
+                                          </p:val>
+                                        </p:tav>
+                                        <p:tav tm="100000">
+                                          <p:val>
+                                            <p:strVal val="#ppt_x"/>
+                                          </p:val>
+                                        </p:tav>
+                                      </p:tavLst>
+                                    </p:anim>
+                                    <p:anim calcmode="lin" valueType="num">
+                                      <p:cBhvr additive="base">
+                                        <p:cTn id="22" dur="500" fill="hold"/>
+                                        <p:tgtEl>
+                                          <p:spTgt spid="6"/>
+                                        </p:tgtEl>
+                                        <p:attrNameLst>
+                                          <p:attrName>ppt_y</p:attrName>
+                                        </p:attrNameLst>
+                                      </p:cBhvr>
+                                      <p:tavLst>
+                                        <p:tav tm="0">
+                                          <p:val>
+                                            <p:strVal val="#ppt_y"/>
+                                          </p:val>
+                                        </p:tav>
+                                        <p:tav tm="100000">
+                                          <p:val>
+                                            <p:strVal val="#ppt_y"/>
+                                          </p:val>
+                                        </p:tav>
+                                      </p:tavLst>
+                                    </p:anim>
+                                  </p:childTnLst>
+                                </p:cTn>
+                              </p:par>
+                            </p:childTnLst>
+                          </p:cTn>
+                        </p:par>
+                        <p:par>
+                          <p:cTn id="23" fill="hold">
+                            <p:stCondLst>
+                              <p:cond delay="1300"/>
+                            </p:stCondLst>
+                            <p:childTnLst>
+                              <p:par>
+                                <p:cTn id="24" presetID="45" presetClass="entr" presetSubtype="0" fill="hold" grpId="0" nodeType="afterEffect">
+                                  <p:stCondLst>
+                                    <p:cond delay="2000"/>
+                                  </p:stCondLst>
+                                  <p:childTnLst>
+                                    <p:set>
+                                      <p:cBhvr>
+                                        <p:cTn id="25" dur="1" fill="hold">
+                                          <p:stCondLst>
+                                            <p:cond delay="0"/>
+                                          </p:stCondLst>
+                                        </p:cTn>
+                                        <p:tgtEl>
+                                          <p:spTgt spid="12"/>
+                                        </p:tgtEl>
+                                        <p:attrNameLst>
+                                          <p:attrName>style.visibility</p:attrName>
+                                        </p:attrNameLst>
+                                      </p:cBhvr>
+                                      <p:to>
+                                        <p:strVal val="visible"/>
+                                      </p:to>
+                                    </p:set>
+                                    <p:animEffect transition="in" filter="fade">
+                                      <p:cBhvr>
+                                        <p:cTn id="26" dur="800"/>
+                                        <p:tgtEl>
+                                          <p:spTgt spid="12"/>
+                                        </p:tgtEl>
+                                      </p:cBhvr>
+                                    </p:animEffect>
+                                    <p:anim calcmode="lin" valueType="num">
+                                      <p:cBhvr>
+                                        <p:cTn id="27" dur="800" fill="hold"/>
+                                        <p:tgtEl>
+                                          <p:spTgt spid="12"/>
+                                        </p:tgtEl>
+                                        <p:attrNameLst>
+                                          <p:attrName>ppt_w</p:attrName>
+                                        </p:attrNameLst>
+                                      </p:cBhvr>
+                                      <p:tavLst>
+                                        <p:tav tm="0" fmla="#ppt_w*sin(2.5*pi*$)">
+                                          <p:val>
+                                            <p:fltVal val="0"/>
+                                          </p:val>
+                                        </p:tav>
+                                        <p:tav tm="100000">
+                                          <p:val>
+                                            <p:fltVal val="1"/>
+                                          </p:val>
+                                        </p:tav>
+                                      </p:tavLst>
+                                    </p:anim>
+                                    <p:anim calcmode="lin" valueType="num">
+                                      <p:cBhvr>
+                                        <p:cTn id="28" dur="800" fill="hold"/>
+                                        <p:tgtEl>
+                                          <p:spTgt spid="12"/>
+                                        </p:tgtEl>
+                                        <p:attrNameLst>
+                                          <p:attrName>ppt_h</p:attrName>
+                                        </p:attrNameLst>
+                                      </p:cBhvr>
+                                      <p:tavLst>
+                                        <p:tav tm="0">
+                                          <p:val>
+                                            <p:strVal val="#ppt_h"/>
+                                          </p:val>
+                                        </p:tav>
+                                        <p:tav tm="100000">
+                                          <p:val>
+                                            <p:strVal val="#ppt_h"/>
+                                          </p:val>
+                                        </p:tav>
+                                      </p:tavLst>
+                                    </p:anim>
+                                  </p:childTnLst>
+                                </p:cTn>
+                              </p:par>
+                              <p:par>
+                                <p:cTn id="29" presetID="2" presetClass="entr" presetSubtype="4" fill="hold" grpId="0" nodeType="withEffect">
+                                  <p:stCondLst>
+                                    <p:cond delay="2000"/>
+                                  </p:stCondLst>
+                                  <p:childTnLst>
+                                    <p:set>
+                                      <p:cBhvr>
+                                        <p:cTn id="30" dur="1" fill="hold">
+                                          <p:stCondLst>
+                                            <p:cond delay="0"/>
+                                          </p:stCondLst>
+                                        </p:cTn>
+                                        <p:tgtEl>
+                                          <p:spTgt spid="8"/>
+                                        </p:tgtEl>
+                                        <p:attrNameLst>
+                                          <p:attrName>style.visibility</p:attrName>
+                                        </p:attrNameLst>
+                                      </p:cBhvr>
+                                      <p:to>
+                                        <p:strVal val="visible"/>
+                                      </p:to>
+                                    </p:set>
+                                    <p:anim calcmode="lin" valueType="num">
+                                      <p:cBhvr additive="base">
+                                        <p:cTn id="31" dur="500" fill="hold"/>
+                                        <p:tgtEl>
+                                          <p:spTgt spid="8"/>
+                                        </p:tgtEl>
+                                        <p:attrNameLst>
+                                          <p:attrName>ppt_x</p:attrName>
+                                        </p:attrNameLst>
+                                      </p:cBhvr>
+                                      <p:tavLst>
+                                        <p:tav tm="0">
+                                          <p:val>
+                                            <p:strVal val="#ppt_x"/>
+                                          </p:val>
+                                        </p:tav>
+                                        <p:tav tm="100000">
+                                          <p:val>
+                                            <p:strVal val="#ppt_x"/>
+                                          </p:val>
+                                        </p:tav>
+                                      </p:tavLst>
+                                    </p:anim>
+                                    <p:anim calcmode="lin" valueType="num">
+                                      <p:cBhvr additive="base">
+                                        <p:cTn id="32" dur="500" fill="hold"/>
+                                        <p:tgtEl>
+                                          <p:spTgt spid="8"/>
+                                        </p:tgtEl>
+                                        <p:attrNameLst>
+                                          <p:attrName>ppt_y</p:attrName>
+                                        </p:attrNameLst>
+                                      </p:cBhvr>
+                                      <p:tavLst>
+                                        <p:tav tm="0">
+                                          <p:val>
+                                            <p:strVal val="1+#ppt_h/2"/>
+                                          </p:val>
+                                        </p:tav>
+                                        <p:tav tm="100000">
+                                          <p:val>
+                                            <p:strVal val="#ppt_y"/>
+                                          </p:val>
+                                        </p:tav>
+                                      </p:tavLst>
+                                    </p:anim>
+                                  </p:childTnLst>
+                                </p:cTn>
+                              </p:par>
+                            </p:childTnLst>
+                          </p:cTn>
+                        </p:par>
+                      </p:childTnLst>
+                    </p:cTn>
+                  </p:par>
+                </p:childTnLst>
+              </p:cTn>
+              <p:prevCondLst>
+                <p:cond evt="onPrev" delay="0">
+                  <p:tgtEl>
+                    <p:sldTgt/>
+                  </p:tgtEl>
+                </p:cond>
+              </p:prevCondLst>
+              <p:nextCondLst>
+                <p:cond evt="onNext" delay="0">
+                  <p:tgtEl>
+                    <p:sldTgt/>
+                  </p:tgtEl>
+                </p:cond>
+              </p:nextCondLst>
+            </p:seq>
+          </p:childTnLst>
+        </p:cTn>
       </p:par>
     </p:tnLst>
+    <p:bldLst>
+      <p:bldP spid="4" grpId="0"/>
+      <p:bldP spid="6" grpId="0"/>
+      <p:bldP spid="8" grpId="0"/>
+      <p:bldP spid="10" grpId="0" animBg="1"/>
+      <p:bldP spid="12" grpId="0" animBg="1"/>
+    </p:bldLst>
   </p:timing>
 </p:sld>
 </file>
@@ -15092,110 +16233,957 @@
           <a:chExt cx="0" cy="0"/>
         </a:xfrm>
       </p:grpSpPr>
+      <p:pic>
+        <p:nvPicPr>
+          <p:cNvPr id="21" name="Picture 20"/>
+          <p:cNvPicPr>
+            <a:picLocks noChangeAspect="1"/>
+          </p:cNvPicPr>
+          <p:nvPr/>
+        </p:nvPicPr>
+        <p:blipFill>
+          <a:blip r:embed="rId2"/>
+          <a:stretch>
+            <a:fillRect/>
+          </a:stretch>
+        </p:blipFill>
+        <p:spPr>
+          <a:xfrm>
+            <a:off x="1438647" y="122832"/>
+            <a:ext cx="7318589" cy="4458797"/>
+          </a:xfrm>
+          <a:prstGeom prst="rect">
+            <a:avLst/>
+          </a:prstGeom>
+        </p:spPr>
+      </p:pic>
+      <p:pic>
+        <p:nvPicPr>
+          <p:cNvPr id="14" name="Picture 13"/>
+          <p:cNvPicPr>
+            <a:picLocks noChangeAspect="1"/>
+          </p:cNvPicPr>
+          <p:nvPr/>
+        </p:nvPicPr>
+        <p:blipFill>
+          <a:blip r:embed="rId3"/>
+          <a:stretch>
+            <a:fillRect/>
+          </a:stretch>
+        </p:blipFill>
+        <p:spPr>
+          <a:xfrm>
+            <a:off x="632540" y="3369699"/>
+            <a:ext cx="5389836" cy="3445088"/>
+          </a:xfrm>
+          <a:prstGeom prst="rect">
+            <a:avLst/>
+          </a:prstGeom>
+        </p:spPr>
+      </p:pic>
+      <p:pic>
+        <p:nvPicPr>
+          <p:cNvPr id="18" name="Picture 17"/>
+          <p:cNvPicPr>
+            <a:picLocks noChangeAspect="1"/>
+          </p:cNvPicPr>
+          <p:nvPr/>
+        </p:nvPicPr>
+        <p:blipFill>
+          <a:blip r:embed="rId4"/>
+          <a:stretch>
+            <a:fillRect/>
+          </a:stretch>
+        </p:blipFill>
+        <p:spPr>
+          <a:xfrm>
+            <a:off x="4679002" y="4194308"/>
+            <a:ext cx="3224753" cy="2469488"/>
+          </a:xfrm>
+          <a:prstGeom prst="rect">
+            <a:avLst/>
+          </a:prstGeom>
+        </p:spPr>
+      </p:pic>
       <p:sp>
         <p:nvSpPr>
-          <p:cNvPr id="2" name="Title 1"/>
-          <p:cNvSpPr>
-            <a:spLocks noGrp="1"/>
-          </p:cNvSpPr>
-          <p:nvPr>
-            <p:ph type="title"/>
-          </p:nvPr>
+          <p:cNvPr id="22" name="Oval 21"/>
+          <p:cNvSpPr/>
+          <p:nvPr/>
         </p:nvSpPr>
-        <p:spPr/>
+        <p:spPr>
+          <a:xfrm>
+            <a:off x="6943879" y="1258834"/>
+            <a:ext cx="1545028" cy="610912"/>
+          </a:xfrm>
+          <a:prstGeom prst="ellipse">
+            <a:avLst/>
+          </a:prstGeom>
+          <a:noFill/>
+          <a:ln w="31750">
+            <a:solidFill>
+              <a:srgbClr val="00B0F0"/>
+            </a:solidFill>
+          </a:ln>
+        </p:spPr>
+        <p:style>
+          <a:lnRef idx="2">
+            <a:schemeClr val="accent1">
+              <a:shade val="50000"/>
+            </a:schemeClr>
+          </a:lnRef>
+          <a:fillRef idx="1">
+            <a:schemeClr val="accent1"/>
+          </a:fillRef>
+          <a:effectRef idx="0">
+            <a:schemeClr val="accent1"/>
+          </a:effectRef>
+          <a:fontRef idx="minor">
+            <a:schemeClr val="lt1"/>
+          </a:fontRef>
+        </p:style>
         <p:txBody>
-          <a:bodyPr/>
+          <a:bodyPr rtlCol="0" anchor="ctr"/>
           <a:lstStyle/>
           <a:p>
-            <a:pPr lvl="0"/>
-            <a:r>
-              <a:rPr lang="fr-FR" dirty="0"/>
-              <a:t>Architecture Logicielle</a:t>
-            </a:r>
+            <a:pPr algn="ctr"/>
+            <a:endParaRPr lang="fr-FR"/>
           </a:p>
         </p:txBody>
       </p:sp>
       <p:sp>
         <p:nvSpPr>
-          <p:cNvPr id="3" name="Content Placeholder 2"/>
-          <p:cNvSpPr>
-            <a:spLocks noGrp="1"/>
-          </p:cNvSpPr>
-          <p:nvPr>
-            <p:ph idx="1"/>
-          </p:nvPr>
+          <p:cNvPr id="23" name="TextBox 22"/>
+          <p:cNvSpPr txBox="1"/>
+          <p:nvPr/>
         </p:nvSpPr>
-        <p:spPr/>
+        <p:spPr>
+          <a:xfrm>
+            <a:off x="8302304" y="1258834"/>
+            <a:ext cx="3889695" cy="1015663"/>
+          </a:xfrm>
+          <a:prstGeom prst="rect">
+            <a:avLst/>
+          </a:prstGeom>
+          <a:noFill/>
+        </p:spPr>
         <p:txBody>
-          <a:bodyPr/>
+          <a:bodyPr wrap="square" rtlCol="0">
+            <a:spAutoFit/>
+          </a:bodyPr>
           <a:lstStyle/>
           <a:p>
-            <a:endParaRPr lang="fr-FR"/>
+            <a:pPr marL="342900" indent="-342900">
+              <a:buFont typeface="Wingdings" panose="05000000000000000000" pitchFamily="2" charset="2"/>
+              <a:buChar char="§"/>
+            </a:pPr>
+            <a:r>
+              <a:rPr lang="fr-FR" sz="2000" b="1" dirty="0" smtClean="0"/>
+              <a:t>Gestion Des Comptes</a:t>
+            </a:r>
+          </a:p>
+          <a:p>
+            <a:pPr marL="800100" lvl="1" indent="-342900">
+              <a:buFont typeface="Wingdings" panose="05000000000000000000" pitchFamily="2" charset="2"/>
+              <a:buChar char="ü"/>
+            </a:pPr>
+            <a:r>
+              <a:rPr lang="fr-FR" sz="2000" b="1" dirty="0" smtClean="0"/>
+              <a:t>Autorisation D’</a:t>
+            </a:r>
+            <a:r>
+              <a:rPr lang="fr-FR" sz="2000" b="1" dirty="0" err="1" smtClean="0">
+                <a:solidFill>
+                  <a:srgbClr val="00B0F0"/>
+                </a:solidFill>
+              </a:rPr>
+              <a:t>acces</a:t>
+            </a:r>
+            <a:r>
+              <a:rPr lang="fr-FR" sz="2000" b="1" dirty="0" smtClean="0"/>
+              <a:t> Et </a:t>
+            </a:r>
+            <a:r>
+              <a:rPr lang="fr-FR" sz="2000" b="1" dirty="0" smtClean="0">
+                <a:solidFill>
+                  <a:srgbClr val="00B0F0"/>
+                </a:solidFill>
+              </a:rPr>
+              <a:t>Passage</a:t>
+            </a:r>
+            <a:r>
+              <a:rPr lang="fr-FR" sz="2000" b="1" dirty="0" smtClean="0"/>
+              <a:t> </a:t>
+            </a:r>
+            <a:r>
+              <a:rPr lang="fr-FR" sz="2000" b="1" dirty="0" smtClean="0">
+                <a:solidFill>
+                  <a:srgbClr val="00B0F0"/>
+                </a:solidFill>
+              </a:rPr>
+              <a:t>D’ordres</a:t>
+            </a:r>
+            <a:endParaRPr lang="fr-FR" sz="2000" b="1" dirty="0">
+              <a:solidFill>
+                <a:srgbClr val="00B0F0"/>
+              </a:solidFill>
+            </a:endParaRPr>
           </a:p>
         </p:txBody>
       </p:sp>
       <p:sp>
         <p:nvSpPr>
-          <p:cNvPr id="5" name="Date Placeholder 4"/>
-          <p:cNvSpPr>
-            <a:spLocks noGrp="1"/>
-          </p:cNvSpPr>
-          <p:nvPr>
-            <p:ph type="dt" sz="half" idx="10"/>
-          </p:nvPr>
+          <p:cNvPr id="24" name="Oval 23"/>
+          <p:cNvSpPr/>
+          <p:nvPr/>
         </p:nvSpPr>
-        <p:spPr/>
+        <p:spPr>
+          <a:xfrm>
+            <a:off x="6334243" y="3048612"/>
+            <a:ext cx="1381007" cy="580413"/>
+          </a:xfrm>
+          <a:prstGeom prst="ellipse">
+            <a:avLst/>
+          </a:prstGeom>
+          <a:noFill/>
+          <a:ln w="31750">
+            <a:solidFill>
+              <a:srgbClr val="FFC000"/>
+            </a:solidFill>
+          </a:ln>
+        </p:spPr>
+        <p:style>
+          <a:lnRef idx="2">
+            <a:schemeClr val="accent1">
+              <a:shade val="50000"/>
+            </a:schemeClr>
+          </a:lnRef>
+          <a:fillRef idx="1">
+            <a:schemeClr val="accent1"/>
+          </a:fillRef>
+          <a:effectRef idx="0">
+            <a:schemeClr val="accent1"/>
+          </a:effectRef>
+          <a:fontRef idx="minor">
+            <a:schemeClr val="lt1"/>
+          </a:fontRef>
+        </p:style>
         <p:txBody>
-          <a:bodyPr/>
+          <a:bodyPr rtlCol="0" anchor="ctr"/>
           <a:lstStyle/>
           <a:p>
-            <a:fld id="{FB1B83DD-50DA-412C-AC7A-B7308402EA50}" type="datetime1">
-              <a:rPr lang="fr-FR" smtClean="0"/>
-              <a:t>10/02/2014</a:t>
-            </a:fld>
-            <a:endParaRPr lang="en-US"/>
+            <a:pPr algn="ctr"/>
+            <a:endParaRPr lang="fr-FR"/>
           </a:p>
         </p:txBody>
       </p:sp>
       <p:sp>
         <p:nvSpPr>
-          <p:cNvPr id="7" name="Slide Number Placeholder 6"/>
-          <p:cNvSpPr>
-            <a:spLocks noGrp="1"/>
-          </p:cNvSpPr>
-          <p:nvPr>
-            <p:ph type="sldNum" sz="quarter" idx="12"/>
-          </p:nvPr>
+          <p:cNvPr id="25" name="TextBox 24"/>
+          <p:cNvSpPr txBox="1"/>
+          <p:nvPr/>
         </p:nvSpPr>
-        <p:spPr/>
+        <p:spPr>
+          <a:xfrm>
+            <a:off x="7554584" y="3111449"/>
+            <a:ext cx="3889695" cy="1015663"/>
+          </a:xfrm>
+          <a:prstGeom prst="rect">
+            <a:avLst/>
+          </a:prstGeom>
+          <a:noFill/>
+        </p:spPr>
         <p:txBody>
-          <a:bodyPr/>
+          <a:bodyPr wrap="square" rtlCol="0">
+            <a:spAutoFit/>
+          </a:bodyPr>
           <a:lstStyle/>
           <a:p>
-            <a:fld id="{7F2870A4-FAE2-438A-8102-A1D6C3BFD565}" type="slidenum">
-              <a:rPr lang="en-US" smtClean="0"/>
-              <a:t>9</a:t>
-            </a:fld>
-            <a:endParaRPr lang="en-US"/>
+            <a:pPr marL="342900" indent="-342900">
+              <a:buFont typeface="Wingdings" panose="05000000000000000000" pitchFamily="2" charset="2"/>
+              <a:buChar char="§"/>
+            </a:pPr>
+            <a:r>
+              <a:rPr lang="fr-FR" sz="2000" b="1" dirty="0" smtClean="0">
+                <a:solidFill>
+                  <a:srgbClr val="00B0F0"/>
+                </a:solidFill>
+              </a:rPr>
+              <a:t>Externalisation</a:t>
+            </a:r>
+            <a:r>
+              <a:rPr lang="fr-FR" sz="2000" b="1" dirty="0" smtClean="0"/>
+              <a:t> Des Blocks Applicatifs Pour Les </a:t>
+            </a:r>
+            <a:r>
+              <a:rPr lang="fr-FR" sz="2000" b="1" dirty="0" smtClean="0">
+                <a:solidFill>
+                  <a:srgbClr val="00B0F0"/>
+                </a:solidFill>
+              </a:rPr>
+              <a:t>Courtiers</a:t>
+            </a:r>
+            <a:endParaRPr lang="fr-FR" sz="2000" b="1" dirty="0">
+              <a:solidFill>
+                <a:srgbClr val="00B0F0"/>
+              </a:solidFill>
+            </a:endParaRPr>
           </a:p>
         </p:txBody>
       </p:sp>
     </p:spTree>
     <p:extLst>
       <p:ext uri="{BB962C8B-B14F-4D97-AF65-F5344CB8AC3E}">
-        <p14:creationId xmlns:p14="http://schemas.microsoft.com/office/powerpoint/2010/main" val="3059149869"/>
+        <p14:creationId xmlns:p14="http://schemas.microsoft.com/office/powerpoint/2010/main" val="3007526384"/>
       </p:ext>
     </p:extLst>
   </p:cSld>
   <p:clrMapOvr>
     <a:masterClrMapping/>
   </p:clrMapOvr>
+  <mc:AlternateContent xmlns:mc="http://schemas.openxmlformats.org/markup-compatibility/2006">
+    <mc:Choice xmlns:p14="http://schemas.microsoft.com/office/powerpoint/2010/main" Requires="p14">
+      <p:transition spd="slow" p14:dur="2000"/>
+    </mc:Choice>
+    <mc:Fallback>
+      <p:transition spd="slow"/>
+    </mc:Fallback>
+  </mc:AlternateContent>
   <p:timing>
     <p:tnLst>
       <p:par>
-        <p:cTn id="1" dur="indefinite" restart="never" nodeType="tmRoot"/>
+        <p:cTn id="1" dur="indefinite" restart="never" nodeType="tmRoot">
+          <p:childTnLst>
+            <p:seq concurrent="1" nextAc="seek">
+              <p:cTn id="2" dur="indefinite" nodeType="mainSeq">
+                <p:childTnLst>
+                  <p:par>
+                    <p:cTn id="3" fill="hold">
+                      <p:stCondLst>
+                        <p:cond delay="indefinite"/>
+                        <p:cond evt="onBegin" delay="0">
+                          <p:tn val="2"/>
+                        </p:cond>
+                      </p:stCondLst>
+                      <p:childTnLst>
+                        <p:par>
+                          <p:cTn id="4" fill="hold">
+                            <p:stCondLst>
+                              <p:cond delay="0"/>
+                            </p:stCondLst>
+                            <p:childTnLst>
+                              <p:par>
+                                <p:cTn id="5" presetID="2" presetClass="entr" presetSubtype="1" fill="hold" nodeType="afterEffect">
+                                  <p:stCondLst>
+                                    <p:cond delay="0"/>
+                                  </p:stCondLst>
+                                  <p:childTnLst>
+                                    <p:set>
+                                      <p:cBhvr>
+                                        <p:cTn id="6" dur="1" fill="hold">
+                                          <p:stCondLst>
+                                            <p:cond delay="0"/>
+                                          </p:stCondLst>
+                                        </p:cTn>
+                                        <p:tgtEl>
+                                          <p:spTgt spid="21"/>
+                                        </p:tgtEl>
+                                        <p:attrNameLst>
+                                          <p:attrName>style.visibility</p:attrName>
+                                        </p:attrNameLst>
+                                      </p:cBhvr>
+                                      <p:to>
+                                        <p:strVal val="visible"/>
+                                      </p:to>
+                                    </p:set>
+                                    <p:anim calcmode="lin" valueType="num">
+                                      <p:cBhvr additive="base">
+                                        <p:cTn id="7" dur="500" fill="hold"/>
+                                        <p:tgtEl>
+                                          <p:spTgt spid="21"/>
+                                        </p:tgtEl>
+                                        <p:attrNameLst>
+                                          <p:attrName>ppt_x</p:attrName>
+                                        </p:attrNameLst>
+                                      </p:cBhvr>
+                                      <p:tavLst>
+                                        <p:tav tm="0">
+                                          <p:val>
+                                            <p:strVal val="#ppt_x"/>
+                                          </p:val>
+                                        </p:tav>
+                                        <p:tav tm="100000">
+                                          <p:val>
+                                            <p:strVal val="#ppt_x"/>
+                                          </p:val>
+                                        </p:tav>
+                                      </p:tavLst>
+                                    </p:anim>
+                                    <p:anim calcmode="lin" valueType="num">
+                                      <p:cBhvr additive="base">
+                                        <p:cTn id="8" dur="500" fill="hold"/>
+                                        <p:tgtEl>
+                                          <p:spTgt spid="21"/>
+                                        </p:tgtEl>
+                                        <p:attrNameLst>
+                                          <p:attrName>ppt_y</p:attrName>
+                                        </p:attrNameLst>
+                                      </p:cBhvr>
+                                      <p:tavLst>
+                                        <p:tav tm="0">
+                                          <p:val>
+                                            <p:strVal val="0-#ppt_h/2"/>
+                                          </p:val>
+                                        </p:tav>
+                                        <p:tav tm="100000">
+                                          <p:val>
+                                            <p:strVal val="#ppt_y"/>
+                                          </p:val>
+                                        </p:tav>
+                                      </p:tavLst>
+                                    </p:anim>
+                                  </p:childTnLst>
+                                </p:cTn>
+                              </p:par>
+                            </p:childTnLst>
+                          </p:cTn>
+                        </p:par>
+                        <p:par>
+                          <p:cTn id="9" fill="hold">
+                            <p:stCondLst>
+                              <p:cond delay="500"/>
+                            </p:stCondLst>
+                            <p:childTnLst>
+                              <p:par>
+                                <p:cTn id="10" presetID="2" presetClass="entr" presetSubtype="2" fill="hold" nodeType="afterEffect">
+                                  <p:stCondLst>
+                                    <p:cond delay="0"/>
+                                  </p:stCondLst>
+                                  <p:childTnLst>
+                                    <p:set>
+                                      <p:cBhvr>
+                                        <p:cTn id="11" dur="1" fill="hold">
+                                          <p:stCondLst>
+                                            <p:cond delay="0"/>
+                                          </p:stCondLst>
+                                        </p:cTn>
+                                        <p:tgtEl>
+                                          <p:spTgt spid="14"/>
+                                        </p:tgtEl>
+                                        <p:attrNameLst>
+                                          <p:attrName>style.visibility</p:attrName>
+                                        </p:attrNameLst>
+                                      </p:cBhvr>
+                                      <p:to>
+                                        <p:strVal val="visible"/>
+                                      </p:to>
+                                    </p:set>
+                                    <p:anim calcmode="lin" valueType="num">
+                                      <p:cBhvr additive="base">
+                                        <p:cTn id="12" dur="500" fill="hold"/>
+                                        <p:tgtEl>
+                                          <p:spTgt spid="14"/>
+                                        </p:tgtEl>
+                                        <p:attrNameLst>
+                                          <p:attrName>ppt_x</p:attrName>
+                                        </p:attrNameLst>
+                                      </p:cBhvr>
+                                      <p:tavLst>
+                                        <p:tav tm="0">
+                                          <p:val>
+                                            <p:strVal val="1+#ppt_w/2"/>
+                                          </p:val>
+                                        </p:tav>
+                                        <p:tav tm="100000">
+                                          <p:val>
+                                            <p:strVal val="#ppt_x"/>
+                                          </p:val>
+                                        </p:tav>
+                                      </p:tavLst>
+                                    </p:anim>
+                                    <p:anim calcmode="lin" valueType="num">
+                                      <p:cBhvr additive="base">
+                                        <p:cTn id="13" dur="500" fill="hold"/>
+                                        <p:tgtEl>
+                                          <p:spTgt spid="14"/>
+                                        </p:tgtEl>
+                                        <p:attrNameLst>
+                                          <p:attrName>ppt_y</p:attrName>
+                                        </p:attrNameLst>
+                                      </p:cBhvr>
+                                      <p:tavLst>
+                                        <p:tav tm="0">
+                                          <p:val>
+                                            <p:strVal val="#ppt_y"/>
+                                          </p:val>
+                                        </p:tav>
+                                        <p:tav tm="100000">
+                                          <p:val>
+                                            <p:strVal val="#ppt_y"/>
+                                          </p:val>
+                                        </p:tav>
+                                      </p:tavLst>
+                                    </p:anim>
+                                  </p:childTnLst>
+                                </p:cTn>
+                              </p:par>
+                            </p:childTnLst>
+                          </p:cTn>
+                        </p:par>
+                        <p:par>
+                          <p:cTn id="14" fill="hold">
+                            <p:stCondLst>
+                              <p:cond delay="1000"/>
+                            </p:stCondLst>
+                            <p:childTnLst>
+                              <p:par>
+                                <p:cTn id="15" presetID="2" presetClass="entr" presetSubtype="4" fill="hold" nodeType="afterEffect">
+                                  <p:stCondLst>
+                                    <p:cond delay="0"/>
+                                  </p:stCondLst>
+                                  <p:childTnLst>
+                                    <p:set>
+                                      <p:cBhvr>
+                                        <p:cTn id="16" dur="1" fill="hold">
+                                          <p:stCondLst>
+                                            <p:cond delay="0"/>
+                                          </p:stCondLst>
+                                        </p:cTn>
+                                        <p:tgtEl>
+                                          <p:spTgt spid="18"/>
+                                        </p:tgtEl>
+                                        <p:attrNameLst>
+                                          <p:attrName>style.visibility</p:attrName>
+                                        </p:attrNameLst>
+                                      </p:cBhvr>
+                                      <p:to>
+                                        <p:strVal val="visible"/>
+                                      </p:to>
+                                    </p:set>
+                                    <p:anim calcmode="lin" valueType="num">
+                                      <p:cBhvr additive="base">
+                                        <p:cTn id="17" dur="500" fill="hold"/>
+                                        <p:tgtEl>
+                                          <p:spTgt spid="18"/>
+                                        </p:tgtEl>
+                                        <p:attrNameLst>
+                                          <p:attrName>ppt_x</p:attrName>
+                                        </p:attrNameLst>
+                                      </p:cBhvr>
+                                      <p:tavLst>
+                                        <p:tav tm="0">
+                                          <p:val>
+                                            <p:strVal val="#ppt_x"/>
+                                          </p:val>
+                                        </p:tav>
+                                        <p:tav tm="100000">
+                                          <p:val>
+                                            <p:strVal val="#ppt_x"/>
+                                          </p:val>
+                                        </p:tav>
+                                      </p:tavLst>
+                                    </p:anim>
+                                    <p:anim calcmode="lin" valueType="num">
+                                      <p:cBhvr additive="base">
+                                        <p:cTn id="18" dur="500" fill="hold"/>
+                                        <p:tgtEl>
+                                          <p:spTgt spid="18"/>
+                                        </p:tgtEl>
+                                        <p:attrNameLst>
+                                          <p:attrName>ppt_y</p:attrName>
+                                        </p:attrNameLst>
+                                      </p:cBhvr>
+                                      <p:tavLst>
+                                        <p:tav tm="0">
+                                          <p:val>
+                                            <p:strVal val="1+#ppt_h/2"/>
+                                          </p:val>
+                                        </p:tav>
+                                        <p:tav tm="100000">
+                                          <p:val>
+                                            <p:strVal val="#ppt_y"/>
+                                          </p:val>
+                                        </p:tav>
+                                      </p:tavLst>
+                                    </p:anim>
+                                  </p:childTnLst>
+                                </p:cTn>
+                              </p:par>
+                            </p:childTnLst>
+                          </p:cTn>
+                        </p:par>
+                        <p:par>
+                          <p:cTn id="19" fill="hold">
+                            <p:stCondLst>
+                              <p:cond delay="1500"/>
+                            </p:stCondLst>
+                            <p:childTnLst>
+                              <p:par>
+                                <p:cTn id="20" presetID="45" presetClass="entr" presetSubtype="0" fill="hold" grpId="0" nodeType="afterEffect">
+                                  <p:stCondLst>
+                                    <p:cond delay="0"/>
+                                  </p:stCondLst>
+                                  <p:childTnLst>
+                                    <p:set>
+                                      <p:cBhvr>
+                                        <p:cTn id="21" dur="1" fill="hold">
+                                          <p:stCondLst>
+                                            <p:cond delay="0"/>
+                                          </p:stCondLst>
+                                        </p:cTn>
+                                        <p:tgtEl>
+                                          <p:spTgt spid="22"/>
+                                        </p:tgtEl>
+                                        <p:attrNameLst>
+                                          <p:attrName>style.visibility</p:attrName>
+                                        </p:attrNameLst>
+                                      </p:cBhvr>
+                                      <p:to>
+                                        <p:strVal val="visible"/>
+                                      </p:to>
+                                    </p:set>
+                                    <p:animEffect transition="in" filter="fade">
+                                      <p:cBhvr>
+                                        <p:cTn id="22" dur="800"/>
+                                        <p:tgtEl>
+                                          <p:spTgt spid="22"/>
+                                        </p:tgtEl>
+                                      </p:cBhvr>
+                                    </p:animEffect>
+                                    <p:anim calcmode="lin" valueType="num">
+                                      <p:cBhvr>
+                                        <p:cTn id="23" dur="800" fill="hold"/>
+                                        <p:tgtEl>
+                                          <p:spTgt spid="22"/>
+                                        </p:tgtEl>
+                                        <p:attrNameLst>
+                                          <p:attrName>ppt_w</p:attrName>
+                                        </p:attrNameLst>
+                                      </p:cBhvr>
+                                      <p:tavLst>
+                                        <p:tav tm="0" fmla="#ppt_w*sin(2.5*pi*$)">
+                                          <p:val>
+                                            <p:fltVal val="0"/>
+                                          </p:val>
+                                        </p:tav>
+                                        <p:tav tm="100000">
+                                          <p:val>
+                                            <p:fltVal val="1"/>
+                                          </p:val>
+                                        </p:tav>
+                                      </p:tavLst>
+                                    </p:anim>
+                                    <p:anim calcmode="lin" valueType="num">
+                                      <p:cBhvr>
+                                        <p:cTn id="24" dur="800" fill="hold"/>
+                                        <p:tgtEl>
+                                          <p:spTgt spid="22"/>
+                                        </p:tgtEl>
+                                        <p:attrNameLst>
+                                          <p:attrName>ppt_h</p:attrName>
+                                        </p:attrNameLst>
+                                      </p:cBhvr>
+                                      <p:tavLst>
+                                        <p:tav tm="0">
+                                          <p:val>
+                                            <p:strVal val="#ppt_h"/>
+                                          </p:val>
+                                        </p:tav>
+                                        <p:tav tm="100000">
+                                          <p:val>
+                                            <p:strVal val="#ppt_h"/>
+                                          </p:val>
+                                        </p:tav>
+                                      </p:tavLst>
+                                    </p:anim>
+                                  </p:childTnLst>
+                                </p:cTn>
+                              </p:par>
+                              <p:par>
+                                <p:cTn id="25" presetID="42" presetClass="entr" presetSubtype="0" fill="hold" grpId="0" nodeType="withEffect">
+                                  <p:stCondLst>
+                                    <p:cond delay="0"/>
+                                  </p:stCondLst>
+                                  <p:childTnLst>
+                                    <p:set>
+                                      <p:cBhvr>
+                                        <p:cTn id="26" dur="1" fill="hold">
+                                          <p:stCondLst>
+                                            <p:cond delay="0"/>
+                                          </p:stCondLst>
+                                        </p:cTn>
+                                        <p:tgtEl>
+                                          <p:spTgt spid="23"/>
+                                        </p:tgtEl>
+                                        <p:attrNameLst>
+                                          <p:attrName>style.visibility</p:attrName>
+                                        </p:attrNameLst>
+                                      </p:cBhvr>
+                                      <p:to>
+                                        <p:strVal val="visible"/>
+                                      </p:to>
+                                    </p:set>
+                                    <p:animEffect transition="in" filter="fade">
+                                      <p:cBhvr>
+                                        <p:cTn id="27" dur="1000"/>
+                                        <p:tgtEl>
+                                          <p:spTgt spid="23"/>
+                                        </p:tgtEl>
+                                      </p:cBhvr>
+                                    </p:animEffect>
+                                    <p:anim calcmode="lin" valueType="num">
+                                      <p:cBhvr>
+                                        <p:cTn id="28" dur="1000" fill="hold"/>
+                                        <p:tgtEl>
+                                          <p:spTgt spid="23"/>
+                                        </p:tgtEl>
+                                        <p:attrNameLst>
+                                          <p:attrName>ppt_x</p:attrName>
+                                        </p:attrNameLst>
+                                      </p:cBhvr>
+                                      <p:tavLst>
+                                        <p:tav tm="0">
+                                          <p:val>
+                                            <p:strVal val="#ppt_x"/>
+                                          </p:val>
+                                        </p:tav>
+                                        <p:tav tm="100000">
+                                          <p:val>
+                                            <p:strVal val="#ppt_x"/>
+                                          </p:val>
+                                        </p:tav>
+                                      </p:tavLst>
+                                    </p:anim>
+                                    <p:anim calcmode="lin" valueType="num">
+                                      <p:cBhvr>
+                                        <p:cTn id="29" dur="1000" fill="hold"/>
+                                        <p:tgtEl>
+                                          <p:spTgt spid="23"/>
+                                        </p:tgtEl>
+                                        <p:attrNameLst>
+                                          <p:attrName>ppt_y</p:attrName>
+                                        </p:attrNameLst>
+                                      </p:cBhvr>
+                                      <p:tavLst>
+                                        <p:tav tm="0">
+                                          <p:val>
+                                            <p:strVal val="#ppt_y+.1"/>
+                                          </p:val>
+                                        </p:tav>
+                                        <p:tav tm="100000">
+                                          <p:val>
+                                            <p:strVal val="#ppt_y"/>
+                                          </p:val>
+                                        </p:tav>
+                                      </p:tavLst>
+                                    </p:anim>
+                                  </p:childTnLst>
+                                </p:cTn>
+                              </p:par>
+                            </p:childTnLst>
+                          </p:cTn>
+                        </p:par>
+                        <p:par>
+                          <p:cTn id="30" fill="hold">
+                            <p:stCondLst>
+                              <p:cond delay="2500"/>
+                            </p:stCondLst>
+                            <p:childTnLst>
+                              <p:par>
+                                <p:cTn id="31" presetID="45" presetClass="entr" presetSubtype="0" fill="hold" grpId="0" nodeType="afterEffect">
+                                  <p:stCondLst>
+                                    <p:cond delay="0"/>
+                                  </p:stCondLst>
+                                  <p:childTnLst>
+                                    <p:set>
+                                      <p:cBhvr>
+                                        <p:cTn id="32" dur="1" fill="hold">
+                                          <p:stCondLst>
+                                            <p:cond delay="0"/>
+                                          </p:stCondLst>
+                                        </p:cTn>
+                                        <p:tgtEl>
+                                          <p:spTgt spid="24"/>
+                                        </p:tgtEl>
+                                        <p:attrNameLst>
+                                          <p:attrName>style.visibility</p:attrName>
+                                        </p:attrNameLst>
+                                      </p:cBhvr>
+                                      <p:to>
+                                        <p:strVal val="visible"/>
+                                      </p:to>
+                                    </p:set>
+                                    <p:animEffect transition="in" filter="fade">
+                                      <p:cBhvr>
+                                        <p:cTn id="33" dur="800"/>
+                                        <p:tgtEl>
+                                          <p:spTgt spid="24"/>
+                                        </p:tgtEl>
+                                      </p:cBhvr>
+                                    </p:animEffect>
+                                    <p:anim calcmode="lin" valueType="num">
+                                      <p:cBhvr>
+                                        <p:cTn id="34" dur="800" fill="hold"/>
+                                        <p:tgtEl>
+                                          <p:spTgt spid="24"/>
+                                        </p:tgtEl>
+                                        <p:attrNameLst>
+                                          <p:attrName>ppt_w</p:attrName>
+                                        </p:attrNameLst>
+                                      </p:cBhvr>
+                                      <p:tavLst>
+                                        <p:tav tm="0" fmla="#ppt_w*sin(2.5*pi*$)">
+                                          <p:val>
+                                            <p:fltVal val="0"/>
+                                          </p:val>
+                                        </p:tav>
+                                        <p:tav tm="100000">
+                                          <p:val>
+                                            <p:fltVal val="1"/>
+                                          </p:val>
+                                        </p:tav>
+                                      </p:tavLst>
+                                    </p:anim>
+                                    <p:anim calcmode="lin" valueType="num">
+                                      <p:cBhvr>
+                                        <p:cTn id="35" dur="800" fill="hold"/>
+                                        <p:tgtEl>
+                                          <p:spTgt spid="24"/>
+                                        </p:tgtEl>
+                                        <p:attrNameLst>
+                                          <p:attrName>ppt_h</p:attrName>
+                                        </p:attrNameLst>
+                                      </p:cBhvr>
+                                      <p:tavLst>
+                                        <p:tav tm="0">
+                                          <p:val>
+                                            <p:strVal val="#ppt_h"/>
+                                          </p:val>
+                                        </p:tav>
+                                        <p:tav tm="100000">
+                                          <p:val>
+                                            <p:strVal val="#ppt_h"/>
+                                          </p:val>
+                                        </p:tav>
+                                      </p:tavLst>
+                                    </p:anim>
+                                  </p:childTnLst>
+                                </p:cTn>
+                              </p:par>
+                              <p:par>
+                                <p:cTn id="36" presetID="42" presetClass="entr" presetSubtype="0" fill="hold" grpId="0" nodeType="withEffect">
+                                  <p:stCondLst>
+                                    <p:cond delay="0"/>
+                                  </p:stCondLst>
+                                  <p:childTnLst>
+                                    <p:set>
+                                      <p:cBhvr>
+                                        <p:cTn id="37" dur="1" fill="hold">
+                                          <p:stCondLst>
+                                            <p:cond delay="0"/>
+                                          </p:stCondLst>
+                                        </p:cTn>
+                                        <p:tgtEl>
+                                          <p:spTgt spid="25"/>
+                                        </p:tgtEl>
+                                        <p:attrNameLst>
+                                          <p:attrName>style.visibility</p:attrName>
+                                        </p:attrNameLst>
+                                      </p:cBhvr>
+                                      <p:to>
+                                        <p:strVal val="visible"/>
+                                      </p:to>
+                                    </p:set>
+                                    <p:animEffect transition="in" filter="fade">
+                                      <p:cBhvr>
+                                        <p:cTn id="38" dur="1000"/>
+                                        <p:tgtEl>
+                                          <p:spTgt spid="25"/>
+                                        </p:tgtEl>
+                                      </p:cBhvr>
+                                    </p:animEffect>
+                                    <p:anim calcmode="lin" valueType="num">
+                                      <p:cBhvr>
+                                        <p:cTn id="39" dur="1000" fill="hold"/>
+                                        <p:tgtEl>
+                                          <p:spTgt spid="25"/>
+                                        </p:tgtEl>
+                                        <p:attrNameLst>
+                                          <p:attrName>ppt_x</p:attrName>
+                                        </p:attrNameLst>
+                                      </p:cBhvr>
+                                      <p:tavLst>
+                                        <p:tav tm="0">
+                                          <p:val>
+                                            <p:strVal val="#ppt_x"/>
+                                          </p:val>
+                                        </p:tav>
+                                        <p:tav tm="100000">
+                                          <p:val>
+                                            <p:strVal val="#ppt_x"/>
+                                          </p:val>
+                                        </p:tav>
+                                      </p:tavLst>
+                                    </p:anim>
+                                    <p:anim calcmode="lin" valueType="num">
+                                      <p:cBhvr>
+                                        <p:cTn id="40" dur="1000" fill="hold"/>
+                                        <p:tgtEl>
+                                          <p:spTgt spid="25"/>
+                                        </p:tgtEl>
+                                        <p:attrNameLst>
+                                          <p:attrName>ppt_y</p:attrName>
+                                        </p:attrNameLst>
+                                      </p:cBhvr>
+                                      <p:tavLst>
+                                        <p:tav tm="0">
+                                          <p:val>
+                                            <p:strVal val="#ppt_y+.1"/>
+                                          </p:val>
+                                        </p:tav>
+                                        <p:tav tm="100000">
+                                          <p:val>
+                                            <p:strVal val="#ppt_y"/>
+                                          </p:val>
+                                        </p:tav>
+                                      </p:tavLst>
+                                    </p:anim>
+                                  </p:childTnLst>
+                                </p:cTn>
+                              </p:par>
+                            </p:childTnLst>
+                          </p:cTn>
+                        </p:par>
+                      </p:childTnLst>
+                    </p:cTn>
+                  </p:par>
+                </p:childTnLst>
+              </p:cTn>
+              <p:prevCondLst>
+                <p:cond evt="onPrev" delay="0">
+                  <p:tgtEl>
+                    <p:sldTgt/>
+                  </p:tgtEl>
+                </p:cond>
+              </p:prevCondLst>
+              <p:nextCondLst>
+                <p:cond evt="onNext" delay="0">
+                  <p:tgtEl>
+                    <p:sldTgt/>
+                  </p:tgtEl>
+                </p:cond>
+              </p:nextCondLst>
+            </p:seq>
+          </p:childTnLst>
+        </p:cTn>
       </p:par>
     </p:tnLst>
+    <p:bldLst>
+      <p:bldP spid="22" grpId="0" animBg="1"/>
+      <p:bldP spid="23" grpId="0"/>
+      <p:bldP spid="24" grpId="0" animBg="1"/>
+      <p:bldP spid="25" grpId="0"/>
+    </p:bldLst>
   </p:timing>
 </p:sld>
 </file>

--- a/Presentation.pptx
+++ b/Presentation.pptx
@@ -5,7 +5,7 @@
     <p:sldMasterId id="2147484278" r:id="rId1"/>
   </p:sldMasterIdLst>
   <p:notesMasterIdLst>
-    <p:notesMasterId r:id="rId14"/>
+    <p:notesMasterId r:id="rId15"/>
   </p:notesMasterIdLst>
   <p:sldIdLst>
     <p:sldId id="262" r:id="rId2"/>
@@ -17,9 +17,10 @@
     <p:sldId id="266" r:id="rId8"/>
     <p:sldId id="267" r:id="rId9"/>
     <p:sldId id="268" r:id="rId10"/>
-    <p:sldId id="260" r:id="rId11"/>
-    <p:sldId id="261" r:id="rId12"/>
-    <p:sldId id="263" r:id="rId13"/>
+    <p:sldId id="269" r:id="rId11"/>
+    <p:sldId id="260" r:id="rId12"/>
+    <p:sldId id="261" r:id="rId13"/>
+    <p:sldId id="263" r:id="rId14"/>
   </p:sldIdLst>
   <p:sldSz cx="12192000" cy="6858000"/>
   <p:notesSz cx="6858000" cy="9144000"/>
@@ -3901,7 +3902,7 @@
           <a:p>
             <a:fld id="{43CAB5D0-FA79-466C-BEA9-4696C2647A17}" type="datetimeFigureOut">
               <a:rPr lang="fr-FR" smtClean="0"/>
-              <a:t>11/02/2014</a:t>
+              <a:t>12/02/2014</a:t>
             </a:fld>
             <a:endParaRPr lang="fr-FR"/>
           </a:p>
@@ -4403,6 +4404,90 @@
             <a:fld id="{30972B6B-B5CF-41E4-B246-750F6E702F96}" type="slidenum">
               <a:rPr lang="fr-FR" smtClean="0"/>
               <a:t>10</a:t>
+            </a:fld>
+            <a:endParaRPr lang="fr-FR"/>
+          </a:p>
+        </p:txBody>
+      </p:sp>
+    </p:spTree>
+    <p:extLst>
+      <p:ext uri="{BB962C8B-B14F-4D97-AF65-F5344CB8AC3E}">
+        <p14:creationId xmlns:p14="http://schemas.microsoft.com/office/powerpoint/2010/main" val="1387341113"/>
+      </p:ext>
+    </p:extLst>
+  </p:cSld>
+  <p:clrMapOvr>
+    <a:masterClrMapping/>
+  </p:clrMapOvr>
+</p:notes>
+</file>
+
+<file path=ppt/notesSlides/notesSlide4.xml><?xml version="1.0" encoding="utf-8"?>
+<p:notes xmlns:a="http://schemas.openxmlformats.org/drawingml/2006/main" xmlns:r="http://schemas.openxmlformats.org/officeDocument/2006/relationships" xmlns:p="http://schemas.openxmlformats.org/presentationml/2006/main">
+  <p:cSld>
+    <p:spTree>
+      <p:nvGrpSpPr>
+        <p:cNvPr id="1" name=""/>
+        <p:cNvGrpSpPr/>
+        <p:nvPr/>
+      </p:nvGrpSpPr>
+      <p:grpSpPr>
+        <a:xfrm>
+          <a:off x="0" y="0"/>
+          <a:ext cx="0" cy="0"/>
+          <a:chOff x="0" y="0"/>
+          <a:chExt cx="0" cy="0"/>
+        </a:xfrm>
+      </p:grpSpPr>
+      <p:sp>
+        <p:nvSpPr>
+          <p:cNvPr id="2" name="Slide Image Placeholder 1"/>
+          <p:cNvSpPr>
+            <a:spLocks noGrp="1" noRot="1" noChangeAspect="1"/>
+          </p:cNvSpPr>
+          <p:nvPr>
+            <p:ph type="sldImg"/>
+          </p:nvPr>
+        </p:nvSpPr>
+        <p:spPr/>
+      </p:sp>
+      <p:sp>
+        <p:nvSpPr>
+          <p:cNvPr id="3" name="Notes Placeholder 2"/>
+          <p:cNvSpPr>
+            <a:spLocks noGrp="1"/>
+          </p:cNvSpPr>
+          <p:nvPr>
+            <p:ph type="body" idx="1"/>
+          </p:nvPr>
+        </p:nvSpPr>
+        <p:spPr/>
+        <p:txBody>
+          <a:bodyPr/>
+          <a:lstStyle/>
+          <a:p>
+            <a:endParaRPr lang="fr-FR"/>
+          </a:p>
+        </p:txBody>
+      </p:sp>
+      <p:sp>
+        <p:nvSpPr>
+          <p:cNvPr id="4" name="Slide Number Placeholder 3"/>
+          <p:cNvSpPr>
+            <a:spLocks noGrp="1"/>
+          </p:cNvSpPr>
+          <p:nvPr>
+            <p:ph type="sldNum" sz="quarter" idx="10"/>
+          </p:nvPr>
+        </p:nvSpPr>
+        <p:spPr/>
+        <p:txBody>
+          <a:bodyPr/>
+          <a:lstStyle/>
+          <a:p>
+            <a:fld id="{30972B6B-B5CF-41E4-B246-750F6E702F96}" type="slidenum">
+              <a:rPr lang="fr-FR" smtClean="0"/>
+              <a:t>11</a:t>
             </a:fld>
             <a:endParaRPr lang="fr-FR"/>
           </a:p>
@@ -4824,7 +4909,7 @@
           <a:p>
             <a:fld id="{6B0339B2-9F74-4C9D-A9E4-BAA83C9857E2}" type="datetime1">
               <a:rPr lang="fr-FR" smtClean="0"/>
-              <a:t>11/02/2014</a:t>
+              <a:t>12/02/2014</a:t>
             </a:fld>
             <a:endParaRPr lang="en-US"/>
           </a:p>
@@ -5004,7 +5089,7 @@
           <a:p>
             <a:fld id="{6B0339B2-9F74-4C9D-A9E4-BAA83C9857E2}" type="datetime1">
               <a:rPr lang="fr-FR" smtClean="0"/>
-              <a:t>11/02/2014</a:t>
+              <a:t>12/02/2014</a:t>
             </a:fld>
             <a:endParaRPr lang="en-US"/>
           </a:p>
@@ -5185,7 +5270,7 @@
           <a:p>
             <a:fld id="{6B0339B2-9F74-4C9D-A9E4-BAA83C9857E2}" type="datetime1">
               <a:rPr lang="fr-FR" smtClean="0"/>
-              <a:t>11/02/2014</a:t>
+              <a:t>12/02/2014</a:t>
             </a:fld>
             <a:endParaRPr lang="en-US"/>
           </a:p>
@@ -5356,7 +5441,7 @@
           <a:p>
             <a:fld id="{6B0339B2-9F74-4C9D-A9E4-BAA83C9857E2}" type="datetime1">
               <a:rPr lang="fr-FR" smtClean="0"/>
-              <a:t>11/02/2014</a:t>
+              <a:t>12/02/2014</a:t>
             </a:fld>
             <a:endParaRPr lang="en-US"/>
           </a:p>
@@ -5670,7 +5755,7 @@
           <a:p>
             <a:fld id="{6B0339B2-9F74-4C9D-A9E4-BAA83C9857E2}" type="datetime1">
               <a:rPr lang="fr-FR" smtClean="0"/>
-              <a:t>11/02/2014</a:t>
+              <a:t>12/02/2014</a:t>
             </a:fld>
             <a:endParaRPr lang="en-US"/>
           </a:p>
@@ -6057,7 +6142,7 @@
           <a:p>
             <a:fld id="{6B0339B2-9F74-4C9D-A9E4-BAA83C9857E2}" type="datetime1">
               <a:rPr lang="fr-FR" smtClean="0"/>
-              <a:t>11/02/2014</a:t>
+              <a:t>12/02/2014</a:t>
             </a:fld>
             <a:endParaRPr lang="en-US"/>
           </a:p>
@@ -6492,7 +6577,7 @@
           <a:p>
             <a:fld id="{6B0339B2-9F74-4C9D-A9E4-BAA83C9857E2}" type="datetime1">
               <a:rPr lang="fr-FR" smtClean="0"/>
-              <a:t>11/02/2014</a:t>
+              <a:t>12/02/2014</a:t>
             </a:fld>
             <a:endParaRPr lang="en-US"/>
           </a:p>
@@ -6611,7 +6696,7 @@
           <a:p>
             <a:fld id="{6B0339B2-9F74-4C9D-A9E4-BAA83C9857E2}" type="datetime1">
               <a:rPr lang="fr-FR" smtClean="0"/>
-              <a:t>11/02/2014</a:t>
+              <a:t>12/02/2014</a:t>
             </a:fld>
             <a:endParaRPr lang="en-US"/>
           </a:p>
@@ -6707,7 +6792,7 @@
           <a:p>
             <a:fld id="{6B0339B2-9F74-4C9D-A9E4-BAA83C9857E2}" type="datetime1">
               <a:rPr lang="fr-FR" smtClean="0"/>
-              <a:t>11/02/2014</a:t>
+              <a:t>12/02/2014</a:t>
             </a:fld>
             <a:endParaRPr lang="en-US"/>
           </a:p>
@@ -7058,7 +7143,7 @@
           <a:p>
             <a:fld id="{6B0339B2-9F74-4C9D-A9E4-BAA83C9857E2}" type="datetime1">
               <a:rPr lang="fr-FR" smtClean="0"/>
-              <a:t>11/02/2014</a:t>
+              <a:t>12/02/2014</a:t>
             </a:fld>
             <a:endParaRPr lang="en-US"/>
           </a:p>
@@ -7484,7 +7569,7 @@
           <a:p>
             <a:fld id="{6B0339B2-9F74-4C9D-A9E4-BAA83C9857E2}" type="datetime1">
               <a:rPr lang="fr-FR" smtClean="0"/>
-              <a:t>11/02/2014</a:t>
+              <a:t>12/02/2014</a:t>
             </a:fld>
             <a:endParaRPr lang="en-US"/>
           </a:p>
@@ -7771,7 +7856,7 @@
           <a:p>
             <a:fld id="{6B0339B2-9F74-4C9D-A9E4-BAA83C9857E2}" type="datetime1">
               <a:rPr lang="fr-FR" smtClean="0"/>
-              <a:t>11/02/2014</a:t>
+              <a:t>12/02/2014</a:t>
             </a:fld>
             <a:endParaRPr lang="en-US"/>
           </a:p>
@@ -8427,7 +8512,7 @@
           <a:p>
             <a:fld id="{45DF6BF9-2561-418A-8A3F-01EBEA8528AD}" type="datetime1">
               <a:rPr lang="fr-FR" smtClean="0"/>
-              <a:t>11/02/2014</a:t>
+              <a:t>12/02/2014</a:t>
             </a:fld>
             <a:endParaRPr lang="en-US"/>
           </a:p>
@@ -8900,7 +8985,6 @@
               <a:rPr lang="fr-FR" sz="2000" dirty="0" smtClean="0"/>
               <a:t>Blocks Applicatifs De La Centrale</a:t>
             </a:r>
-            <a:endParaRPr lang="fr-FR" sz="2000" dirty="0" smtClean="0"/>
           </a:p>
           <a:p>
             <a:pPr lvl="1">
@@ -8949,7 +9033,7 @@
             </a:pPr>
             <a:r>
               <a:rPr lang="fr-FR" sz="2200" dirty="0" smtClean="0"/>
-              <a:t>Les Reste Des Composants Du SI Vont Utiliser Du HTML</a:t>
+              <a:t>Les Reste Des Composants: HTML</a:t>
             </a:r>
             <a:endParaRPr lang="fr-FR" sz="2200" dirty="0"/>
           </a:p>
@@ -8972,7 +9056,7 @@
           <a:p>
             <a:fld id="{FB1B83DD-50DA-412C-AC7A-B7308402EA50}" type="datetime1">
               <a:rPr lang="fr-FR" smtClean="0"/>
-              <a:t>11/02/2014</a:t>
+              <a:t>12/02/2014</a:t>
             </a:fld>
             <a:endParaRPr lang="en-US"/>
           </a:p>
@@ -9004,7 +9088,7 @@
     </p:spTree>
     <p:extLst>
       <p:ext uri="{BB962C8B-B14F-4D97-AF65-F5344CB8AC3E}">
-        <p14:creationId xmlns:p14="http://schemas.microsoft.com/office/powerpoint/2010/main" val="3059149869"/>
+        <p14:creationId xmlns:p14="http://schemas.microsoft.com/office/powerpoint/2010/main" val="2942503339"/>
       </p:ext>
     </p:extLst>
   </p:cSld>
@@ -9014,9 +9098,329 @@
   <p:timing>
     <p:tnLst>
       <p:par>
-        <p:cTn id="1" dur="indefinite" restart="never" nodeType="tmRoot"/>
+        <p:cTn id="1" dur="indefinite" restart="never" nodeType="tmRoot">
+          <p:childTnLst>
+            <p:seq concurrent="1" nextAc="seek">
+              <p:cTn id="2" dur="indefinite" nodeType="mainSeq">
+                <p:childTnLst>
+                  <p:par>
+                    <p:cTn id="3" fill="hold">
+                      <p:stCondLst>
+                        <p:cond delay="indefinite"/>
+                      </p:stCondLst>
+                      <p:childTnLst>
+                        <p:par>
+                          <p:cTn id="4" fill="hold">
+                            <p:stCondLst>
+                              <p:cond delay="0"/>
+                            </p:stCondLst>
+                            <p:childTnLst>
+                              <p:par>
+                                <p:cTn id="5" presetID="22" presetClass="entr" presetSubtype="4" fill="hold" grpId="0" nodeType="clickEffect">
+                                  <p:stCondLst>
+                                    <p:cond delay="0"/>
+                                  </p:stCondLst>
+                                  <p:childTnLst>
+                                    <p:set>
+                                      <p:cBhvr>
+                                        <p:cTn id="6" dur="1" fill="hold">
+                                          <p:stCondLst>
+                                            <p:cond delay="0"/>
+                                          </p:stCondLst>
+                                        </p:cTn>
+                                        <p:tgtEl>
+                                          <p:spTgt spid="3">
+                                            <p:txEl>
+                                              <p:pRg st="0" end="0"/>
+                                            </p:txEl>
+                                          </p:spTgt>
+                                        </p:tgtEl>
+                                        <p:attrNameLst>
+                                          <p:attrName>style.visibility</p:attrName>
+                                        </p:attrNameLst>
+                                      </p:cBhvr>
+                                      <p:to>
+                                        <p:strVal val="visible"/>
+                                      </p:to>
+                                    </p:set>
+                                    <p:animEffect transition="in" filter="wipe(down)">
+                                      <p:cBhvr>
+                                        <p:cTn id="7" dur="500"/>
+                                        <p:tgtEl>
+                                          <p:spTgt spid="3">
+                                            <p:txEl>
+                                              <p:pRg st="0" end="0"/>
+                                            </p:txEl>
+                                          </p:spTgt>
+                                        </p:tgtEl>
+                                      </p:cBhvr>
+                                    </p:animEffect>
+                                  </p:childTnLst>
+                                </p:cTn>
+                              </p:par>
+                              <p:par>
+                                <p:cTn id="8" presetID="22" presetClass="entr" presetSubtype="4" fill="hold" grpId="0" nodeType="withEffect">
+                                  <p:stCondLst>
+                                    <p:cond delay="0"/>
+                                  </p:stCondLst>
+                                  <p:childTnLst>
+                                    <p:set>
+                                      <p:cBhvr>
+                                        <p:cTn id="9" dur="1" fill="hold">
+                                          <p:stCondLst>
+                                            <p:cond delay="0"/>
+                                          </p:stCondLst>
+                                        </p:cTn>
+                                        <p:tgtEl>
+                                          <p:spTgt spid="3">
+                                            <p:txEl>
+                                              <p:pRg st="1" end="1"/>
+                                            </p:txEl>
+                                          </p:spTgt>
+                                        </p:tgtEl>
+                                        <p:attrNameLst>
+                                          <p:attrName>style.visibility</p:attrName>
+                                        </p:attrNameLst>
+                                      </p:cBhvr>
+                                      <p:to>
+                                        <p:strVal val="visible"/>
+                                      </p:to>
+                                    </p:set>
+                                    <p:animEffect transition="in" filter="wipe(down)">
+                                      <p:cBhvr>
+                                        <p:cTn id="10" dur="500"/>
+                                        <p:tgtEl>
+                                          <p:spTgt spid="3">
+                                            <p:txEl>
+                                              <p:pRg st="1" end="1"/>
+                                            </p:txEl>
+                                          </p:spTgt>
+                                        </p:tgtEl>
+                                      </p:cBhvr>
+                                    </p:animEffect>
+                                  </p:childTnLst>
+                                </p:cTn>
+                              </p:par>
+                              <p:par>
+                                <p:cTn id="11" presetID="22" presetClass="entr" presetSubtype="4" fill="hold" grpId="0" nodeType="withEffect">
+                                  <p:stCondLst>
+                                    <p:cond delay="0"/>
+                                  </p:stCondLst>
+                                  <p:childTnLst>
+                                    <p:set>
+                                      <p:cBhvr>
+                                        <p:cTn id="12" dur="1" fill="hold">
+                                          <p:stCondLst>
+                                            <p:cond delay="0"/>
+                                          </p:stCondLst>
+                                        </p:cTn>
+                                        <p:tgtEl>
+                                          <p:spTgt spid="3">
+                                            <p:txEl>
+                                              <p:pRg st="2" end="2"/>
+                                            </p:txEl>
+                                          </p:spTgt>
+                                        </p:tgtEl>
+                                        <p:attrNameLst>
+                                          <p:attrName>style.visibility</p:attrName>
+                                        </p:attrNameLst>
+                                      </p:cBhvr>
+                                      <p:to>
+                                        <p:strVal val="visible"/>
+                                      </p:to>
+                                    </p:set>
+                                    <p:animEffect transition="in" filter="wipe(down)">
+                                      <p:cBhvr>
+                                        <p:cTn id="13" dur="500"/>
+                                        <p:tgtEl>
+                                          <p:spTgt spid="3">
+                                            <p:txEl>
+                                              <p:pRg st="2" end="2"/>
+                                            </p:txEl>
+                                          </p:spTgt>
+                                        </p:tgtEl>
+                                      </p:cBhvr>
+                                    </p:animEffect>
+                                  </p:childTnLst>
+                                </p:cTn>
+                              </p:par>
+                              <p:par>
+                                <p:cTn id="14" presetID="22" presetClass="entr" presetSubtype="4" fill="hold" grpId="0" nodeType="withEffect">
+                                  <p:stCondLst>
+                                    <p:cond delay="0"/>
+                                  </p:stCondLst>
+                                  <p:childTnLst>
+                                    <p:set>
+                                      <p:cBhvr>
+                                        <p:cTn id="15" dur="1" fill="hold">
+                                          <p:stCondLst>
+                                            <p:cond delay="0"/>
+                                          </p:stCondLst>
+                                        </p:cTn>
+                                        <p:tgtEl>
+                                          <p:spTgt spid="3">
+                                            <p:txEl>
+                                              <p:pRg st="3" end="3"/>
+                                            </p:txEl>
+                                          </p:spTgt>
+                                        </p:tgtEl>
+                                        <p:attrNameLst>
+                                          <p:attrName>style.visibility</p:attrName>
+                                        </p:attrNameLst>
+                                      </p:cBhvr>
+                                      <p:to>
+                                        <p:strVal val="visible"/>
+                                      </p:to>
+                                    </p:set>
+                                    <p:animEffect transition="in" filter="wipe(down)">
+                                      <p:cBhvr>
+                                        <p:cTn id="16" dur="500"/>
+                                        <p:tgtEl>
+                                          <p:spTgt spid="3">
+                                            <p:txEl>
+                                              <p:pRg st="3" end="3"/>
+                                            </p:txEl>
+                                          </p:spTgt>
+                                        </p:tgtEl>
+                                      </p:cBhvr>
+                                    </p:animEffect>
+                                  </p:childTnLst>
+                                </p:cTn>
+                              </p:par>
+                              <p:par>
+                                <p:cTn id="17" presetID="22" presetClass="entr" presetSubtype="4" fill="hold" grpId="0" nodeType="withEffect">
+                                  <p:stCondLst>
+                                    <p:cond delay="0"/>
+                                  </p:stCondLst>
+                                  <p:childTnLst>
+                                    <p:set>
+                                      <p:cBhvr>
+                                        <p:cTn id="18" dur="1" fill="hold">
+                                          <p:stCondLst>
+                                            <p:cond delay="0"/>
+                                          </p:stCondLst>
+                                        </p:cTn>
+                                        <p:tgtEl>
+                                          <p:spTgt spid="3">
+                                            <p:txEl>
+                                              <p:pRg st="4" end="4"/>
+                                            </p:txEl>
+                                          </p:spTgt>
+                                        </p:tgtEl>
+                                        <p:attrNameLst>
+                                          <p:attrName>style.visibility</p:attrName>
+                                        </p:attrNameLst>
+                                      </p:cBhvr>
+                                      <p:to>
+                                        <p:strVal val="visible"/>
+                                      </p:to>
+                                    </p:set>
+                                    <p:animEffect transition="in" filter="wipe(down)">
+                                      <p:cBhvr>
+                                        <p:cTn id="19" dur="500"/>
+                                        <p:tgtEl>
+                                          <p:spTgt spid="3">
+                                            <p:txEl>
+                                              <p:pRg st="4" end="4"/>
+                                            </p:txEl>
+                                          </p:spTgt>
+                                        </p:tgtEl>
+                                      </p:cBhvr>
+                                    </p:animEffect>
+                                  </p:childTnLst>
+                                </p:cTn>
+                              </p:par>
+                            </p:childTnLst>
+                          </p:cTn>
+                        </p:par>
+                      </p:childTnLst>
+                    </p:cTn>
+                  </p:par>
+                  <p:par>
+                    <p:cTn id="20" fill="hold">
+                      <p:stCondLst>
+                        <p:cond delay="indefinite"/>
+                      </p:stCondLst>
+                      <p:childTnLst>
+                        <p:par>
+                          <p:cTn id="21" fill="hold">
+                            <p:stCondLst>
+                              <p:cond delay="0"/>
+                            </p:stCondLst>
+                            <p:childTnLst>
+                              <p:par>
+                                <p:cTn id="22" presetID="22" presetClass="entr" presetSubtype="4" fill="hold" grpId="0" nodeType="clickEffect">
+                                  <p:stCondLst>
+                                    <p:cond delay="0"/>
+                                  </p:stCondLst>
+                                  <p:childTnLst>
+                                    <p:set>
+                                      <p:cBhvr>
+                                        <p:cTn id="23" dur="1" fill="hold">
+                                          <p:stCondLst>
+                                            <p:cond delay="0"/>
+                                          </p:stCondLst>
+                                        </p:cTn>
+                                        <p:tgtEl>
+                                          <p:spTgt spid="3">
+                                            <p:txEl>
+                                              <p:pRg st="5" end="5"/>
+                                            </p:txEl>
+                                          </p:spTgt>
+                                        </p:tgtEl>
+                                        <p:attrNameLst>
+                                          <p:attrName>style.visibility</p:attrName>
+                                        </p:attrNameLst>
+                                      </p:cBhvr>
+                                      <p:to>
+                                        <p:strVal val="visible"/>
+                                      </p:to>
+                                    </p:set>
+                                    <p:animEffect transition="in" filter="wipe(down)">
+                                      <p:cBhvr>
+                                        <p:cTn id="24" dur="500"/>
+                                        <p:tgtEl>
+                                          <p:spTgt spid="3">
+                                            <p:txEl>
+                                              <p:pRg st="5" end="5"/>
+                                            </p:txEl>
+                                          </p:spTgt>
+                                        </p:tgtEl>
+                                      </p:cBhvr>
+                                    </p:animEffect>
+                                  </p:childTnLst>
+                                </p:cTn>
+                              </p:par>
+                            </p:childTnLst>
+                          </p:cTn>
+                        </p:par>
+                      </p:childTnLst>
+                    </p:cTn>
+                  </p:par>
+                </p:childTnLst>
+              </p:cTn>
+              <p:prevCondLst>
+                <p:cond evt="onPrev" delay="0">
+                  <p:tgtEl>
+                    <p:sldTgt/>
+                  </p:tgtEl>
+                </p:cond>
+              </p:prevCondLst>
+              <p:nextCondLst>
+                <p:cond evt="onNext" delay="0">
+                  <p:tgtEl>
+                    <p:sldTgt/>
+                  </p:tgtEl>
+                </p:cond>
+              </p:nextCondLst>
+            </p:seq>
+          </p:childTnLst>
+        </p:cTn>
       </p:par>
     </p:tnLst>
+    <p:bldLst>
+      <p:bldP spid="3" grpId="0" build="p"/>
+    </p:bldLst>
   </p:timing>
 </p:sld>
 </file>
@@ -9038,6 +9442,60 @@
           <a:chExt cx="0" cy="0"/>
         </a:xfrm>
       </p:grpSpPr>
+      <p:pic>
+        <p:nvPicPr>
+          <p:cNvPr id="15" name="Picture 14"/>
+          <p:cNvPicPr>
+            <a:picLocks noChangeAspect="1"/>
+          </p:cNvPicPr>
+          <p:nvPr/>
+        </p:nvPicPr>
+        <p:blipFill>
+          <a:blip r:embed="rId3"/>
+          <a:stretch>
+            <a:fillRect/>
+          </a:stretch>
+        </p:blipFill>
+        <p:spPr>
+          <a:xfrm>
+            <a:off x="5301312" y="2927321"/>
+            <a:ext cx="5865036" cy="3729638"/>
+          </a:xfrm>
+          <a:prstGeom prst="rect">
+            <a:avLst/>
+          </a:prstGeom>
+        </p:spPr>
+      </p:pic>
+      <p:pic>
+        <p:nvPicPr>
+          <p:cNvPr id="4" name="Picture 3"/>
+          <p:cNvPicPr>
+            <a:picLocks noChangeAspect="1"/>
+          </p:cNvPicPr>
+          <p:nvPr/>
+        </p:nvPicPr>
+        <p:blipFill>
+          <a:blip r:embed="rId4">
+            <a:extLst>
+              <a:ext uri="{28A0092B-C50C-407E-A947-70E740481C1C}">
+                <a14:useLocalDpi xmlns:a14="http://schemas.microsoft.com/office/drawing/2010/main" val="0"/>
+              </a:ext>
+            </a:extLst>
+          </a:blip>
+          <a:stretch>
+            <a:fillRect/>
+          </a:stretch>
+        </p:blipFill>
+        <p:spPr>
+          <a:xfrm>
+            <a:off x="8561119" y="334072"/>
+            <a:ext cx="2750009" cy="1910463"/>
+          </a:xfrm>
+          <a:prstGeom prst="rect">
+            <a:avLst/>
+          </a:prstGeom>
+        </p:spPr>
+      </p:pic>
       <p:sp>
         <p:nvSpPr>
           <p:cNvPr id="2" name="Title 1"/>
@@ -9056,50 +9514,8 @@
             <a:pPr lvl="0"/>
             <a:r>
               <a:rPr lang="fr-FR" dirty="0"/>
-              <a:t>Architecture Physique</a:t>
+              <a:t>Architecture Logicielle</a:t>
             </a:r>
-          </a:p>
-        </p:txBody>
-      </p:sp>
-      <p:sp>
-        <p:nvSpPr>
-          <p:cNvPr id="3" name="Content Placeholder 2"/>
-          <p:cNvSpPr>
-            <a:spLocks noGrp="1"/>
-          </p:cNvSpPr>
-          <p:nvPr>
-            <p:ph idx="1"/>
-          </p:nvPr>
-        </p:nvSpPr>
-        <p:spPr/>
-        <p:txBody>
-          <a:bodyPr/>
-          <a:lstStyle/>
-          <a:p>
-            <a:endParaRPr lang="fr-FR"/>
-          </a:p>
-        </p:txBody>
-      </p:sp>
-      <p:sp>
-        <p:nvSpPr>
-          <p:cNvPr id="5" name="Date Placeholder 4"/>
-          <p:cNvSpPr>
-            <a:spLocks noGrp="1"/>
-          </p:cNvSpPr>
-          <p:nvPr>
-            <p:ph type="dt" sz="half" idx="10"/>
-          </p:nvPr>
-        </p:nvSpPr>
-        <p:spPr/>
-        <p:txBody>
-          <a:bodyPr/>
-          <a:lstStyle/>
-          <a:p>
-            <a:fld id="{75D9AB38-9A3B-4299-A716-F9578564FF92}" type="datetime1">
-              <a:rPr lang="fr-FR" smtClean="0"/>
-              <a:t>11/02/2014</a:t>
-            </a:fld>
-            <a:endParaRPr lang="en-US"/>
           </a:p>
         </p:txBody>
       </p:sp>
@@ -9126,10 +9542,170 @@
           </a:p>
         </p:txBody>
       </p:sp>
+      <p:pic>
+        <p:nvPicPr>
+          <p:cNvPr id="14" name="Picture 13"/>
+          <p:cNvPicPr>
+            <a:picLocks noChangeAspect="1"/>
+          </p:cNvPicPr>
+          <p:nvPr/>
+        </p:nvPicPr>
+        <p:blipFill>
+          <a:blip r:embed="rId5"/>
+          <a:stretch>
+            <a:fillRect/>
+          </a:stretch>
+        </p:blipFill>
+        <p:spPr>
+          <a:xfrm>
+            <a:off x="553818" y="2938759"/>
+            <a:ext cx="5702401" cy="3699150"/>
+          </a:xfrm>
+          <a:prstGeom prst="rect">
+            <a:avLst/>
+          </a:prstGeom>
+        </p:spPr>
+      </p:pic>
+      <p:sp>
+        <p:nvSpPr>
+          <p:cNvPr id="16" name="TextBox 15"/>
+          <p:cNvSpPr txBox="1"/>
+          <p:nvPr/>
+        </p:nvSpPr>
+        <p:spPr>
+          <a:xfrm>
+            <a:off x="6256219" y="2385873"/>
+            <a:ext cx="4073807" cy="400110"/>
+          </a:xfrm>
+          <a:prstGeom prst="rect">
+            <a:avLst/>
+          </a:prstGeom>
+          <a:noFill/>
+        </p:spPr>
+        <p:txBody>
+          <a:bodyPr wrap="square" rtlCol="0">
+            <a:spAutoFit/>
+          </a:bodyPr>
+          <a:lstStyle/>
+          <a:p>
+            <a:r>
+              <a:rPr lang="fr-FR" sz="2000" b="1" dirty="0" smtClean="0"/>
+              <a:t>Le block « Web Application »</a:t>
+            </a:r>
+            <a:endParaRPr lang="fr-FR" sz="2000" b="1" dirty="0"/>
+          </a:p>
+        </p:txBody>
+      </p:sp>
+      <p:sp>
+        <p:nvSpPr>
+          <p:cNvPr id="18" name="Right Brace 17"/>
+          <p:cNvSpPr/>
+          <p:nvPr/>
+        </p:nvSpPr>
+        <p:spPr>
+          <a:xfrm rot="16200000">
+            <a:off x="7940380" y="1097694"/>
+            <a:ext cx="473570" cy="3517917"/>
+          </a:xfrm>
+          <a:prstGeom prst="rightBrace">
+            <a:avLst/>
+          </a:prstGeom>
+        </p:spPr>
+        <p:style>
+          <a:lnRef idx="1">
+            <a:schemeClr val="accent1"/>
+          </a:lnRef>
+          <a:fillRef idx="0">
+            <a:schemeClr val="accent1"/>
+          </a:fillRef>
+          <a:effectRef idx="0">
+            <a:schemeClr val="accent1"/>
+          </a:effectRef>
+          <a:fontRef idx="minor">
+            <a:schemeClr val="tx1"/>
+          </a:fontRef>
+        </p:style>
+        <p:txBody>
+          <a:bodyPr rtlCol="0" anchor="ctr"/>
+          <a:lstStyle/>
+          <a:p>
+            <a:pPr algn="ctr"/>
+            <a:endParaRPr lang="fr-FR"/>
+          </a:p>
+        </p:txBody>
+      </p:sp>
+      <p:sp>
+        <p:nvSpPr>
+          <p:cNvPr id="19" name="TextBox 18"/>
+          <p:cNvSpPr txBox="1"/>
+          <p:nvPr/>
+        </p:nvSpPr>
+        <p:spPr>
+          <a:xfrm>
+            <a:off x="856938" y="2399717"/>
+            <a:ext cx="4331044" cy="400110"/>
+          </a:xfrm>
+          <a:prstGeom prst="rect">
+            <a:avLst/>
+          </a:prstGeom>
+          <a:noFill/>
+        </p:spPr>
+        <p:txBody>
+          <a:bodyPr wrap="square" rtlCol="0">
+            <a:spAutoFit/>
+          </a:bodyPr>
+          <a:lstStyle/>
+          <a:p>
+            <a:r>
+              <a:rPr lang="fr-FR" sz="2000" b="1" dirty="0" smtClean="0"/>
+              <a:t>Le block « Agence Régionale »</a:t>
+            </a:r>
+            <a:endParaRPr lang="fr-FR" sz="2000" b="1" dirty="0"/>
+          </a:p>
+        </p:txBody>
+      </p:sp>
+      <p:sp>
+        <p:nvSpPr>
+          <p:cNvPr id="20" name="Right Brace 19"/>
+          <p:cNvSpPr/>
+          <p:nvPr/>
+        </p:nvSpPr>
+        <p:spPr>
+          <a:xfrm rot="16200000">
+            <a:off x="2511130" y="1097694"/>
+            <a:ext cx="473570" cy="3517917"/>
+          </a:xfrm>
+          <a:prstGeom prst="rightBrace">
+            <a:avLst/>
+          </a:prstGeom>
+        </p:spPr>
+        <p:style>
+          <a:lnRef idx="1">
+            <a:schemeClr val="accent1"/>
+          </a:lnRef>
+          <a:fillRef idx="0">
+            <a:schemeClr val="accent1"/>
+          </a:fillRef>
+          <a:effectRef idx="0">
+            <a:schemeClr val="accent1"/>
+          </a:effectRef>
+          <a:fontRef idx="minor">
+            <a:schemeClr val="tx1"/>
+          </a:fontRef>
+        </p:style>
+        <p:txBody>
+          <a:bodyPr rtlCol="0" anchor="ctr"/>
+          <a:lstStyle/>
+          <a:p>
+            <a:pPr algn="ctr"/>
+            <a:endParaRPr lang="fr-FR"/>
+          </a:p>
+        </p:txBody>
+      </p:sp>
     </p:spTree>
     <p:extLst>
       <p:ext uri="{BB962C8B-B14F-4D97-AF65-F5344CB8AC3E}">
-        <p14:creationId xmlns:p14="http://schemas.microsoft.com/office/powerpoint/2010/main" val="2908912957"/>
+        <p14:creationId xmlns:p14="http://schemas.microsoft.com/office/powerpoint/2010/main" val="3059149869"/>
       </p:ext>
     </p:extLst>
   </p:cSld>
@@ -9139,9 +9715,363 @@
   <p:timing>
     <p:tnLst>
       <p:par>
-        <p:cTn id="1" dur="indefinite" restart="never" nodeType="tmRoot"/>
+        <p:cTn id="1" dur="indefinite" restart="never" nodeType="tmRoot">
+          <p:childTnLst>
+            <p:seq concurrent="1" nextAc="seek">
+              <p:cTn id="2" dur="indefinite" nodeType="mainSeq">
+                <p:childTnLst>
+                  <p:par>
+                    <p:cTn id="3" fill="hold">
+                      <p:stCondLst>
+                        <p:cond delay="indefinite"/>
+                        <p:cond evt="onBegin" delay="0">
+                          <p:tn val="2"/>
+                        </p:cond>
+                      </p:stCondLst>
+                      <p:childTnLst>
+                        <p:par>
+                          <p:cTn id="4" fill="hold">
+                            <p:stCondLst>
+                              <p:cond delay="0"/>
+                            </p:stCondLst>
+                            <p:childTnLst>
+                              <p:par>
+                                <p:cTn id="5" presetID="2" presetClass="entr" presetSubtype="8" fill="hold" nodeType="withEffect">
+                                  <p:stCondLst>
+                                    <p:cond delay="0"/>
+                                  </p:stCondLst>
+                                  <p:childTnLst>
+                                    <p:set>
+                                      <p:cBhvr>
+                                        <p:cTn id="6" dur="1" fill="hold">
+                                          <p:stCondLst>
+                                            <p:cond delay="0"/>
+                                          </p:stCondLst>
+                                        </p:cTn>
+                                        <p:tgtEl>
+                                          <p:spTgt spid="14"/>
+                                        </p:tgtEl>
+                                        <p:attrNameLst>
+                                          <p:attrName>style.visibility</p:attrName>
+                                        </p:attrNameLst>
+                                      </p:cBhvr>
+                                      <p:to>
+                                        <p:strVal val="visible"/>
+                                      </p:to>
+                                    </p:set>
+                                    <p:anim calcmode="lin" valueType="num">
+                                      <p:cBhvr additive="base">
+                                        <p:cTn id="7" dur="500" fill="hold"/>
+                                        <p:tgtEl>
+                                          <p:spTgt spid="14"/>
+                                        </p:tgtEl>
+                                        <p:attrNameLst>
+                                          <p:attrName>ppt_x</p:attrName>
+                                        </p:attrNameLst>
+                                      </p:cBhvr>
+                                      <p:tavLst>
+                                        <p:tav tm="0">
+                                          <p:val>
+                                            <p:strVal val="0-#ppt_w/2"/>
+                                          </p:val>
+                                        </p:tav>
+                                        <p:tav tm="100000">
+                                          <p:val>
+                                            <p:strVal val="#ppt_x"/>
+                                          </p:val>
+                                        </p:tav>
+                                      </p:tavLst>
+                                    </p:anim>
+                                    <p:anim calcmode="lin" valueType="num">
+                                      <p:cBhvr additive="base">
+                                        <p:cTn id="8" dur="500" fill="hold"/>
+                                        <p:tgtEl>
+                                          <p:spTgt spid="14"/>
+                                        </p:tgtEl>
+                                        <p:attrNameLst>
+                                          <p:attrName>ppt_y</p:attrName>
+                                        </p:attrNameLst>
+                                      </p:cBhvr>
+                                      <p:tavLst>
+                                        <p:tav tm="0">
+                                          <p:val>
+                                            <p:strVal val="#ppt_y"/>
+                                          </p:val>
+                                        </p:tav>
+                                        <p:tav tm="100000">
+                                          <p:val>
+                                            <p:strVal val="#ppt_y"/>
+                                          </p:val>
+                                        </p:tav>
+                                      </p:tavLst>
+                                    </p:anim>
+                                  </p:childTnLst>
+                                </p:cTn>
+                              </p:par>
+                              <p:par>
+                                <p:cTn id="9" presetID="22" presetClass="entr" presetSubtype="4" fill="hold" grpId="0" nodeType="withEffect">
+                                  <p:stCondLst>
+                                    <p:cond delay="0"/>
+                                  </p:stCondLst>
+                                  <p:childTnLst>
+                                    <p:set>
+                                      <p:cBhvr>
+                                        <p:cTn id="10" dur="1" fill="hold">
+                                          <p:stCondLst>
+                                            <p:cond delay="0"/>
+                                          </p:stCondLst>
+                                        </p:cTn>
+                                        <p:tgtEl>
+                                          <p:spTgt spid="19"/>
+                                        </p:tgtEl>
+                                        <p:attrNameLst>
+                                          <p:attrName>style.visibility</p:attrName>
+                                        </p:attrNameLst>
+                                      </p:cBhvr>
+                                      <p:to>
+                                        <p:strVal val="visible"/>
+                                      </p:to>
+                                    </p:set>
+                                    <p:animEffect transition="in" filter="wipe(down)">
+                                      <p:cBhvr>
+                                        <p:cTn id="11" dur="500"/>
+                                        <p:tgtEl>
+                                          <p:spTgt spid="19"/>
+                                        </p:tgtEl>
+                                      </p:cBhvr>
+                                    </p:animEffect>
+                                  </p:childTnLst>
+                                </p:cTn>
+                              </p:par>
+                              <p:par>
+                                <p:cTn id="12" presetID="22" presetClass="entr" presetSubtype="1" fill="hold" grpId="0" nodeType="withEffect">
+                                  <p:stCondLst>
+                                    <p:cond delay="0"/>
+                                  </p:stCondLst>
+                                  <p:childTnLst>
+                                    <p:set>
+                                      <p:cBhvr>
+                                        <p:cTn id="13" dur="1" fill="hold">
+                                          <p:stCondLst>
+                                            <p:cond delay="0"/>
+                                          </p:stCondLst>
+                                        </p:cTn>
+                                        <p:tgtEl>
+                                          <p:spTgt spid="20"/>
+                                        </p:tgtEl>
+                                        <p:attrNameLst>
+                                          <p:attrName>style.visibility</p:attrName>
+                                        </p:attrNameLst>
+                                      </p:cBhvr>
+                                      <p:to>
+                                        <p:strVal val="visible"/>
+                                      </p:to>
+                                    </p:set>
+                                    <p:animEffect transition="in" filter="wipe(up)">
+                                      <p:cBhvr>
+                                        <p:cTn id="14" dur="500"/>
+                                        <p:tgtEl>
+                                          <p:spTgt spid="20"/>
+                                        </p:tgtEl>
+                                      </p:cBhvr>
+                                    </p:animEffect>
+                                  </p:childTnLst>
+                                </p:cTn>
+                              </p:par>
+                            </p:childTnLst>
+                          </p:cTn>
+                        </p:par>
+                      </p:childTnLst>
+                    </p:cTn>
+                  </p:par>
+                  <p:par>
+                    <p:cTn id="15" fill="hold">
+                      <p:stCondLst>
+                        <p:cond delay="indefinite"/>
+                      </p:stCondLst>
+                      <p:childTnLst>
+                        <p:par>
+                          <p:cTn id="16" fill="hold">
+                            <p:stCondLst>
+                              <p:cond delay="0"/>
+                            </p:stCondLst>
+                            <p:childTnLst>
+                              <p:par>
+                                <p:cTn id="17" presetID="2" presetClass="entr" presetSubtype="2" fill="hold" nodeType="clickEffect">
+                                  <p:stCondLst>
+                                    <p:cond delay="0"/>
+                                  </p:stCondLst>
+                                  <p:childTnLst>
+                                    <p:set>
+                                      <p:cBhvr>
+                                        <p:cTn id="18" dur="1" fill="hold">
+                                          <p:stCondLst>
+                                            <p:cond delay="0"/>
+                                          </p:stCondLst>
+                                        </p:cTn>
+                                        <p:tgtEl>
+                                          <p:spTgt spid="15"/>
+                                        </p:tgtEl>
+                                        <p:attrNameLst>
+                                          <p:attrName>style.visibility</p:attrName>
+                                        </p:attrNameLst>
+                                      </p:cBhvr>
+                                      <p:to>
+                                        <p:strVal val="visible"/>
+                                      </p:to>
+                                    </p:set>
+                                    <p:anim calcmode="lin" valueType="num">
+                                      <p:cBhvr additive="base">
+                                        <p:cTn id="19" dur="500" fill="hold"/>
+                                        <p:tgtEl>
+                                          <p:spTgt spid="15"/>
+                                        </p:tgtEl>
+                                        <p:attrNameLst>
+                                          <p:attrName>ppt_x</p:attrName>
+                                        </p:attrNameLst>
+                                      </p:cBhvr>
+                                      <p:tavLst>
+                                        <p:tav tm="0">
+                                          <p:val>
+                                            <p:strVal val="1+#ppt_w/2"/>
+                                          </p:val>
+                                        </p:tav>
+                                        <p:tav tm="100000">
+                                          <p:val>
+                                            <p:strVal val="#ppt_x"/>
+                                          </p:val>
+                                        </p:tav>
+                                      </p:tavLst>
+                                    </p:anim>
+                                    <p:anim calcmode="lin" valueType="num">
+                                      <p:cBhvr additive="base">
+                                        <p:cTn id="20" dur="500" fill="hold"/>
+                                        <p:tgtEl>
+                                          <p:spTgt spid="15"/>
+                                        </p:tgtEl>
+                                        <p:attrNameLst>
+                                          <p:attrName>ppt_y</p:attrName>
+                                        </p:attrNameLst>
+                                      </p:cBhvr>
+                                      <p:tavLst>
+                                        <p:tav tm="0">
+                                          <p:val>
+                                            <p:strVal val="#ppt_y"/>
+                                          </p:val>
+                                        </p:tav>
+                                        <p:tav tm="100000">
+                                          <p:val>
+                                            <p:strVal val="#ppt_y"/>
+                                          </p:val>
+                                        </p:tav>
+                                      </p:tavLst>
+                                    </p:anim>
+                                  </p:childTnLst>
+                                </p:cTn>
+                              </p:par>
+                              <p:par>
+                                <p:cTn id="21" presetID="22" presetClass="entr" presetSubtype="4" fill="hold" grpId="0" nodeType="withEffect">
+                                  <p:stCondLst>
+                                    <p:cond delay="0"/>
+                                  </p:stCondLst>
+                                  <p:childTnLst>
+                                    <p:set>
+                                      <p:cBhvr>
+                                        <p:cTn id="22" dur="1" fill="hold">
+                                          <p:stCondLst>
+                                            <p:cond delay="0"/>
+                                          </p:stCondLst>
+                                        </p:cTn>
+                                        <p:tgtEl>
+                                          <p:spTgt spid="16"/>
+                                        </p:tgtEl>
+                                        <p:attrNameLst>
+                                          <p:attrName>style.visibility</p:attrName>
+                                        </p:attrNameLst>
+                                      </p:cBhvr>
+                                      <p:to>
+                                        <p:strVal val="visible"/>
+                                      </p:to>
+                                    </p:set>
+                                    <p:animEffect transition="in" filter="wipe(down)">
+                                      <p:cBhvr>
+                                        <p:cTn id="23" dur="500"/>
+                                        <p:tgtEl>
+                                          <p:spTgt spid="16"/>
+                                        </p:tgtEl>
+                                      </p:cBhvr>
+                                    </p:animEffect>
+                                  </p:childTnLst>
+                                </p:cTn>
+                              </p:par>
+                              <p:par>
+                                <p:cTn id="24" presetID="22" presetClass="entr" presetSubtype="1" fill="hold" grpId="0" nodeType="withEffect">
+                                  <p:stCondLst>
+                                    <p:cond delay="0"/>
+                                  </p:stCondLst>
+                                  <p:childTnLst>
+                                    <p:set>
+                                      <p:cBhvr>
+                                        <p:cTn id="25" dur="1" fill="hold">
+                                          <p:stCondLst>
+                                            <p:cond delay="0"/>
+                                          </p:stCondLst>
+                                        </p:cTn>
+                                        <p:tgtEl>
+                                          <p:spTgt spid="18"/>
+                                        </p:tgtEl>
+                                        <p:attrNameLst>
+                                          <p:attrName>style.visibility</p:attrName>
+                                        </p:attrNameLst>
+                                      </p:cBhvr>
+                                      <p:to>
+                                        <p:strVal val="visible"/>
+                                      </p:to>
+                                    </p:set>
+                                    <p:animEffect transition="in" filter="wipe(up)">
+                                      <p:cBhvr>
+                                        <p:cTn id="26" dur="500"/>
+                                        <p:tgtEl>
+                                          <p:spTgt spid="18"/>
+                                        </p:tgtEl>
+                                      </p:cBhvr>
+                                    </p:animEffect>
+                                  </p:childTnLst>
+                                </p:cTn>
+                              </p:par>
+                            </p:childTnLst>
+                          </p:cTn>
+                        </p:par>
+                      </p:childTnLst>
+                    </p:cTn>
+                  </p:par>
+                </p:childTnLst>
+              </p:cTn>
+              <p:prevCondLst>
+                <p:cond evt="onPrev" delay="0">
+                  <p:tgtEl>
+                    <p:sldTgt/>
+                  </p:tgtEl>
+                </p:cond>
+              </p:prevCondLst>
+              <p:nextCondLst>
+                <p:cond evt="onNext" delay="0">
+                  <p:tgtEl>
+                    <p:sldTgt/>
+                  </p:tgtEl>
+                </p:cond>
+              </p:nextCondLst>
+            </p:seq>
+          </p:childTnLst>
+        </p:cTn>
       </p:par>
     </p:tnLst>
+    <p:bldLst>
+      <p:bldP spid="16" grpId="0"/>
+      <p:bldP spid="18" grpId="0" animBg="1"/>
+      <p:bldP spid="19" grpId="0"/>
+      <p:bldP spid="20" grpId="0" animBg="1"/>
+    </p:bldLst>
   </p:timing>
 </p:sld>
 </file>
@@ -9181,7 +10111,7 @@
             <a:pPr lvl="0"/>
             <a:r>
               <a:rPr lang="fr-FR" dirty="0"/>
-              <a:t>Proof of Concept</a:t>
+              <a:t>Architecture Physique</a:t>
             </a:r>
           </a:p>
         </p:txBody>
@@ -9222,7 +10152,7 @@
           <a:p>
             <a:fld id="{75D9AB38-9A3B-4299-A716-F9578564FF92}" type="datetime1">
               <a:rPr lang="fr-FR" smtClean="0"/>
-              <a:t>11/02/2014</a:t>
+              <a:t>12/02/2014</a:t>
             </a:fld>
             <a:endParaRPr lang="en-US"/>
           </a:p>
@@ -9246,6 +10176,131 @@
             <a:fld id="{7F2870A4-FAE2-438A-8102-A1D6C3BFD565}" type="slidenum">
               <a:rPr lang="en-US" smtClean="0"/>
               <a:t>12</a:t>
+            </a:fld>
+            <a:endParaRPr lang="en-US"/>
+          </a:p>
+        </p:txBody>
+      </p:sp>
+    </p:spTree>
+    <p:extLst>
+      <p:ext uri="{BB962C8B-B14F-4D97-AF65-F5344CB8AC3E}">
+        <p14:creationId xmlns:p14="http://schemas.microsoft.com/office/powerpoint/2010/main" val="2908912957"/>
+      </p:ext>
+    </p:extLst>
+  </p:cSld>
+  <p:clrMapOvr>
+    <a:masterClrMapping/>
+  </p:clrMapOvr>
+  <p:timing>
+    <p:tnLst>
+      <p:par>
+        <p:cTn id="1" dur="indefinite" restart="never" nodeType="tmRoot"/>
+      </p:par>
+    </p:tnLst>
+  </p:timing>
+</p:sld>
+</file>
+
+<file path=ppt/slides/slide13.xml><?xml version="1.0" encoding="utf-8"?>
+<p:sld xmlns:a="http://schemas.openxmlformats.org/drawingml/2006/main" xmlns:r="http://schemas.openxmlformats.org/officeDocument/2006/relationships" xmlns:p="http://schemas.openxmlformats.org/presentationml/2006/main">
+  <p:cSld>
+    <p:spTree>
+      <p:nvGrpSpPr>
+        <p:cNvPr id="1" name=""/>
+        <p:cNvGrpSpPr/>
+        <p:nvPr/>
+      </p:nvGrpSpPr>
+      <p:grpSpPr>
+        <a:xfrm>
+          <a:off x="0" y="0"/>
+          <a:ext cx="0" cy="0"/>
+          <a:chOff x="0" y="0"/>
+          <a:chExt cx="0" cy="0"/>
+        </a:xfrm>
+      </p:grpSpPr>
+      <p:sp>
+        <p:nvSpPr>
+          <p:cNvPr id="2" name="Title 1"/>
+          <p:cNvSpPr>
+            <a:spLocks noGrp="1"/>
+          </p:cNvSpPr>
+          <p:nvPr>
+            <p:ph type="title"/>
+          </p:nvPr>
+        </p:nvSpPr>
+        <p:spPr/>
+        <p:txBody>
+          <a:bodyPr/>
+          <a:lstStyle/>
+          <a:p>
+            <a:pPr lvl="0"/>
+            <a:r>
+              <a:rPr lang="fr-FR" dirty="0"/>
+              <a:t>Proof of Concept</a:t>
+            </a:r>
+          </a:p>
+        </p:txBody>
+      </p:sp>
+      <p:sp>
+        <p:nvSpPr>
+          <p:cNvPr id="3" name="Content Placeholder 2"/>
+          <p:cNvSpPr>
+            <a:spLocks noGrp="1"/>
+          </p:cNvSpPr>
+          <p:nvPr>
+            <p:ph idx="1"/>
+          </p:nvPr>
+        </p:nvSpPr>
+        <p:spPr/>
+        <p:txBody>
+          <a:bodyPr/>
+          <a:lstStyle/>
+          <a:p>
+            <a:endParaRPr lang="fr-FR"/>
+          </a:p>
+        </p:txBody>
+      </p:sp>
+      <p:sp>
+        <p:nvSpPr>
+          <p:cNvPr id="5" name="Date Placeholder 4"/>
+          <p:cNvSpPr>
+            <a:spLocks noGrp="1"/>
+          </p:cNvSpPr>
+          <p:nvPr>
+            <p:ph type="dt" sz="half" idx="10"/>
+          </p:nvPr>
+        </p:nvSpPr>
+        <p:spPr/>
+        <p:txBody>
+          <a:bodyPr/>
+          <a:lstStyle/>
+          <a:p>
+            <a:fld id="{75D9AB38-9A3B-4299-A716-F9578564FF92}" type="datetime1">
+              <a:rPr lang="fr-FR" smtClean="0"/>
+              <a:t>12/02/2014</a:t>
+            </a:fld>
+            <a:endParaRPr lang="en-US"/>
+          </a:p>
+        </p:txBody>
+      </p:sp>
+      <p:sp>
+        <p:nvSpPr>
+          <p:cNvPr id="7" name="Slide Number Placeholder 6"/>
+          <p:cNvSpPr>
+            <a:spLocks noGrp="1"/>
+          </p:cNvSpPr>
+          <p:nvPr>
+            <p:ph type="sldNum" sz="quarter" idx="12"/>
+          </p:nvPr>
+        </p:nvSpPr>
+        <p:spPr/>
+        <p:txBody>
+          <a:bodyPr/>
+          <a:lstStyle/>
+          <a:p>
+            <a:fld id="{7F2870A4-FAE2-438A-8102-A1D6C3BFD565}" type="slidenum">
+              <a:rPr lang="en-US" smtClean="0"/>
+              <a:t>13</a:t>
             </a:fld>
             <a:endParaRPr lang="en-US"/>
           </a:p>
@@ -9321,7 +10376,7 @@
           <a:p>
             <a:fld id="{256F38FA-52ED-4A86-A46E-21A00260D8EF}" type="datetime1">
               <a:rPr lang="fr-FR" smtClean="0"/>
-              <a:t>11/02/2014</a:t>
+              <a:t>12/02/2014</a:t>
             </a:fld>
             <a:endParaRPr lang="en-US"/>
           </a:p>
@@ -9608,7 +10663,7 @@
           <a:p>
             <a:fld id="{74268F3B-B68E-4782-B3DC-846E45352065}" type="datetime1">
               <a:rPr lang="fr-FR" smtClean="0"/>
-              <a:t>11/02/2014</a:t>
+              <a:t>12/02/2014</a:t>
             </a:fld>
             <a:endParaRPr lang="en-US"/>
           </a:p>
@@ -10532,7 +11587,7 @@
           <a:p>
             <a:fld id="{74268F3B-B68E-4782-B3DC-846E45352065}" type="datetime1">
               <a:rPr lang="fr-FR" smtClean="0"/>
-              <a:t>11/02/2014</a:t>
+              <a:t>12/02/2014</a:t>
             </a:fld>
             <a:endParaRPr lang="en-US"/>
           </a:p>
@@ -11297,7 +12352,7 @@
           <a:p>
             <a:fld id="{40C929A7-D313-490D-B877-ABDEEB22D221}" type="datetime1">
               <a:rPr lang="fr-FR" smtClean="0"/>
-              <a:t>11/02/2014</a:t>
+              <a:t>12/02/2014</a:t>
             </a:fld>
             <a:endParaRPr lang="en-US"/>
           </a:p>
@@ -12867,7 +13922,7 @@
           <a:p>
             <a:fld id="{40C929A7-D313-490D-B877-ABDEEB22D221}" type="datetime1">
               <a:rPr lang="fr-FR" smtClean="0"/>
-              <a:t>11/02/2014</a:t>
+              <a:t>12/02/2014</a:t>
             </a:fld>
             <a:endParaRPr lang="en-US"/>
           </a:p>
@@ -13702,7 +14757,7 @@
           <a:p>
             <a:fld id="{40C929A7-D313-490D-B877-ABDEEB22D221}" type="datetime1">
               <a:rPr lang="fr-FR" smtClean="0"/>
-              <a:t>11/02/2014</a:t>
+              <a:t>12/02/2014</a:t>
             </a:fld>
             <a:endParaRPr lang="en-US"/>
           </a:p>
@@ -15330,7 +16385,7 @@
           <a:p>
             <a:fld id="{40C929A7-D313-490D-B877-ABDEEB22D221}" type="datetime1">
               <a:rPr lang="fr-FR" smtClean="0"/>
-              <a:t>11/02/2014</a:t>
+              <a:t>12/02/2014</a:t>
             </a:fld>
             <a:endParaRPr lang="en-US"/>
           </a:p>
@@ -16541,11 +17596,11 @@
   <p:clrMapOvr>
     <a:masterClrMapping/>
   </p:clrMapOvr>
-  <mc:AlternateContent xmlns:mc="http://schemas.openxmlformats.org/markup-compatibility/2006">
-    <mc:Choice xmlns:p14="http://schemas.microsoft.com/office/powerpoint/2010/main" Requires="p14">
+  <mc:AlternateContent xmlns:mc="http://schemas.openxmlformats.org/markup-compatibility/2006" xmlns:p14="http://schemas.microsoft.com/office/powerpoint/2010/main">
+    <mc:Choice Requires="p14">
       <p:transition spd="slow" p14:dur="2000"/>
     </mc:Choice>
-    <mc:Fallback>
+    <mc:Fallback xmlns="">
       <p:transition spd="slow"/>
     </mc:Fallback>
   </mc:AlternateContent>

--- a/Presentation.pptx
+++ b/Presentation.pptx
@@ -3902,7 +3902,7 @@
           <a:p>
             <a:fld id="{43CAB5D0-FA79-466C-BEA9-4696C2647A17}" type="datetimeFigureOut">
               <a:rPr lang="fr-FR" smtClean="0"/>
-              <a:t>12/02/2014</a:t>
+              <a:t>13/02/2014</a:t>
             </a:fld>
             <a:endParaRPr lang="fr-FR"/>
           </a:p>
@@ -4909,7 +4909,7 @@
           <a:p>
             <a:fld id="{6B0339B2-9F74-4C9D-A9E4-BAA83C9857E2}" type="datetime1">
               <a:rPr lang="fr-FR" smtClean="0"/>
-              <a:t>12/02/2014</a:t>
+              <a:t>13/02/2014</a:t>
             </a:fld>
             <a:endParaRPr lang="en-US"/>
           </a:p>
@@ -5089,7 +5089,7 @@
           <a:p>
             <a:fld id="{6B0339B2-9F74-4C9D-A9E4-BAA83C9857E2}" type="datetime1">
               <a:rPr lang="fr-FR" smtClean="0"/>
-              <a:t>12/02/2014</a:t>
+              <a:t>13/02/2014</a:t>
             </a:fld>
             <a:endParaRPr lang="en-US"/>
           </a:p>
@@ -5270,7 +5270,7 @@
           <a:p>
             <a:fld id="{6B0339B2-9F74-4C9D-A9E4-BAA83C9857E2}" type="datetime1">
               <a:rPr lang="fr-FR" smtClean="0"/>
-              <a:t>12/02/2014</a:t>
+              <a:t>13/02/2014</a:t>
             </a:fld>
             <a:endParaRPr lang="en-US"/>
           </a:p>
@@ -5441,7 +5441,7 @@
           <a:p>
             <a:fld id="{6B0339B2-9F74-4C9D-A9E4-BAA83C9857E2}" type="datetime1">
               <a:rPr lang="fr-FR" smtClean="0"/>
-              <a:t>12/02/2014</a:t>
+              <a:t>13/02/2014</a:t>
             </a:fld>
             <a:endParaRPr lang="en-US"/>
           </a:p>
@@ -5755,7 +5755,7 @@
           <a:p>
             <a:fld id="{6B0339B2-9F74-4C9D-A9E4-BAA83C9857E2}" type="datetime1">
               <a:rPr lang="fr-FR" smtClean="0"/>
-              <a:t>12/02/2014</a:t>
+              <a:t>13/02/2014</a:t>
             </a:fld>
             <a:endParaRPr lang="en-US"/>
           </a:p>
@@ -6142,7 +6142,7 @@
           <a:p>
             <a:fld id="{6B0339B2-9F74-4C9D-A9E4-BAA83C9857E2}" type="datetime1">
               <a:rPr lang="fr-FR" smtClean="0"/>
-              <a:t>12/02/2014</a:t>
+              <a:t>13/02/2014</a:t>
             </a:fld>
             <a:endParaRPr lang="en-US"/>
           </a:p>
@@ -6577,7 +6577,7 @@
           <a:p>
             <a:fld id="{6B0339B2-9F74-4C9D-A9E4-BAA83C9857E2}" type="datetime1">
               <a:rPr lang="fr-FR" smtClean="0"/>
-              <a:t>12/02/2014</a:t>
+              <a:t>13/02/2014</a:t>
             </a:fld>
             <a:endParaRPr lang="en-US"/>
           </a:p>
@@ -6696,7 +6696,7 @@
           <a:p>
             <a:fld id="{6B0339B2-9F74-4C9D-A9E4-BAA83C9857E2}" type="datetime1">
               <a:rPr lang="fr-FR" smtClean="0"/>
-              <a:t>12/02/2014</a:t>
+              <a:t>13/02/2014</a:t>
             </a:fld>
             <a:endParaRPr lang="en-US"/>
           </a:p>
@@ -6792,7 +6792,7 @@
           <a:p>
             <a:fld id="{6B0339B2-9F74-4C9D-A9E4-BAA83C9857E2}" type="datetime1">
               <a:rPr lang="fr-FR" smtClean="0"/>
-              <a:t>12/02/2014</a:t>
+              <a:t>13/02/2014</a:t>
             </a:fld>
             <a:endParaRPr lang="en-US"/>
           </a:p>
@@ -7143,7 +7143,7 @@
           <a:p>
             <a:fld id="{6B0339B2-9F74-4C9D-A9E4-BAA83C9857E2}" type="datetime1">
               <a:rPr lang="fr-FR" smtClean="0"/>
-              <a:t>12/02/2014</a:t>
+              <a:t>13/02/2014</a:t>
             </a:fld>
             <a:endParaRPr lang="en-US"/>
           </a:p>
@@ -7569,7 +7569,7 @@
           <a:p>
             <a:fld id="{6B0339B2-9F74-4C9D-A9E4-BAA83C9857E2}" type="datetime1">
               <a:rPr lang="fr-FR" smtClean="0"/>
-              <a:t>12/02/2014</a:t>
+              <a:t>13/02/2014</a:t>
             </a:fld>
             <a:endParaRPr lang="en-US"/>
           </a:p>
@@ -7856,7 +7856,7 @@
           <a:p>
             <a:fld id="{6B0339B2-9F74-4C9D-A9E4-BAA83C9857E2}" type="datetime1">
               <a:rPr lang="fr-FR" smtClean="0"/>
-              <a:t>12/02/2014</a:t>
+              <a:t>13/02/2014</a:t>
             </a:fld>
             <a:endParaRPr lang="en-US"/>
           </a:p>
@@ -8512,7 +8512,7 @@
           <a:p>
             <a:fld id="{45DF6BF9-2561-418A-8A3F-01EBEA8528AD}" type="datetime1">
               <a:rPr lang="fr-FR" smtClean="0"/>
-              <a:t>12/02/2014</a:t>
+              <a:t>13/02/2014</a:t>
             </a:fld>
             <a:endParaRPr lang="en-US"/>
           </a:p>
@@ -8788,11 +8788,13 @@
             </a:r>
             <a:r>
               <a:rPr lang="fr-FR" dirty="0" smtClean="0"/>
-              <a:t>par : Philippe Salvan</a:t>
+              <a:t>par : Philippe </a:t>
             </a:r>
-          </a:p>
-          <a:p>
-            <a:endParaRPr lang="fr-FR" dirty="0"/>
+            <a:r>
+              <a:rPr lang="fr-FR" dirty="0" smtClean="0"/>
+              <a:t>Salvan</a:t>
+            </a:r>
+            <a:endParaRPr lang="fr-FR" dirty="0" smtClean="0"/>
           </a:p>
         </p:txBody>
       </p:sp>
@@ -8893,36 +8895,6 @@
           <a:chExt cx="0" cy="0"/>
         </a:xfrm>
       </p:grpSpPr>
-      <p:pic>
-        <p:nvPicPr>
-          <p:cNvPr id="4" name="Picture 3"/>
-          <p:cNvPicPr>
-            <a:picLocks noChangeAspect="1"/>
-          </p:cNvPicPr>
-          <p:nvPr/>
-        </p:nvPicPr>
-        <p:blipFill>
-          <a:blip r:embed="rId3">
-            <a:extLst>
-              <a:ext uri="{28A0092B-C50C-407E-A947-70E740481C1C}">
-                <a14:useLocalDpi xmlns:a14="http://schemas.microsoft.com/office/drawing/2010/main" val="0"/>
-              </a:ext>
-            </a:extLst>
-          </a:blip>
-          <a:stretch>
-            <a:fillRect/>
-          </a:stretch>
-        </p:blipFill>
-        <p:spPr>
-          <a:xfrm>
-            <a:off x="8561119" y="334072"/>
-            <a:ext cx="2750009" cy="1910463"/>
-          </a:xfrm>
-          <a:prstGeom prst="rect">
-            <a:avLst/>
-          </a:prstGeom>
-        </p:spPr>
-      </p:pic>
       <p:sp>
         <p:nvSpPr>
           <p:cNvPr id="2" name="Title 1"/>
@@ -8969,7 +8941,7 @@
               </a:lnSpc>
             </a:pPr>
             <a:r>
-              <a:rPr lang="fr-FR" sz="2400" dirty="0" smtClean="0"/>
+              <a:rPr lang="fr-FR" sz="2800" b="1" dirty="0" smtClean="0"/>
               <a:t>Choix D’une Architecture Orientée Service:</a:t>
             </a:r>
           </a:p>
@@ -8982,7 +8954,7 @@
               <a:buChar char="v"/>
             </a:pPr>
             <a:r>
-              <a:rPr lang="fr-FR" sz="2000" dirty="0" smtClean="0"/>
+              <a:rPr lang="fr-FR" sz="2400" b="1" dirty="0" smtClean="0"/>
               <a:t>Blocks Applicatifs De La Centrale</a:t>
             </a:r>
           </a:p>
@@ -8995,7 +8967,7 @@
               <a:buChar char="v"/>
             </a:pPr>
             <a:r>
-              <a:rPr lang="fr-FR" sz="2000" dirty="0" smtClean="0"/>
+              <a:rPr lang="fr-FR" sz="2400" b="1" dirty="0" smtClean="0"/>
               <a:t>Gros Clients</a:t>
             </a:r>
           </a:p>
@@ -9008,7 +8980,7 @@
               <a:buChar char="v"/>
             </a:pPr>
             <a:r>
-              <a:rPr lang="fr-FR" sz="2000" dirty="0" smtClean="0"/>
+              <a:rPr lang="fr-FR" sz="2400" b="1" dirty="0" smtClean="0"/>
               <a:t>Courtiers</a:t>
             </a:r>
           </a:p>
@@ -9021,7 +8993,7 @@
               <a:buChar char="v"/>
             </a:pPr>
             <a:r>
-              <a:rPr lang="fr-FR" sz="2000" dirty="0" smtClean="0"/>
+              <a:rPr lang="fr-FR" sz="2400" b="1" dirty="0" smtClean="0"/>
               <a:t>Les Agences Régionales</a:t>
             </a:r>
           </a:p>
@@ -9032,10 +9004,10 @@
               </a:lnSpc>
             </a:pPr>
             <a:r>
-              <a:rPr lang="fr-FR" sz="2200" dirty="0" smtClean="0"/>
+              <a:rPr lang="fr-FR" sz="2800" b="1" dirty="0" smtClean="0"/>
               <a:t>Les Reste Des Composants: HTML</a:t>
             </a:r>
-            <a:endParaRPr lang="fr-FR" sz="2200" dirty="0"/>
+            <a:endParaRPr lang="fr-FR" sz="2800" b="1" dirty="0"/>
           </a:p>
         </p:txBody>
       </p:sp>
@@ -9056,7 +9028,7 @@
           <a:p>
             <a:fld id="{FB1B83DD-50DA-412C-AC7A-B7308402EA50}" type="datetime1">
               <a:rPr lang="fr-FR" smtClean="0"/>
-              <a:t>12/02/2014</a:t>
+              <a:t>13/02/2014</a:t>
             </a:fld>
             <a:endParaRPr lang="en-US"/>
           </a:p>
@@ -9444,7 +9416,7 @@
       </p:grpSpPr>
       <p:pic>
         <p:nvPicPr>
-          <p:cNvPr id="15" name="Picture 14"/>
+          <p:cNvPr id="11" name="Picture 10"/>
           <p:cNvPicPr>
             <a:picLocks noChangeAspect="1"/>
           </p:cNvPicPr>
@@ -9458,38 +9430,8 @@
         </p:blipFill>
         <p:spPr>
           <a:xfrm>
-            <a:off x="5301312" y="2927321"/>
-            <a:ext cx="5865036" cy="3729638"/>
-          </a:xfrm>
-          <a:prstGeom prst="rect">
-            <a:avLst/>
-          </a:prstGeom>
-        </p:spPr>
-      </p:pic>
-      <p:pic>
-        <p:nvPicPr>
-          <p:cNvPr id="4" name="Picture 3"/>
-          <p:cNvPicPr>
-            <a:picLocks noChangeAspect="1"/>
-          </p:cNvPicPr>
-          <p:nvPr/>
-        </p:nvPicPr>
-        <p:blipFill>
-          <a:blip r:embed="rId4">
-            <a:extLst>
-              <a:ext uri="{28A0092B-C50C-407E-A947-70E740481C1C}">
-                <a14:useLocalDpi xmlns:a14="http://schemas.microsoft.com/office/drawing/2010/main" val="0"/>
-              </a:ext>
-            </a:extLst>
-          </a:blip>
-          <a:stretch>
-            <a:fillRect/>
-          </a:stretch>
-        </p:blipFill>
-        <p:spPr>
-          <a:xfrm>
-            <a:off x="8561119" y="334072"/>
-            <a:ext cx="2750009" cy="1910463"/>
+            <a:off x="5388014" y="2953047"/>
+            <a:ext cx="5865036" cy="3760126"/>
           </a:xfrm>
           <a:prstGeom prst="rect">
             <a:avLst/>
@@ -9551,7 +9493,7 @@
           <p:nvPr/>
         </p:nvPicPr>
         <p:blipFill>
-          <a:blip r:embed="rId5"/>
+          <a:blip r:embed="rId4"/>
           <a:stretch>
             <a:fillRect/>
           </a:stretch>
@@ -9910,7 +9852,7 @@
                                           </p:stCondLst>
                                         </p:cTn>
                                         <p:tgtEl>
-                                          <p:spTgt spid="15"/>
+                                          <p:spTgt spid="11"/>
                                         </p:tgtEl>
                                         <p:attrNameLst>
                                           <p:attrName>style.visibility</p:attrName>
@@ -9924,7 +9866,7 @@
                                       <p:cBhvr additive="base">
                                         <p:cTn id="19" dur="500" fill="hold"/>
                                         <p:tgtEl>
-                                          <p:spTgt spid="15"/>
+                                          <p:spTgt spid="11"/>
                                         </p:tgtEl>
                                         <p:attrNameLst>
                                           <p:attrName>ppt_x</p:attrName>
@@ -9947,7 +9889,7 @@
                                       <p:cBhvr additive="base">
                                         <p:cTn id="20" dur="500" fill="hold"/>
                                         <p:tgtEl>
-                                          <p:spTgt spid="15"/>
+                                          <p:spTgt spid="11"/>
                                         </p:tgtEl>
                                         <p:attrNameLst>
                                           <p:attrName>ppt_y</p:attrName>
@@ -10118,25 +10060,6 @@
       </p:sp>
       <p:sp>
         <p:nvSpPr>
-          <p:cNvPr id="3" name="Content Placeholder 2"/>
-          <p:cNvSpPr>
-            <a:spLocks noGrp="1"/>
-          </p:cNvSpPr>
-          <p:nvPr>
-            <p:ph idx="1"/>
-          </p:nvPr>
-        </p:nvSpPr>
-        <p:spPr/>
-        <p:txBody>
-          <a:bodyPr/>
-          <a:lstStyle/>
-          <a:p>
-            <a:endParaRPr lang="fr-FR"/>
-          </a:p>
-        </p:txBody>
-      </p:sp>
-      <p:sp>
-        <p:nvSpPr>
           <p:cNvPr id="5" name="Date Placeholder 4"/>
           <p:cNvSpPr>
             <a:spLocks noGrp="1"/>
@@ -10152,7 +10075,7 @@
           <a:p>
             <a:fld id="{75D9AB38-9A3B-4299-A716-F9578564FF92}" type="datetime1">
               <a:rPr lang="fr-FR" smtClean="0"/>
-              <a:t>12/02/2014</a:t>
+              <a:t>13/02/2014</a:t>
             </a:fld>
             <a:endParaRPr lang="en-US"/>
           </a:p>
@@ -10181,6 +10104,150 @@
           </a:p>
         </p:txBody>
       </p:sp>
+      <p:pic>
+        <p:nvPicPr>
+          <p:cNvPr id="11" name="Picture 10"/>
+          <p:cNvPicPr>
+            <a:picLocks noChangeAspect="1"/>
+          </p:cNvPicPr>
+          <p:nvPr/>
+        </p:nvPicPr>
+        <p:blipFill>
+          <a:blip r:embed="rId2"/>
+          <a:stretch>
+            <a:fillRect/>
+          </a:stretch>
+        </p:blipFill>
+        <p:spPr>
+          <a:xfrm>
+            <a:off x="1126154" y="2223486"/>
+            <a:ext cx="2907106" cy="3821101"/>
+          </a:xfrm>
+          <a:prstGeom prst="rect">
+            <a:avLst/>
+          </a:prstGeom>
+        </p:spPr>
+      </p:pic>
+      <p:pic>
+        <p:nvPicPr>
+          <p:cNvPr id="12" name="Picture 11"/>
+          <p:cNvPicPr>
+            <a:picLocks noChangeAspect="1"/>
+          </p:cNvPicPr>
+          <p:nvPr/>
+        </p:nvPicPr>
+        <p:blipFill>
+          <a:blip r:embed="rId3"/>
+          <a:stretch>
+            <a:fillRect/>
+          </a:stretch>
+        </p:blipFill>
+        <p:spPr>
+          <a:xfrm>
+            <a:off x="1344286" y="4469021"/>
+            <a:ext cx="2510682" cy="2398350"/>
+          </a:xfrm>
+          <a:prstGeom prst="rect">
+            <a:avLst/>
+          </a:prstGeom>
+        </p:spPr>
+      </p:pic>
+      <p:pic>
+        <p:nvPicPr>
+          <p:cNvPr id="13" name="Picture 12"/>
+          <p:cNvPicPr>
+            <a:picLocks noChangeAspect="1"/>
+          </p:cNvPicPr>
+          <p:nvPr/>
+        </p:nvPicPr>
+        <p:blipFill>
+          <a:blip r:embed="rId4"/>
+          <a:stretch>
+            <a:fillRect/>
+          </a:stretch>
+        </p:blipFill>
+        <p:spPr>
+          <a:xfrm>
+            <a:off x="4362941" y="2256568"/>
+            <a:ext cx="2378542" cy="3821101"/>
+          </a:xfrm>
+          <a:prstGeom prst="rect">
+            <a:avLst/>
+          </a:prstGeom>
+        </p:spPr>
+      </p:pic>
+      <p:pic>
+        <p:nvPicPr>
+          <p:cNvPr id="14" name="Picture 13"/>
+          <p:cNvPicPr>
+            <a:picLocks noChangeAspect="1"/>
+          </p:cNvPicPr>
+          <p:nvPr/>
+        </p:nvPicPr>
+        <p:blipFill>
+          <a:blip r:embed="rId5"/>
+          <a:stretch>
+            <a:fillRect/>
+          </a:stretch>
+        </p:blipFill>
+        <p:spPr>
+          <a:xfrm>
+            <a:off x="7132062" y="2256568"/>
+            <a:ext cx="3334024" cy="3821101"/>
+          </a:xfrm>
+          <a:prstGeom prst="rect">
+            <a:avLst/>
+          </a:prstGeom>
+        </p:spPr>
+      </p:pic>
+      <p:pic>
+        <p:nvPicPr>
+          <p:cNvPr id="15" name="Picture 14"/>
+          <p:cNvPicPr>
+            <a:picLocks noChangeAspect="1"/>
+          </p:cNvPicPr>
+          <p:nvPr/>
+        </p:nvPicPr>
+        <p:blipFill>
+          <a:blip r:embed="rId6"/>
+          <a:stretch>
+            <a:fillRect/>
+          </a:stretch>
+        </p:blipFill>
+        <p:spPr>
+          <a:xfrm>
+            <a:off x="2833027" y="3599042"/>
+            <a:ext cx="5255154" cy="721538"/>
+          </a:xfrm>
+          <a:prstGeom prst="rect">
+            <a:avLst/>
+          </a:prstGeom>
+        </p:spPr>
+      </p:pic>
+      <p:pic>
+        <p:nvPicPr>
+          <p:cNvPr id="16" name="Picture 15"/>
+          <p:cNvPicPr>
+            <a:picLocks noChangeAspect="1"/>
+          </p:cNvPicPr>
+          <p:nvPr/>
+        </p:nvPicPr>
+        <p:blipFill>
+          <a:blip r:embed="rId7"/>
+          <a:stretch>
+            <a:fillRect/>
+          </a:stretch>
+        </p:blipFill>
+        <p:spPr>
+          <a:xfrm>
+            <a:off x="2831399" y="3473380"/>
+            <a:ext cx="2449694" cy="477638"/>
+          </a:xfrm>
+          <a:prstGeom prst="rect">
+            <a:avLst/>
+          </a:prstGeom>
+        </p:spPr>
+      </p:pic>
     </p:spTree>
     <p:extLst>
       <p:ext uri="{BB962C8B-B14F-4D97-AF65-F5344CB8AC3E}">
@@ -10194,7 +10261,641 @@
   <p:timing>
     <p:tnLst>
       <p:par>
-        <p:cTn id="1" dur="indefinite" restart="never" nodeType="tmRoot"/>
+        <p:cTn id="1" dur="indefinite" restart="never" nodeType="tmRoot">
+          <p:childTnLst>
+            <p:seq concurrent="1" nextAc="seek">
+              <p:cTn id="2" dur="indefinite" nodeType="mainSeq">
+                <p:childTnLst>
+                  <p:par>
+                    <p:cTn id="3" fill="hold">
+                      <p:stCondLst>
+                        <p:cond delay="indefinite"/>
+                      </p:stCondLst>
+                      <p:childTnLst>
+                        <p:par>
+                          <p:cTn id="4" fill="hold">
+                            <p:stCondLst>
+                              <p:cond delay="0"/>
+                            </p:stCondLst>
+                            <p:childTnLst>
+                              <p:par>
+                                <p:cTn id="5" presetID="2" presetClass="entr" presetSubtype="1" fill="hold" nodeType="clickEffect">
+                                  <p:stCondLst>
+                                    <p:cond delay="0"/>
+                                  </p:stCondLst>
+                                  <p:childTnLst>
+                                    <p:set>
+                                      <p:cBhvr>
+                                        <p:cTn id="6" dur="1" fill="hold">
+                                          <p:stCondLst>
+                                            <p:cond delay="0"/>
+                                          </p:stCondLst>
+                                        </p:cTn>
+                                        <p:tgtEl>
+                                          <p:spTgt spid="11"/>
+                                        </p:tgtEl>
+                                        <p:attrNameLst>
+                                          <p:attrName>style.visibility</p:attrName>
+                                        </p:attrNameLst>
+                                      </p:cBhvr>
+                                      <p:to>
+                                        <p:strVal val="visible"/>
+                                      </p:to>
+                                    </p:set>
+                                    <p:anim calcmode="lin" valueType="num">
+                                      <p:cBhvr additive="base">
+                                        <p:cTn id="7" dur="500" fill="hold"/>
+                                        <p:tgtEl>
+                                          <p:spTgt spid="11"/>
+                                        </p:tgtEl>
+                                        <p:attrNameLst>
+                                          <p:attrName>ppt_x</p:attrName>
+                                        </p:attrNameLst>
+                                      </p:cBhvr>
+                                      <p:tavLst>
+                                        <p:tav tm="0">
+                                          <p:val>
+                                            <p:strVal val="#ppt_x"/>
+                                          </p:val>
+                                        </p:tav>
+                                        <p:tav tm="100000">
+                                          <p:val>
+                                            <p:strVal val="#ppt_x"/>
+                                          </p:val>
+                                        </p:tav>
+                                      </p:tavLst>
+                                    </p:anim>
+                                    <p:anim calcmode="lin" valueType="num">
+                                      <p:cBhvr additive="base">
+                                        <p:cTn id="8" dur="500" fill="hold"/>
+                                        <p:tgtEl>
+                                          <p:spTgt spid="11"/>
+                                        </p:tgtEl>
+                                        <p:attrNameLst>
+                                          <p:attrName>ppt_y</p:attrName>
+                                        </p:attrNameLst>
+                                      </p:cBhvr>
+                                      <p:tavLst>
+                                        <p:tav tm="0">
+                                          <p:val>
+                                            <p:strVal val="0-#ppt_h/2"/>
+                                          </p:val>
+                                        </p:tav>
+                                        <p:tav tm="100000">
+                                          <p:val>
+                                            <p:strVal val="#ppt_y"/>
+                                          </p:val>
+                                        </p:tav>
+                                      </p:tavLst>
+                                    </p:anim>
+                                  </p:childTnLst>
+                                </p:cTn>
+                              </p:par>
+                            </p:childTnLst>
+                          </p:cTn>
+                        </p:par>
+                        <p:par>
+                          <p:cTn id="9" fill="hold">
+                            <p:stCondLst>
+                              <p:cond delay="500"/>
+                            </p:stCondLst>
+                            <p:childTnLst>
+                              <p:par>
+                                <p:cTn id="10" presetID="2" presetClass="entr" presetSubtype="4" fill="hold" nodeType="afterEffect">
+                                  <p:stCondLst>
+                                    <p:cond delay="0"/>
+                                  </p:stCondLst>
+                                  <p:childTnLst>
+                                    <p:set>
+                                      <p:cBhvr>
+                                        <p:cTn id="11" dur="1" fill="hold">
+                                          <p:stCondLst>
+                                            <p:cond delay="0"/>
+                                          </p:stCondLst>
+                                        </p:cTn>
+                                        <p:tgtEl>
+                                          <p:spTgt spid="12"/>
+                                        </p:tgtEl>
+                                        <p:attrNameLst>
+                                          <p:attrName>style.visibility</p:attrName>
+                                        </p:attrNameLst>
+                                      </p:cBhvr>
+                                      <p:to>
+                                        <p:strVal val="visible"/>
+                                      </p:to>
+                                    </p:set>
+                                    <p:anim calcmode="lin" valueType="num">
+                                      <p:cBhvr additive="base">
+                                        <p:cTn id="12" dur="500" fill="hold"/>
+                                        <p:tgtEl>
+                                          <p:spTgt spid="12"/>
+                                        </p:tgtEl>
+                                        <p:attrNameLst>
+                                          <p:attrName>ppt_x</p:attrName>
+                                        </p:attrNameLst>
+                                      </p:cBhvr>
+                                      <p:tavLst>
+                                        <p:tav tm="0">
+                                          <p:val>
+                                            <p:strVal val="#ppt_x"/>
+                                          </p:val>
+                                        </p:tav>
+                                        <p:tav tm="100000">
+                                          <p:val>
+                                            <p:strVal val="#ppt_x"/>
+                                          </p:val>
+                                        </p:tav>
+                                      </p:tavLst>
+                                    </p:anim>
+                                    <p:anim calcmode="lin" valueType="num">
+                                      <p:cBhvr additive="base">
+                                        <p:cTn id="13" dur="500" fill="hold"/>
+                                        <p:tgtEl>
+                                          <p:spTgt spid="12"/>
+                                        </p:tgtEl>
+                                        <p:attrNameLst>
+                                          <p:attrName>ppt_y</p:attrName>
+                                        </p:attrNameLst>
+                                      </p:cBhvr>
+                                      <p:tavLst>
+                                        <p:tav tm="0">
+                                          <p:val>
+                                            <p:strVal val="1+#ppt_h/2"/>
+                                          </p:val>
+                                        </p:tav>
+                                        <p:tav tm="100000">
+                                          <p:val>
+                                            <p:strVal val="#ppt_y"/>
+                                          </p:val>
+                                        </p:tav>
+                                      </p:tavLst>
+                                    </p:anim>
+                                  </p:childTnLst>
+                                </p:cTn>
+                              </p:par>
+                            </p:childTnLst>
+                          </p:cTn>
+                        </p:par>
+                      </p:childTnLst>
+                    </p:cTn>
+                  </p:par>
+                  <p:par>
+                    <p:cTn id="14" fill="hold">
+                      <p:stCondLst>
+                        <p:cond delay="indefinite"/>
+                      </p:stCondLst>
+                      <p:childTnLst>
+                        <p:par>
+                          <p:cTn id="15" fill="hold">
+                            <p:stCondLst>
+                              <p:cond delay="0"/>
+                            </p:stCondLst>
+                            <p:childTnLst>
+                              <p:par>
+                                <p:cTn id="16" presetID="17" presetClass="entr" presetSubtype="8" fill="hold" nodeType="clickEffect">
+                                  <p:stCondLst>
+                                    <p:cond delay="0"/>
+                                  </p:stCondLst>
+                                  <p:childTnLst>
+                                    <p:set>
+                                      <p:cBhvr>
+                                        <p:cTn id="17" dur="1" fill="hold">
+                                          <p:stCondLst>
+                                            <p:cond delay="0"/>
+                                          </p:stCondLst>
+                                        </p:cTn>
+                                        <p:tgtEl>
+                                          <p:spTgt spid="16"/>
+                                        </p:tgtEl>
+                                        <p:attrNameLst>
+                                          <p:attrName>style.visibility</p:attrName>
+                                        </p:attrNameLst>
+                                      </p:cBhvr>
+                                      <p:to>
+                                        <p:strVal val="visible"/>
+                                      </p:to>
+                                    </p:set>
+                                    <p:anim calcmode="lin" valueType="num">
+                                      <p:cBhvr>
+                                        <p:cTn id="18" dur="500" fill="hold"/>
+                                        <p:tgtEl>
+                                          <p:spTgt spid="16"/>
+                                        </p:tgtEl>
+                                        <p:attrNameLst>
+                                          <p:attrName>ppt_x</p:attrName>
+                                        </p:attrNameLst>
+                                      </p:cBhvr>
+                                      <p:tavLst>
+                                        <p:tav tm="0">
+                                          <p:val>
+                                            <p:strVal val="#ppt_x-#ppt_w/2"/>
+                                          </p:val>
+                                        </p:tav>
+                                        <p:tav tm="100000">
+                                          <p:val>
+                                            <p:strVal val="#ppt_x"/>
+                                          </p:val>
+                                        </p:tav>
+                                      </p:tavLst>
+                                    </p:anim>
+                                    <p:anim calcmode="lin" valueType="num">
+                                      <p:cBhvr>
+                                        <p:cTn id="19" dur="500" fill="hold"/>
+                                        <p:tgtEl>
+                                          <p:spTgt spid="16"/>
+                                        </p:tgtEl>
+                                        <p:attrNameLst>
+                                          <p:attrName>ppt_y</p:attrName>
+                                        </p:attrNameLst>
+                                      </p:cBhvr>
+                                      <p:tavLst>
+                                        <p:tav tm="0">
+                                          <p:val>
+                                            <p:strVal val="#ppt_y"/>
+                                          </p:val>
+                                        </p:tav>
+                                        <p:tav tm="100000">
+                                          <p:val>
+                                            <p:strVal val="#ppt_y"/>
+                                          </p:val>
+                                        </p:tav>
+                                      </p:tavLst>
+                                    </p:anim>
+                                    <p:anim calcmode="lin" valueType="num">
+                                      <p:cBhvr>
+                                        <p:cTn id="20" dur="500" fill="hold"/>
+                                        <p:tgtEl>
+                                          <p:spTgt spid="16"/>
+                                        </p:tgtEl>
+                                        <p:attrNameLst>
+                                          <p:attrName>ppt_w</p:attrName>
+                                        </p:attrNameLst>
+                                      </p:cBhvr>
+                                      <p:tavLst>
+                                        <p:tav tm="0">
+                                          <p:val>
+                                            <p:fltVal val="0"/>
+                                          </p:val>
+                                        </p:tav>
+                                        <p:tav tm="100000">
+                                          <p:val>
+                                            <p:strVal val="#ppt_w"/>
+                                          </p:val>
+                                        </p:tav>
+                                      </p:tavLst>
+                                    </p:anim>
+                                    <p:anim calcmode="lin" valueType="num">
+                                      <p:cBhvr>
+                                        <p:cTn id="21" dur="500" fill="hold"/>
+                                        <p:tgtEl>
+                                          <p:spTgt spid="16"/>
+                                        </p:tgtEl>
+                                        <p:attrNameLst>
+                                          <p:attrName>ppt_h</p:attrName>
+                                        </p:attrNameLst>
+                                      </p:cBhvr>
+                                      <p:tavLst>
+                                        <p:tav tm="0">
+                                          <p:val>
+                                            <p:strVal val="#ppt_h"/>
+                                          </p:val>
+                                        </p:tav>
+                                        <p:tav tm="100000">
+                                          <p:val>
+                                            <p:strVal val="#ppt_h"/>
+                                          </p:val>
+                                        </p:tav>
+                                      </p:tavLst>
+                                    </p:anim>
+                                  </p:childTnLst>
+                                </p:cTn>
+                              </p:par>
+                            </p:childTnLst>
+                          </p:cTn>
+                        </p:par>
+                        <p:par>
+                          <p:cTn id="22" fill="hold">
+                            <p:stCondLst>
+                              <p:cond delay="500"/>
+                            </p:stCondLst>
+                            <p:childTnLst>
+                              <p:par>
+                                <p:cTn id="23" presetID="2" presetClass="entr" presetSubtype="4" fill="hold" nodeType="afterEffect">
+                                  <p:stCondLst>
+                                    <p:cond delay="0"/>
+                                  </p:stCondLst>
+                                  <p:childTnLst>
+                                    <p:set>
+                                      <p:cBhvr>
+                                        <p:cTn id="24" dur="1" fill="hold">
+                                          <p:stCondLst>
+                                            <p:cond delay="0"/>
+                                          </p:stCondLst>
+                                        </p:cTn>
+                                        <p:tgtEl>
+                                          <p:spTgt spid="13"/>
+                                        </p:tgtEl>
+                                        <p:attrNameLst>
+                                          <p:attrName>style.visibility</p:attrName>
+                                        </p:attrNameLst>
+                                      </p:cBhvr>
+                                      <p:to>
+                                        <p:strVal val="visible"/>
+                                      </p:to>
+                                    </p:set>
+                                    <p:anim calcmode="lin" valueType="num">
+                                      <p:cBhvr additive="base">
+                                        <p:cTn id="25" dur="500" fill="hold"/>
+                                        <p:tgtEl>
+                                          <p:spTgt spid="13"/>
+                                        </p:tgtEl>
+                                        <p:attrNameLst>
+                                          <p:attrName>ppt_x</p:attrName>
+                                        </p:attrNameLst>
+                                      </p:cBhvr>
+                                      <p:tavLst>
+                                        <p:tav tm="0">
+                                          <p:val>
+                                            <p:strVal val="#ppt_x"/>
+                                          </p:val>
+                                        </p:tav>
+                                        <p:tav tm="100000">
+                                          <p:val>
+                                            <p:strVal val="#ppt_x"/>
+                                          </p:val>
+                                        </p:tav>
+                                      </p:tavLst>
+                                    </p:anim>
+                                    <p:anim calcmode="lin" valueType="num">
+                                      <p:cBhvr additive="base">
+                                        <p:cTn id="26" dur="500" fill="hold"/>
+                                        <p:tgtEl>
+                                          <p:spTgt spid="13"/>
+                                        </p:tgtEl>
+                                        <p:attrNameLst>
+                                          <p:attrName>ppt_y</p:attrName>
+                                        </p:attrNameLst>
+                                      </p:cBhvr>
+                                      <p:tavLst>
+                                        <p:tav tm="0">
+                                          <p:val>
+                                            <p:strVal val="1+#ppt_h/2"/>
+                                          </p:val>
+                                        </p:tav>
+                                        <p:tav tm="100000">
+                                          <p:val>
+                                            <p:strVal val="#ppt_y"/>
+                                          </p:val>
+                                        </p:tav>
+                                      </p:tavLst>
+                                    </p:anim>
+                                  </p:childTnLst>
+                                </p:cTn>
+                              </p:par>
+                            </p:childTnLst>
+                          </p:cTn>
+                        </p:par>
+                      </p:childTnLst>
+                    </p:cTn>
+                  </p:par>
+                  <p:par>
+                    <p:cTn id="27" fill="hold">
+                      <p:stCondLst>
+                        <p:cond delay="indefinite"/>
+                      </p:stCondLst>
+                      <p:childTnLst>
+                        <p:par>
+                          <p:cTn id="28" fill="hold">
+                            <p:stCondLst>
+                              <p:cond delay="0"/>
+                            </p:stCondLst>
+                            <p:childTnLst>
+                              <p:par>
+                                <p:cTn id="29" presetID="17" presetClass="entr" presetSubtype="8" fill="hold" nodeType="clickEffect">
+                                  <p:stCondLst>
+                                    <p:cond delay="0"/>
+                                  </p:stCondLst>
+                                  <p:childTnLst>
+                                    <p:set>
+                                      <p:cBhvr>
+                                        <p:cTn id="30" dur="1" fill="hold">
+                                          <p:stCondLst>
+                                            <p:cond delay="0"/>
+                                          </p:stCondLst>
+                                        </p:cTn>
+                                        <p:tgtEl>
+                                          <p:spTgt spid="15"/>
+                                        </p:tgtEl>
+                                        <p:attrNameLst>
+                                          <p:attrName>style.visibility</p:attrName>
+                                        </p:attrNameLst>
+                                      </p:cBhvr>
+                                      <p:to>
+                                        <p:strVal val="visible"/>
+                                      </p:to>
+                                    </p:set>
+                                    <p:anim calcmode="lin" valueType="num">
+                                      <p:cBhvr>
+                                        <p:cTn id="31" dur="500" fill="hold"/>
+                                        <p:tgtEl>
+                                          <p:spTgt spid="15"/>
+                                        </p:tgtEl>
+                                        <p:attrNameLst>
+                                          <p:attrName>ppt_x</p:attrName>
+                                        </p:attrNameLst>
+                                      </p:cBhvr>
+                                      <p:tavLst>
+                                        <p:tav tm="0">
+                                          <p:val>
+                                            <p:strVal val="#ppt_x-#ppt_w/2"/>
+                                          </p:val>
+                                        </p:tav>
+                                        <p:tav tm="100000">
+                                          <p:val>
+                                            <p:strVal val="#ppt_x"/>
+                                          </p:val>
+                                        </p:tav>
+                                      </p:tavLst>
+                                    </p:anim>
+                                    <p:anim calcmode="lin" valueType="num">
+                                      <p:cBhvr>
+                                        <p:cTn id="32" dur="500" fill="hold"/>
+                                        <p:tgtEl>
+                                          <p:spTgt spid="15"/>
+                                        </p:tgtEl>
+                                        <p:attrNameLst>
+                                          <p:attrName>ppt_y</p:attrName>
+                                        </p:attrNameLst>
+                                      </p:cBhvr>
+                                      <p:tavLst>
+                                        <p:tav tm="0">
+                                          <p:val>
+                                            <p:strVal val="#ppt_y"/>
+                                          </p:val>
+                                        </p:tav>
+                                        <p:tav tm="100000">
+                                          <p:val>
+                                            <p:strVal val="#ppt_y"/>
+                                          </p:val>
+                                        </p:tav>
+                                      </p:tavLst>
+                                    </p:anim>
+                                    <p:anim calcmode="lin" valueType="num">
+                                      <p:cBhvr>
+                                        <p:cTn id="33" dur="500" fill="hold"/>
+                                        <p:tgtEl>
+                                          <p:spTgt spid="15"/>
+                                        </p:tgtEl>
+                                        <p:attrNameLst>
+                                          <p:attrName>ppt_w</p:attrName>
+                                        </p:attrNameLst>
+                                      </p:cBhvr>
+                                      <p:tavLst>
+                                        <p:tav tm="0">
+                                          <p:val>
+                                            <p:fltVal val="0"/>
+                                          </p:val>
+                                        </p:tav>
+                                        <p:tav tm="100000">
+                                          <p:val>
+                                            <p:strVal val="#ppt_w"/>
+                                          </p:val>
+                                        </p:tav>
+                                      </p:tavLst>
+                                    </p:anim>
+                                    <p:anim calcmode="lin" valueType="num">
+                                      <p:cBhvr>
+                                        <p:cTn id="34" dur="500" fill="hold"/>
+                                        <p:tgtEl>
+                                          <p:spTgt spid="15"/>
+                                        </p:tgtEl>
+                                        <p:attrNameLst>
+                                          <p:attrName>ppt_h</p:attrName>
+                                        </p:attrNameLst>
+                                      </p:cBhvr>
+                                      <p:tavLst>
+                                        <p:tav tm="0">
+                                          <p:val>
+                                            <p:strVal val="#ppt_h"/>
+                                          </p:val>
+                                        </p:tav>
+                                        <p:tav tm="100000">
+                                          <p:val>
+                                            <p:strVal val="#ppt_h"/>
+                                          </p:val>
+                                        </p:tav>
+                                      </p:tavLst>
+                                    </p:anim>
+                                  </p:childTnLst>
+                                </p:cTn>
+                              </p:par>
+                            </p:childTnLst>
+                          </p:cTn>
+                        </p:par>
+                        <p:par>
+                          <p:cTn id="35" fill="hold">
+                            <p:stCondLst>
+                              <p:cond delay="500"/>
+                            </p:stCondLst>
+                            <p:childTnLst>
+                              <p:par>
+                                <p:cTn id="36" presetID="2" presetClass="entr" presetSubtype="4" fill="hold" nodeType="afterEffect">
+                                  <p:stCondLst>
+                                    <p:cond delay="0"/>
+                                  </p:stCondLst>
+                                  <p:childTnLst>
+                                    <p:set>
+                                      <p:cBhvr>
+                                        <p:cTn id="37" dur="1" fill="hold">
+                                          <p:stCondLst>
+                                            <p:cond delay="0"/>
+                                          </p:stCondLst>
+                                        </p:cTn>
+                                        <p:tgtEl>
+                                          <p:spTgt spid="14"/>
+                                        </p:tgtEl>
+                                        <p:attrNameLst>
+                                          <p:attrName>style.visibility</p:attrName>
+                                        </p:attrNameLst>
+                                      </p:cBhvr>
+                                      <p:to>
+                                        <p:strVal val="visible"/>
+                                      </p:to>
+                                    </p:set>
+                                    <p:anim calcmode="lin" valueType="num">
+                                      <p:cBhvr additive="base">
+                                        <p:cTn id="38" dur="500" fill="hold"/>
+                                        <p:tgtEl>
+                                          <p:spTgt spid="14"/>
+                                        </p:tgtEl>
+                                        <p:attrNameLst>
+                                          <p:attrName>ppt_x</p:attrName>
+                                        </p:attrNameLst>
+                                      </p:cBhvr>
+                                      <p:tavLst>
+                                        <p:tav tm="0">
+                                          <p:val>
+                                            <p:strVal val="#ppt_x"/>
+                                          </p:val>
+                                        </p:tav>
+                                        <p:tav tm="100000">
+                                          <p:val>
+                                            <p:strVal val="#ppt_x"/>
+                                          </p:val>
+                                        </p:tav>
+                                      </p:tavLst>
+                                    </p:anim>
+                                    <p:anim calcmode="lin" valueType="num">
+                                      <p:cBhvr additive="base">
+                                        <p:cTn id="39" dur="500" fill="hold"/>
+                                        <p:tgtEl>
+                                          <p:spTgt spid="14"/>
+                                        </p:tgtEl>
+                                        <p:attrNameLst>
+                                          <p:attrName>ppt_y</p:attrName>
+                                        </p:attrNameLst>
+                                      </p:cBhvr>
+                                      <p:tavLst>
+                                        <p:tav tm="0">
+                                          <p:val>
+                                            <p:strVal val="1+#ppt_h/2"/>
+                                          </p:val>
+                                        </p:tav>
+                                        <p:tav tm="100000">
+                                          <p:val>
+                                            <p:strVal val="#ppt_y"/>
+                                          </p:val>
+                                        </p:tav>
+                                      </p:tavLst>
+                                    </p:anim>
+                                  </p:childTnLst>
+                                </p:cTn>
+                              </p:par>
+                            </p:childTnLst>
+                          </p:cTn>
+                        </p:par>
+                      </p:childTnLst>
+                    </p:cTn>
+                  </p:par>
+                </p:childTnLst>
+              </p:cTn>
+              <p:prevCondLst>
+                <p:cond evt="onPrev" delay="0">
+                  <p:tgtEl>
+                    <p:sldTgt/>
+                  </p:tgtEl>
+                </p:cond>
+              </p:prevCondLst>
+              <p:nextCondLst>
+                <p:cond evt="onNext" delay="0">
+                  <p:tgtEl>
+                    <p:sldTgt/>
+                  </p:tgtEl>
+                </p:cond>
+              </p:nextCondLst>
+            </p:seq>
+          </p:childTnLst>
+        </p:cTn>
       </p:par>
     </p:tnLst>
   </p:timing>
@@ -10277,7 +10978,7 @@
           <a:p>
             <a:fld id="{75D9AB38-9A3B-4299-A716-F9578564FF92}" type="datetime1">
               <a:rPr lang="fr-FR" smtClean="0"/>
-              <a:t>12/02/2014</a:t>
+              <a:t>13/02/2014</a:t>
             </a:fld>
             <a:endParaRPr lang="en-US"/>
           </a:p>
@@ -10316,6 +11017,13 @@
   <p:clrMapOvr>
     <a:masterClrMapping/>
   </p:clrMapOvr>
+  <p:timing>
+    <p:tnLst>
+      <p:par>
+        <p:cTn id="1" dur="indefinite" restart="never" nodeType="tmRoot"/>
+      </p:par>
+    </p:tnLst>
+  </p:timing>
 </p:sld>
 </file>
 
@@ -10376,7 +11084,7 @@
           <a:p>
             <a:fld id="{256F38FA-52ED-4A86-A46E-21A00260D8EF}" type="datetime1">
               <a:rPr lang="fr-FR" smtClean="0"/>
-              <a:t>12/02/2014</a:t>
+              <a:t>13/02/2014</a:t>
             </a:fld>
             <a:endParaRPr lang="en-US"/>
           </a:p>
@@ -10663,7 +11371,7 @@
           <a:p>
             <a:fld id="{74268F3B-B68E-4782-B3DC-846E45352065}" type="datetime1">
               <a:rPr lang="fr-FR" smtClean="0"/>
-              <a:t>12/02/2014</a:t>
+              <a:t>13/02/2014</a:t>
             </a:fld>
             <a:endParaRPr lang="en-US"/>
           </a:p>
@@ -11587,7 +12295,7 @@
           <a:p>
             <a:fld id="{74268F3B-B68E-4782-B3DC-846E45352065}" type="datetime1">
               <a:rPr lang="fr-FR" smtClean="0"/>
-              <a:t>12/02/2014</a:t>
+              <a:t>13/02/2014</a:t>
             </a:fld>
             <a:endParaRPr lang="en-US"/>
           </a:p>
@@ -12352,7 +13060,7 @@
           <a:p>
             <a:fld id="{40C929A7-D313-490D-B877-ABDEEB22D221}" type="datetime1">
               <a:rPr lang="fr-FR" smtClean="0"/>
-              <a:t>12/02/2014</a:t>
+              <a:t>13/02/2014</a:t>
             </a:fld>
             <a:endParaRPr lang="en-US"/>
           </a:p>
@@ -13922,7 +14630,7 @@
           <a:p>
             <a:fld id="{40C929A7-D313-490D-B877-ABDEEB22D221}" type="datetime1">
               <a:rPr lang="fr-FR" smtClean="0"/>
-              <a:t>12/02/2014</a:t>
+              <a:t>13/02/2014</a:t>
             </a:fld>
             <a:endParaRPr lang="en-US"/>
           </a:p>
@@ -14757,7 +15465,7 @@
           <a:p>
             <a:fld id="{40C929A7-D313-490D-B877-ABDEEB22D221}" type="datetime1">
               <a:rPr lang="fr-FR" smtClean="0"/>
-              <a:t>12/02/2014</a:t>
+              <a:t>13/02/2014</a:t>
             </a:fld>
             <a:endParaRPr lang="en-US"/>
           </a:p>
@@ -16385,7 +17093,7 @@
           <a:p>
             <a:fld id="{40C929A7-D313-490D-B877-ABDEEB22D221}" type="datetime1">
               <a:rPr lang="fr-FR" smtClean="0"/>
-              <a:t>12/02/2014</a:t>
+              <a:t>13/02/2014</a:t>
             </a:fld>
             <a:endParaRPr lang="en-US"/>
           </a:p>
@@ -16690,36 +17398,6 @@
           </a:p>
         </p:txBody>
       </p:sp>
-      <p:pic>
-        <p:nvPicPr>
-          <p:cNvPr id="13" name="Picture 12"/>
-          <p:cNvPicPr>
-            <a:picLocks noChangeAspect="1"/>
-          </p:cNvPicPr>
-          <p:nvPr/>
-        </p:nvPicPr>
-        <p:blipFill>
-          <a:blip r:embed="rId3" cstate="print">
-            <a:extLst>
-              <a:ext uri="{28A0092B-C50C-407E-A947-70E740481C1C}">
-                <a14:useLocalDpi xmlns:a14="http://schemas.microsoft.com/office/drawing/2010/main" val="0"/>
-              </a:ext>
-            </a:extLst>
-          </a:blip>
-          <a:stretch>
-            <a:fillRect/>
-          </a:stretch>
-        </p:blipFill>
-        <p:spPr>
-          <a:xfrm>
-            <a:off x="9864368" y="565924"/>
-            <a:ext cx="1446760" cy="1446760"/>
-          </a:xfrm>
-          <a:prstGeom prst="rect">
-            <a:avLst/>
-          </a:prstGeom>
-        </p:spPr>
-      </p:pic>
     </p:spTree>
     <p:extLst>
       <p:ext uri="{BB962C8B-B14F-4D97-AF65-F5344CB8AC3E}">

--- a/Presentation.pptx
+++ b/Presentation.pptx
@@ -128,15 +128,27 @@
 </file>
 
 <file path=ppt/diagrams/colors1.xml><?xml version="1.0" encoding="utf-8"?>
-<dgm:colorsDef xmlns:dgm="http://schemas.openxmlformats.org/drawingml/2006/diagram" xmlns:a="http://schemas.openxmlformats.org/drawingml/2006/main" uniqueId="urn:microsoft.com/office/officeart/2005/8/colors/accent1_2">
+<dgm:colorsDef xmlns:dgm="http://schemas.openxmlformats.org/drawingml/2006/diagram" xmlns:a="http://schemas.openxmlformats.org/drawingml/2006/main" uniqueId="urn:microsoft.com/office/officeart/2005/8/colors/accent5_2">
   <dgm:title val=""/>
   <dgm:desc val=""/>
   <dgm:catLst>
-    <dgm:cat type="accent1" pri="11200"/>
+    <dgm:cat type="accent5" pri="11200"/>
   </dgm:catLst>
   <dgm:styleLbl name="node0">
     <dgm:fillClrLst meth="repeat">
-      <a:schemeClr val="accent1"/>
+      <a:schemeClr val="accent5"/>
+    </dgm:fillClrLst>
+    <dgm:linClrLst meth="repeat">
+      <a:schemeClr val="lt1"/>
+    </dgm:linClrLst>
+    <dgm:effectClrLst/>
+    <dgm:txLinClrLst/>
+    <dgm:txFillClrLst/>
+    <dgm:txEffectClrLst/>
+  </dgm:styleLbl>
+  <dgm:styleLbl name="node1">
+    <dgm:fillClrLst meth="repeat">
+      <a:schemeClr val="accent5"/>
     </dgm:fillClrLst>
     <dgm:linClrLst meth="repeat">
       <a:schemeClr val="lt1"/>
@@ -148,22 +160,10 @@
   </dgm:styleLbl>
   <dgm:styleLbl name="alignNode1">
     <dgm:fillClrLst meth="repeat">
-      <a:schemeClr val="accent1"/>
+      <a:schemeClr val="accent5"/>
     </dgm:fillClrLst>
     <dgm:linClrLst meth="repeat">
-      <a:schemeClr val="accent1"/>
-    </dgm:linClrLst>
-    <dgm:effectClrLst/>
-    <dgm:txLinClrLst/>
-    <dgm:txFillClrLst/>
-    <dgm:txEffectClrLst/>
-  </dgm:styleLbl>
-  <dgm:styleLbl name="node1">
-    <dgm:fillClrLst meth="repeat">
-      <a:schemeClr val="accent1"/>
-    </dgm:fillClrLst>
-    <dgm:linClrLst meth="repeat">
-      <a:schemeClr val="lt1"/>
+      <a:schemeClr val="accent5"/>
     </dgm:linClrLst>
     <dgm:effectClrLst/>
     <dgm:txLinClrLst/>
@@ -172,7 +172,7 @@
   </dgm:styleLbl>
   <dgm:styleLbl name="lnNode1">
     <dgm:fillClrLst meth="repeat">
-      <a:schemeClr val="accent1"/>
+      <a:schemeClr val="accent5"/>
     </dgm:fillClrLst>
     <dgm:linClrLst meth="repeat">
       <a:schemeClr val="lt1"/>
@@ -184,7 +184,7 @@
   </dgm:styleLbl>
   <dgm:styleLbl name="vennNode1">
     <dgm:fillClrLst meth="repeat">
-      <a:schemeClr val="accent1">
+      <a:schemeClr val="accent5">
         <a:alpha val="50000"/>
       </a:schemeClr>
     </dgm:fillClrLst>
@@ -198,7 +198,7 @@
   </dgm:styleLbl>
   <dgm:styleLbl name="node2">
     <dgm:fillClrLst meth="repeat">
-      <a:schemeClr val="accent1"/>
+      <a:schemeClr val="accent5"/>
     </dgm:fillClrLst>
     <dgm:linClrLst meth="repeat">
       <a:schemeClr val="lt1"/>
@@ -210,7 +210,7 @@
   </dgm:styleLbl>
   <dgm:styleLbl name="node3">
     <dgm:fillClrLst meth="repeat">
-      <a:schemeClr val="accent1"/>
+      <a:schemeClr val="accent5"/>
     </dgm:fillClrLst>
     <dgm:linClrLst meth="repeat">
       <a:schemeClr val="lt1"/>
@@ -222,7 +222,7 @@
   </dgm:styleLbl>
   <dgm:styleLbl name="node4">
     <dgm:fillClrLst meth="repeat">
-      <a:schemeClr val="accent1"/>
+      <a:schemeClr val="accent5"/>
     </dgm:fillClrLst>
     <dgm:linClrLst meth="repeat">
       <a:schemeClr val="lt1"/>
@@ -234,7 +234,7 @@
   </dgm:styleLbl>
   <dgm:styleLbl name="fgImgPlace1">
     <dgm:fillClrLst meth="repeat">
-      <a:schemeClr val="accent1">
+      <a:schemeClr val="accent5">
         <a:tint val="50000"/>
       </a:schemeClr>
     </dgm:fillClrLst>
@@ -250,7 +250,7 @@
   </dgm:styleLbl>
   <dgm:styleLbl name="alignImgPlace1">
     <dgm:fillClrLst meth="repeat">
-      <a:schemeClr val="accent1">
+      <a:schemeClr val="accent5">
         <a:tint val="50000"/>
       </a:schemeClr>
     </dgm:fillClrLst>
@@ -266,7 +266,7 @@
   </dgm:styleLbl>
   <dgm:styleLbl name="bgImgPlace1">
     <dgm:fillClrLst meth="repeat">
-      <a:schemeClr val="accent1">
+      <a:schemeClr val="accent5">
         <a:tint val="50000"/>
       </a:schemeClr>
     </dgm:fillClrLst>
@@ -282,12 +282,12 @@
   </dgm:styleLbl>
   <dgm:styleLbl name="sibTrans2D1">
     <dgm:fillClrLst meth="repeat">
-      <a:schemeClr val="accent1">
+      <a:schemeClr val="accent5">
         <a:tint val="60000"/>
       </a:schemeClr>
     </dgm:fillClrLst>
     <dgm:linClrLst meth="repeat">
-      <a:schemeClr val="accent1">
+      <a:schemeClr val="accent5">
         <a:tint val="60000"/>
       </a:schemeClr>
     </dgm:linClrLst>
@@ -298,12 +298,12 @@
   </dgm:styleLbl>
   <dgm:styleLbl name="fgSibTrans2D1">
     <dgm:fillClrLst meth="repeat">
-      <a:schemeClr val="accent1">
+      <a:schemeClr val="accent5">
         <a:tint val="60000"/>
       </a:schemeClr>
     </dgm:fillClrLst>
     <dgm:linClrLst meth="repeat">
-      <a:schemeClr val="accent1">
+      <a:schemeClr val="accent5">
         <a:tint val="60000"/>
       </a:schemeClr>
     </dgm:linClrLst>
@@ -314,12 +314,12 @@
   </dgm:styleLbl>
   <dgm:styleLbl name="bgSibTrans2D1">
     <dgm:fillClrLst meth="repeat">
-      <a:schemeClr val="accent1">
+      <a:schemeClr val="accent5">
         <a:tint val="60000"/>
       </a:schemeClr>
     </dgm:fillClrLst>
     <dgm:linClrLst meth="repeat">
-      <a:schemeClr val="accent1">
+      <a:schemeClr val="accent5">
         <a:tint val="60000"/>
       </a:schemeClr>
     </dgm:linClrLst>
@@ -330,10 +330,10 @@
   </dgm:styleLbl>
   <dgm:styleLbl name="sibTrans1D1">
     <dgm:fillClrLst meth="repeat">
-      <a:schemeClr val="accent1"/>
+      <a:schemeClr val="accent5"/>
     </dgm:fillClrLst>
     <dgm:linClrLst meth="repeat">
-      <a:schemeClr val="accent1"/>
+      <a:schemeClr val="accent5"/>
     </dgm:linClrLst>
     <dgm:effectClrLst/>
     <dgm:txLinClrLst/>
@@ -344,10 +344,10 @@
   </dgm:styleLbl>
   <dgm:styleLbl name="callout">
     <dgm:fillClrLst meth="repeat">
-      <a:schemeClr val="accent1"/>
+      <a:schemeClr val="accent5"/>
     </dgm:fillClrLst>
     <dgm:linClrLst meth="repeat">
-      <a:schemeClr val="accent1">
+      <a:schemeClr val="accent5">
         <a:tint val="50000"/>
       </a:schemeClr>
     </dgm:linClrLst>
@@ -360,7 +360,7 @@
   </dgm:styleLbl>
   <dgm:styleLbl name="asst0">
     <dgm:fillClrLst meth="repeat">
-      <a:schemeClr val="accent1"/>
+      <a:schemeClr val="accent5"/>
     </dgm:fillClrLst>
     <dgm:linClrLst meth="repeat">
       <a:schemeClr val="lt1"/>
@@ -372,7 +372,7 @@
   </dgm:styleLbl>
   <dgm:styleLbl name="asst1">
     <dgm:fillClrLst meth="repeat">
-      <a:schemeClr val="accent1"/>
+      <a:schemeClr val="accent5"/>
     </dgm:fillClrLst>
     <dgm:linClrLst meth="repeat">
       <a:schemeClr val="lt1"/>
@@ -384,7 +384,7 @@
   </dgm:styleLbl>
   <dgm:styleLbl name="asst2">
     <dgm:fillClrLst meth="repeat">
-      <a:schemeClr val="accent1"/>
+      <a:schemeClr val="accent5"/>
     </dgm:fillClrLst>
     <dgm:linClrLst meth="repeat">
       <a:schemeClr val="lt1"/>
@@ -396,7 +396,7 @@
   </dgm:styleLbl>
   <dgm:styleLbl name="asst3">
     <dgm:fillClrLst meth="repeat">
-      <a:schemeClr val="accent1"/>
+      <a:schemeClr val="accent5"/>
     </dgm:fillClrLst>
     <dgm:linClrLst meth="repeat">
       <a:schemeClr val="lt1"/>
@@ -408,7 +408,7 @@
   </dgm:styleLbl>
   <dgm:styleLbl name="asst4">
     <dgm:fillClrLst meth="repeat">
-      <a:schemeClr val="accent1"/>
+      <a:schemeClr val="accent5"/>
     </dgm:fillClrLst>
     <dgm:linClrLst meth="repeat">
       <a:schemeClr val="lt1"/>
@@ -420,12 +420,12 @@
   </dgm:styleLbl>
   <dgm:styleLbl name="parChTrans2D1">
     <dgm:fillClrLst meth="repeat">
-      <a:schemeClr val="accent1">
+      <a:schemeClr val="accent5">
         <a:tint val="60000"/>
       </a:schemeClr>
     </dgm:fillClrLst>
     <dgm:linClrLst meth="repeat">
-      <a:schemeClr val="accent1">
+      <a:schemeClr val="accent5">
         <a:tint val="60000"/>
       </a:schemeClr>
     </dgm:linClrLst>
@@ -438,10 +438,10 @@
   </dgm:styleLbl>
   <dgm:styleLbl name="parChTrans2D2">
     <dgm:fillClrLst meth="repeat">
-      <a:schemeClr val="accent1"/>
+      <a:schemeClr val="accent5"/>
     </dgm:fillClrLst>
     <dgm:linClrLst meth="repeat">
-      <a:schemeClr val="accent1"/>
+      <a:schemeClr val="accent5"/>
     </dgm:linClrLst>
     <dgm:effectClrLst/>
     <dgm:txLinClrLst/>
@@ -452,10 +452,10 @@
   </dgm:styleLbl>
   <dgm:styleLbl name="parChTrans2D3">
     <dgm:fillClrLst meth="repeat">
-      <a:schemeClr val="accent1"/>
+      <a:schemeClr val="accent5"/>
     </dgm:fillClrLst>
     <dgm:linClrLst meth="repeat">
-      <a:schemeClr val="accent1"/>
+      <a:schemeClr val="accent5"/>
     </dgm:linClrLst>
     <dgm:effectClrLst/>
     <dgm:txLinClrLst/>
@@ -466,10 +466,10 @@
   </dgm:styleLbl>
   <dgm:styleLbl name="parChTrans2D4">
     <dgm:fillClrLst meth="repeat">
-      <a:schemeClr val="accent1"/>
+      <a:schemeClr val="accent5"/>
     </dgm:fillClrLst>
     <dgm:linClrLst meth="repeat">
-      <a:schemeClr val="accent1"/>
+      <a:schemeClr val="accent5"/>
     </dgm:linClrLst>
     <dgm:effectClrLst/>
     <dgm:txLinClrLst/>
@@ -480,10 +480,10 @@
   </dgm:styleLbl>
   <dgm:styleLbl name="parChTrans1D1">
     <dgm:fillClrLst meth="repeat">
-      <a:schemeClr val="accent1"/>
+      <a:schemeClr val="accent5"/>
     </dgm:fillClrLst>
     <dgm:linClrLst meth="repeat">
-      <a:schemeClr val="accent1">
+      <a:schemeClr val="accent5">
         <a:shade val="60000"/>
       </a:schemeClr>
     </dgm:linClrLst>
@@ -496,10 +496,10 @@
   </dgm:styleLbl>
   <dgm:styleLbl name="parChTrans1D2">
     <dgm:fillClrLst meth="repeat">
-      <a:schemeClr val="accent1"/>
+      <a:schemeClr val="accent5"/>
     </dgm:fillClrLst>
     <dgm:linClrLst meth="repeat">
-      <a:schemeClr val="accent1">
+      <a:schemeClr val="accent5">
         <a:shade val="60000"/>
       </a:schemeClr>
     </dgm:linClrLst>
@@ -512,10 +512,10 @@
   </dgm:styleLbl>
   <dgm:styleLbl name="parChTrans1D3">
     <dgm:fillClrLst meth="repeat">
-      <a:schemeClr val="accent1"/>
+      <a:schemeClr val="accent5"/>
     </dgm:fillClrLst>
     <dgm:linClrLst meth="repeat">
-      <a:schemeClr val="accent1">
+      <a:schemeClr val="accent5">
         <a:shade val="80000"/>
       </a:schemeClr>
     </dgm:linClrLst>
@@ -528,10 +528,10 @@
   </dgm:styleLbl>
   <dgm:styleLbl name="parChTrans1D4">
     <dgm:fillClrLst meth="repeat">
-      <a:schemeClr val="accent1"/>
+      <a:schemeClr val="accent5"/>
     </dgm:fillClrLst>
     <dgm:linClrLst meth="repeat">
-      <a:schemeClr val="accent1">
+      <a:schemeClr val="accent5">
         <a:shade val="80000"/>
       </a:schemeClr>
     </dgm:linClrLst>
@@ -549,7 +549,7 @@
       </a:schemeClr>
     </dgm:fillClrLst>
     <dgm:linClrLst meth="repeat">
-      <a:schemeClr val="accent1"/>
+      <a:schemeClr val="accent5"/>
     </dgm:linClrLst>
     <dgm:effectClrLst/>
     <dgm:txLinClrLst/>
@@ -565,7 +565,7 @@
       </a:schemeClr>
     </dgm:fillClrLst>
     <dgm:linClrLst meth="repeat">
-      <a:schemeClr val="accent1"/>
+      <a:schemeClr val="accent5"/>
     </dgm:linClrLst>
     <dgm:effectClrLst/>
     <dgm:txLinClrLst/>
@@ -581,7 +581,7 @@
       </a:schemeClr>
     </dgm:fillClrLst>
     <dgm:linClrLst meth="repeat">
-      <a:schemeClr val="accent1"/>
+      <a:schemeClr val="accent5"/>
     </dgm:linClrLst>
     <dgm:effectClrLst/>
     <dgm:txLinClrLst/>
@@ -597,7 +597,7 @@
       </a:schemeClr>
     </dgm:fillClrLst>
     <dgm:linClrLst meth="repeat">
-      <a:schemeClr val="accent1"/>
+      <a:schemeClr val="accent5"/>
     </dgm:linClrLst>
     <dgm:effectClrLst/>
     <dgm:txLinClrLst/>
@@ -613,7 +613,7 @@
       </a:schemeClr>
     </dgm:fillClrLst>
     <dgm:linClrLst meth="repeat">
-      <a:schemeClr val="accent1"/>
+      <a:schemeClr val="accent5"/>
     </dgm:linClrLst>
     <dgm:effectClrLst/>
     <dgm:txLinClrLst/>
@@ -627,7 +627,7 @@
       <a:schemeClr val="lt1"/>
     </dgm:fillClrLst>
     <dgm:linClrLst meth="repeat">
-      <a:schemeClr val="accent1"/>
+      <a:schemeClr val="accent5"/>
     </dgm:linClrLst>
     <dgm:effectClrLst/>
     <dgm:txLinClrLst/>
@@ -641,7 +641,7 @@
       <a:schemeClr val="lt1"/>
     </dgm:fillClrLst>
     <dgm:linClrLst meth="repeat">
-      <a:schemeClr val="accent1"/>
+      <a:schemeClr val="accent5"/>
     </dgm:linClrLst>
     <dgm:effectClrLst/>
     <dgm:txLinClrLst/>
@@ -655,7 +655,7 @@
       <a:schemeClr val="lt1"/>
     </dgm:fillClrLst>
     <dgm:linClrLst meth="repeat">
-      <a:schemeClr val="accent1"/>
+      <a:schemeClr val="accent5"/>
     </dgm:linClrLst>
     <dgm:effectClrLst/>
     <dgm:txLinClrLst/>
@@ -666,13 +666,13 @@
   </dgm:styleLbl>
   <dgm:styleLbl name="fgAccFollowNode1">
     <dgm:fillClrLst meth="repeat">
-      <a:schemeClr val="accent1">
+      <a:schemeClr val="accent5">
         <a:alpha val="90000"/>
         <a:tint val="40000"/>
       </a:schemeClr>
     </dgm:fillClrLst>
     <dgm:linClrLst meth="repeat">
-      <a:schemeClr val="accent1">
+      <a:schemeClr val="accent5">
         <a:alpha val="90000"/>
         <a:tint val="40000"/>
       </a:schemeClr>
@@ -686,13 +686,13 @@
   </dgm:styleLbl>
   <dgm:styleLbl name="alignAccFollowNode1">
     <dgm:fillClrLst meth="repeat">
-      <a:schemeClr val="accent1">
+      <a:schemeClr val="accent5">
         <a:alpha val="90000"/>
         <a:tint val="40000"/>
       </a:schemeClr>
     </dgm:fillClrLst>
     <dgm:linClrLst meth="repeat">
-      <a:schemeClr val="accent1">
+      <a:schemeClr val="accent5">
         <a:alpha val="90000"/>
         <a:tint val="40000"/>
       </a:schemeClr>
@@ -706,13 +706,13 @@
   </dgm:styleLbl>
   <dgm:styleLbl name="bgAccFollowNode1">
     <dgm:fillClrLst meth="repeat">
-      <a:schemeClr val="accent1">
+      <a:schemeClr val="accent5">
         <a:alpha val="90000"/>
         <a:tint val="40000"/>
       </a:schemeClr>
     </dgm:fillClrLst>
     <dgm:linClrLst meth="repeat">
-      <a:schemeClr val="accent1">
+      <a:schemeClr val="accent5">
         <a:alpha val="90000"/>
         <a:tint val="40000"/>
       </a:schemeClr>
@@ -731,7 +731,7 @@
       </a:schemeClr>
     </dgm:fillClrLst>
     <dgm:linClrLst meth="repeat">
-      <a:schemeClr val="accent1"/>
+      <a:schemeClr val="accent5"/>
     </dgm:linClrLst>
     <dgm:effectClrLst/>
     <dgm:txLinClrLst/>
@@ -747,7 +747,7 @@
       </a:schemeClr>
     </dgm:fillClrLst>
     <dgm:linClrLst meth="repeat">
-      <a:schemeClr val="accent1"/>
+      <a:schemeClr val="accent5"/>
     </dgm:linClrLst>
     <dgm:effectClrLst/>
     <dgm:txLinClrLst/>
@@ -763,7 +763,7 @@
       </a:schemeClr>
     </dgm:fillClrLst>
     <dgm:linClrLst meth="repeat">
-      <a:schemeClr val="accent1"/>
+      <a:schemeClr val="accent5"/>
     </dgm:linClrLst>
     <dgm:effectClrLst/>
     <dgm:txLinClrLst/>
@@ -779,7 +779,7 @@
       </a:schemeClr>
     </dgm:fillClrLst>
     <dgm:linClrLst meth="repeat">
-      <a:schemeClr val="accent1"/>
+      <a:schemeClr val="accent5"/>
     </dgm:linClrLst>
     <dgm:effectClrLst/>
     <dgm:txLinClrLst/>
@@ -790,12 +790,12 @@
   </dgm:styleLbl>
   <dgm:styleLbl name="bgShp">
     <dgm:fillClrLst meth="repeat">
-      <a:schemeClr val="accent1">
+      <a:schemeClr val="accent5">
         <a:tint val="40000"/>
       </a:schemeClr>
     </dgm:fillClrLst>
     <dgm:linClrLst meth="repeat">
-      <a:schemeClr val="accent1"/>
+      <a:schemeClr val="accent5"/>
     </dgm:linClrLst>
     <dgm:effectClrLst/>
     <dgm:txLinClrLst/>
@@ -806,12 +806,12 @@
   </dgm:styleLbl>
   <dgm:styleLbl name="dkBgShp">
     <dgm:fillClrLst meth="repeat">
-      <a:schemeClr val="accent1">
+      <a:schemeClr val="accent5">
         <a:shade val="80000"/>
       </a:schemeClr>
     </dgm:fillClrLst>
     <dgm:linClrLst meth="repeat">
-      <a:schemeClr val="accent1"/>
+      <a:schemeClr val="accent5"/>
     </dgm:linClrLst>
     <dgm:effectClrLst/>
     <dgm:txLinClrLst/>
@@ -822,13 +822,13 @@
   </dgm:styleLbl>
   <dgm:styleLbl name="trBgShp">
     <dgm:fillClrLst meth="repeat">
-      <a:schemeClr val="accent1">
+      <a:schemeClr val="accent5">
         <a:tint val="50000"/>
         <a:alpha val="40000"/>
       </a:schemeClr>
     </dgm:fillClrLst>
     <dgm:linClrLst meth="repeat">
-      <a:schemeClr val="accent1"/>
+      <a:schemeClr val="accent5"/>
     </dgm:linClrLst>
     <dgm:effectClrLst/>
     <dgm:txLinClrLst/>
@@ -839,7 +839,7 @@
   </dgm:styleLbl>
   <dgm:styleLbl name="fgShp">
     <dgm:fillClrLst meth="repeat">
-      <a:schemeClr val="accent1">
+      <a:schemeClr val="accent5">
         <a:tint val="60000"/>
       </a:schemeClr>
     </dgm:fillClrLst>
@@ -878,7 +878,7 @@
 <dgm:dataModel xmlns:dgm="http://schemas.openxmlformats.org/drawingml/2006/diagram" xmlns:a="http://schemas.openxmlformats.org/drawingml/2006/main">
   <dgm:ptLst>
     <dgm:pt modelId="{1B1F3C73-C265-4F54-A1C6-2BC9D1B3073F}" type="doc">
-      <dgm:prSet loTypeId="urn:microsoft.com/office/officeart/2011/layout/TabList" loCatId="list" qsTypeId="urn:microsoft.com/office/officeart/2005/8/quickstyle/simple1" qsCatId="simple" csTypeId="urn:microsoft.com/office/officeart/2005/8/colors/accent1_2" csCatId="accent1" phldr="1"/>
+      <dgm:prSet loTypeId="urn:microsoft.com/office/officeart/2011/layout/TabList" loCatId="list" qsTypeId="urn:microsoft.com/office/officeart/2005/8/quickstyle/simple5" qsCatId="simple" csTypeId="urn:microsoft.com/office/officeart/2005/8/colors/accent5_2" csCatId="accent5" phldr="1"/>
       <dgm:spPr/>
       <dgm:t>
         <a:bodyPr/>
@@ -1280,6 +1280,13 @@
     <dgm:pt modelId="{2C963CC6-FB43-415A-A05B-7E9ADBC2F28D}" type="pres">
       <dgm:prSet presAssocID="{3DDA1DB2-6D19-4769-88F0-102DA1184BAF}" presName="composite" presStyleCnt="0"/>
       <dgm:spPr/>
+      <dgm:t>
+        <a:bodyPr/>
+        <a:lstStyle/>
+        <a:p>
+          <a:endParaRPr lang="fr-FR"/>
+        </a:p>
+      </dgm:t>
     </dgm:pt>
     <dgm:pt modelId="{5C623B8B-C2B6-444B-B734-40187E00ABAB}" type="pres">
       <dgm:prSet presAssocID="{3DDA1DB2-6D19-4769-88F0-102DA1184BAF}" presName="FirstChild" presStyleLbl="revTx" presStyleIdx="0" presStyleCnt="5">
@@ -1318,14 +1325,35 @@
     <dgm:pt modelId="{344F13B8-709D-4B27-8DCA-0D730D683300}" type="pres">
       <dgm:prSet presAssocID="{3DDA1DB2-6D19-4769-88F0-102DA1184BAF}" presName="Accent" presStyleLbl="parChTrans1D1" presStyleIdx="0" presStyleCnt="5"/>
       <dgm:spPr/>
+      <dgm:t>
+        <a:bodyPr/>
+        <a:lstStyle/>
+        <a:p>
+          <a:endParaRPr lang="fr-FR"/>
+        </a:p>
+      </dgm:t>
     </dgm:pt>
     <dgm:pt modelId="{047C3E9E-67C5-473C-9B2C-73EE7B5234F6}" type="pres">
       <dgm:prSet presAssocID="{3D42ECB8-5FFD-48A7-A768-9E1703831925}" presName="sibTrans" presStyleCnt="0"/>
       <dgm:spPr/>
+      <dgm:t>
+        <a:bodyPr/>
+        <a:lstStyle/>
+        <a:p>
+          <a:endParaRPr lang="fr-FR"/>
+        </a:p>
+      </dgm:t>
     </dgm:pt>
     <dgm:pt modelId="{DD1B1E3E-350D-4663-87E6-D92500FB53B5}" type="pres">
       <dgm:prSet presAssocID="{2510B10D-3764-4389-883C-68DC22E49CD5}" presName="composite" presStyleCnt="0"/>
       <dgm:spPr/>
+      <dgm:t>
+        <a:bodyPr/>
+        <a:lstStyle/>
+        <a:p>
+          <a:endParaRPr lang="fr-FR"/>
+        </a:p>
+      </dgm:t>
     </dgm:pt>
     <dgm:pt modelId="{E355008A-5A7D-42BF-ACD7-1A35851F4BFA}" type="pres">
       <dgm:prSet presAssocID="{2510B10D-3764-4389-883C-68DC22E49CD5}" presName="FirstChild" presStyleLbl="revTx" presStyleIdx="1" presStyleCnt="5">
@@ -1364,14 +1392,35 @@
     <dgm:pt modelId="{F80C4CA6-4A5E-4CCF-9849-E3CD7F3B7C14}" type="pres">
       <dgm:prSet presAssocID="{2510B10D-3764-4389-883C-68DC22E49CD5}" presName="Accent" presStyleLbl="parChTrans1D1" presStyleIdx="1" presStyleCnt="5"/>
       <dgm:spPr/>
+      <dgm:t>
+        <a:bodyPr/>
+        <a:lstStyle/>
+        <a:p>
+          <a:endParaRPr lang="fr-FR"/>
+        </a:p>
+      </dgm:t>
     </dgm:pt>
     <dgm:pt modelId="{DBADB49E-FB57-4251-970E-EF2484382356}" type="pres">
       <dgm:prSet presAssocID="{5D05EC9C-5993-47F6-900D-BC0F08D49ED2}" presName="sibTrans" presStyleCnt="0"/>
       <dgm:spPr/>
+      <dgm:t>
+        <a:bodyPr/>
+        <a:lstStyle/>
+        <a:p>
+          <a:endParaRPr lang="fr-FR"/>
+        </a:p>
+      </dgm:t>
     </dgm:pt>
     <dgm:pt modelId="{C3488C39-0286-4D76-BD82-516A401990FF}" type="pres">
       <dgm:prSet presAssocID="{8B0BB34E-B2B1-4548-A49F-7ABE39C6C6F5}" presName="composite" presStyleCnt="0"/>
       <dgm:spPr/>
+      <dgm:t>
+        <a:bodyPr/>
+        <a:lstStyle/>
+        <a:p>
+          <a:endParaRPr lang="fr-FR"/>
+        </a:p>
+      </dgm:t>
     </dgm:pt>
     <dgm:pt modelId="{31606F9C-E24C-4ECC-83C0-3D167DEF6BC8}" type="pres">
       <dgm:prSet presAssocID="{8B0BB34E-B2B1-4548-A49F-7ABE39C6C6F5}" presName="FirstChild" presStyleLbl="revTx" presStyleIdx="2" presStyleCnt="5">
@@ -1410,14 +1459,35 @@
     <dgm:pt modelId="{CC43912D-9516-461E-B0EB-D8D952BC4BAD}" type="pres">
       <dgm:prSet presAssocID="{8B0BB34E-B2B1-4548-A49F-7ABE39C6C6F5}" presName="Accent" presStyleLbl="parChTrans1D1" presStyleIdx="2" presStyleCnt="5"/>
       <dgm:spPr/>
+      <dgm:t>
+        <a:bodyPr/>
+        <a:lstStyle/>
+        <a:p>
+          <a:endParaRPr lang="fr-FR"/>
+        </a:p>
+      </dgm:t>
     </dgm:pt>
     <dgm:pt modelId="{F6AFA513-1B02-4207-A061-795766EE18ED}" type="pres">
       <dgm:prSet presAssocID="{426DE8D2-A269-41CE-B3EB-1657297F11A1}" presName="sibTrans" presStyleCnt="0"/>
       <dgm:spPr/>
+      <dgm:t>
+        <a:bodyPr/>
+        <a:lstStyle/>
+        <a:p>
+          <a:endParaRPr lang="fr-FR"/>
+        </a:p>
+      </dgm:t>
     </dgm:pt>
     <dgm:pt modelId="{31241442-CEDE-4D63-BF18-354C778C2EE8}" type="pres">
       <dgm:prSet presAssocID="{CEA3FA8F-9EC5-46F5-A1E4-75A42469FAF4}" presName="composite" presStyleCnt="0"/>
       <dgm:spPr/>
+      <dgm:t>
+        <a:bodyPr/>
+        <a:lstStyle/>
+        <a:p>
+          <a:endParaRPr lang="fr-FR"/>
+        </a:p>
+      </dgm:t>
     </dgm:pt>
     <dgm:pt modelId="{3EE545DA-222D-4016-83AB-C85D508B03C3}" type="pres">
       <dgm:prSet presAssocID="{CEA3FA8F-9EC5-46F5-A1E4-75A42469FAF4}" presName="FirstChild" presStyleLbl="revTx" presStyleIdx="3" presStyleCnt="5">
@@ -1456,14 +1526,35 @@
     <dgm:pt modelId="{77B45754-8874-41AF-95EA-482D541C508F}" type="pres">
       <dgm:prSet presAssocID="{CEA3FA8F-9EC5-46F5-A1E4-75A42469FAF4}" presName="Accent" presStyleLbl="parChTrans1D1" presStyleIdx="3" presStyleCnt="5"/>
       <dgm:spPr/>
+      <dgm:t>
+        <a:bodyPr/>
+        <a:lstStyle/>
+        <a:p>
+          <a:endParaRPr lang="fr-FR"/>
+        </a:p>
+      </dgm:t>
     </dgm:pt>
     <dgm:pt modelId="{3A3F2319-F366-4332-A79D-D91A71539D1B}" type="pres">
       <dgm:prSet presAssocID="{8ACB8DB8-31E5-4F2B-9906-14C9B992BE54}" presName="sibTrans" presStyleCnt="0"/>
       <dgm:spPr/>
+      <dgm:t>
+        <a:bodyPr/>
+        <a:lstStyle/>
+        <a:p>
+          <a:endParaRPr lang="fr-FR"/>
+        </a:p>
+      </dgm:t>
     </dgm:pt>
     <dgm:pt modelId="{6B78F1CB-F378-47B4-A00C-743EE46B57FE}" type="pres">
       <dgm:prSet presAssocID="{D3DC3FBD-4CD4-4FA4-A1F9-F0E1122E3C7B}" presName="composite" presStyleCnt="0"/>
       <dgm:spPr/>
+      <dgm:t>
+        <a:bodyPr/>
+        <a:lstStyle/>
+        <a:p>
+          <a:endParaRPr lang="fr-FR"/>
+        </a:p>
+      </dgm:t>
     </dgm:pt>
     <dgm:pt modelId="{1374A494-EA1A-4BEE-87E9-2F0FA45D2532}" type="pres">
       <dgm:prSet presAssocID="{D3DC3FBD-4CD4-4FA4-A1F9-F0E1122E3C7B}" presName="FirstChild" presStyleLbl="revTx" presStyleIdx="4" presStyleCnt="5">
@@ -1502,6 +1593,13 @@
     <dgm:pt modelId="{EF7F1ECA-985D-4EC5-B9D1-F6A14AA402A5}" type="pres">
       <dgm:prSet presAssocID="{D3DC3FBD-4CD4-4FA4-A1F9-F0E1122E3C7B}" presName="Accent" presStyleLbl="parChTrans1D1" presStyleIdx="4" presStyleCnt="5"/>
       <dgm:spPr/>
+      <dgm:t>
+        <a:bodyPr/>
+        <a:lstStyle/>
+        <a:p>
+          <a:endParaRPr lang="fr-FR"/>
+        </a:p>
+      </dgm:t>
     </dgm:pt>
   </dgm:ptLst>
   <dgm:cxnLst>
@@ -1585,7 +1683,7 @@
         <a:noFill/>
         <a:ln w="12700" cap="flat" cmpd="sng" algn="ctr">
           <a:solidFill>
-            <a:schemeClr val="accent1">
+            <a:schemeClr val="accent5">
               <a:shade val="60000"/>
               <a:hueOff val="0"/>
               <a:satOff val="0"/>
@@ -1626,7 +1724,7 @@
         <a:noFill/>
         <a:ln w="12700" cap="flat" cmpd="sng" algn="ctr">
           <a:solidFill>
-            <a:schemeClr val="accent1">
+            <a:schemeClr val="accent5">
               <a:shade val="60000"/>
               <a:hueOff val="0"/>
               <a:satOff val="0"/>
@@ -1667,7 +1765,7 @@
         <a:noFill/>
         <a:ln w="12700" cap="flat" cmpd="sng" algn="ctr">
           <a:solidFill>
-            <a:schemeClr val="accent1">
+            <a:schemeClr val="accent5">
               <a:shade val="60000"/>
               <a:hueOff val="0"/>
               <a:satOff val="0"/>
@@ -1708,7 +1806,7 @@
         <a:noFill/>
         <a:ln w="12700" cap="flat" cmpd="sng" algn="ctr">
           <a:solidFill>
-            <a:schemeClr val="accent1">
+            <a:schemeClr val="accent5">
               <a:shade val="60000"/>
               <a:hueOff val="0"/>
               <a:satOff val="0"/>
@@ -1749,7 +1847,7 @@
         <a:noFill/>
         <a:ln w="12700" cap="flat" cmpd="sng" algn="ctr">
           <a:solidFill>
-            <a:schemeClr val="accent1">
+            <a:schemeClr val="accent5">
               <a:shade val="60000"/>
               <a:hueOff val="0"/>
               <a:satOff val="0"/>
@@ -1850,17 +1948,31 @@
             <a:gd name="adj2" fmla="val 0"/>
           </a:avLst>
         </a:prstGeom>
-        <a:solidFill>
-          <a:schemeClr val="accent1">
-            <a:hueOff val="0"/>
-            <a:satOff val="0"/>
-            <a:lumOff val="0"/>
-            <a:alphaOff val="0"/>
-          </a:schemeClr>
-        </a:solidFill>
-        <a:ln w="12700" cap="flat" cmpd="sng" algn="ctr">
+        <a:blipFill rotWithShape="0">
+          <a:blip xmlns:r="http://schemas.openxmlformats.org/officeDocument/2006/relationships" r:embed="rId1">
+            <a:duotone>
+              <a:schemeClr val="accent5">
+                <a:hueOff val="0"/>
+                <a:satOff val="0"/>
+                <a:lumOff val="0"/>
+                <a:alphaOff val="0"/>
+                <a:shade val="36000"/>
+                <a:satMod val="120000"/>
+              </a:schemeClr>
+              <a:schemeClr val="accent5">
+                <a:hueOff val="0"/>
+                <a:satOff val="0"/>
+                <a:lumOff val="0"/>
+                <a:alphaOff val="0"/>
+                <a:tint val="40000"/>
+              </a:schemeClr>
+            </a:duotone>
+          </a:blip>
+          <a:tile tx="0" ty="0" sx="60000" sy="59000" flip="none" algn="tl"/>
+        </a:blipFill>
+        <a:ln w="6350" cap="flat" cmpd="sng" algn="ctr">
           <a:solidFill>
-            <a:schemeClr val="accent1">
+            <a:schemeClr val="accent5">
               <a:hueOff val="0"/>
               <a:satOff val="0"/>
               <a:lumOff val="0"/>
@@ -1869,16 +1981,23 @@
           </a:solidFill>
           <a:prstDash val="solid"/>
         </a:ln>
-        <a:effectLst/>
+        <a:effectLst>
+          <a:outerShdw blurRad="50800" dist="19050" dir="5400000" algn="tl" rotWithShape="0">
+            <a:srgbClr val="000000">
+              <a:alpha val="60000"/>
+            </a:srgbClr>
+          </a:outerShdw>
+          <a:softEdge rad="12700"/>
+        </a:effectLst>
       </dsp:spPr>
       <dsp:style>
-        <a:lnRef idx="2">
+        <a:lnRef idx="1">
           <a:scrgbClr r="0" g="0" b="0"/>
         </a:lnRef>
-        <a:fillRef idx="1">
+        <a:fillRef idx="3">
           <a:scrgbClr r="0" g="0" b="0"/>
         </a:fillRef>
-        <a:effectRef idx="0">
+        <a:effectRef idx="3">
           <a:scrgbClr r="0" g="0" b="0"/>
         </a:effectRef>
         <a:fontRef idx="minor">
@@ -1990,17 +2109,31 @@
             <a:gd name="adj2" fmla="val 0"/>
           </a:avLst>
         </a:prstGeom>
-        <a:solidFill>
-          <a:schemeClr val="accent1">
-            <a:hueOff val="0"/>
-            <a:satOff val="0"/>
-            <a:lumOff val="0"/>
-            <a:alphaOff val="0"/>
-          </a:schemeClr>
-        </a:solidFill>
-        <a:ln w="12700" cap="flat" cmpd="sng" algn="ctr">
+        <a:blipFill rotWithShape="0">
+          <a:blip xmlns:r="http://schemas.openxmlformats.org/officeDocument/2006/relationships" r:embed="rId1">
+            <a:duotone>
+              <a:schemeClr val="accent5">
+                <a:hueOff val="0"/>
+                <a:satOff val="0"/>
+                <a:lumOff val="0"/>
+                <a:alphaOff val="0"/>
+                <a:shade val="36000"/>
+                <a:satMod val="120000"/>
+              </a:schemeClr>
+              <a:schemeClr val="accent5">
+                <a:hueOff val="0"/>
+                <a:satOff val="0"/>
+                <a:lumOff val="0"/>
+                <a:alphaOff val="0"/>
+                <a:tint val="40000"/>
+              </a:schemeClr>
+            </a:duotone>
+          </a:blip>
+          <a:tile tx="0" ty="0" sx="60000" sy="59000" flip="none" algn="tl"/>
+        </a:blipFill>
+        <a:ln w="6350" cap="flat" cmpd="sng" algn="ctr">
           <a:solidFill>
-            <a:schemeClr val="accent1">
+            <a:schemeClr val="accent5">
               <a:hueOff val="0"/>
               <a:satOff val="0"/>
               <a:lumOff val="0"/>
@@ -2009,16 +2142,23 @@
           </a:solidFill>
           <a:prstDash val="solid"/>
         </a:ln>
-        <a:effectLst/>
+        <a:effectLst>
+          <a:outerShdw blurRad="50800" dist="19050" dir="5400000" algn="tl" rotWithShape="0">
+            <a:srgbClr val="000000">
+              <a:alpha val="60000"/>
+            </a:srgbClr>
+          </a:outerShdw>
+          <a:softEdge rad="12700"/>
+        </a:effectLst>
       </dsp:spPr>
       <dsp:style>
-        <a:lnRef idx="2">
+        <a:lnRef idx="1">
           <a:scrgbClr r="0" g="0" b="0"/>
         </a:lnRef>
-        <a:fillRef idx="1">
+        <a:fillRef idx="3">
           <a:scrgbClr r="0" g="0" b="0"/>
         </a:fillRef>
-        <a:effectRef idx="0">
+        <a:effectRef idx="3">
           <a:scrgbClr r="0" g="0" b="0"/>
         </a:effectRef>
         <a:fontRef idx="minor">
@@ -2130,17 +2270,31 @@
             <a:gd name="adj2" fmla="val 0"/>
           </a:avLst>
         </a:prstGeom>
-        <a:solidFill>
-          <a:schemeClr val="accent1">
-            <a:hueOff val="0"/>
-            <a:satOff val="0"/>
-            <a:lumOff val="0"/>
-            <a:alphaOff val="0"/>
-          </a:schemeClr>
-        </a:solidFill>
-        <a:ln w="12700" cap="flat" cmpd="sng" algn="ctr">
+        <a:blipFill rotWithShape="0">
+          <a:blip xmlns:r="http://schemas.openxmlformats.org/officeDocument/2006/relationships" r:embed="rId1">
+            <a:duotone>
+              <a:schemeClr val="accent5">
+                <a:hueOff val="0"/>
+                <a:satOff val="0"/>
+                <a:lumOff val="0"/>
+                <a:alphaOff val="0"/>
+                <a:shade val="36000"/>
+                <a:satMod val="120000"/>
+              </a:schemeClr>
+              <a:schemeClr val="accent5">
+                <a:hueOff val="0"/>
+                <a:satOff val="0"/>
+                <a:lumOff val="0"/>
+                <a:alphaOff val="0"/>
+                <a:tint val="40000"/>
+              </a:schemeClr>
+            </a:duotone>
+          </a:blip>
+          <a:tile tx="0" ty="0" sx="60000" sy="59000" flip="none" algn="tl"/>
+        </a:blipFill>
+        <a:ln w="6350" cap="flat" cmpd="sng" algn="ctr">
           <a:solidFill>
-            <a:schemeClr val="accent1">
+            <a:schemeClr val="accent5">
               <a:hueOff val="0"/>
               <a:satOff val="0"/>
               <a:lumOff val="0"/>
@@ -2149,16 +2303,23 @@
           </a:solidFill>
           <a:prstDash val="solid"/>
         </a:ln>
-        <a:effectLst/>
+        <a:effectLst>
+          <a:outerShdw blurRad="50800" dist="19050" dir="5400000" algn="tl" rotWithShape="0">
+            <a:srgbClr val="000000">
+              <a:alpha val="60000"/>
+            </a:srgbClr>
+          </a:outerShdw>
+          <a:softEdge rad="12700"/>
+        </a:effectLst>
       </dsp:spPr>
       <dsp:style>
-        <a:lnRef idx="2">
+        <a:lnRef idx="1">
           <a:scrgbClr r="0" g="0" b="0"/>
         </a:lnRef>
-        <a:fillRef idx="1">
+        <a:fillRef idx="3">
           <a:scrgbClr r="0" g="0" b="0"/>
         </a:fillRef>
-        <a:effectRef idx="0">
+        <a:effectRef idx="3">
           <a:scrgbClr r="0" g="0" b="0"/>
         </a:effectRef>
         <a:fontRef idx="minor">
@@ -2270,17 +2431,31 @@
             <a:gd name="adj2" fmla="val 0"/>
           </a:avLst>
         </a:prstGeom>
-        <a:solidFill>
-          <a:schemeClr val="accent1">
-            <a:hueOff val="0"/>
-            <a:satOff val="0"/>
-            <a:lumOff val="0"/>
-            <a:alphaOff val="0"/>
-          </a:schemeClr>
-        </a:solidFill>
-        <a:ln w="12700" cap="flat" cmpd="sng" algn="ctr">
+        <a:blipFill rotWithShape="0">
+          <a:blip xmlns:r="http://schemas.openxmlformats.org/officeDocument/2006/relationships" r:embed="rId1">
+            <a:duotone>
+              <a:schemeClr val="accent5">
+                <a:hueOff val="0"/>
+                <a:satOff val="0"/>
+                <a:lumOff val="0"/>
+                <a:alphaOff val="0"/>
+                <a:shade val="36000"/>
+                <a:satMod val="120000"/>
+              </a:schemeClr>
+              <a:schemeClr val="accent5">
+                <a:hueOff val="0"/>
+                <a:satOff val="0"/>
+                <a:lumOff val="0"/>
+                <a:alphaOff val="0"/>
+                <a:tint val="40000"/>
+              </a:schemeClr>
+            </a:duotone>
+          </a:blip>
+          <a:tile tx="0" ty="0" sx="60000" sy="59000" flip="none" algn="tl"/>
+        </a:blipFill>
+        <a:ln w="6350" cap="flat" cmpd="sng" algn="ctr">
           <a:solidFill>
-            <a:schemeClr val="accent1">
+            <a:schemeClr val="accent5">
               <a:hueOff val="0"/>
               <a:satOff val="0"/>
               <a:lumOff val="0"/>
@@ -2289,16 +2464,23 @@
           </a:solidFill>
           <a:prstDash val="solid"/>
         </a:ln>
-        <a:effectLst/>
+        <a:effectLst>
+          <a:outerShdw blurRad="50800" dist="19050" dir="5400000" algn="tl" rotWithShape="0">
+            <a:srgbClr val="000000">
+              <a:alpha val="60000"/>
+            </a:srgbClr>
+          </a:outerShdw>
+          <a:softEdge rad="12700"/>
+        </a:effectLst>
       </dsp:spPr>
       <dsp:style>
-        <a:lnRef idx="2">
+        <a:lnRef idx="1">
           <a:scrgbClr r="0" g="0" b="0"/>
         </a:lnRef>
-        <a:fillRef idx="1">
+        <a:fillRef idx="3">
           <a:scrgbClr r="0" g="0" b="0"/>
         </a:fillRef>
-        <a:effectRef idx="0">
+        <a:effectRef idx="3">
           <a:scrgbClr r="0" g="0" b="0"/>
         </a:effectRef>
         <a:fontRef idx="minor">
@@ -2410,17 +2592,31 @@
             <a:gd name="adj2" fmla="val 0"/>
           </a:avLst>
         </a:prstGeom>
-        <a:solidFill>
-          <a:schemeClr val="accent1">
-            <a:hueOff val="0"/>
-            <a:satOff val="0"/>
-            <a:lumOff val="0"/>
-            <a:alphaOff val="0"/>
-          </a:schemeClr>
-        </a:solidFill>
-        <a:ln w="12700" cap="flat" cmpd="sng" algn="ctr">
+        <a:blipFill rotWithShape="0">
+          <a:blip xmlns:r="http://schemas.openxmlformats.org/officeDocument/2006/relationships" r:embed="rId1">
+            <a:duotone>
+              <a:schemeClr val="accent5">
+                <a:hueOff val="0"/>
+                <a:satOff val="0"/>
+                <a:lumOff val="0"/>
+                <a:alphaOff val="0"/>
+                <a:shade val="36000"/>
+                <a:satMod val="120000"/>
+              </a:schemeClr>
+              <a:schemeClr val="accent5">
+                <a:hueOff val="0"/>
+                <a:satOff val="0"/>
+                <a:lumOff val="0"/>
+                <a:alphaOff val="0"/>
+                <a:tint val="40000"/>
+              </a:schemeClr>
+            </a:duotone>
+          </a:blip>
+          <a:tile tx="0" ty="0" sx="60000" sy="59000" flip="none" algn="tl"/>
+        </a:blipFill>
+        <a:ln w="6350" cap="flat" cmpd="sng" algn="ctr">
           <a:solidFill>
-            <a:schemeClr val="accent1">
+            <a:schemeClr val="accent5">
               <a:hueOff val="0"/>
               <a:satOff val="0"/>
               <a:lumOff val="0"/>
@@ -2429,16 +2625,23 @@
           </a:solidFill>
           <a:prstDash val="solid"/>
         </a:ln>
-        <a:effectLst/>
+        <a:effectLst>
+          <a:outerShdw blurRad="50800" dist="19050" dir="5400000" algn="tl" rotWithShape="0">
+            <a:srgbClr val="000000">
+              <a:alpha val="60000"/>
+            </a:srgbClr>
+          </a:outerShdw>
+          <a:softEdge rad="12700"/>
+        </a:effectLst>
       </dsp:spPr>
       <dsp:style>
-        <a:lnRef idx="2">
+        <a:lnRef idx="1">
           <a:scrgbClr r="0" g="0" b="0"/>
         </a:lnRef>
-        <a:fillRef idx="1">
+        <a:fillRef idx="3">
           <a:scrgbClr r="0" g="0" b="0"/>
         </a:fillRef>
-        <a:effectRef idx="0">
+        <a:effectRef idx="3">
           <a:scrgbClr r="0" g="0" b="0"/>
         </a:effectRef>
         <a:fontRef idx="minor">
@@ -2787,11 +2990,11 @@
 </file>
 
 <file path=ppt/diagrams/quickStyle1.xml><?xml version="1.0" encoding="utf-8"?>
-<dgm:styleDef xmlns:dgm="http://schemas.openxmlformats.org/drawingml/2006/diagram" xmlns:a="http://schemas.openxmlformats.org/drawingml/2006/main" uniqueId="urn:microsoft.com/office/officeart/2005/8/quickstyle/simple1">
+<dgm:styleDef xmlns:dgm="http://schemas.openxmlformats.org/drawingml/2006/diagram" xmlns:a="http://schemas.openxmlformats.org/drawingml/2006/main" uniqueId="urn:microsoft.com/office/officeart/2005/8/quickstyle/simple5">
   <dgm:title val=""/>
   <dgm:desc val=""/>
   <dgm:catLst>
-    <dgm:cat type="simple" pri="10100"/>
+    <dgm:cat type="simple" pri="10500"/>
   </dgm:catLst>
   <dgm:scene3d>
     <a:camera prst="orthographicFront"/>
@@ -2805,13 +3008,13 @@
     <dgm:sp3d/>
     <dgm:txPr/>
     <dgm:style>
-      <a:lnRef idx="2">
+      <a:lnRef idx="0">
         <a:scrgbClr r="0" g="0" b="0"/>
       </a:lnRef>
-      <a:fillRef idx="1">
+      <a:fillRef idx="3">
         <a:scrgbClr r="0" g="0" b="0"/>
       </a:fillRef>
-      <a:effectRef idx="0">
+      <a:effectRef idx="3">
         <a:scrgbClr r="0" g="0" b="0"/>
       </a:effectRef>
       <a:fontRef idx="minor">
@@ -2827,13 +3030,13 @@
     <dgm:sp3d/>
     <dgm:txPr/>
     <dgm:style>
-      <a:lnRef idx="2">
+      <a:lnRef idx="0">
         <a:scrgbClr r="0" g="0" b="0"/>
       </a:lnRef>
-      <a:fillRef idx="1">
+      <a:fillRef idx="3">
         <a:scrgbClr r="0" g="0" b="0"/>
       </a:fillRef>
-      <a:effectRef idx="0">
+      <a:effectRef idx="3">
         <a:scrgbClr r="0" g="0" b="0"/>
       </a:effectRef>
       <a:fontRef idx="minor">
@@ -2849,13 +3052,13 @@
     <dgm:sp3d/>
     <dgm:txPr/>
     <dgm:style>
-      <a:lnRef idx="2">
+      <a:lnRef idx="0">
         <a:scrgbClr r="0" g="0" b="0"/>
       </a:lnRef>
-      <a:fillRef idx="1">
+      <a:fillRef idx="3">
         <a:scrgbClr r="0" g="0" b="0"/>
       </a:fillRef>
-      <a:effectRef idx="0">
+      <a:effectRef idx="3">
         <a:scrgbClr r="0" g="0" b="0"/>
       </a:effectRef>
       <a:fontRef idx="minor">
@@ -2871,13 +3074,13 @@
     <dgm:sp3d/>
     <dgm:txPr/>
     <dgm:style>
-      <a:lnRef idx="2">
+      <a:lnRef idx="1">
         <a:scrgbClr r="0" g="0" b="0"/>
       </a:lnRef>
-      <a:fillRef idx="1">
+      <a:fillRef idx="3">
         <a:scrgbClr r="0" g="0" b="0"/>
       </a:fillRef>
-      <a:effectRef idx="0">
+      <a:effectRef idx="3">
         <a:scrgbClr r="0" g="0" b="0"/>
       </a:effectRef>
       <a:fontRef idx="minor">
@@ -2893,13 +3096,13 @@
     <dgm:sp3d/>
     <dgm:txPr/>
     <dgm:style>
-      <a:lnRef idx="2">
+      <a:lnRef idx="0">
         <a:scrgbClr r="0" g="0" b="0"/>
       </a:lnRef>
-      <a:fillRef idx="1">
+      <a:fillRef idx="3">
         <a:scrgbClr r="0" g="0" b="0"/>
       </a:fillRef>
-      <a:effectRef idx="0">
+      <a:effectRef idx="3">
         <a:scrgbClr r="0" g="0" b="0"/>
       </a:effectRef>
       <a:fontRef idx="minor">
@@ -2915,13 +3118,13 @@
     <dgm:sp3d/>
     <dgm:txPr/>
     <dgm:style>
-      <a:lnRef idx="2">
+      <a:lnRef idx="0">
         <a:scrgbClr r="0" g="0" b="0"/>
       </a:lnRef>
-      <a:fillRef idx="1">
+      <a:fillRef idx="3">
         <a:scrgbClr r="0" g="0" b="0"/>
       </a:fillRef>
-      <a:effectRef idx="0">
+      <a:effectRef idx="3">
         <a:scrgbClr r="0" g="0" b="0"/>
       </a:effectRef>
       <a:fontRef idx="minor">
@@ -2937,13 +3140,13 @@
     <dgm:sp3d/>
     <dgm:txPr/>
     <dgm:style>
-      <a:lnRef idx="2">
+      <a:lnRef idx="0">
         <a:scrgbClr r="0" g="0" b="0"/>
       </a:lnRef>
-      <a:fillRef idx="1">
+      <a:fillRef idx="3">
         <a:scrgbClr r="0" g="0" b="0"/>
       </a:fillRef>
-      <a:effectRef idx="0">
+      <a:effectRef idx="3">
         <a:scrgbClr r="0" g="0" b="0"/>
       </a:effectRef>
       <a:fontRef idx="minor">
@@ -2959,13 +3162,13 @@
     <dgm:sp3d/>
     <dgm:txPr/>
     <dgm:style>
-      <a:lnRef idx="2">
+      <a:lnRef idx="0">
         <a:scrgbClr r="0" g="0" b="0"/>
       </a:lnRef>
-      <a:fillRef idx="1">
+      <a:fillRef idx="3">
         <a:scrgbClr r="0" g="0" b="0"/>
       </a:fillRef>
-      <a:effectRef idx="0">
+      <a:effectRef idx="3">
         <a:scrgbClr r="0" g="0" b="0"/>
       </a:effectRef>
       <a:fontRef idx="minor">
@@ -2981,13 +3184,13 @@
     <dgm:sp3d/>
     <dgm:txPr/>
     <dgm:style>
-      <a:lnRef idx="2">
+      <a:lnRef idx="0">
         <a:scrgbClr r="0" g="0" b="0"/>
       </a:lnRef>
       <a:fillRef idx="1">
         <a:scrgbClr r="0" g="0" b="0"/>
       </a:fillRef>
-      <a:effectRef idx="0">
+      <a:effectRef idx="3">
         <a:scrgbClr r="0" g="0" b="0"/>
       </a:effectRef>
       <a:fontRef idx="minor"/>
@@ -3001,13 +3204,13 @@
     <dgm:sp3d/>
     <dgm:txPr/>
     <dgm:style>
-      <a:lnRef idx="2">
+      <a:lnRef idx="0">
         <a:scrgbClr r="0" g="0" b="0"/>
       </a:lnRef>
       <a:fillRef idx="1">
         <a:scrgbClr r="0" g="0" b="0"/>
       </a:fillRef>
-      <a:effectRef idx="0">
+      <a:effectRef idx="3">
         <a:scrgbClr r="0" g="0" b="0"/>
       </a:effectRef>
       <a:fontRef idx="minor"/>
@@ -3021,13 +3224,13 @@
     <dgm:sp3d/>
     <dgm:txPr/>
     <dgm:style>
-      <a:lnRef idx="2">
+      <a:lnRef idx="0">
         <a:scrgbClr r="0" g="0" b="0"/>
       </a:lnRef>
       <a:fillRef idx="1">
         <a:scrgbClr r="0" g="0" b="0"/>
       </a:fillRef>
-      <a:effectRef idx="0">
+      <a:effectRef idx="3">
         <a:scrgbClr r="0" g="0" b="0"/>
       </a:effectRef>
       <a:fontRef idx="minor"/>
@@ -3044,10 +3247,10 @@
       <a:lnRef idx="0">
         <a:scrgbClr r="0" g="0" b="0"/>
       </a:lnRef>
-      <a:fillRef idx="1">
+      <a:fillRef idx="3">
         <a:scrgbClr r="0" g="0" b="0"/>
       </a:fillRef>
-      <a:effectRef idx="0">
+      <a:effectRef idx="3">
         <a:scrgbClr r="0" g="0" b="0"/>
       </a:effectRef>
       <a:fontRef idx="minor">
@@ -3066,10 +3269,10 @@
       <a:lnRef idx="0">
         <a:scrgbClr r="0" g="0" b="0"/>
       </a:lnRef>
-      <a:fillRef idx="1">
+      <a:fillRef idx="3">
         <a:scrgbClr r="0" g="0" b="0"/>
       </a:fillRef>
-      <a:effectRef idx="0">
+      <a:effectRef idx="3">
         <a:scrgbClr r="0" g="0" b="0"/>
       </a:effectRef>
       <a:fontRef idx="minor">
@@ -3088,10 +3291,10 @@
       <a:lnRef idx="0">
         <a:scrgbClr r="0" g="0" b="0"/>
       </a:lnRef>
-      <a:fillRef idx="1">
+      <a:fillRef idx="3">
         <a:scrgbClr r="0" g="0" b="0"/>
       </a:fillRef>
-      <a:effectRef idx="0">
+      <a:effectRef idx="3">
         <a:scrgbClr r="0" g="0" b="0"/>
       </a:effectRef>
       <a:fontRef idx="minor">
@@ -3127,13 +3330,13 @@
     <dgm:sp3d/>
     <dgm:txPr/>
     <dgm:style>
-      <a:lnRef idx="2">
+      <a:lnRef idx="1">
         <a:scrgbClr r="0" g="0" b="0"/>
       </a:lnRef>
-      <a:fillRef idx="1">
+      <a:fillRef idx="0">
         <a:scrgbClr r="0" g="0" b="0"/>
       </a:fillRef>
-      <a:effectRef idx="0">
+      <a:effectRef idx="1">
         <a:scrgbClr r="0" g="0" b="0"/>
       </a:effectRef>
       <a:fontRef idx="minor"/>
@@ -3147,13 +3350,13 @@
     <dgm:sp3d/>
     <dgm:txPr/>
     <dgm:style>
-      <a:lnRef idx="2">
+      <a:lnRef idx="0">
         <a:scrgbClr r="0" g="0" b="0"/>
       </a:lnRef>
-      <a:fillRef idx="1">
+      <a:fillRef idx="3">
         <a:scrgbClr r="0" g="0" b="0"/>
       </a:fillRef>
-      <a:effectRef idx="0">
+      <a:effectRef idx="3">
         <a:scrgbClr r="0" g="0" b="0"/>
       </a:effectRef>
       <a:fontRef idx="minor">
@@ -3169,13 +3372,13 @@
     <dgm:sp3d/>
     <dgm:txPr/>
     <dgm:style>
-      <a:lnRef idx="2">
+      <a:lnRef idx="0">
         <a:scrgbClr r="0" g="0" b="0"/>
       </a:lnRef>
-      <a:fillRef idx="1">
+      <a:fillRef idx="3">
         <a:scrgbClr r="0" g="0" b="0"/>
       </a:fillRef>
-      <a:effectRef idx="0">
+      <a:effectRef idx="3">
         <a:scrgbClr r="0" g="0" b="0"/>
       </a:effectRef>
       <a:fontRef idx="minor">
@@ -3191,13 +3394,13 @@
     <dgm:sp3d/>
     <dgm:txPr/>
     <dgm:style>
-      <a:lnRef idx="2">
+      <a:lnRef idx="0">
         <a:scrgbClr r="0" g="0" b="0"/>
       </a:lnRef>
-      <a:fillRef idx="1">
+      <a:fillRef idx="3">
         <a:scrgbClr r="0" g="0" b="0"/>
       </a:fillRef>
-      <a:effectRef idx="0">
+      <a:effectRef idx="3">
         <a:scrgbClr r="0" g="0" b="0"/>
       </a:effectRef>
       <a:fontRef idx="minor">
@@ -3213,13 +3416,13 @@
     <dgm:sp3d/>
     <dgm:txPr/>
     <dgm:style>
-      <a:lnRef idx="2">
+      <a:lnRef idx="0">
         <a:scrgbClr r="0" g="0" b="0"/>
       </a:lnRef>
-      <a:fillRef idx="1">
+      <a:fillRef idx="3">
         <a:scrgbClr r="0" g="0" b="0"/>
       </a:fillRef>
-      <a:effectRef idx="0">
+      <a:effectRef idx="3">
         <a:scrgbClr r="0" g="0" b="0"/>
       </a:effectRef>
       <a:fontRef idx="minor">
@@ -3235,13 +3438,13 @@
     <dgm:sp3d/>
     <dgm:txPr/>
     <dgm:style>
-      <a:lnRef idx="2">
+      <a:lnRef idx="0">
         <a:scrgbClr r="0" g="0" b="0"/>
       </a:lnRef>
-      <a:fillRef idx="1">
+      <a:fillRef idx="3">
         <a:scrgbClr r="0" g="0" b="0"/>
       </a:fillRef>
-      <a:effectRef idx="0">
+      <a:effectRef idx="3">
         <a:scrgbClr r="0" g="0" b="0"/>
       </a:effectRef>
       <a:fontRef idx="minor">
@@ -3257,13 +3460,13 @@
     <dgm:sp3d/>
     <dgm:txPr/>
     <dgm:style>
-      <a:lnRef idx="2">
+      <a:lnRef idx="0">
         <a:scrgbClr r="0" g="0" b="0"/>
       </a:lnRef>
-      <a:fillRef idx="1">
+      <a:fillRef idx="3">
         <a:scrgbClr r="0" g="0" b="0"/>
       </a:fillRef>
-      <a:effectRef idx="0">
+      <a:effectRef idx="3">
         <a:scrgbClr r="0" g="0" b="0"/>
       </a:effectRef>
       <a:fontRef idx="minor">
@@ -3279,13 +3482,13 @@
     <dgm:sp3d/>
     <dgm:txPr/>
     <dgm:style>
-      <a:lnRef idx="2">
+      <a:lnRef idx="0">
         <a:scrgbClr r="0" g="0" b="0"/>
       </a:lnRef>
-      <a:fillRef idx="1">
+      <a:fillRef idx="3">
         <a:scrgbClr r="0" g="0" b="0"/>
       </a:fillRef>
-      <a:effectRef idx="0">
+      <a:effectRef idx="3">
         <a:scrgbClr r="0" g="0" b="0"/>
       </a:effectRef>
       <a:fontRef idx="minor">
@@ -3301,13 +3504,13 @@
     <dgm:sp3d/>
     <dgm:txPr/>
     <dgm:style>
-      <a:lnRef idx="2">
+      <a:lnRef idx="0">
         <a:scrgbClr r="0" g="0" b="0"/>
       </a:lnRef>
-      <a:fillRef idx="1">
+      <a:fillRef idx="3">
         <a:scrgbClr r="0" g="0" b="0"/>
       </a:fillRef>
-      <a:effectRef idx="0">
+      <a:effectRef idx="3">
         <a:scrgbClr r="0" g="0" b="0"/>
       </a:effectRef>
       <a:fontRef idx="minor">
@@ -3323,13 +3526,13 @@
     <dgm:sp3d/>
     <dgm:txPr/>
     <dgm:style>
-      <a:lnRef idx="2">
+      <a:lnRef idx="0">
         <a:scrgbClr r="0" g="0" b="0"/>
       </a:lnRef>
-      <a:fillRef idx="1">
+      <a:fillRef idx="3">
         <a:scrgbClr r="0" g="0" b="0"/>
       </a:fillRef>
-      <a:effectRef idx="0">
+      <a:effectRef idx="3">
         <a:scrgbClr r="0" g="0" b="0"/>
       </a:effectRef>
       <a:fontRef idx="minor">
@@ -3425,13 +3628,13 @@
     <dgm:sp3d/>
     <dgm:txPr/>
     <dgm:style>
-      <a:lnRef idx="2">
+      <a:lnRef idx="1">
         <a:scrgbClr r="0" g="0" b="0"/>
       </a:lnRef>
       <a:fillRef idx="1">
         <a:scrgbClr r="0" g="0" b="0"/>
       </a:fillRef>
-      <a:effectRef idx="0">
+      <a:effectRef idx="2">
         <a:scrgbClr r="0" g="0" b="0"/>
       </a:effectRef>
       <a:fontRef idx="minor"/>
@@ -3445,13 +3648,13 @@
     <dgm:sp3d/>
     <dgm:txPr/>
     <dgm:style>
-      <a:lnRef idx="2">
+      <a:lnRef idx="1">
         <a:scrgbClr r="0" g="0" b="0"/>
       </a:lnRef>
       <a:fillRef idx="1">
         <a:scrgbClr r="0" g="0" b="0"/>
       </a:fillRef>
-      <a:effectRef idx="0">
+      <a:effectRef idx="2">
         <a:scrgbClr r="0" g="0" b="0"/>
       </a:effectRef>
       <a:fontRef idx="minor"/>
@@ -3465,13 +3668,13 @@
     <dgm:sp3d/>
     <dgm:txPr/>
     <dgm:style>
-      <a:lnRef idx="2">
+      <a:lnRef idx="1">
         <a:scrgbClr r="0" g="0" b="0"/>
       </a:lnRef>
       <a:fillRef idx="1">
         <a:scrgbClr r="0" g="0" b="0"/>
       </a:fillRef>
-      <a:effectRef idx="0">
+      <a:effectRef idx="2">
         <a:scrgbClr r="0" g="0" b="0"/>
       </a:effectRef>
       <a:fontRef idx="minor"/>
@@ -3505,13 +3708,13 @@
     <dgm:sp3d/>
     <dgm:txPr/>
     <dgm:style>
-      <a:lnRef idx="2">
+      <a:lnRef idx="1">
         <a:scrgbClr r="0" g="0" b="0"/>
       </a:lnRef>
       <a:fillRef idx="1">
         <a:scrgbClr r="0" g="0" b="0"/>
       </a:fillRef>
-      <a:effectRef idx="0">
+      <a:effectRef idx="2">
         <a:scrgbClr r="0" g="0" b="0"/>
       </a:effectRef>
       <a:fontRef idx="minor"/>
@@ -3525,13 +3728,13 @@
     <dgm:sp3d/>
     <dgm:txPr/>
     <dgm:style>
-      <a:lnRef idx="2">
+      <a:lnRef idx="1">
         <a:scrgbClr r="0" g="0" b="0"/>
       </a:lnRef>
       <a:fillRef idx="1">
         <a:scrgbClr r="0" g="0" b="0"/>
       </a:fillRef>
-      <a:effectRef idx="0">
+      <a:effectRef idx="2">
         <a:scrgbClr r="0" g="0" b="0"/>
       </a:effectRef>
       <a:fontRef idx="minor"/>
@@ -3545,13 +3748,13 @@
     <dgm:sp3d/>
     <dgm:txPr/>
     <dgm:style>
-      <a:lnRef idx="2">
+      <a:lnRef idx="1">
         <a:scrgbClr r="0" g="0" b="0"/>
       </a:lnRef>
       <a:fillRef idx="1">
         <a:scrgbClr r="0" g="0" b="0"/>
       </a:fillRef>
-      <a:effectRef idx="0">
+      <a:effectRef idx="3">
         <a:scrgbClr r="0" g="0" b="0"/>
       </a:effectRef>
       <a:fontRef idx="minor"/>
@@ -3565,13 +3768,13 @@
     <dgm:sp3d/>
     <dgm:txPr/>
     <dgm:style>
-      <a:lnRef idx="2">
+      <a:lnRef idx="1">
         <a:scrgbClr r="0" g="0" b="0"/>
       </a:lnRef>
       <a:fillRef idx="1">
         <a:scrgbClr r="0" g="0" b="0"/>
       </a:fillRef>
-      <a:effectRef idx="0">
+      <a:effectRef idx="3">
         <a:scrgbClr r="0" g="0" b="0"/>
       </a:effectRef>
       <a:fontRef idx="minor"/>
@@ -3585,13 +3788,13 @@
     <dgm:sp3d/>
     <dgm:txPr/>
     <dgm:style>
-      <a:lnRef idx="2">
+      <a:lnRef idx="1">
         <a:scrgbClr r="0" g="0" b="0"/>
       </a:lnRef>
       <a:fillRef idx="1">
         <a:scrgbClr r="0" g="0" b="0"/>
       </a:fillRef>
-      <a:effectRef idx="0">
+      <a:effectRef idx="2">
         <a:scrgbClr r="0" g="0" b="0"/>
       </a:effectRef>
       <a:fontRef idx="minor"/>
@@ -3605,13 +3808,13 @@
     <dgm:sp3d/>
     <dgm:txPr/>
     <dgm:style>
-      <a:lnRef idx="2">
+      <a:lnRef idx="1">
         <a:scrgbClr r="0" g="0" b="0"/>
       </a:lnRef>
       <a:fillRef idx="1">
         <a:scrgbClr r="0" g="0" b="0"/>
       </a:fillRef>
-      <a:effectRef idx="0">
+      <a:effectRef idx="2">
         <a:scrgbClr r="0" g="0" b="0"/>
       </a:effectRef>
       <a:fontRef idx="minor"/>
@@ -3625,13 +3828,13 @@
     <dgm:sp3d/>
     <dgm:txPr/>
     <dgm:style>
-      <a:lnRef idx="2">
+      <a:lnRef idx="1">
         <a:scrgbClr r="0" g="0" b="0"/>
       </a:lnRef>
       <a:fillRef idx="1">
         <a:scrgbClr r="0" g="0" b="0"/>
       </a:fillRef>
-      <a:effectRef idx="0">
+      <a:effectRef idx="2">
         <a:scrgbClr r="0" g="0" b="0"/>
       </a:effectRef>
       <a:fontRef idx="minor"/>
@@ -3645,13 +3848,13 @@
     <dgm:sp3d/>
     <dgm:txPr/>
     <dgm:style>
-      <a:lnRef idx="2">
+      <a:lnRef idx="1">
         <a:scrgbClr r="0" g="0" b="0"/>
       </a:lnRef>
       <a:fillRef idx="1">
         <a:scrgbClr r="0" g="0" b="0"/>
       </a:fillRef>
-      <a:effectRef idx="0">
+      <a:effectRef idx="2">
         <a:scrgbClr r="0" g="0" b="0"/>
       </a:effectRef>
       <a:fontRef idx="minor"/>
@@ -3665,13 +3868,13 @@
     <dgm:sp3d/>
     <dgm:txPr/>
     <dgm:style>
-      <a:lnRef idx="2">
+      <a:lnRef idx="1">
         <a:scrgbClr r="0" g="0" b="0"/>
       </a:lnRef>
       <a:fillRef idx="1">
         <a:scrgbClr r="0" g="0" b="0"/>
       </a:fillRef>
-      <a:effectRef idx="0">
+      <a:effectRef idx="2">
         <a:scrgbClr r="0" g="0" b="0"/>
       </a:effectRef>
       <a:fontRef idx="minor"/>
@@ -3685,13 +3888,13 @@
     <dgm:sp3d/>
     <dgm:txPr/>
     <dgm:style>
-      <a:lnRef idx="2">
+      <a:lnRef idx="1">
         <a:scrgbClr r="0" g="0" b="0"/>
       </a:lnRef>
       <a:fillRef idx="1">
         <a:scrgbClr r="0" g="0" b="0"/>
       </a:fillRef>
-      <a:effectRef idx="0">
+      <a:effectRef idx="2">
         <a:scrgbClr r="0" g="0" b="0"/>
       </a:effectRef>
       <a:fontRef idx="minor"/>
@@ -3705,13 +3908,13 @@
     <dgm:sp3d/>
     <dgm:txPr/>
     <dgm:style>
-      <a:lnRef idx="2">
+      <a:lnRef idx="1">
         <a:scrgbClr r="0" g="0" b="0"/>
       </a:lnRef>
       <a:fillRef idx="1">
         <a:scrgbClr r="0" g="0" b="0"/>
       </a:fillRef>
-      <a:effectRef idx="0">
+      <a:effectRef idx="2">
         <a:scrgbClr r="0" g="0" b="0"/>
       </a:effectRef>
       <a:fontRef idx="minor"/>
@@ -3731,7 +3934,7 @@
       <a:fillRef idx="1">
         <a:scrgbClr r="0" g="0" b="0"/>
       </a:fillRef>
-      <a:effectRef idx="0">
+      <a:effectRef idx="2">
         <a:scrgbClr r="0" g="0" b="0"/>
       </a:effectRef>
       <a:fontRef idx="minor"/>
@@ -3751,7 +3954,7 @@
       <a:fillRef idx="1">
         <a:scrgbClr r="0" g="0" b="0"/>
       </a:fillRef>
-      <a:effectRef idx="0">
+      <a:effectRef idx="3">
         <a:scrgbClr r="0" g="0" b="0"/>
       </a:effectRef>
       <a:fontRef idx="minor"/>
@@ -3785,13 +3988,13 @@
     <dgm:sp3d/>
     <dgm:txPr/>
     <dgm:style>
-      <a:lnRef idx="2">
+      <a:lnRef idx="0">
         <a:scrgbClr r="0" g="0" b="0"/>
       </a:lnRef>
-      <a:fillRef idx="1">
+      <a:fillRef idx="3">
         <a:scrgbClr r="0" g="0" b="0"/>
       </a:fillRef>
-      <a:effectRef idx="0">
+      <a:effectRef idx="3">
         <a:scrgbClr r="0" g="0" b="0"/>
       </a:effectRef>
       <a:fontRef idx="minor"/>
@@ -8788,13 +8991,8 @@
             </a:r>
             <a:r>
               <a:rPr lang="fr-FR" dirty="0" smtClean="0"/>
-              <a:t>par : Philippe </a:t>
+              <a:t>par : Philippe Salvan</a:t>
             </a:r>
-            <a:r>
-              <a:rPr lang="fr-FR" dirty="0" smtClean="0"/>
-              <a:t>Salvan</a:t>
-            </a:r>
-            <a:endParaRPr lang="fr-FR" dirty="0" smtClean="0"/>
           </a:p>
         </p:txBody>
       </p:sp>
@@ -10957,7 +11155,7 @@
           <a:bodyPr/>
           <a:lstStyle/>
           <a:p>
-            <a:endParaRPr lang="fr-FR"/>
+            <a:endParaRPr lang="fr-FR" dirty="0"/>
           </a:p>
         </p:txBody>
       </p:sp>
@@ -11120,7 +11318,7 @@
           <p:nvPr>
             <p:extLst>
               <p:ext uri="{D42A27DB-BD31-4B8C-83A1-F6EECF244321}">
-                <p14:modId xmlns:p14="http://schemas.microsoft.com/office/powerpoint/2010/main" val="815290242"/>
+                <p14:modId xmlns:p14="http://schemas.microsoft.com/office/powerpoint/2010/main" val="2456957944"/>
               </p:ext>
             </p:extLst>
           </p:nvPr>

--- a/Presentation.pptx
+++ b/Presentation.pptx
@@ -5,7 +5,7 @@
     <p:sldMasterId id="2147484278" r:id="rId1"/>
   </p:sldMasterIdLst>
   <p:notesMasterIdLst>
-    <p:notesMasterId r:id="rId15"/>
+    <p:notesMasterId r:id="rId16"/>
   </p:notesMasterIdLst>
   <p:sldIdLst>
     <p:sldId id="262" r:id="rId2"/>
@@ -20,7 +20,8 @@
     <p:sldId id="269" r:id="rId11"/>
     <p:sldId id="260" r:id="rId12"/>
     <p:sldId id="261" r:id="rId13"/>
-    <p:sldId id="263" r:id="rId14"/>
+    <p:sldId id="270" r:id="rId14"/>
+    <p:sldId id="271" r:id="rId15"/>
   </p:sldIdLst>
   <p:sldSz cx="12192000" cy="6858000"/>
   <p:notesSz cx="6858000" cy="9144000"/>
@@ -1667,1016 +1668,6 @@
       <dsp:cNvGrpSpPr/>
     </dsp:nvGrpSpPr>
     <dsp:grpSpPr/>
-    <dsp:sp modelId="{EF7F1ECA-985D-4EC5-B9D1-F6A14AA402A5}">
-      <dsp:nvSpPr>
-        <dsp:cNvPr id="0" name=""/>
-        <dsp:cNvSpPr/>
-      </dsp:nvSpPr>
-      <dsp:spPr>
-        <a:xfrm>
-          <a:off x="0" y="4597393"/>
-          <a:ext cx="8632952" cy="0"/>
-        </a:xfrm>
-        <a:prstGeom prst="line">
-          <a:avLst/>
-        </a:prstGeom>
-        <a:noFill/>
-        <a:ln w="12700" cap="flat" cmpd="sng" algn="ctr">
-          <a:solidFill>
-            <a:schemeClr val="accent5">
-              <a:shade val="60000"/>
-              <a:hueOff val="0"/>
-              <a:satOff val="0"/>
-              <a:lumOff val="0"/>
-              <a:alphaOff val="0"/>
-            </a:schemeClr>
-          </a:solidFill>
-          <a:prstDash val="solid"/>
-        </a:ln>
-        <a:effectLst/>
-      </dsp:spPr>
-      <dsp:style>
-        <a:lnRef idx="2">
-          <a:scrgbClr r="0" g="0" b="0"/>
-        </a:lnRef>
-        <a:fillRef idx="0">
-          <a:scrgbClr r="0" g="0" b="0"/>
-        </a:fillRef>
-        <a:effectRef idx="0">
-          <a:scrgbClr r="0" g="0" b="0"/>
-        </a:effectRef>
-        <a:fontRef idx="minor"/>
-      </dsp:style>
-    </dsp:sp>
-    <dsp:sp modelId="{77B45754-8874-41AF-95EA-482D541C508F}">
-      <dsp:nvSpPr>
-        <dsp:cNvPr id="0" name=""/>
-        <dsp:cNvSpPr/>
-      </dsp:nvSpPr>
-      <dsp:spPr>
-        <a:xfrm>
-          <a:off x="0" y="3669724"/>
-          <a:ext cx="8632952" cy="0"/>
-        </a:xfrm>
-        <a:prstGeom prst="line">
-          <a:avLst/>
-        </a:prstGeom>
-        <a:noFill/>
-        <a:ln w="12700" cap="flat" cmpd="sng" algn="ctr">
-          <a:solidFill>
-            <a:schemeClr val="accent5">
-              <a:shade val="60000"/>
-              <a:hueOff val="0"/>
-              <a:satOff val="0"/>
-              <a:lumOff val="0"/>
-              <a:alphaOff val="0"/>
-            </a:schemeClr>
-          </a:solidFill>
-          <a:prstDash val="solid"/>
-        </a:ln>
-        <a:effectLst/>
-      </dsp:spPr>
-      <dsp:style>
-        <a:lnRef idx="2">
-          <a:scrgbClr r="0" g="0" b="0"/>
-        </a:lnRef>
-        <a:fillRef idx="0">
-          <a:scrgbClr r="0" g="0" b="0"/>
-        </a:fillRef>
-        <a:effectRef idx="0">
-          <a:scrgbClr r="0" g="0" b="0"/>
-        </a:effectRef>
-        <a:fontRef idx="minor"/>
-      </dsp:style>
-    </dsp:sp>
-    <dsp:sp modelId="{CC43912D-9516-461E-B0EB-D8D952BC4BAD}">
-      <dsp:nvSpPr>
-        <dsp:cNvPr id="0" name=""/>
-        <dsp:cNvSpPr/>
-      </dsp:nvSpPr>
-      <dsp:spPr>
-        <a:xfrm>
-          <a:off x="0" y="2742055"/>
-          <a:ext cx="8632952" cy="0"/>
-        </a:xfrm>
-        <a:prstGeom prst="line">
-          <a:avLst/>
-        </a:prstGeom>
-        <a:noFill/>
-        <a:ln w="12700" cap="flat" cmpd="sng" algn="ctr">
-          <a:solidFill>
-            <a:schemeClr val="accent5">
-              <a:shade val="60000"/>
-              <a:hueOff val="0"/>
-              <a:satOff val="0"/>
-              <a:lumOff val="0"/>
-              <a:alphaOff val="0"/>
-            </a:schemeClr>
-          </a:solidFill>
-          <a:prstDash val="solid"/>
-        </a:ln>
-        <a:effectLst/>
-      </dsp:spPr>
-      <dsp:style>
-        <a:lnRef idx="2">
-          <a:scrgbClr r="0" g="0" b="0"/>
-        </a:lnRef>
-        <a:fillRef idx="0">
-          <a:scrgbClr r="0" g="0" b="0"/>
-        </a:fillRef>
-        <a:effectRef idx="0">
-          <a:scrgbClr r="0" g="0" b="0"/>
-        </a:effectRef>
-        <a:fontRef idx="minor"/>
-      </dsp:style>
-    </dsp:sp>
-    <dsp:sp modelId="{F80C4CA6-4A5E-4CCF-9849-E3CD7F3B7C14}">
-      <dsp:nvSpPr>
-        <dsp:cNvPr id="0" name=""/>
-        <dsp:cNvSpPr/>
-      </dsp:nvSpPr>
-      <dsp:spPr>
-        <a:xfrm>
-          <a:off x="0" y="1814387"/>
-          <a:ext cx="8632952" cy="0"/>
-        </a:xfrm>
-        <a:prstGeom prst="line">
-          <a:avLst/>
-        </a:prstGeom>
-        <a:noFill/>
-        <a:ln w="12700" cap="flat" cmpd="sng" algn="ctr">
-          <a:solidFill>
-            <a:schemeClr val="accent5">
-              <a:shade val="60000"/>
-              <a:hueOff val="0"/>
-              <a:satOff val="0"/>
-              <a:lumOff val="0"/>
-              <a:alphaOff val="0"/>
-            </a:schemeClr>
-          </a:solidFill>
-          <a:prstDash val="solid"/>
-        </a:ln>
-        <a:effectLst/>
-      </dsp:spPr>
-      <dsp:style>
-        <a:lnRef idx="2">
-          <a:scrgbClr r="0" g="0" b="0"/>
-        </a:lnRef>
-        <a:fillRef idx="0">
-          <a:scrgbClr r="0" g="0" b="0"/>
-        </a:fillRef>
-        <a:effectRef idx="0">
-          <a:scrgbClr r="0" g="0" b="0"/>
-        </a:effectRef>
-        <a:fontRef idx="minor"/>
-      </dsp:style>
-    </dsp:sp>
-    <dsp:sp modelId="{344F13B8-709D-4B27-8DCA-0D730D683300}">
-      <dsp:nvSpPr>
-        <dsp:cNvPr id="0" name=""/>
-        <dsp:cNvSpPr/>
-      </dsp:nvSpPr>
-      <dsp:spPr>
-        <a:xfrm>
-          <a:off x="0" y="886718"/>
-          <a:ext cx="8632952" cy="0"/>
-        </a:xfrm>
-        <a:prstGeom prst="line">
-          <a:avLst/>
-        </a:prstGeom>
-        <a:noFill/>
-        <a:ln w="12700" cap="flat" cmpd="sng" algn="ctr">
-          <a:solidFill>
-            <a:schemeClr val="accent5">
-              <a:shade val="60000"/>
-              <a:hueOff val="0"/>
-              <a:satOff val="0"/>
-              <a:lumOff val="0"/>
-              <a:alphaOff val="0"/>
-            </a:schemeClr>
-          </a:solidFill>
-          <a:prstDash val="solid"/>
-        </a:ln>
-        <a:effectLst/>
-      </dsp:spPr>
-      <dsp:style>
-        <a:lnRef idx="2">
-          <a:scrgbClr r="0" g="0" b="0"/>
-        </a:lnRef>
-        <a:fillRef idx="0">
-          <a:scrgbClr r="0" g="0" b="0"/>
-        </a:fillRef>
-        <a:effectRef idx="0">
-          <a:scrgbClr r="0" g="0" b="0"/>
-        </a:effectRef>
-        <a:fontRef idx="minor"/>
-      </dsp:style>
-    </dsp:sp>
-    <dsp:sp modelId="{5C623B8B-C2B6-444B-B734-40187E00ABAB}">
-      <dsp:nvSpPr>
-        <dsp:cNvPr id="0" name=""/>
-        <dsp:cNvSpPr/>
-      </dsp:nvSpPr>
-      <dsp:spPr>
-        <a:xfrm>
-          <a:off x="2244567" y="3224"/>
-          <a:ext cx="6388384" cy="883493"/>
-        </a:xfrm>
-        <a:prstGeom prst="rect">
-          <a:avLst/>
-        </a:prstGeom>
-        <a:noFill/>
-        <a:ln>
-          <a:noFill/>
-        </a:ln>
-        <a:effectLst/>
-      </dsp:spPr>
-      <dsp:style>
-        <a:lnRef idx="0">
-          <a:scrgbClr r="0" g="0" b="0"/>
-        </a:lnRef>
-        <a:fillRef idx="0">
-          <a:scrgbClr r="0" g="0" b="0"/>
-        </a:fillRef>
-        <a:effectRef idx="0">
-          <a:scrgbClr r="0" g="0" b="0"/>
-        </a:effectRef>
-        <a:fontRef idx="minor"/>
-      </dsp:style>
-      <dsp:txBody>
-        <a:bodyPr spcFirstLastPara="0" vert="horz" wrap="square" lIns="81915" tIns="81915" rIns="81915" bIns="81915" numCol="1" spcCol="1270" anchor="b" anchorCtr="0">
-          <a:noAutofit/>
-        </a:bodyPr>
-        <a:lstStyle/>
-        <a:p>
-          <a:pPr lvl="0" algn="l" defTabSz="1911350">
-            <a:lnSpc>
-              <a:spcPct val="90000"/>
-            </a:lnSpc>
-            <a:spcBef>
-              <a:spcPct val="0"/>
-            </a:spcBef>
-            <a:spcAft>
-              <a:spcPct val="35000"/>
-            </a:spcAft>
-          </a:pPr>
-          <a:r>
-            <a:rPr lang="fr-FR" sz="4300" kern="1200" dirty="0" smtClean="0"/>
-            <a:t>Introduction</a:t>
-          </a:r>
-          <a:endParaRPr lang="fr-FR" sz="4300" kern="1200" dirty="0"/>
-        </a:p>
-      </dsp:txBody>
-      <dsp:txXfrm>
-        <a:off x="2244567" y="3224"/>
-        <a:ext cx="6388384" cy="883493"/>
-      </dsp:txXfrm>
-    </dsp:sp>
-    <dsp:sp modelId="{DDBF096C-95C5-4FE0-9BF1-2BB7FCC931BF}">
-      <dsp:nvSpPr>
-        <dsp:cNvPr id="0" name=""/>
-        <dsp:cNvSpPr/>
-      </dsp:nvSpPr>
-      <dsp:spPr>
-        <a:xfrm>
-          <a:off x="0" y="3224"/>
-          <a:ext cx="2244567" cy="883493"/>
-        </a:xfrm>
-        <a:prstGeom prst="round2SameRect">
-          <a:avLst>
-            <a:gd name="adj1" fmla="val 16670"/>
-            <a:gd name="adj2" fmla="val 0"/>
-          </a:avLst>
-        </a:prstGeom>
-        <a:blipFill rotWithShape="0">
-          <a:blip xmlns:r="http://schemas.openxmlformats.org/officeDocument/2006/relationships" r:embed="rId1">
-            <a:duotone>
-              <a:schemeClr val="accent5">
-                <a:hueOff val="0"/>
-                <a:satOff val="0"/>
-                <a:lumOff val="0"/>
-                <a:alphaOff val="0"/>
-                <a:shade val="36000"/>
-                <a:satMod val="120000"/>
-              </a:schemeClr>
-              <a:schemeClr val="accent5">
-                <a:hueOff val="0"/>
-                <a:satOff val="0"/>
-                <a:lumOff val="0"/>
-                <a:alphaOff val="0"/>
-                <a:tint val="40000"/>
-              </a:schemeClr>
-            </a:duotone>
-          </a:blip>
-          <a:tile tx="0" ty="0" sx="60000" sy="59000" flip="none" algn="tl"/>
-        </a:blipFill>
-        <a:ln w="6350" cap="flat" cmpd="sng" algn="ctr">
-          <a:solidFill>
-            <a:schemeClr val="accent5">
-              <a:hueOff val="0"/>
-              <a:satOff val="0"/>
-              <a:lumOff val="0"/>
-              <a:alphaOff val="0"/>
-            </a:schemeClr>
-          </a:solidFill>
-          <a:prstDash val="solid"/>
-        </a:ln>
-        <a:effectLst>
-          <a:outerShdw blurRad="50800" dist="19050" dir="5400000" algn="tl" rotWithShape="0">
-            <a:srgbClr val="000000">
-              <a:alpha val="60000"/>
-            </a:srgbClr>
-          </a:outerShdw>
-          <a:softEdge rad="12700"/>
-        </a:effectLst>
-      </dsp:spPr>
-      <dsp:style>
-        <a:lnRef idx="1">
-          <a:scrgbClr r="0" g="0" b="0"/>
-        </a:lnRef>
-        <a:fillRef idx="3">
-          <a:scrgbClr r="0" g="0" b="0"/>
-        </a:fillRef>
-        <a:effectRef idx="3">
-          <a:scrgbClr r="0" g="0" b="0"/>
-        </a:effectRef>
-        <a:fontRef idx="minor">
-          <a:schemeClr val="lt1"/>
-        </a:fontRef>
-      </dsp:style>
-      <dsp:txBody>
-        <a:bodyPr spcFirstLastPara="0" vert="horz" wrap="square" lIns="91440" tIns="91440" rIns="91440" bIns="91440" numCol="1" spcCol="1270" anchor="ctr" anchorCtr="0">
-          <a:noAutofit/>
-        </a:bodyPr>
-        <a:lstStyle/>
-        <a:p>
-          <a:pPr lvl="0" algn="ctr" defTabSz="2133600">
-            <a:lnSpc>
-              <a:spcPct val="90000"/>
-            </a:lnSpc>
-            <a:spcBef>
-              <a:spcPct val="0"/>
-            </a:spcBef>
-            <a:spcAft>
-              <a:spcPct val="35000"/>
-            </a:spcAft>
-          </a:pPr>
-          <a:r>
-            <a:rPr lang="fr-FR" sz="4800" kern="1200" dirty="0" smtClean="0"/>
-            <a:t>1</a:t>
-          </a:r>
-          <a:endParaRPr lang="fr-FR" sz="4800" kern="1200" dirty="0"/>
-        </a:p>
-      </dsp:txBody>
-      <dsp:txXfrm>
-        <a:off x="43136" y="46360"/>
-        <a:ext cx="2158295" cy="840357"/>
-      </dsp:txXfrm>
-    </dsp:sp>
-    <dsp:sp modelId="{E355008A-5A7D-42BF-ACD7-1A35851F4BFA}">
-      <dsp:nvSpPr>
-        <dsp:cNvPr id="0" name=""/>
-        <dsp:cNvSpPr/>
-      </dsp:nvSpPr>
-      <dsp:spPr>
-        <a:xfrm>
-          <a:off x="2244567" y="930893"/>
-          <a:ext cx="6388384" cy="883493"/>
-        </a:xfrm>
-        <a:prstGeom prst="rect">
-          <a:avLst/>
-        </a:prstGeom>
-        <a:noFill/>
-        <a:ln>
-          <a:noFill/>
-        </a:ln>
-        <a:effectLst/>
-      </dsp:spPr>
-      <dsp:style>
-        <a:lnRef idx="0">
-          <a:scrgbClr r="0" g="0" b="0"/>
-        </a:lnRef>
-        <a:fillRef idx="0">
-          <a:scrgbClr r="0" g="0" b="0"/>
-        </a:fillRef>
-        <a:effectRef idx="0">
-          <a:scrgbClr r="0" g="0" b="0"/>
-        </a:effectRef>
-        <a:fontRef idx="minor"/>
-      </dsp:style>
-      <dsp:txBody>
-        <a:bodyPr spcFirstLastPara="0" vert="horz" wrap="square" lIns="81915" tIns="81915" rIns="81915" bIns="81915" numCol="1" spcCol="1270" anchor="b" anchorCtr="0">
-          <a:noAutofit/>
-        </a:bodyPr>
-        <a:lstStyle/>
-        <a:p>
-          <a:pPr lvl="0" algn="l" defTabSz="1911350">
-            <a:lnSpc>
-              <a:spcPct val="90000"/>
-            </a:lnSpc>
-            <a:spcBef>
-              <a:spcPct val="0"/>
-            </a:spcBef>
-            <a:spcAft>
-              <a:spcPct val="35000"/>
-            </a:spcAft>
-          </a:pPr>
-          <a:r>
-            <a:rPr lang="fr-FR" sz="4300" kern="1200" dirty="0" smtClean="0"/>
-            <a:t>Architecture Applicative</a:t>
-          </a:r>
-          <a:endParaRPr lang="fr-FR" sz="4300" kern="1200" dirty="0"/>
-        </a:p>
-      </dsp:txBody>
-      <dsp:txXfrm>
-        <a:off x="2244567" y="930893"/>
-        <a:ext cx="6388384" cy="883493"/>
-      </dsp:txXfrm>
-    </dsp:sp>
-    <dsp:sp modelId="{DCF69A67-D6CA-47E2-B2CD-5A357E72726A}">
-      <dsp:nvSpPr>
-        <dsp:cNvPr id="0" name=""/>
-        <dsp:cNvSpPr/>
-      </dsp:nvSpPr>
-      <dsp:spPr>
-        <a:xfrm>
-          <a:off x="0" y="930893"/>
-          <a:ext cx="2244567" cy="883493"/>
-        </a:xfrm>
-        <a:prstGeom prst="round2SameRect">
-          <a:avLst>
-            <a:gd name="adj1" fmla="val 16670"/>
-            <a:gd name="adj2" fmla="val 0"/>
-          </a:avLst>
-        </a:prstGeom>
-        <a:blipFill rotWithShape="0">
-          <a:blip xmlns:r="http://schemas.openxmlformats.org/officeDocument/2006/relationships" r:embed="rId1">
-            <a:duotone>
-              <a:schemeClr val="accent5">
-                <a:hueOff val="0"/>
-                <a:satOff val="0"/>
-                <a:lumOff val="0"/>
-                <a:alphaOff val="0"/>
-                <a:shade val="36000"/>
-                <a:satMod val="120000"/>
-              </a:schemeClr>
-              <a:schemeClr val="accent5">
-                <a:hueOff val="0"/>
-                <a:satOff val="0"/>
-                <a:lumOff val="0"/>
-                <a:alphaOff val="0"/>
-                <a:tint val="40000"/>
-              </a:schemeClr>
-            </a:duotone>
-          </a:blip>
-          <a:tile tx="0" ty="0" sx="60000" sy="59000" flip="none" algn="tl"/>
-        </a:blipFill>
-        <a:ln w="6350" cap="flat" cmpd="sng" algn="ctr">
-          <a:solidFill>
-            <a:schemeClr val="accent5">
-              <a:hueOff val="0"/>
-              <a:satOff val="0"/>
-              <a:lumOff val="0"/>
-              <a:alphaOff val="0"/>
-            </a:schemeClr>
-          </a:solidFill>
-          <a:prstDash val="solid"/>
-        </a:ln>
-        <a:effectLst>
-          <a:outerShdw blurRad="50800" dist="19050" dir="5400000" algn="tl" rotWithShape="0">
-            <a:srgbClr val="000000">
-              <a:alpha val="60000"/>
-            </a:srgbClr>
-          </a:outerShdw>
-          <a:softEdge rad="12700"/>
-        </a:effectLst>
-      </dsp:spPr>
-      <dsp:style>
-        <a:lnRef idx="1">
-          <a:scrgbClr r="0" g="0" b="0"/>
-        </a:lnRef>
-        <a:fillRef idx="3">
-          <a:scrgbClr r="0" g="0" b="0"/>
-        </a:fillRef>
-        <a:effectRef idx="3">
-          <a:scrgbClr r="0" g="0" b="0"/>
-        </a:effectRef>
-        <a:fontRef idx="minor">
-          <a:schemeClr val="lt1"/>
-        </a:fontRef>
-      </dsp:style>
-      <dsp:txBody>
-        <a:bodyPr spcFirstLastPara="0" vert="horz" wrap="square" lIns="91440" tIns="91440" rIns="91440" bIns="91440" numCol="1" spcCol="1270" anchor="ctr" anchorCtr="0">
-          <a:noAutofit/>
-        </a:bodyPr>
-        <a:lstStyle/>
-        <a:p>
-          <a:pPr lvl="0" algn="ctr" defTabSz="2133600">
-            <a:lnSpc>
-              <a:spcPct val="90000"/>
-            </a:lnSpc>
-            <a:spcBef>
-              <a:spcPct val="0"/>
-            </a:spcBef>
-            <a:spcAft>
-              <a:spcPct val="35000"/>
-            </a:spcAft>
-          </a:pPr>
-          <a:r>
-            <a:rPr lang="fr-FR" sz="4800" kern="1200" dirty="0" smtClean="0"/>
-            <a:t>2</a:t>
-          </a:r>
-          <a:endParaRPr lang="fr-FR" sz="4800" kern="1200" dirty="0"/>
-        </a:p>
-      </dsp:txBody>
-      <dsp:txXfrm>
-        <a:off x="43136" y="974029"/>
-        <a:ext cx="2158295" cy="840357"/>
-      </dsp:txXfrm>
-    </dsp:sp>
-    <dsp:sp modelId="{31606F9C-E24C-4ECC-83C0-3D167DEF6BC8}">
-      <dsp:nvSpPr>
-        <dsp:cNvPr id="0" name=""/>
-        <dsp:cNvSpPr/>
-      </dsp:nvSpPr>
-      <dsp:spPr>
-        <a:xfrm>
-          <a:off x="2244567" y="1858562"/>
-          <a:ext cx="6388384" cy="883493"/>
-        </a:xfrm>
-        <a:prstGeom prst="rect">
-          <a:avLst/>
-        </a:prstGeom>
-        <a:noFill/>
-        <a:ln>
-          <a:noFill/>
-        </a:ln>
-        <a:effectLst/>
-      </dsp:spPr>
-      <dsp:style>
-        <a:lnRef idx="0">
-          <a:scrgbClr r="0" g="0" b="0"/>
-        </a:lnRef>
-        <a:fillRef idx="0">
-          <a:scrgbClr r="0" g="0" b="0"/>
-        </a:fillRef>
-        <a:effectRef idx="0">
-          <a:scrgbClr r="0" g="0" b="0"/>
-        </a:effectRef>
-        <a:fontRef idx="minor"/>
-      </dsp:style>
-      <dsp:txBody>
-        <a:bodyPr spcFirstLastPara="0" vert="horz" wrap="square" lIns="81915" tIns="81915" rIns="81915" bIns="81915" numCol="1" spcCol="1270" anchor="b" anchorCtr="0">
-          <a:noAutofit/>
-        </a:bodyPr>
-        <a:lstStyle/>
-        <a:p>
-          <a:pPr lvl="0" algn="l" defTabSz="1911350">
-            <a:lnSpc>
-              <a:spcPct val="90000"/>
-            </a:lnSpc>
-            <a:spcBef>
-              <a:spcPct val="0"/>
-            </a:spcBef>
-            <a:spcAft>
-              <a:spcPct val="35000"/>
-            </a:spcAft>
-          </a:pPr>
-          <a:r>
-            <a:rPr lang="fr-FR" sz="4300" kern="1200" dirty="0" smtClean="0"/>
-            <a:t>Architecture Logicielle</a:t>
-          </a:r>
-          <a:endParaRPr lang="fr-FR" sz="4300" kern="1200" dirty="0"/>
-        </a:p>
-      </dsp:txBody>
-      <dsp:txXfrm>
-        <a:off x="2244567" y="1858562"/>
-        <a:ext cx="6388384" cy="883493"/>
-      </dsp:txXfrm>
-    </dsp:sp>
-    <dsp:sp modelId="{F82E91E5-7D85-44A1-9361-E40DE38E5C37}">
-      <dsp:nvSpPr>
-        <dsp:cNvPr id="0" name=""/>
-        <dsp:cNvSpPr/>
-      </dsp:nvSpPr>
-      <dsp:spPr>
-        <a:xfrm>
-          <a:off x="0" y="1858562"/>
-          <a:ext cx="2244567" cy="883493"/>
-        </a:xfrm>
-        <a:prstGeom prst="round2SameRect">
-          <a:avLst>
-            <a:gd name="adj1" fmla="val 16670"/>
-            <a:gd name="adj2" fmla="val 0"/>
-          </a:avLst>
-        </a:prstGeom>
-        <a:blipFill rotWithShape="0">
-          <a:blip xmlns:r="http://schemas.openxmlformats.org/officeDocument/2006/relationships" r:embed="rId1">
-            <a:duotone>
-              <a:schemeClr val="accent5">
-                <a:hueOff val="0"/>
-                <a:satOff val="0"/>
-                <a:lumOff val="0"/>
-                <a:alphaOff val="0"/>
-                <a:shade val="36000"/>
-                <a:satMod val="120000"/>
-              </a:schemeClr>
-              <a:schemeClr val="accent5">
-                <a:hueOff val="0"/>
-                <a:satOff val="0"/>
-                <a:lumOff val="0"/>
-                <a:alphaOff val="0"/>
-                <a:tint val="40000"/>
-              </a:schemeClr>
-            </a:duotone>
-          </a:blip>
-          <a:tile tx="0" ty="0" sx="60000" sy="59000" flip="none" algn="tl"/>
-        </a:blipFill>
-        <a:ln w="6350" cap="flat" cmpd="sng" algn="ctr">
-          <a:solidFill>
-            <a:schemeClr val="accent5">
-              <a:hueOff val="0"/>
-              <a:satOff val="0"/>
-              <a:lumOff val="0"/>
-              <a:alphaOff val="0"/>
-            </a:schemeClr>
-          </a:solidFill>
-          <a:prstDash val="solid"/>
-        </a:ln>
-        <a:effectLst>
-          <a:outerShdw blurRad="50800" dist="19050" dir="5400000" algn="tl" rotWithShape="0">
-            <a:srgbClr val="000000">
-              <a:alpha val="60000"/>
-            </a:srgbClr>
-          </a:outerShdw>
-          <a:softEdge rad="12700"/>
-        </a:effectLst>
-      </dsp:spPr>
-      <dsp:style>
-        <a:lnRef idx="1">
-          <a:scrgbClr r="0" g="0" b="0"/>
-        </a:lnRef>
-        <a:fillRef idx="3">
-          <a:scrgbClr r="0" g="0" b="0"/>
-        </a:fillRef>
-        <a:effectRef idx="3">
-          <a:scrgbClr r="0" g="0" b="0"/>
-        </a:effectRef>
-        <a:fontRef idx="minor">
-          <a:schemeClr val="lt1"/>
-        </a:fontRef>
-      </dsp:style>
-      <dsp:txBody>
-        <a:bodyPr spcFirstLastPara="0" vert="horz" wrap="square" lIns="91440" tIns="91440" rIns="91440" bIns="91440" numCol="1" spcCol="1270" anchor="ctr" anchorCtr="0">
-          <a:noAutofit/>
-        </a:bodyPr>
-        <a:lstStyle/>
-        <a:p>
-          <a:pPr lvl="0" algn="ctr" defTabSz="2133600">
-            <a:lnSpc>
-              <a:spcPct val="90000"/>
-            </a:lnSpc>
-            <a:spcBef>
-              <a:spcPct val="0"/>
-            </a:spcBef>
-            <a:spcAft>
-              <a:spcPct val="35000"/>
-            </a:spcAft>
-          </a:pPr>
-          <a:r>
-            <a:rPr lang="fr-FR" sz="4800" kern="1200" dirty="0" smtClean="0"/>
-            <a:t>3</a:t>
-          </a:r>
-          <a:endParaRPr lang="fr-FR" sz="4800" kern="1200" dirty="0"/>
-        </a:p>
-      </dsp:txBody>
-      <dsp:txXfrm>
-        <a:off x="43136" y="1901698"/>
-        <a:ext cx="2158295" cy="840357"/>
-      </dsp:txXfrm>
-    </dsp:sp>
-    <dsp:sp modelId="{3EE545DA-222D-4016-83AB-C85D508B03C3}">
-      <dsp:nvSpPr>
-        <dsp:cNvPr id="0" name=""/>
-        <dsp:cNvSpPr/>
-      </dsp:nvSpPr>
-      <dsp:spPr>
-        <a:xfrm>
-          <a:off x="2244567" y="2786230"/>
-          <a:ext cx="6388384" cy="883493"/>
-        </a:xfrm>
-        <a:prstGeom prst="rect">
-          <a:avLst/>
-        </a:prstGeom>
-        <a:noFill/>
-        <a:ln>
-          <a:noFill/>
-        </a:ln>
-        <a:effectLst/>
-      </dsp:spPr>
-      <dsp:style>
-        <a:lnRef idx="0">
-          <a:scrgbClr r="0" g="0" b="0"/>
-        </a:lnRef>
-        <a:fillRef idx="0">
-          <a:scrgbClr r="0" g="0" b="0"/>
-        </a:fillRef>
-        <a:effectRef idx="0">
-          <a:scrgbClr r="0" g="0" b="0"/>
-        </a:effectRef>
-        <a:fontRef idx="minor"/>
-      </dsp:style>
-      <dsp:txBody>
-        <a:bodyPr spcFirstLastPara="0" vert="horz" wrap="square" lIns="81915" tIns="81915" rIns="81915" bIns="81915" numCol="1" spcCol="1270" anchor="b" anchorCtr="0">
-          <a:noAutofit/>
-        </a:bodyPr>
-        <a:lstStyle/>
-        <a:p>
-          <a:pPr lvl="0" algn="l" defTabSz="1911350">
-            <a:lnSpc>
-              <a:spcPct val="90000"/>
-            </a:lnSpc>
-            <a:spcBef>
-              <a:spcPct val="0"/>
-            </a:spcBef>
-            <a:spcAft>
-              <a:spcPct val="35000"/>
-            </a:spcAft>
-          </a:pPr>
-          <a:r>
-            <a:rPr lang="fr-FR" sz="4300" kern="1200" dirty="0" smtClean="0"/>
-            <a:t>Architecture Physique</a:t>
-          </a:r>
-          <a:endParaRPr lang="fr-FR" sz="4300" kern="1200" dirty="0"/>
-        </a:p>
-      </dsp:txBody>
-      <dsp:txXfrm>
-        <a:off x="2244567" y="2786230"/>
-        <a:ext cx="6388384" cy="883493"/>
-      </dsp:txXfrm>
-    </dsp:sp>
-    <dsp:sp modelId="{7AD26C6E-89EB-487D-94B5-1F7D58F9AAEA}">
-      <dsp:nvSpPr>
-        <dsp:cNvPr id="0" name=""/>
-        <dsp:cNvSpPr/>
-      </dsp:nvSpPr>
-      <dsp:spPr>
-        <a:xfrm>
-          <a:off x="0" y="2786230"/>
-          <a:ext cx="2244567" cy="883493"/>
-        </a:xfrm>
-        <a:prstGeom prst="round2SameRect">
-          <a:avLst>
-            <a:gd name="adj1" fmla="val 16670"/>
-            <a:gd name="adj2" fmla="val 0"/>
-          </a:avLst>
-        </a:prstGeom>
-        <a:blipFill rotWithShape="0">
-          <a:blip xmlns:r="http://schemas.openxmlformats.org/officeDocument/2006/relationships" r:embed="rId1">
-            <a:duotone>
-              <a:schemeClr val="accent5">
-                <a:hueOff val="0"/>
-                <a:satOff val="0"/>
-                <a:lumOff val="0"/>
-                <a:alphaOff val="0"/>
-                <a:shade val="36000"/>
-                <a:satMod val="120000"/>
-              </a:schemeClr>
-              <a:schemeClr val="accent5">
-                <a:hueOff val="0"/>
-                <a:satOff val="0"/>
-                <a:lumOff val="0"/>
-                <a:alphaOff val="0"/>
-                <a:tint val="40000"/>
-              </a:schemeClr>
-            </a:duotone>
-          </a:blip>
-          <a:tile tx="0" ty="0" sx="60000" sy="59000" flip="none" algn="tl"/>
-        </a:blipFill>
-        <a:ln w="6350" cap="flat" cmpd="sng" algn="ctr">
-          <a:solidFill>
-            <a:schemeClr val="accent5">
-              <a:hueOff val="0"/>
-              <a:satOff val="0"/>
-              <a:lumOff val="0"/>
-              <a:alphaOff val="0"/>
-            </a:schemeClr>
-          </a:solidFill>
-          <a:prstDash val="solid"/>
-        </a:ln>
-        <a:effectLst>
-          <a:outerShdw blurRad="50800" dist="19050" dir="5400000" algn="tl" rotWithShape="0">
-            <a:srgbClr val="000000">
-              <a:alpha val="60000"/>
-            </a:srgbClr>
-          </a:outerShdw>
-          <a:softEdge rad="12700"/>
-        </a:effectLst>
-      </dsp:spPr>
-      <dsp:style>
-        <a:lnRef idx="1">
-          <a:scrgbClr r="0" g="0" b="0"/>
-        </a:lnRef>
-        <a:fillRef idx="3">
-          <a:scrgbClr r="0" g="0" b="0"/>
-        </a:fillRef>
-        <a:effectRef idx="3">
-          <a:scrgbClr r="0" g="0" b="0"/>
-        </a:effectRef>
-        <a:fontRef idx="minor">
-          <a:schemeClr val="lt1"/>
-        </a:fontRef>
-      </dsp:style>
-      <dsp:txBody>
-        <a:bodyPr spcFirstLastPara="0" vert="horz" wrap="square" lIns="91440" tIns="91440" rIns="91440" bIns="91440" numCol="1" spcCol="1270" anchor="ctr" anchorCtr="0">
-          <a:noAutofit/>
-        </a:bodyPr>
-        <a:lstStyle/>
-        <a:p>
-          <a:pPr lvl="0" algn="ctr" defTabSz="2133600">
-            <a:lnSpc>
-              <a:spcPct val="90000"/>
-            </a:lnSpc>
-            <a:spcBef>
-              <a:spcPct val="0"/>
-            </a:spcBef>
-            <a:spcAft>
-              <a:spcPct val="35000"/>
-            </a:spcAft>
-          </a:pPr>
-          <a:r>
-            <a:rPr lang="fr-FR" sz="4800" kern="1200" dirty="0" smtClean="0"/>
-            <a:t>4</a:t>
-          </a:r>
-          <a:endParaRPr lang="fr-FR" sz="4800" kern="1200" dirty="0"/>
-        </a:p>
-      </dsp:txBody>
-      <dsp:txXfrm>
-        <a:off x="43136" y="2829366"/>
-        <a:ext cx="2158295" cy="840357"/>
-      </dsp:txXfrm>
-    </dsp:sp>
-    <dsp:sp modelId="{1374A494-EA1A-4BEE-87E9-2F0FA45D2532}">
-      <dsp:nvSpPr>
-        <dsp:cNvPr id="0" name=""/>
-        <dsp:cNvSpPr/>
-      </dsp:nvSpPr>
-      <dsp:spPr>
-        <a:xfrm>
-          <a:off x="2244567" y="3713899"/>
-          <a:ext cx="6388384" cy="883493"/>
-        </a:xfrm>
-        <a:prstGeom prst="rect">
-          <a:avLst/>
-        </a:prstGeom>
-        <a:noFill/>
-        <a:ln>
-          <a:noFill/>
-        </a:ln>
-        <a:effectLst/>
-      </dsp:spPr>
-      <dsp:style>
-        <a:lnRef idx="0">
-          <a:scrgbClr r="0" g="0" b="0"/>
-        </a:lnRef>
-        <a:fillRef idx="0">
-          <a:scrgbClr r="0" g="0" b="0"/>
-        </a:fillRef>
-        <a:effectRef idx="0">
-          <a:scrgbClr r="0" g="0" b="0"/>
-        </a:effectRef>
-        <a:fontRef idx="minor"/>
-      </dsp:style>
-      <dsp:txBody>
-        <a:bodyPr spcFirstLastPara="0" vert="horz" wrap="square" lIns="81915" tIns="81915" rIns="81915" bIns="81915" numCol="1" spcCol="1270" anchor="b" anchorCtr="0">
-          <a:noAutofit/>
-        </a:bodyPr>
-        <a:lstStyle/>
-        <a:p>
-          <a:pPr lvl="0" algn="l" defTabSz="1911350">
-            <a:lnSpc>
-              <a:spcPct val="90000"/>
-            </a:lnSpc>
-            <a:spcBef>
-              <a:spcPct val="0"/>
-            </a:spcBef>
-            <a:spcAft>
-              <a:spcPct val="35000"/>
-            </a:spcAft>
-          </a:pPr>
-          <a:r>
-            <a:rPr lang="fr-FR" sz="4300" kern="1200" dirty="0" smtClean="0"/>
-            <a:t>Proof of Concept</a:t>
-          </a:r>
-          <a:endParaRPr lang="fr-FR" sz="4300" kern="1200" dirty="0"/>
-        </a:p>
-      </dsp:txBody>
-      <dsp:txXfrm>
-        <a:off x="2244567" y="3713899"/>
-        <a:ext cx="6388384" cy="883493"/>
-      </dsp:txXfrm>
-    </dsp:sp>
-    <dsp:sp modelId="{8BF9C6DC-1BCF-42CB-8828-0FA7000A2F97}">
-      <dsp:nvSpPr>
-        <dsp:cNvPr id="0" name=""/>
-        <dsp:cNvSpPr/>
-      </dsp:nvSpPr>
-      <dsp:spPr>
-        <a:xfrm>
-          <a:off x="0" y="3713899"/>
-          <a:ext cx="2244567" cy="883493"/>
-        </a:xfrm>
-        <a:prstGeom prst="round2SameRect">
-          <a:avLst>
-            <a:gd name="adj1" fmla="val 16670"/>
-            <a:gd name="adj2" fmla="val 0"/>
-          </a:avLst>
-        </a:prstGeom>
-        <a:blipFill rotWithShape="0">
-          <a:blip xmlns:r="http://schemas.openxmlformats.org/officeDocument/2006/relationships" r:embed="rId1">
-            <a:duotone>
-              <a:schemeClr val="accent5">
-                <a:hueOff val="0"/>
-                <a:satOff val="0"/>
-                <a:lumOff val="0"/>
-                <a:alphaOff val="0"/>
-                <a:shade val="36000"/>
-                <a:satMod val="120000"/>
-              </a:schemeClr>
-              <a:schemeClr val="accent5">
-                <a:hueOff val="0"/>
-                <a:satOff val="0"/>
-                <a:lumOff val="0"/>
-                <a:alphaOff val="0"/>
-                <a:tint val="40000"/>
-              </a:schemeClr>
-            </a:duotone>
-          </a:blip>
-          <a:tile tx="0" ty="0" sx="60000" sy="59000" flip="none" algn="tl"/>
-        </a:blipFill>
-        <a:ln w="6350" cap="flat" cmpd="sng" algn="ctr">
-          <a:solidFill>
-            <a:schemeClr val="accent5">
-              <a:hueOff val="0"/>
-              <a:satOff val="0"/>
-              <a:lumOff val="0"/>
-              <a:alphaOff val="0"/>
-            </a:schemeClr>
-          </a:solidFill>
-          <a:prstDash val="solid"/>
-        </a:ln>
-        <a:effectLst>
-          <a:outerShdw blurRad="50800" dist="19050" dir="5400000" algn="tl" rotWithShape="0">
-            <a:srgbClr val="000000">
-              <a:alpha val="60000"/>
-            </a:srgbClr>
-          </a:outerShdw>
-          <a:softEdge rad="12700"/>
-        </a:effectLst>
-      </dsp:spPr>
-      <dsp:style>
-        <a:lnRef idx="1">
-          <a:scrgbClr r="0" g="0" b="0"/>
-        </a:lnRef>
-        <a:fillRef idx="3">
-          <a:scrgbClr r="0" g="0" b="0"/>
-        </a:fillRef>
-        <a:effectRef idx="3">
-          <a:scrgbClr r="0" g="0" b="0"/>
-        </a:effectRef>
-        <a:fontRef idx="minor">
-          <a:schemeClr val="lt1"/>
-        </a:fontRef>
-      </dsp:style>
-      <dsp:txBody>
-        <a:bodyPr spcFirstLastPara="0" vert="horz" wrap="square" lIns="91440" tIns="91440" rIns="91440" bIns="91440" numCol="1" spcCol="1270" anchor="ctr" anchorCtr="0">
-          <a:noAutofit/>
-        </a:bodyPr>
-        <a:lstStyle/>
-        <a:p>
-          <a:pPr lvl="0" algn="ctr" defTabSz="2133600">
-            <a:lnSpc>
-              <a:spcPct val="90000"/>
-            </a:lnSpc>
-            <a:spcBef>
-              <a:spcPct val="0"/>
-            </a:spcBef>
-            <a:spcAft>
-              <a:spcPct val="35000"/>
-            </a:spcAft>
-          </a:pPr>
-          <a:r>
-            <a:rPr lang="fr-FR" sz="4800" kern="1200" dirty="0" smtClean="0"/>
-            <a:t>5</a:t>
-          </a:r>
-          <a:endParaRPr lang="fr-FR" sz="4800" kern="1200" dirty="0"/>
-        </a:p>
-      </dsp:txBody>
-      <dsp:txXfrm>
-        <a:off x="43136" y="3757035"/>
-        <a:ext cx="2158295" cy="840357"/>
-      </dsp:txXfrm>
-    </dsp:sp>
   </dsp:spTree>
 </dsp:drawing>
 </file>
@@ -4264,7 +3255,7 @@
           <a:p>
             <a:fld id="{30972B6B-B5CF-41E4-B246-750F6E702F96}" type="slidenum">
               <a:rPr lang="fr-FR" smtClean="0"/>
-              <a:t>‹#›</a:t>
+              <a:t>‹N°›</a:t>
             </a:fld>
             <a:endParaRPr lang="fr-FR"/>
           </a:p>
@@ -5163,7 +4154,7 @@
           <a:p>
             <a:fld id="{7F2870A4-FAE2-438A-8102-A1D6C3BFD565}" type="slidenum">
               <a:rPr lang="en-US" smtClean="0"/>
-              <a:t>‹#›</a:t>
+              <a:t>‹N°›</a:t>
             </a:fld>
             <a:endParaRPr lang="en-US"/>
           </a:p>
@@ -5334,7 +4325,7 @@
           <a:p>
             <a:fld id="{7F2870A4-FAE2-438A-8102-A1D6C3BFD565}" type="slidenum">
               <a:rPr lang="en-US" smtClean="0"/>
-              <a:t>‹#›</a:t>
+              <a:t>‹N°›</a:t>
             </a:fld>
             <a:endParaRPr lang="en-US"/>
           </a:p>
@@ -5515,7 +4506,7 @@
           <a:p>
             <a:fld id="{7F2870A4-FAE2-438A-8102-A1D6C3BFD565}" type="slidenum">
               <a:rPr lang="en-US" smtClean="0"/>
-              <a:t>‹#›</a:t>
+              <a:t>‹N°›</a:t>
             </a:fld>
             <a:endParaRPr lang="en-US"/>
           </a:p>
@@ -5686,7 +4677,7 @@
           <a:p>
             <a:fld id="{7F2870A4-FAE2-438A-8102-A1D6C3BFD565}" type="slidenum">
               <a:rPr lang="en-US" smtClean="0"/>
-              <a:t>‹#›</a:t>
+              <a:t>‹N°›</a:t>
             </a:fld>
             <a:endParaRPr lang="en-US"/>
           </a:p>
@@ -6098,7 +5089,7 @@
           <a:p>
             <a:fld id="{7F2870A4-FAE2-438A-8102-A1D6C3BFD565}" type="slidenum">
               <a:rPr lang="en-US" smtClean="0"/>
-              <a:t>‹#›</a:t>
+              <a:t>‹N°›</a:t>
             </a:fld>
             <a:endParaRPr lang="en-US"/>
           </a:p>
@@ -6387,7 +5378,7 @@
           <a:p>
             <a:fld id="{7F2870A4-FAE2-438A-8102-A1D6C3BFD565}" type="slidenum">
               <a:rPr lang="en-US" smtClean="0"/>
-              <a:t>‹#›</a:t>
+              <a:t>‹N°›</a:t>
             </a:fld>
             <a:endParaRPr lang="en-US"/>
           </a:p>
@@ -6822,7 +5813,7 @@
           <a:p>
             <a:fld id="{7F2870A4-FAE2-438A-8102-A1D6C3BFD565}" type="slidenum">
               <a:rPr lang="en-US" smtClean="0"/>
-              <a:t>‹#›</a:t>
+              <a:t>‹N°›</a:t>
             </a:fld>
             <a:endParaRPr lang="en-US"/>
           </a:p>
@@ -6941,7 +5932,7 @@
           <a:p>
             <a:fld id="{7F2870A4-FAE2-438A-8102-A1D6C3BFD565}" type="slidenum">
               <a:rPr lang="en-US" smtClean="0"/>
-              <a:t>‹#›</a:t>
+              <a:t>‹N°›</a:t>
             </a:fld>
             <a:endParaRPr lang="en-US"/>
           </a:p>
@@ -7037,7 +6028,7 @@
           <a:p>
             <a:fld id="{7F2870A4-FAE2-438A-8102-A1D6C3BFD565}" type="slidenum">
               <a:rPr lang="en-US" smtClean="0"/>
-              <a:t>‹#›</a:t>
+              <a:t>‹N°›</a:t>
             </a:fld>
             <a:endParaRPr lang="en-US"/>
           </a:p>
@@ -7477,7 +6468,7 @@
           <a:p>
             <a:fld id="{7F2870A4-FAE2-438A-8102-A1D6C3BFD565}" type="slidenum">
               <a:rPr lang="en-US" smtClean="0"/>
-              <a:t>‹#›</a:t>
+              <a:t>‹N°›</a:t>
             </a:fld>
             <a:endParaRPr lang="en-US"/>
           </a:p>
@@ -7884,7 +6875,7 @@
           <a:p>
             <a:fld id="{7F2870A4-FAE2-438A-8102-A1D6C3BFD565}" type="slidenum">
               <a:rPr lang="en-US" smtClean="0"/>
-              <a:t>‹#›</a:t>
+              <a:t>‹N°›</a:t>
             </a:fld>
             <a:endParaRPr lang="en-US"/>
           </a:p>
@@ -8223,7 +7214,7 @@
           <a:p>
             <a:fld id="{7F2870A4-FAE2-438A-8102-A1D6C3BFD565}" type="slidenum">
               <a:rPr lang="en-US" smtClean="0"/>
-              <a:t>‹#›</a:t>
+              <a:t>‹N°›</a:t>
             </a:fld>
             <a:endParaRPr lang="en-US"/>
           </a:p>
@@ -11142,25 +10133,6 @@
       </p:sp>
       <p:sp>
         <p:nvSpPr>
-          <p:cNvPr id="3" name="Content Placeholder 2"/>
-          <p:cNvSpPr>
-            <a:spLocks noGrp="1"/>
-          </p:cNvSpPr>
-          <p:nvPr>
-            <p:ph idx="1"/>
-          </p:nvPr>
-        </p:nvSpPr>
-        <p:spPr/>
-        <p:txBody>
-          <a:bodyPr/>
-          <a:lstStyle/>
-          <a:p>
-            <a:endParaRPr lang="fr-FR" dirty="0"/>
-          </a:p>
-        </p:txBody>
-      </p:sp>
-      <p:sp>
-        <p:nvSpPr>
           <p:cNvPr id="5" name="Date Placeholder 4"/>
           <p:cNvSpPr>
             <a:spLocks noGrp="1"/>
@@ -11205,10 +10177,122 @@
           </a:p>
         </p:txBody>
       </p:sp>
+      <p:sp>
+        <p:nvSpPr>
+          <p:cNvPr id="8" name="Content Placeholder 2"/>
+          <p:cNvSpPr>
+            <a:spLocks noGrp="1"/>
+          </p:cNvSpPr>
+          <p:nvPr>
+            <p:ph idx="1"/>
+          </p:nvPr>
+        </p:nvSpPr>
+        <p:spPr>
+          <a:xfrm>
+            <a:off x="1069848" y="2121408"/>
+            <a:ext cx="10058400" cy="4050792"/>
+          </a:xfrm>
+        </p:spPr>
+        <p:txBody>
+          <a:bodyPr>
+            <a:normAutofit/>
+          </a:bodyPr>
+          <a:lstStyle/>
+          <a:p>
+            <a:pPr>
+              <a:lnSpc>
+                <a:spcPct val="150000"/>
+              </a:lnSpc>
+            </a:pPr>
+            <a:r>
+              <a:rPr lang="fr-FR" sz="2400" dirty="0" err="1" smtClean="0"/>
+              <a:t>Load</a:t>
+            </a:r>
+            <a:r>
+              <a:rPr lang="fr-FR" sz="2400" dirty="0" smtClean="0"/>
+              <a:t> </a:t>
+            </a:r>
+            <a:r>
+              <a:rPr lang="fr-FR" sz="2400" dirty="0" err="1" smtClean="0"/>
+              <a:t>Balancing</a:t>
+            </a:r>
+            <a:r>
+              <a:rPr lang="fr-FR" sz="2400" dirty="0" smtClean="0"/>
+              <a:t> logiciel</a:t>
+            </a:r>
+          </a:p>
+          <a:p>
+            <a:pPr lvl="1">
+              <a:lnSpc>
+                <a:spcPct val="150000"/>
+              </a:lnSpc>
+              <a:buFont typeface="Wingdings" panose="05000000000000000000" pitchFamily="2" charset="2"/>
+              <a:buChar char="v"/>
+            </a:pPr>
+            <a:r>
+              <a:rPr lang="fr-FR" sz="2000" dirty="0" smtClean="0"/>
+              <a:t>Blocks Applicatifs Web Application</a:t>
+            </a:r>
+          </a:p>
+          <a:p>
+            <a:pPr lvl="1">
+              <a:lnSpc>
+                <a:spcPct val="150000"/>
+              </a:lnSpc>
+              <a:buFont typeface="Wingdings" panose="05000000000000000000" pitchFamily="2" charset="2"/>
+              <a:buChar char="v"/>
+            </a:pPr>
+            <a:r>
+              <a:rPr lang="fr-FR" sz="2000" dirty="0" smtClean="0"/>
+              <a:t>Plusieurs requêtes </a:t>
+            </a:r>
+            <a:r>
+              <a:rPr lang="fr-FR" sz="2000" dirty="0"/>
+              <a:t>qui seront </a:t>
+            </a:r>
+            <a:r>
+              <a:rPr lang="fr-FR" sz="2000" dirty="0" smtClean="0"/>
+              <a:t>aiguillées </a:t>
+            </a:r>
+            <a:r>
+              <a:rPr lang="fr-FR" sz="2000" dirty="0"/>
+              <a:t>vers le serveur le moins utilisé</a:t>
+            </a:r>
+            <a:endParaRPr lang="fr-FR" sz="2000" dirty="0" smtClean="0"/>
+          </a:p>
+          <a:p>
+            <a:pPr>
+              <a:lnSpc>
+                <a:spcPct val="150000"/>
+              </a:lnSpc>
+            </a:pPr>
+            <a:r>
+              <a:rPr lang="fr-FR" sz="2200" dirty="0" smtClean="0"/>
+              <a:t>Démo</a:t>
+            </a:r>
+          </a:p>
+          <a:p>
+            <a:pPr>
+              <a:lnSpc>
+                <a:spcPct val="150000"/>
+              </a:lnSpc>
+            </a:pPr>
+            <a:endParaRPr lang="fr-FR" sz="2200" dirty="0" smtClean="0"/>
+          </a:p>
+          <a:p>
+            <a:pPr>
+              <a:lnSpc>
+                <a:spcPct val="150000"/>
+              </a:lnSpc>
+            </a:pPr>
+            <a:endParaRPr lang="fr-FR" sz="2200" dirty="0"/>
+          </a:p>
+        </p:txBody>
+      </p:sp>
     </p:spTree>
     <p:extLst>
       <p:ext uri="{BB962C8B-B14F-4D97-AF65-F5344CB8AC3E}">
-        <p14:creationId xmlns:p14="http://schemas.microsoft.com/office/powerpoint/2010/main" val="72389983"/>
+        <p14:creationId xmlns:p14="http://schemas.microsoft.com/office/powerpoint/2010/main" val="2553137087"/>
       </p:ext>
     </p:extLst>
   </p:cSld>
@@ -11218,9 +10302,1267 @@
   <p:timing>
     <p:tnLst>
       <p:par>
-        <p:cTn id="1" dur="indefinite" restart="never" nodeType="tmRoot"/>
+        <p:cTn id="1" dur="indefinite" restart="never" nodeType="tmRoot">
+          <p:childTnLst>
+            <p:seq concurrent="1" nextAc="seek">
+              <p:cTn id="2" dur="indefinite" nodeType="mainSeq">
+                <p:childTnLst>
+                  <p:par>
+                    <p:cTn id="3" fill="hold">
+                      <p:stCondLst>
+                        <p:cond delay="indefinite"/>
+                      </p:stCondLst>
+                      <p:childTnLst>
+                        <p:par>
+                          <p:cTn id="4" fill="hold">
+                            <p:stCondLst>
+                              <p:cond delay="0"/>
+                            </p:stCondLst>
+                            <p:childTnLst>
+                              <p:par>
+                                <p:cTn id="5" presetID="22" presetClass="entr" presetSubtype="4" fill="hold" grpId="0" nodeType="clickEffect">
+                                  <p:stCondLst>
+                                    <p:cond delay="0"/>
+                                  </p:stCondLst>
+                                  <p:childTnLst>
+                                    <p:set>
+                                      <p:cBhvr>
+                                        <p:cTn id="6" dur="1" fill="hold">
+                                          <p:stCondLst>
+                                            <p:cond delay="0"/>
+                                          </p:stCondLst>
+                                        </p:cTn>
+                                        <p:tgtEl>
+                                          <p:spTgt spid="8">
+                                            <p:txEl>
+                                              <p:pRg st="0" end="0"/>
+                                            </p:txEl>
+                                          </p:spTgt>
+                                        </p:tgtEl>
+                                        <p:attrNameLst>
+                                          <p:attrName>style.visibility</p:attrName>
+                                        </p:attrNameLst>
+                                      </p:cBhvr>
+                                      <p:to>
+                                        <p:strVal val="visible"/>
+                                      </p:to>
+                                    </p:set>
+                                    <p:animEffect transition="in" filter="wipe(down)">
+                                      <p:cBhvr>
+                                        <p:cTn id="7" dur="500"/>
+                                        <p:tgtEl>
+                                          <p:spTgt spid="8">
+                                            <p:txEl>
+                                              <p:pRg st="0" end="0"/>
+                                            </p:txEl>
+                                          </p:spTgt>
+                                        </p:tgtEl>
+                                      </p:cBhvr>
+                                    </p:animEffect>
+                                  </p:childTnLst>
+                                </p:cTn>
+                              </p:par>
+                              <p:par>
+                                <p:cTn id="8" presetID="22" presetClass="entr" presetSubtype="4" fill="hold" grpId="0" nodeType="withEffect">
+                                  <p:stCondLst>
+                                    <p:cond delay="0"/>
+                                  </p:stCondLst>
+                                  <p:childTnLst>
+                                    <p:set>
+                                      <p:cBhvr>
+                                        <p:cTn id="9" dur="1" fill="hold">
+                                          <p:stCondLst>
+                                            <p:cond delay="0"/>
+                                          </p:stCondLst>
+                                        </p:cTn>
+                                        <p:tgtEl>
+                                          <p:spTgt spid="8">
+                                            <p:txEl>
+                                              <p:pRg st="1" end="1"/>
+                                            </p:txEl>
+                                          </p:spTgt>
+                                        </p:tgtEl>
+                                        <p:attrNameLst>
+                                          <p:attrName>style.visibility</p:attrName>
+                                        </p:attrNameLst>
+                                      </p:cBhvr>
+                                      <p:to>
+                                        <p:strVal val="visible"/>
+                                      </p:to>
+                                    </p:set>
+                                    <p:animEffect transition="in" filter="wipe(down)">
+                                      <p:cBhvr>
+                                        <p:cTn id="10" dur="500"/>
+                                        <p:tgtEl>
+                                          <p:spTgt spid="8">
+                                            <p:txEl>
+                                              <p:pRg st="1" end="1"/>
+                                            </p:txEl>
+                                          </p:spTgt>
+                                        </p:tgtEl>
+                                      </p:cBhvr>
+                                    </p:animEffect>
+                                  </p:childTnLst>
+                                </p:cTn>
+                              </p:par>
+                              <p:par>
+                                <p:cTn id="11" presetID="22" presetClass="entr" presetSubtype="4" fill="hold" grpId="0" nodeType="withEffect">
+                                  <p:stCondLst>
+                                    <p:cond delay="0"/>
+                                  </p:stCondLst>
+                                  <p:childTnLst>
+                                    <p:set>
+                                      <p:cBhvr>
+                                        <p:cTn id="12" dur="1" fill="hold">
+                                          <p:stCondLst>
+                                            <p:cond delay="0"/>
+                                          </p:stCondLst>
+                                        </p:cTn>
+                                        <p:tgtEl>
+                                          <p:spTgt spid="8">
+                                            <p:txEl>
+                                              <p:pRg st="2" end="2"/>
+                                            </p:txEl>
+                                          </p:spTgt>
+                                        </p:tgtEl>
+                                        <p:attrNameLst>
+                                          <p:attrName>style.visibility</p:attrName>
+                                        </p:attrNameLst>
+                                      </p:cBhvr>
+                                      <p:to>
+                                        <p:strVal val="visible"/>
+                                      </p:to>
+                                    </p:set>
+                                    <p:animEffect transition="in" filter="wipe(down)">
+                                      <p:cBhvr>
+                                        <p:cTn id="13" dur="500"/>
+                                        <p:tgtEl>
+                                          <p:spTgt spid="8">
+                                            <p:txEl>
+                                              <p:pRg st="2" end="2"/>
+                                            </p:txEl>
+                                          </p:spTgt>
+                                        </p:tgtEl>
+                                      </p:cBhvr>
+                                    </p:animEffect>
+                                  </p:childTnLst>
+                                </p:cTn>
+                              </p:par>
+                            </p:childTnLst>
+                          </p:cTn>
+                        </p:par>
+                      </p:childTnLst>
+                    </p:cTn>
+                  </p:par>
+                  <p:par>
+                    <p:cTn id="14" fill="hold">
+                      <p:stCondLst>
+                        <p:cond delay="indefinite"/>
+                      </p:stCondLst>
+                      <p:childTnLst>
+                        <p:par>
+                          <p:cTn id="15" fill="hold">
+                            <p:stCondLst>
+                              <p:cond delay="0"/>
+                            </p:stCondLst>
+                            <p:childTnLst>
+                              <p:par>
+                                <p:cTn id="16" presetID="22" presetClass="entr" presetSubtype="4" fill="hold" grpId="0" nodeType="clickEffect">
+                                  <p:stCondLst>
+                                    <p:cond delay="0"/>
+                                  </p:stCondLst>
+                                  <p:childTnLst>
+                                    <p:set>
+                                      <p:cBhvr>
+                                        <p:cTn id="17" dur="1" fill="hold">
+                                          <p:stCondLst>
+                                            <p:cond delay="0"/>
+                                          </p:stCondLst>
+                                        </p:cTn>
+                                        <p:tgtEl>
+                                          <p:spTgt spid="8">
+                                            <p:txEl>
+                                              <p:pRg st="3" end="3"/>
+                                            </p:txEl>
+                                          </p:spTgt>
+                                        </p:tgtEl>
+                                        <p:attrNameLst>
+                                          <p:attrName>style.visibility</p:attrName>
+                                        </p:attrNameLst>
+                                      </p:cBhvr>
+                                      <p:to>
+                                        <p:strVal val="visible"/>
+                                      </p:to>
+                                    </p:set>
+                                    <p:animEffect transition="in" filter="wipe(down)">
+                                      <p:cBhvr>
+                                        <p:cTn id="18" dur="500"/>
+                                        <p:tgtEl>
+                                          <p:spTgt spid="8">
+                                            <p:txEl>
+                                              <p:pRg st="3" end="3"/>
+                                            </p:txEl>
+                                          </p:spTgt>
+                                        </p:tgtEl>
+                                      </p:cBhvr>
+                                    </p:animEffect>
+                                  </p:childTnLst>
+                                </p:cTn>
+                              </p:par>
+                            </p:childTnLst>
+                          </p:cTn>
+                        </p:par>
+                      </p:childTnLst>
+                    </p:cTn>
+                  </p:par>
+                </p:childTnLst>
+              </p:cTn>
+              <p:prevCondLst>
+                <p:cond evt="onPrev" delay="0">
+                  <p:tgtEl>
+                    <p:sldTgt/>
+                  </p:tgtEl>
+                </p:cond>
+              </p:prevCondLst>
+              <p:nextCondLst>
+                <p:cond evt="onNext" delay="0">
+                  <p:tgtEl>
+                    <p:sldTgt/>
+                  </p:tgtEl>
+                </p:cond>
+              </p:nextCondLst>
+            </p:seq>
+          </p:childTnLst>
+        </p:cTn>
       </p:par>
     </p:tnLst>
+    <p:bldLst>
+      <p:bldP spid="8" grpId="0" build="p"/>
+    </p:bldLst>
+  </p:timing>
+</p:sld>
+</file>
+
+<file path=ppt/slides/slide14.xml><?xml version="1.0" encoding="utf-8"?>
+<p:sld xmlns:a="http://schemas.openxmlformats.org/drawingml/2006/main" xmlns:r="http://schemas.openxmlformats.org/officeDocument/2006/relationships" xmlns:p="http://schemas.openxmlformats.org/presentationml/2006/main">
+  <p:cSld>
+    <p:spTree>
+      <p:nvGrpSpPr>
+        <p:cNvPr id="1" name=""/>
+        <p:cNvGrpSpPr/>
+        <p:nvPr/>
+      </p:nvGrpSpPr>
+      <p:grpSpPr>
+        <a:xfrm>
+          <a:off x="0" y="0"/>
+          <a:ext cx="0" cy="0"/>
+          <a:chOff x="0" y="0"/>
+          <a:chExt cx="0" cy="0"/>
+        </a:xfrm>
+      </p:grpSpPr>
+      <p:sp>
+        <p:nvSpPr>
+          <p:cNvPr id="4" name="Espace réservé de la date 3"/>
+          <p:cNvSpPr>
+            <a:spLocks noGrp="1"/>
+          </p:cNvSpPr>
+          <p:nvPr>
+            <p:ph type="dt" sz="half" idx="10"/>
+          </p:nvPr>
+        </p:nvSpPr>
+        <p:spPr/>
+        <p:txBody>
+          <a:bodyPr/>
+          <a:lstStyle/>
+          <a:p>
+            <a:fld id="{6B0339B2-9F74-4C9D-A9E4-BAA83C9857E2}" type="datetime1">
+              <a:rPr lang="fr-FR" smtClean="0"/>
+              <a:t>13/02/2014</a:t>
+            </a:fld>
+            <a:endParaRPr lang="en-US"/>
+          </a:p>
+        </p:txBody>
+      </p:sp>
+      <p:sp>
+        <p:nvSpPr>
+          <p:cNvPr id="5" name="Espace réservé du numéro de diapositive 4"/>
+          <p:cNvSpPr>
+            <a:spLocks noGrp="1"/>
+          </p:cNvSpPr>
+          <p:nvPr>
+            <p:ph type="sldNum" sz="quarter" idx="12"/>
+          </p:nvPr>
+        </p:nvSpPr>
+        <p:spPr/>
+        <p:txBody>
+          <a:bodyPr/>
+          <a:lstStyle/>
+          <a:p>
+            <a:fld id="{7F2870A4-FAE2-438A-8102-A1D6C3BFD565}" type="slidenum">
+              <a:rPr lang="en-US" smtClean="0"/>
+              <a:t>14</a:t>
+            </a:fld>
+            <a:endParaRPr lang="en-US"/>
+          </a:p>
+        </p:txBody>
+      </p:sp>
+      <p:sp>
+        <p:nvSpPr>
+          <p:cNvPr id="6" name="Content Placeholder 2"/>
+          <p:cNvSpPr>
+            <a:spLocks noGrp="1"/>
+          </p:cNvSpPr>
+          <p:nvPr>
+            <p:ph idx="1"/>
+          </p:nvPr>
+        </p:nvSpPr>
+        <p:spPr>
+          <a:xfrm>
+            <a:off x="1069848" y="2121408"/>
+            <a:ext cx="10058400" cy="4050792"/>
+          </a:xfrm>
+        </p:spPr>
+        <p:txBody>
+          <a:bodyPr>
+            <a:normAutofit/>
+          </a:bodyPr>
+          <a:lstStyle/>
+          <a:p>
+            <a:pPr>
+              <a:lnSpc>
+                <a:spcPct val="150000"/>
+              </a:lnSpc>
+            </a:pPr>
+            <a:r>
+              <a:rPr lang="fr-FR" sz="2400" dirty="0" smtClean="0"/>
+              <a:t>Mise en cluster avec DPWS</a:t>
+            </a:r>
+          </a:p>
+          <a:p>
+            <a:pPr lvl="1">
+              <a:lnSpc>
+                <a:spcPct val="150000"/>
+              </a:lnSpc>
+              <a:buFont typeface="Wingdings" panose="05000000000000000000" pitchFamily="2" charset="2"/>
+              <a:buChar char="v"/>
+            </a:pPr>
+            <a:r>
+              <a:rPr lang="fr-FR" sz="2000" dirty="0" smtClean="0"/>
+              <a:t>Permet de détecter automatiquement lorsqu’un serveur est ajouté ou supprimé </a:t>
+            </a:r>
+          </a:p>
+          <a:p>
+            <a:pPr lvl="1">
+              <a:lnSpc>
+                <a:spcPct val="150000"/>
+              </a:lnSpc>
+              <a:buFont typeface="Wingdings" panose="05000000000000000000" pitchFamily="2" charset="2"/>
+              <a:buChar char="v"/>
+            </a:pPr>
+            <a:r>
+              <a:rPr lang="fr-FR" sz="2000" dirty="0" smtClean="0"/>
+              <a:t>Pas de reconfiguration lors de l’ajout d’un serveur</a:t>
+            </a:r>
+          </a:p>
+        </p:txBody>
+      </p:sp>
+      <p:sp>
+        <p:nvSpPr>
+          <p:cNvPr id="7" name="Title 1"/>
+          <p:cNvSpPr>
+            <a:spLocks noGrp="1"/>
+          </p:cNvSpPr>
+          <p:nvPr>
+            <p:ph type="title"/>
+          </p:nvPr>
+        </p:nvSpPr>
+        <p:spPr>
+          <a:xfrm>
+            <a:off x="1069848" y="484632"/>
+            <a:ext cx="10058400" cy="1609344"/>
+          </a:xfrm>
+        </p:spPr>
+        <p:txBody>
+          <a:bodyPr/>
+          <a:lstStyle/>
+          <a:p>
+            <a:pPr lvl="0"/>
+            <a:r>
+              <a:rPr lang="fr-FR" dirty="0"/>
+              <a:t>Proof of Concept</a:t>
+            </a:r>
+          </a:p>
+        </p:txBody>
+      </p:sp>
+      <p:pic>
+        <p:nvPicPr>
+          <p:cNvPr id="9" name="Image 8"/>
+          <p:cNvPicPr>
+            <a:picLocks noChangeAspect="1"/>
+          </p:cNvPicPr>
+          <p:nvPr/>
+        </p:nvPicPr>
+        <p:blipFill>
+          <a:blip r:embed="rId2"/>
+          <a:stretch>
+            <a:fillRect/>
+          </a:stretch>
+        </p:blipFill>
+        <p:spPr>
+          <a:xfrm>
+            <a:off x="2563406" y="4134151"/>
+            <a:ext cx="763688" cy="1032760"/>
+          </a:xfrm>
+          <a:prstGeom prst="rect">
+            <a:avLst/>
+          </a:prstGeom>
+        </p:spPr>
+      </p:pic>
+      <p:pic>
+        <p:nvPicPr>
+          <p:cNvPr id="10" name="Image 9"/>
+          <p:cNvPicPr>
+            <a:picLocks noChangeAspect="1"/>
+          </p:cNvPicPr>
+          <p:nvPr/>
+        </p:nvPicPr>
+        <p:blipFill>
+          <a:blip r:embed="rId3"/>
+          <a:stretch>
+            <a:fillRect/>
+          </a:stretch>
+        </p:blipFill>
+        <p:spPr>
+          <a:xfrm>
+            <a:off x="4955143" y="4188538"/>
+            <a:ext cx="683253" cy="923986"/>
+          </a:xfrm>
+          <a:prstGeom prst="rect">
+            <a:avLst/>
+          </a:prstGeom>
+        </p:spPr>
+      </p:pic>
+      <p:pic>
+        <p:nvPicPr>
+          <p:cNvPr id="11" name="Image 10"/>
+          <p:cNvPicPr>
+            <a:picLocks noChangeAspect="1"/>
+          </p:cNvPicPr>
+          <p:nvPr/>
+        </p:nvPicPr>
+        <p:blipFill>
+          <a:blip r:embed="rId4"/>
+          <a:stretch>
+            <a:fillRect/>
+          </a:stretch>
+        </p:blipFill>
+        <p:spPr>
+          <a:xfrm>
+            <a:off x="3668162" y="5724301"/>
+            <a:ext cx="906454" cy="895798"/>
+          </a:xfrm>
+          <a:prstGeom prst="rect">
+            <a:avLst/>
+          </a:prstGeom>
+        </p:spPr>
+      </p:pic>
+      <p:cxnSp>
+        <p:nvCxnSpPr>
+          <p:cNvPr id="15" name="Connecteur droit avec flèche 14"/>
+          <p:cNvCxnSpPr/>
+          <p:nvPr/>
+        </p:nvCxnSpPr>
+        <p:spPr>
+          <a:xfrm flipH="1" flipV="1">
+            <a:off x="3362162" y="4953121"/>
+            <a:ext cx="612000" cy="771180"/>
+          </a:xfrm>
+          <a:prstGeom prst="straightConnector1">
+            <a:avLst/>
+          </a:prstGeom>
+          <a:ln w="38100">
+            <a:tailEnd type="triangle"/>
+          </a:ln>
+        </p:spPr>
+        <p:style>
+          <a:lnRef idx="1">
+            <a:schemeClr val="accent1"/>
+          </a:lnRef>
+          <a:fillRef idx="0">
+            <a:schemeClr val="accent1"/>
+          </a:fillRef>
+          <a:effectRef idx="0">
+            <a:schemeClr val="accent1"/>
+          </a:effectRef>
+          <a:fontRef idx="minor">
+            <a:schemeClr val="tx1"/>
+          </a:fontRef>
+        </p:style>
+      </p:cxnSp>
+      <p:cxnSp>
+        <p:nvCxnSpPr>
+          <p:cNvPr id="17" name="Connecteur droit avec flèche 16"/>
+          <p:cNvCxnSpPr/>
+          <p:nvPr/>
+        </p:nvCxnSpPr>
+        <p:spPr>
+          <a:xfrm flipV="1">
+            <a:off x="4386805" y="4849793"/>
+            <a:ext cx="596647" cy="874508"/>
+          </a:xfrm>
+          <a:prstGeom prst="straightConnector1">
+            <a:avLst/>
+          </a:prstGeom>
+          <a:ln w="38100">
+            <a:tailEnd type="triangle"/>
+          </a:ln>
+        </p:spPr>
+        <p:style>
+          <a:lnRef idx="1">
+            <a:schemeClr val="accent1"/>
+          </a:lnRef>
+          <a:fillRef idx="0">
+            <a:schemeClr val="accent1"/>
+          </a:fillRef>
+          <a:effectRef idx="0">
+            <a:schemeClr val="accent1"/>
+          </a:effectRef>
+          <a:fontRef idx="minor">
+            <a:schemeClr val="tx1"/>
+          </a:fontRef>
+        </p:style>
+      </p:cxnSp>
+      <p:pic>
+        <p:nvPicPr>
+          <p:cNvPr id="21" name="Image 20"/>
+          <p:cNvPicPr>
+            <a:picLocks noChangeAspect="1"/>
+          </p:cNvPicPr>
+          <p:nvPr/>
+        </p:nvPicPr>
+        <p:blipFill>
+          <a:blip r:embed="rId5"/>
+          <a:stretch>
+            <a:fillRect/>
+          </a:stretch>
+        </p:blipFill>
+        <p:spPr>
+          <a:xfrm>
+            <a:off x="5897793" y="5166911"/>
+            <a:ext cx="674683" cy="912396"/>
+          </a:xfrm>
+          <a:prstGeom prst="rect">
+            <a:avLst/>
+          </a:prstGeom>
+        </p:spPr>
+      </p:pic>
+      <p:pic>
+        <p:nvPicPr>
+          <p:cNvPr id="22" name="Image 21" descr="21941-bubka-Wifi.png"/>
+          <p:cNvPicPr>
+            <a:picLocks noChangeAspect="1"/>
+          </p:cNvPicPr>
+          <p:nvPr/>
+        </p:nvPicPr>
+        <p:blipFill>
+          <a:blip r:embed="rId6" cstate="print"/>
+          <a:stretch>
+            <a:fillRect/>
+          </a:stretch>
+        </p:blipFill>
+        <p:spPr>
+          <a:xfrm rot="3746340">
+            <a:off x="4805273" y="5205186"/>
+            <a:ext cx="788694" cy="1225752"/>
+          </a:xfrm>
+          <a:prstGeom prst="rect">
+            <a:avLst/>
+          </a:prstGeom>
+        </p:spPr>
+      </p:pic>
+      <p:sp>
+        <p:nvSpPr>
+          <p:cNvPr id="23" name="ZoneTexte 22"/>
+          <p:cNvSpPr txBox="1"/>
+          <p:nvPr/>
+        </p:nvSpPr>
+        <p:spPr>
+          <a:xfrm>
+            <a:off x="4744267" y="6238498"/>
+            <a:ext cx="1272037" cy="369332"/>
+          </a:xfrm>
+          <a:prstGeom prst="rect">
+            <a:avLst/>
+          </a:prstGeom>
+          <a:noFill/>
+        </p:spPr>
+        <p:txBody>
+          <a:bodyPr wrap="square" rtlCol="0">
+            <a:spAutoFit/>
+          </a:bodyPr>
+          <a:lstStyle/>
+          <a:p>
+            <a:r>
+              <a:rPr lang="en-US" dirty="0" smtClean="0"/>
+              <a:t>Discovery</a:t>
+            </a:r>
+            <a:endParaRPr lang="en-US" dirty="0"/>
+          </a:p>
+        </p:txBody>
+      </p:sp>
+      <p:cxnSp>
+        <p:nvCxnSpPr>
+          <p:cNvPr id="24" name="Connecteur droit avec flèche 23"/>
+          <p:cNvCxnSpPr/>
+          <p:nvPr/>
+        </p:nvCxnSpPr>
+        <p:spPr>
+          <a:xfrm flipV="1">
+            <a:off x="4487838" y="5539552"/>
+            <a:ext cx="1485372" cy="481030"/>
+          </a:xfrm>
+          <a:prstGeom prst="straightConnector1">
+            <a:avLst/>
+          </a:prstGeom>
+          <a:ln w="38100">
+            <a:tailEnd type="triangle"/>
+          </a:ln>
+        </p:spPr>
+        <p:style>
+          <a:lnRef idx="1">
+            <a:schemeClr val="accent1"/>
+          </a:lnRef>
+          <a:fillRef idx="0">
+            <a:schemeClr val="accent1"/>
+          </a:fillRef>
+          <a:effectRef idx="0">
+            <a:schemeClr val="accent1"/>
+          </a:effectRef>
+          <a:fontRef idx="minor">
+            <a:schemeClr val="tx1"/>
+          </a:fontRef>
+        </p:style>
+      </p:cxnSp>
+    </p:spTree>
+    <p:extLst>
+      <p:ext uri="{BB962C8B-B14F-4D97-AF65-F5344CB8AC3E}">
+        <p14:creationId xmlns:p14="http://schemas.microsoft.com/office/powerpoint/2010/main" val="639837738"/>
+      </p:ext>
+    </p:extLst>
+  </p:cSld>
+  <p:clrMapOvr>
+    <a:masterClrMapping/>
+  </p:clrMapOvr>
+  <mc:AlternateContent xmlns:mc="http://schemas.openxmlformats.org/markup-compatibility/2006">
+    <mc:Choice xmlns:p14="http://schemas.microsoft.com/office/powerpoint/2010/main" Requires="p14">
+      <p:transition p14:dur="10"/>
+    </mc:Choice>
+    <mc:Fallback>
+      <p:transition/>
+    </mc:Fallback>
+  </mc:AlternateContent>
+  <p:timing>
+    <p:tnLst>
+      <p:par>
+        <p:cTn id="1" dur="indefinite" restart="never" nodeType="tmRoot">
+          <p:childTnLst>
+            <p:seq concurrent="1" nextAc="seek">
+              <p:cTn id="2" dur="indefinite" nodeType="mainSeq">
+                <p:childTnLst>
+                  <p:par>
+                    <p:cTn id="3" fill="hold">
+                      <p:stCondLst>
+                        <p:cond delay="indefinite"/>
+                      </p:stCondLst>
+                      <p:childTnLst>
+                        <p:par>
+                          <p:cTn id="4" fill="hold">
+                            <p:stCondLst>
+                              <p:cond delay="0"/>
+                            </p:stCondLst>
+                            <p:childTnLst>
+                              <p:par>
+                                <p:cTn id="5" presetID="22" presetClass="entr" presetSubtype="4" fill="hold" grpId="0" nodeType="clickEffect">
+                                  <p:stCondLst>
+                                    <p:cond delay="0"/>
+                                  </p:stCondLst>
+                                  <p:childTnLst>
+                                    <p:set>
+                                      <p:cBhvr>
+                                        <p:cTn id="6" dur="1" fill="hold">
+                                          <p:stCondLst>
+                                            <p:cond delay="0"/>
+                                          </p:stCondLst>
+                                        </p:cTn>
+                                        <p:tgtEl>
+                                          <p:spTgt spid="6">
+                                            <p:txEl>
+                                              <p:pRg st="0" end="0"/>
+                                            </p:txEl>
+                                          </p:spTgt>
+                                        </p:tgtEl>
+                                        <p:attrNameLst>
+                                          <p:attrName>style.visibility</p:attrName>
+                                        </p:attrNameLst>
+                                      </p:cBhvr>
+                                      <p:to>
+                                        <p:strVal val="visible"/>
+                                      </p:to>
+                                    </p:set>
+                                    <p:animEffect transition="in" filter="wipe(down)">
+                                      <p:cBhvr>
+                                        <p:cTn id="7" dur="500"/>
+                                        <p:tgtEl>
+                                          <p:spTgt spid="6">
+                                            <p:txEl>
+                                              <p:pRg st="0" end="0"/>
+                                            </p:txEl>
+                                          </p:spTgt>
+                                        </p:tgtEl>
+                                      </p:cBhvr>
+                                    </p:animEffect>
+                                  </p:childTnLst>
+                                </p:cTn>
+                              </p:par>
+                              <p:par>
+                                <p:cTn id="8" presetID="22" presetClass="entr" presetSubtype="4" fill="hold" grpId="0" nodeType="withEffect">
+                                  <p:stCondLst>
+                                    <p:cond delay="0"/>
+                                  </p:stCondLst>
+                                  <p:childTnLst>
+                                    <p:set>
+                                      <p:cBhvr>
+                                        <p:cTn id="9" dur="1" fill="hold">
+                                          <p:stCondLst>
+                                            <p:cond delay="0"/>
+                                          </p:stCondLst>
+                                        </p:cTn>
+                                        <p:tgtEl>
+                                          <p:spTgt spid="6">
+                                            <p:txEl>
+                                              <p:pRg st="1" end="1"/>
+                                            </p:txEl>
+                                          </p:spTgt>
+                                        </p:tgtEl>
+                                        <p:attrNameLst>
+                                          <p:attrName>style.visibility</p:attrName>
+                                        </p:attrNameLst>
+                                      </p:cBhvr>
+                                      <p:to>
+                                        <p:strVal val="visible"/>
+                                      </p:to>
+                                    </p:set>
+                                    <p:animEffect transition="in" filter="wipe(down)">
+                                      <p:cBhvr>
+                                        <p:cTn id="10" dur="500"/>
+                                        <p:tgtEl>
+                                          <p:spTgt spid="6">
+                                            <p:txEl>
+                                              <p:pRg st="1" end="1"/>
+                                            </p:txEl>
+                                          </p:spTgt>
+                                        </p:tgtEl>
+                                      </p:cBhvr>
+                                    </p:animEffect>
+                                  </p:childTnLst>
+                                </p:cTn>
+                              </p:par>
+                              <p:par>
+                                <p:cTn id="11" presetID="22" presetClass="entr" presetSubtype="4" fill="hold" grpId="0" nodeType="withEffect">
+                                  <p:stCondLst>
+                                    <p:cond delay="0"/>
+                                  </p:stCondLst>
+                                  <p:childTnLst>
+                                    <p:set>
+                                      <p:cBhvr>
+                                        <p:cTn id="12" dur="1" fill="hold">
+                                          <p:stCondLst>
+                                            <p:cond delay="0"/>
+                                          </p:stCondLst>
+                                        </p:cTn>
+                                        <p:tgtEl>
+                                          <p:spTgt spid="6">
+                                            <p:txEl>
+                                              <p:pRg st="2" end="2"/>
+                                            </p:txEl>
+                                          </p:spTgt>
+                                        </p:tgtEl>
+                                        <p:attrNameLst>
+                                          <p:attrName>style.visibility</p:attrName>
+                                        </p:attrNameLst>
+                                      </p:cBhvr>
+                                      <p:to>
+                                        <p:strVal val="visible"/>
+                                      </p:to>
+                                    </p:set>
+                                    <p:animEffect transition="in" filter="wipe(down)">
+                                      <p:cBhvr>
+                                        <p:cTn id="13" dur="500"/>
+                                        <p:tgtEl>
+                                          <p:spTgt spid="6">
+                                            <p:txEl>
+                                              <p:pRg st="2" end="2"/>
+                                            </p:txEl>
+                                          </p:spTgt>
+                                        </p:tgtEl>
+                                      </p:cBhvr>
+                                    </p:animEffect>
+                                  </p:childTnLst>
+                                </p:cTn>
+                              </p:par>
+                            </p:childTnLst>
+                          </p:cTn>
+                        </p:par>
+                      </p:childTnLst>
+                    </p:cTn>
+                  </p:par>
+                  <p:par>
+                    <p:cTn id="14" fill="hold">
+                      <p:stCondLst>
+                        <p:cond delay="indefinite"/>
+                      </p:stCondLst>
+                      <p:childTnLst>
+                        <p:par>
+                          <p:cTn id="15" fill="hold">
+                            <p:stCondLst>
+                              <p:cond delay="0"/>
+                            </p:stCondLst>
+                            <p:childTnLst>
+                              <p:par>
+                                <p:cTn id="16" presetID="10" presetClass="entr" presetSubtype="0" fill="hold" nodeType="clickEffect">
+                                  <p:stCondLst>
+                                    <p:cond delay="0"/>
+                                  </p:stCondLst>
+                                  <p:childTnLst>
+                                    <p:set>
+                                      <p:cBhvr>
+                                        <p:cTn id="17" dur="1" fill="hold">
+                                          <p:stCondLst>
+                                            <p:cond delay="0"/>
+                                          </p:stCondLst>
+                                        </p:cTn>
+                                        <p:tgtEl>
+                                          <p:spTgt spid="9"/>
+                                        </p:tgtEl>
+                                        <p:attrNameLst>
+                                          <p:attrName>style.visibility</p:attrName>
+                                        </p:attrNameLst>
+                                      </p:cBhvr>
+                                      <p:to>
+                                        <p:strVal val="visible"/>
+                                      </p:to>
+                                    </p:set>
+                                    <p:animEffect transition="in" filter="fade">
+                                      <p:cBhvr>
+                                        <p:cTn id="18" dur="1000"/>
+                                        <p:tgtEl>
+                                          <p:spTgt spid="9"/>
+                                        </p:tgtEl>
+                                      </p:cBhvr>
+                                    </p:animEffect>
+                                  </p:childTnLst>
+                                </p:cTn>
+                              </p:par>
+                              <p:par>
+                                <p:cTn id="19" presetID="10" presetClass="entr" presetSubtype="0" fill="hold" nodeType="withEffect">
+                                  <p:stCondLst>
+                                    <p:cond delay="0"/>
+                                  </p:stCondLst>
+                                  <p:childTnLst>
+                                    <p:set>
+                                      <p:cBhvr>
+                                        <p:cTn id="20" dur="1" fill="hold">
+                                          <p:stCondLst>
+                                            <p:cond delay="0"/>
+                                          </p:stCondLst>
+                                        </p:cTn>
+                                        <p:tgtEl>
+                                          <p:spTgt spid="10"/>
+                                        </p:tgtEl>
+                                        <p:attrNameLst>
+                                          <p:attrName>style.visibility</p:attrName>
+                                        </p:attrNameLst>
+                                      </p:cBhvr>
+                                      <p:to>
+                                        <p:strVal val="visible"/>
+                                      </p:to>
+                                    </p:set>
+                                    <p:animEffect transition="in" filter="fade">
+                                      <p:cBhvr>
+                                        <p:cTn id="21" dur="500"/>
+                                        <p:tgtEl>
+                                          <p:spTgt spid="10"/>
+                                        </p:tgtEl>
+                                      </p:cBhvr>
+                                    </p:animEffect>
+                                  </p:childTnLst>
+                                </p:cTn>
+                              </p:par>
+                              <p:par>
+                                <p:cTn id="22" presetID="16" presetClass="entr" presetSubtype="21" fill="hold" nodeType="withEffect">
+                                  <p:stCondLst>
+                                    <p:cond delay="1000"/>
+                                  </p:stCondLst>
+                                  <p:childTnLst>
+                                    <p:set>
+                                      <p:cBhvr>
+                                        <p:cTn id="23" dur="1" fill="hold">
+                                          <p:stCondLst>
+                                            <p:cond delay="0"/>
+                                          </p:stCondLst>
+                                        </p:cTn>
+                                        <p:tgtEl>
+                                          <p:spTgt spid="11"/>
+                                        </p:tgtEl>
+                                        <p:attrNameLst>
+                                          <p:attrName>style.visibility</p:attrName>
+                                        </p:attrNameLst>
+                                      </p:cBhvr>
+                                      <p:to>
+                                        <p:strVal val="visible"/>
+                                      </p:to>
+                                    </p:set>
+                                    <p:animEffect transition="in" filter="barn(inVertical)">
+                                      <p:cBhvr>
+                                        <p:cTn id="24" dur="500"/>
+                                        <p:tgtEl>
+                                          <p:spTgt spid="11"/>
+                                        </p:tgtEl>
+                                      </p:cBhvr>
+                                    </p:animEffect>
+                                  </p:childTnLst>
+                                </p:cTn>
+                              </p:par>
+                              <p:par>
+                                <p:cTn id="25" presetID="16" presetClass="entr" presetSubtype="21" fill="hold" nodeType="withEffect">
+                                  <p:stCondLst>
+                                    <p:cond delay="1000"/>
+                                  </p:stCondLst>
+                                  <p:childTnLst>
+                                    <p:set>
+                                      <p:cBhvr>
+                                        <p:cTn id="26" dur="1" fill="hold">
+                                          <p:stCondLst>
+                                            <p:cond delay="0"/>
+                                          </p:stCondLst>
+                                        </p:cTn>
+                                        <p:tgtEl>
+                                          <p:spTgt spid="15"/>
+                                        </p:tgtEl>
+                                        <p:attrNameLst>
+                                          <p:attrName>style.visibility</p:attrName>
+                                        </p:attrNameLst>
+                                      </p:cBhvr>
+                                      <p:to>
+                                        <p:strVal val="visible"/>
+                                      </p:to>
+                                    </p:set>
+                                    <p:animEffect transition="in" filter="barn(inVertical)">
+                                      <p:cBhvr>
+                                        <p:cTn id="27" dur="500"/>
+                                        <p:tgtEl>
+                                          <p:spTgt spid="15"/>
+                                        </p:tgtEl>
+                                      </p:cBhvr>
+                                    </p:animEffect>
+                                  </p:childTnLst>
+                                </p:cTn>
+                              </p:par>
+                              <p:par>
+                                <p:cTn id="28" presetID="16" presetClass="entr" presetSubtype="21" fill="hold" nodeType="withEffect">
+                                  <p:stCondLst>
+                                    <p:cond delay="1000"/>
+                                  </p:stCondLst>
+                                  <p:childTnLst>
+                                    <p:set>
+                                      <p:cBhvr>
+                                        <p:cTn id="29" dur="1" fill="hold">
+                                          <p:stCondLst>
+                                            <p:cond delay="0"/>
+                                          </p:stCondLst>
+                                        </p:cTn>
+                                        <p:tgtEl>
+                                          <p:spTgt spid="17"/>
+                                        </p:tgtEl>
+                                        <p:attrNameLst>
+                                          <p:attrName>style.visibility</p:attrName>
+                                        </p:attrNameLst>
+                                      </p:cBhvr>
+                                      <p:to>
+                                        <p:strVal val="visible"/>
+                                      </p:to>
+                                    </p:set>
+                                    <p:animEffect transition="in" filter="barn(inVertical)">
+                                      <p:cBhvr>
+                                        <p:cTn id="30" dur="500"/>
+                                        <p:tgtEl>
+                                          <p:spTgt spid="17"/>
+                                        </p:tgtEl>
+                                      </p:cBhvr>
+                                    </p:animEffect>
+                                  </p:childTnLst>
+                                </p:cTn>
+                              </p:par>
+                            </p:childTnLst>
+                          </p:cTn>
+                        </p:par>
+                      </p:childTnLst>
+                    </p:cTn>
+                  </p:par>
+                  <p:par>
+                    <p:cTn id="31" fill="hold">
+                      <p:stCondLst>
+                        <p:cond delay="indefinite"/>
+                      </p:stCondLst>
+                      <p:childTnLst>
+                        <p:par>
+                          <p:cTn id="32" fill="hold">
+                            <p:stCondLst>
+                              <p:cond delay="0"/>
+                            </p:stCondLst>
+                            <p:childTnLst>
+                              <p:par>
+                                <p:cTn id="33" presetID="10" presetClass="entr" presetSubtype="0" fill="hold" nodeType="clickEffect">
+                                  <p:stCondLst>
+                                    <p:cond delay="0"/>
+                                  </p:stCondLst>
+                                  <p:childTnLst>
+                                    <p:set>
+                                      <p:cBhvr>
+                                        <p:cTn id="34" dur="1" fill="hold">
+                                          <p:stCondLst>
+                                            <p:cond delay="0"/>
+                                          </p:stCondLst>
+                                        </p:cTn>
+                                        <p:tgtEl>
+                                          <p:spTgt spid="22"/>
+                                        </p:tgtEl>
+                                        <p:attrNameLst>
+                                          <p:attrName>style.visibility</p:attrName>
+                                        </p:attrNameLst>
+                                      </p:cBhvr>
+                                      <p:to>
+                                        <p:strVal val="visible"/>
+                                      </p:to>
+                                    </p:set>
+                                    <p:animEffect transition="in" filter="fade">
+                                      <p:cBhvr>
+                                        <p:cTn id="35" dur="1000"/>
+                                        <p:tgtEl>
+                                          <p:spTgt spid="22"/>
+                                        </p:tgtEl>
+                                      </p:cBhvr>
+                                    </p:animEffect>
+                                  </p:childTnLst>
+                                </p:cTn>
+                              </p:par>
+                              <p:par>
+                                <p:cTn id="36" presetID="10" presetClass="entr" presetSubtype="0" fill="hold" grpId="0" nodeType="withEffect">
+                                  <p:stCondLst>
+                                    <p:cond delay="0"/>
+                                  </p:stCondLst>
+                                  <p:childTnLst>
+                                    <p:set>
+                                      <p:cBhvr>
+                                        <p:cTn id="37" dur="1" fill="hold">
+                                          <p:stCondLst>
+                                            <p:cond delay="0"/>
+                                          </p:stCondLst>
+                                        </p:cTn>
+                                        <p:tgtEl>
+                                          <p:spTgt spid="23"/>
+                                        </p:tgtEl>
+                                        <p:attrNameLst>
+                                          <p:attrName>style.visibility</p:attrName>
+                                        </p:attrNameLst>
+                                      </p:cBhvr>
+                                      <p:to>
+                                        <p:strVal val="visible"/>
+                                      </p:to>
+                                    </p:set>
+                                    <p:animEffect transition="in" filter="fade">
+                                      <p:cBhvr>
+                                        <p:cTn id="38" dur="500"/>
+                                        <p:tgtEl>
+                                          <p:spTgt spid="23"/>
+                                        </p:tgtEl>
+                                      </p:cBhvr>
+                                    </p:animEffect>
+                                  </p:childTnLst>
+                                </p:cTn>
+                              </p:par>
+                              <p:par>
+                                <p:cTn id="39" presetID="22" presetClass="entr" presetSubtype="4" fill="hold" nodeType="withEffect">
+                                  <p:stCondLst>
+                                    <p:cond delay="1250"/>
+                                  </p:stCondLst>
+                                  <p:childTnLst>
+                                    <p:set>
+                                      <p:cBhvr>
+                                        <p:cTn id="40" dur="1" fill="hold">
+                                          <p:stCondLst>
+                                            <p:cond delay="0"/>
+                                          </p:stCondLst>
+                                        </p:cTn>
+                                        <p:tgtEl>
+                                          <p:spTgt spid="21"/>
+                                        </p:tgtEl>
+                                        <p:attrNameLst>
+                                          <p:attrName>style.visibility</p:attrName>
+                                        </p:attrNameLst>
+                                      </p:cBhvr>
+                                      <p:to>
+                                        <p:strVal val="visible"/>
+                                      </p:to>
+                                    </p:set>
+                                    <p:animEffect transition="in" filter="wipe(down)">
+                                      <p:cBhvr>
+                                        <p:cTn id="41" dur="500"/>
+                                        <p:tgtEl>
+                                          <p:spTgt spid="21"/>
+                                        </p:tgtEl>
+                                      </p:cBhvr>
+                                    </p:animEffect>
+                                  </p:childTnLst>
+                                </p:cTn>
+                              </p:par>
+                              <p:par>
+                                <p:cTn id="42" presetID="16" presetClass="exit" presetSubtype="21" fill="hold" nodeType="withEffect">
+                                  <p:stCondLst>
+                                    <p:cond delay="2250"/>
+                                  </p:stCondLst>
+                                  <p:childTnLst>
+                                    <p:animEffect transition="out" filter="barn(inVertical)">
+                                      <p:cBhvr>
+                                        <p:cTn id="43" dur="500"/>
+                                        <p:tgtEl>
+                                          <p:spTgt spid="22"/>
+                                        </p:tgtEl>
+                                      </p:cBhvr>
+                                    </p:animEffect>
+                                    <p:set>
+                                      <p:cBhvr>
+                                        <p:cTn id="44" dur="1" fill="hold">
+                                          <p:stCondLst>
+                                            <p:cond delay="499"/>
+                                          </p:stCondLst>
+                                        </p:cTn>
+                                        <p:tgtEl>
+                                          <p:spTgt spid="22"/>
+                                        </p:tgtEl>
+                                        <p:attrNameLst>
+                                          <p:attrName>style.visibility</p:attrName>
+                                        </p:attrNameLst>
+                                      </p:cBhvr>
+                                      <p:to>
+                                        <p:strVal val="hidden"/>
+                                      </p:to>
+                                    </p:set>
+                                  </p:childTnLst>
+                                </p:cTn>
+                              </p:par>
+                              <p:par>
+                                <p:cTn id="45" presetID="14" presetClass="exit" presetSubtype="10" fill="hold" grpId="1" nodeType="withEffect">
+                                  <p:stCondLst>
+                                    <p:cond delay="2250"/>
+                                  </p:stCondLst>
+                                  <p:childTnLst>
+                                    <p:animEffect transition="out" filter="randombar(horizontal)">
+                                      <p:cBhvr>
+                                        <p:cTn id="46" dur="500"/>
+                                        <p:tgtEl>
+                                          <p:spTgt spid="23"/>
+                                        </p:tgtEl>
+                                      </p:cBhvr>
+                                    </p:animEffect>
+                                    <p:set>
+                                      <p:cBhvr>
+                                        <p:cTn id="47" dur="1" fill="hold">
+                                          <p:stCondLst>
+                                            <p:cond delay="499"/>
+                                          </p:stCondLst>
+                                        </p:cTn>
+                                        <p:tgtEl>
+                                          <p:spTgt spid="23"/>
+                                        </p:tgtEl>
+                                        <p:attrNameLst>
+                                          <p:attrName>style.visibility</p:attrName>
+                                        </p:attrNameLst>
+                                      </p:cBhvr>
+                                      <p:to>
+                                        <p:strVal val="hidden"/>
+                                      </p:to>
+                                    </p:set>
+                                  </p:childTnLst>
+                                </p:cTn>
+                              </p:par>
+                              <p:par>
+                                <p:cTn id="48" presetID="16" presetClass="entr" presetSubtype="21" fill="hold" nodeType="withEffect">
+                                  <p:stCondLst>
+                                    <p:cond delay="2250"/>
+                                  </p:stCondLst>
+                                  <p:childTnLst>
+                                    <p:set>
+                                      <p:cBhvr>
+                                        <p:cTn id="49" dur="1" fill="hold">
+                                          <p:stCondLst>
+                                            <p:cond delay="0"/>
+                                          </p:stCondLst>
+                                        </p:cTn>
+                                        <p:tgtEl>
+                                          <p:spTgt spid="24"/>
+                                        </p:tgtEl>
+                                        <p:attrNameLst>
+                                          <p:attrName>style.visibility</p:attrName>
+                                        </p:attrNameLst>
+                                      </p:cBhvr>
+                                      <p:to>
+                                        <p:strVal val="visible"/>
+                                      </p:to>
+                                    </p:set>
+                                    <p:animEffect transition="in" filter="barn(inVertical)">
+                                      <p:cBhvr>
+                                        <p:cTn id="50" dur="500"/>
+                                        <p:tgtEl>
+                                          <p:spTgt spid="24"/>
+                                        </p:tgtEl>
+                                      </p:cBhvr>
+                                    </p:animEffect>
+                                  </p:childTnLst>
+                                </p:cTn>
+                              </p:par>
+                            </p:childTnLst>
+                          </p:cTn>
+                        </p:par>
+                      </p:childTnLst>
+                    </p:cTn>
+                  </p:par>
+                </p:childTnLst>
+              </p:cTn>
+              <p:prevCondLst>
+                <p:cond evt="onPrev" delay="0">
+                  <p:tgtEl>
+                    <p:sldTgt/>
+                  </p:tgtEl>
+                </p:cond>
+              </p:prevCondLst>
+              <p:nextCondLst>
+                <p:cond evt="onNext" delay="0">
+                  <p:tgtEl>
+                    <p:sldTgt/>
+                  </p:tgtEl>
+                </p:cond>
+              </p:nextCondLst>
+            </p:seq>
+          </p:childTnLst>
+        </p:cTn>
+      </p:par>
+    </p:tnLst>
+    <p:bldLst>
+      <p:bldP spid="6" grpId="0" build="p"/>
+      <p:bldP spid="23" grpId="0"/>
+      <p:bldP spid="23" grpId="1"/>
+    </p:bldLst>
   </p:timing>
 </p:sld>
 </file>

--- a/Presentation.pptx
+++ b/Presentation.pptx
@@ -5,7 +5,7 @@
     <p:sldMasterId id="2147484278" r:id="rId1"/>
   </p:sldMasterIdLst>
   <p:notesMasterIdLst>
-    <p:notesMasterId r:id="rId16"/>
+    <p:notesMasterId r:id="rId17"/>
   </p:notesMasterIdLst>
   <p:sldIdLst>
     <p:sldId id="262" r:id="rId2"/>
@@ -22,6 +22,7 @@
     <p:sldId id="261" r:id="rId13"/>
     <p:sldId id="270" r:id="rId14"/>
     <p:sldId id="271" r:id="rId15"/>
+    <p:sldId id="272" r:id="rId16"/>
   </p:sldIdLst>
   <p:sldSz cx="12192000" cy="6858000"/>
   <p:notesSz cx="6858000" cy="9144000"/>
@@ -3255,7 +3256,7 @@
           <a:p>
             <a:fld id="{30972B6B-B5CF-41E4-B246-750F6E702F96}" type="slidenum">
               <a:rPr lang="fr-FR" smtClean="0"/>
-              <a:t>‹N°›</a:t>
+              <a:t>‹#›</a:t>
             </a:fld>
             <a:endParaRPr lang="fr-FR"/>
           </a:p>
@@ -4154,7 +4155,7 @@
           <a:p>
             <a:fld id="{7F2870A4-FAE2-438A-8102-A1D6C3BFD565}" type="slidenum">
               <a:rPr lang="en-US" smtClean="0"/>
-              <a:t>‹N°›</a:t>
+              <a:t>‹#›</a:t>
             </a:fld>
             <a:endParaRPr lang="en-US"/>
           </a:p>
@@ -4325,7 +4326,7 @@
           <a:p>
             <a:fld id="{7F2870A4-FAE2-438A-8102-A1D6C3BFD565}" type="slidenum">
               <a:rPr lang="en-US" smtClean="0"/>
-              <a:t>‹N°›</a:t>
+              <a:t>‹#›</a:t>
             </a:fld>
             <a:endParaRPr lang="en-US"/>
           </a:p>
@@ -4506,7 +4507,7 @@
           <a:p>
             <a:fld id="{7F2870A4-FAE2-438A-8102-A1D6C3BFD565}" type="slidenum">
               <a:rPr lang="en-US" smtClean="0"/>
-              <a:t>‹N°›</a:t>
+              <a:t>‹#›</a:t>
             </a:fld>
             <a:endParaRPr lang="en-US"/>
           </a:p>
@@ -4677,7 +4678,7 @@
           <a:p>
             <a:fld id="{7F2870A4-FAE2-438A-8102-A1D6C3BFD565}" type="slidenum">
               <a:rPr lang="en-US" smtClean="0"/>
-              <a:t>‹N°›</a:t>
+              <a:t>‹#›</a:t>
             </a:fld>
             <a:endParaRPr lang="en-US"/>
           </a:p>
@@ -5089,7 +5090,7 @@
           <a:p>
             <a:fld id="{7F2870A4-FAE2-438A-8102-A1D6C3BFD565}" type="slidenum">
               <a:rPr lang="en-US" smtClean="0"/>
-              <a:t>‹N°›</a:t>
+              <a:t>‹#›</a:t>
             </a:fld>
             <a:endParaRPr lang="en-US"/>
           </a:p>
@@ -5378,7 +5379,7 @@
           <a:p>
             <a:fld id="{7F2870A4-FAE2-438A-8102-A1D6C3BFD565}" type="slidenum">
               <a:rPr lang="en-US" smtClean="0"/>
-              <a:t>‹N°›</a:t>
+              <a:t>‹#›</a:t>
             </a:fld>
             <a:endParaRPr lang="en-US"/>
           </a:p>
@@ -5813,7 +5814,7 @@
           <a:p>
             <a:fld id="{7F2870A4-FAE2-438A-8102-A1D6C3BFD565}" type="slidenum">
               <a:rPr lang="en-US" smtClean="0"/>
-              <a:t>‹N°›</a:t>
+              <a:t>‹#›</a:t>
             </a:fld>
             <a:endParaRPr lang="en-US"/>
           </a:p>
@@ -5932,7 +5933,7 @@
           <a:p>
             <a:fld id="{7F2870A4-FAE2-438A-8102-A1D6C3BFD565}" type="slidenum">
               <a:rPr lang="en-US" smtClean="0"/>
-              <a:t>‹N°›</a:t>
+              <a:t>‹#›</a:t>
             </a:fld>
             <a:endParaRPr lang="en-US"/>
           </a:p>
@@ -6028,7 +6029,7 @@
           <a:p>
             <a:fld id="{7F2870A4-FAE2-438A-8102-A1D6C3BFD565}" type="slidenum">
               <a:rPr lang="en-US" smtClean="0"/>
-              <a:t>‹N°›</a:t>
+              <a:t>‹#›</a:t>
             </a:fld>
             <a:endParaRPr lang="en-US"/>
           </a:p>
@@ -6468,7 +6469,7 @@
           <a:p>
             <a:fld id="{7F2870A4-FAE2-438A-8102-A1D6C3BFD565}" type="slidenum">
               <a:rPr lang="en-US" smtClean="0"/>
-              <a:t>‹N°›</a:t>
+              <a:t>‹#›</a:t>
             </a:fld>
             <a:endParaRPr lang="en-US"/>
           </a:p>
@@ -6875,7 +6876,7 @@
           <a:p>
             <a:fld id="{7F2870A4-FAE2-438A-8102-A1D6C3BFD565}" type="slidenum">
               <a:rPr lang="en-US" smtClean="0"/>
-              <a:t>‹N°›</a:t>
+              <a:t>‹#›</a:t>
             </a:fld>
             <a:endParaRPr lang="en-US"/>
           </a:p>
@@ -7214,7 +7215,7 @@
           <a:p>
             <a:fld id="{7F2870A4-FAE2-438A-8102-A1D6C3BFD565}" type="slidenum">
               <a:rPr lang="en-US" smtClean="0"/>
-              <a:t>‹N°›</a:t>
+              <a:t>‹#›</a:t>
             </a:fld>
             <a:endParaRPr lang="en-US"/>
           </a:p>
@@ -10953,11 +10954,11 @@
   <p:clrMapOvr>
     <a:masterClrMapping/>
   </p:clrMapOvr>
-  <mc:AlternateContent xmlns:mc="http://schemas.openxmlformats.org/markup-compatibility/2006">
-    <mc:Choice xmlns:p14="http://schemas.microsoft.com/office/powerpoint/2010/main" Requires="p14">
+  <mc:AlternateContent xmlns:mc="http://schemas.openxmlformats.org/markup-compatibility/2006" xmlns:p14="http://schemas.microsoft.com/office/powerpoint/2010/main">
+    <mc:Choice Requires="p14">
       <p:transition p14:dur="10"/>
     </mc:Choice>
-    <mc:Fallback>
+    <mc:Fallback xmlns="">
       <p:transition/>
     </mc:Fallback>
   </mc:AlternateContent>
@@ -11564,6 +11565,65 @@
       <p:bldP spid="23" grpId="1"/>
     </p:bldLst>
   </p:timing>
+</p:sld>
+</file>
+
+<file path=ppt/slides/slide15.xml><?xml version="1.0" encoding="utf-8"?>
+<p:sld xmlns:a="http://schemas.openxmlformats.org/drawingml/2006/main" xmlns:r="http://schemas.openxmlformats.org/officeDocument/2006/relationships" xmlns:p="http://schemas.openxmlformats.org/presentationml/2006/main">
+  <p:cSld>
+    <p:spTree>
+      <p:nvGrpSpPr>
+        <p:cNvPr id="1" name=""/>
+        <p:cNvGrpSpPr/>
+        <p:nvPr/>
+      </p:nvGrpSpPr>
+      <p:grpSpPr>
+        <a:xfrm>
+          <a:off x="0" y="0"/>
+          <a:ext cx="0" cy="0"/>
+          <a:chOff x="0" y="0"/>
+          <a:chExt cx="0" cy="0"/>
+        </a:xfrm>
+      </p:grpSpPr>
+      <p:sp>
+        <p:nvSpPr>
+          <p:cNvPr id="2" name="Title 1"/>
+          <p:cNvSpPr>
+            <a:spLocks noGrp="1"/>
+          </p:cNvSpPr>
+          <p:nvPr>
+            <p:ph type="title"/>
+          </p:nvPr>
+        </p:nvSpPr>
+        <p:spPr>
+          <a:xfrm>
+            <a:off x="1069848" y="2640982"/>
+            <a:ext cx="10058400" cy="1609344"/>
+          </a:xfrm>
+        </p:spPr>
+        <p:txBody>
+          <a:bodyPr/>
+          <a:lstStyle/>
+          <a:p>
+            <a:pPr algn="ctr"/>
+            <a:r>
+              <a:rPr lang="fr-FR" dirty="0" smtClean="0"/>
+              <a:t>Merci Pour votre Attention</a:t>
+            </a:r>
+            <a:endParaRPr lang="fr-FR" dirty="0"/>
+          </a:p>
+        </p:txBody>
+      </p:sp>
+    </p:spTree>
+    <p:extLst>
+      <p:ext uri="{BB962C8B-B14F-4D97-AF65-F5344CB8AC3E}">
+        <p14:creationId xmlns:p14="http://schemas.microsoft.com/office/powerpoint/2010/main" val="632466490"/>
+      </p:ext>
+    </p:extLst>
+  </p:cSld>
+  <p:clrMapOvr>
+    <a:masterClrMapping/>
+  </p:clrMapOvr>
 </p:sld>
 </file>
 

--- a/Presentation.pptx
+++ b/Presentation.pptx
@@ -1669,6 +1669,1016 @@
       <dsp:cNvGrpSpPr/>
     </dsp:nvGrpSpPr>
     <dsp:grpSpPr/>
+    <dsp:sp modelId="{EF7F1ECA-985D-4EC5-B9D1-F6A14AA402A5}">
+      <dsp:nvSpPr>
+        <dsp:cNvPr id="0" name=""/>
+        <dsp:cNvSpPr/>
+      </dsp:nvSpPr>
+      <dsp:spPr>
+        <a:xfrm>
+          <a:off x="0" y="4597393"/>
+          <a:ext cx="8632952" cy="0"/>
+        </a:xfrm>
+        <a:prstGeom prst="line">
+          <a:avLst/>
+        </a:prstGeom>
+        <a:noFill/>
+        <a:ln w="12700" cap="flat" cmpd="sng" algn="ctr">
+          <a:solidFill>
+            <a:schemeClr val="accent5">
+              <a:shade val="60000"/>
+              <a:hueOff val="0"/>
+              <a:satOff val="0"/>
+              <a:lumOff val="0"/>
+              <a:alphaOff val="0"/>
+            </a:schemeClr>
+          </a:solidFill>
+          <a:prstDash val="solid"/>
+        </a:ln>
+        <a:effectLst/>
+      </dsp:spPr>
+      <dsp:style>
+        <a:lnRef idx="2">
+          <a:scrgbClr r="0" g="0" b="0"/>
+        </a:lnRef>
+        <a:fillRef idx="0">
+          <a:scrgbClr r="0" g="0" b="0"/>
+        </a:fillRef>
+        <a:effectRef idx="0">
+          <a:scrgbClr r="0" g="0" b="0"/>
+        </a:effectRef>
+        <a:fontRef idx="minor"/>
+      </dsp:style>
+    </dsp:sp>
+    <dsp:sp modelId="{77B45754-8874-41AF-95EA-482D541C508F}">
+      <dsp:nvSpPr>
+        <dsp:cNvPr id="0" name=""/>
+        <dsp:cNvSpPr/>
+      </dsp:nvSpPr>
+      <dsp:spPr>
+        <a:xfrm>
+          <a:off x="0" y="3669724"/>
+          <a:ext cx="8632952" cy="0"/>
+        </a:xfrm>
+        <a:prstGeom prst="line">
+          <a:avLst/>
+        </a:prstGeom>
+        <a:noFill/>
+        <a:ln w="12700" cap="flat" cmpd="sng" algn="ctr">
+          <a:solidFill>
+            <a:schemeClr val="accent5">
+              <a:shade val="60000"/>
+              <a:hueOff val="0"/>
+              <a:satOff val="0"/>
+              <a:lumOff val="0"/>
+              <a:alphaOff val="0"/>
+            </a:schemeClr>
+          </a:solidFill>
+          <a:prstDash val="solid"/>
+        </a:ln>
+        <a:effectLst/>
+      </dsp:spPr>
+      <dsp:style>
+        <a:lnRef idx="2">
+          <a:scrgbClr r="0" g="0" b="0"/>
+        </a:lnRef>
+        <a:fillRef idx="0">
+          <a:scrgbClr r="0" g="0" b="0"/>
+        </a:fillRef>
+        <a:effectRef idx="0">
+          <a:scrgbClr r="0" g="0" b="0"/>
+        </a:effectRef>
+        <a:fontRef idx="minor"/>
+      </dsp:style>
+    </dsp:sp>
+    <dsp:sp modelId="{CC43912D-9516-461E-B0EB-D8D952BC4BAD}">
+      <dsp:nvSpPr>
+        <dsp:cNvPr id="0" name=""/>
+        <dsp:cNvSpPr/>
+      </dsp:nvSpPr>
+      <dsp:spPr>
+        <a:xfrm>
+          <a:off x="0" y="2742055"/>
+          <a:ext cx="8632952" cy="0"/>
+        </a:xfrm>
+        <a:prstGeom prst="line">
+          <a:avLst/>
+        </a:prstGeom>
+        <a:noFill/>
+        <a:ln w="12700" cap="flat" cmpd="sng" algn="ctr">
+          <a:solidFill>
+            <a:schemeClr val="accent5">
+              <a:shade val="60000"/>
+              <a:hueOff val="0"/>
+              <a:satOff val="0"/>
+              <a:lumOff val="0"/>
+              <a:alphaOff val="0"/>
+            </a:schemeClr>
+          </a:solidFill>
+          <a:prstDash val="solid"/>
+        </a:ln>
+        <a:effectLst/>
+      </dsp:spPr>
+      <dsp:style>
+        <a:lnRef idx="2">
+          <a:scrgbClr r="0" g="0" b="0"/>
+        </a:lnRef>
+        <a:fillRef idx="0">
+          <a:scrgbClr r="0" g="0" b="0"/>
+        </a:fillRef>
+        <a:effectRef idx="0">
+          <a:scrgbClr r="0" g="0" b="0"/>
+        </a:effectRef>
+        <a:fontRef idx="minor"/>
+      </dsp:style>
+    </dsp:sp>
+    <dsp:sp modelId="{F80C4CA6-4A5E-4CCF-9849-E3CD7F3B7C14}">
+      <dsp:nvSpPr>
+        <dsp:cNvPr id="0" name=""/>
+        <dsp:cNvSpPr/>
+      </dsp:nvSpPr>
+      <dsp:spPr>
+        <a:xfrm>
+          <a:off x="0" y="1814387"/>
+          <a:ext cx="8632952" cy="0"/>
+        </a:xfrm>
+        <a:prstGeom prst="line">
+          <a:avLst/>
+        </a:prstGeom>
+        <a:noFill/>
+        <a:ln w="12700" cap="flat" cmpd="sng" algn="ctr">
+          <a:solidFill>
+            <a:schemeClr val="accent5">
+              <a:shade val="60000"/>
+              <a:hueOff val="0"/>
+              <a:satOff val="0"/>
+              <a:lumOff val="0"/>
+              <a:alphaOff val="0"/>
+            </a:schemeClr>
+          </a:solidFill>
+          <a:prstDash val="solid"/>
+        </a:ln>
+        <a:effectLst/>
+      </dsp:spPr>
+      <dsp:style>
+        <a:lnRef idx="2">
+          <a:scrgbClr r="0" g="0" b="0"/>
+        </a:lnRef>
+        <a:fillRef idx="0">
+          <a:scrgbClr r="0" g="0" b="0"/>
+        </a:fillRef>
+        <a:effectRef idx="0">
+          <a:scrgbClr r="0" g="0" b="0"/>
+        </a:effectRef>
+        <a:fontRef idx="minor"/>
+      </dsp:style>
+    </dsp:sp>
+    <dsp:sp modelId="{344F13B8-709D-4B27-8DCA-0D730D683300}">
+      <dsp:nvSpPr>
+        <dsp:cNvPr id="0" name=""/>
+        <dsp:cNvSpPr/>
+      </dsp:nvSpPr>
+      <dsp:spPr>
+        <a:xfrm>
+          <a:off x="0" y="886718"/>
+          <a:ext cx="8632952" cy="0"/>
+        </a:xfrm>
+        <a:prstGeom prst="line">
+          <a:avLst/>
+        </a:prstGeom>
+        <a:noFill/>
+        <a:ln w="12700" cap="flat" cmpd="sng" algn="ctr">
+          <a:solidFill>
+            <a:schemeClr val="accent5">
+              <a:shade val="60000"/>
+              <a:hueOff val="0"/>
+              <a:satOff val="0"/>
+              <a:lumOff val="0"/>
+              <a:alphaOff val="0"/>
+            </a:schemeClr>
+          </a:solidFill>
+          <a:prstDash val="solid"/>
+        </a:ln>
+        <a:effectLst/>
+      </dsp:spPr>
+      <dsp:style>
+        <a:lnRef idx="2">
+          <a:scrgbClr r="0" g="0" b="0"/>
+        </a:lnRef>
+        <a:fillRef idx="0">
+          <a:scrgbClr r="0" g="0" b="0"/>
+        </a:fillRef>
+        <a:effectRef idx="0">
+          <a:scrgbClr r="0" g="0" b="0"/>
+        </a:effectRef>
+        <a:fontRef idx="minor"/>
+      </dsp:style>
+    </dsp:sp>
+    <dsp:sp modelId="{5C623B8B-C2B6-444B-B734-40187E00ABAB}">
+      <dsp:nvSpPr>
+        <dsp:cNvPr id="0" name=""/>
+        <dsp:cNvSpPr/>
+      </dsp:nvSpPr>
+      <dsp:spPr>
+        <a:xfrm>
+          <a:off x="2244567" y="3224"/>
+          <a:ext cx="6388384" cy="883493"/>
+        </a:xfrm>
+        <a:prstGeom prst="rect">
+          <a:avLst/>
+        </a:prstGeom>
+        <a:noFill/>
+        <a:ln>
+          <a:noFill/>
+        </a:ln>
+        <a:effectLst/>
+      </dsp:spPr>
+      <dsp:style>
+        <a:lnRef idx="0">
+          <a:scrgbClr r="0" g="0" b="0"/>
+        </a:lnRef>
+        <a:fillRef idx="0">
+          <a:scrgbClr r="0" g="0" b="0"/>
+        </a:fillRef>
+        <a:effectRef idx="0">
+          <a:scrgbClr r="0" g="0" b="0"/>
+        </a:effectRef>
+        <a:fontRef idx="minor"/>
+      </dsp:style>
+      <dsp:txBody>
+        <a:bodyPr spcFirstLastPara="0" vert="horz" wrap="square" lIns="81915" tIns="81915" rIns="81915" bIns="81915" numCol="1" spcCol="1270" anchor="b" anchorCtr="0">
+          <a:noAutofit/>
+        </a:bodyPr>
+        <a:lstStyle/>
+        <a:p>
+          <a:pPr lvl="0" algn="l" defTabSz="1911350">
+            <a:lnSpc>
+              <a:spcPct val="90000"/>
+            </a:lnSpc>
+            <a:spcBef>
+              <a:spcPct val="0"/>
+            </a:spcBef>
+            <a:spcAft>
+              <a:spcPct val="35000"/>
+            </a:spcAft>
+          </a:pPr>
+          <a:r>
+            <a:rPr lang="fr-FR" sz="4300" kern="1200" dirty="0" smtClean="0"/>
+            <a:t>Introduction</a:t>
+          </a:r>
+          <a:endParaRPr lang="fr-FR" sz="4300" kern="1200" dirty="0"/>
+        </a:p>
+      </dsp:txBody>
+      <dsp:txXfrm>
+        <a:off x="2244567" y="3224"/>
+        <a:ext cx="6388384" cy="883493"/>
+      </dsp:txXfrm>
+    </dsp:sp>
+    <dsp:sp modelId="{DDBF096C-95C5-4FE0-9BF1-2BB7FCC931BF}">
+      <dsp:nvSpPr>
+        <dsp:cNvPr id="0" name=""/>
+        <dsp:cNvSpPr/>
+      </dsp:nvSpPr>
+      <dsp:spPr>
+        <a:xfrm>
+          <a:off x="0" y="3224"/>
+          <a:ext cx="2244567" cy="883493"/>
+        </a:xfrm>
+        <a:prstGeom prst="round2SameRect">
+          <a:avLst>
+            <a:gd name="adj1" fmla="val 16670"/>
+            <a:gd name="adj2" fmla="val 0"/>
+          </a:avLst>
+        </a:prstGeom>
+        <a:blipFill rotWithShape="0">
+          <a:blip xmlns:r="http://schemas.openxmlformats.org/officeDocument/2006/relationships" r:embed="rId1">
+            <a:duotone>
+              <a:schemeClr val="accent5">
+                <a:hueOff val="0"/>
+                <a:satOff val="0"/>
+                <a:lumOff val="0"/>
+                <a:alphaOff val="0"/>
+                <a:shade val="36000"/>
+                <a:satMod val="120000"/>
+              </a:schemeClr>
+              <a:schemeClr val="accent5">
+                <a:hueOff val="0"/>
+                <a:satOff val="0"/>
+                <a:lumOff val="0"/>
+                <a:alphaOff val="0"/>
+                <a:tint val="40000"/>
+              </a:schemeClr>
+            </a:duotone>
+          </a:blip>
+          <a:tile tx="0" ty="0" sx="60000" sy="59000" flip="none" algn="tl"/>
+        </a:blipFill>
+        <a:ln w="6350" cap="flat" cmpd="sng" algn="ctr">
+          <a:solidFill>
+            <a:schemeClr val="accent5">
+              <a:hueOff val="0"/>
+              <a:satOff val="0"/>
+              <a:lumOff val="0"/>
+              <a:alphaOff val="0"/>
+            </a:schemeClr>
+          </a:solidFill>
+          <a:prstDash val="solid"/>
+        </a:ln>
+        <a:effectLst>
+          <a:outerShdw blurRad="50800" dist="19050" dir="5400000" algn="tl" rotWithShape="0">
+            <a:srgbClr val="000000">
+              <a:alpha val="60000"/>
+            </a:srgbClr>
+          </a:outerShdw>
+          <a:softEdge rad="12700"/>
+        </a:effectLst>
+      </dsp:spPr>
+      <dsp:style>
+        <a:lnRef idx="1">
+          <a:scrgbClr r="0" g="0" b="0"/>
+        </a:lnRef>
+        <a:fillRef idx="3">
+          <a:scrgbClr r="0" g="0" b="0"/>
+        </a:fillRef>
+        <a:effectRef idx="3">
+          <a:scrgbClr r="0" g="0" b="0"/>
+        </a:effectRef>
+        <a:fontRef idx="minor">
+          <a:schemeClr val="lt1"/>
+        </a:fontRef>
+      </dsp:style>
+      <dsp:txBody>
+        <a:bodyPr spcFirstLastPara="0" vert="horz" wrap="square" lIns="91440" tIns="91440" rIns="91440" bIns="91440" numCol="1" spcCol="1270" anchor="ctr" anchorCtr="0">
+          <a:noAutofit/>
+        </a:bodyPr>
+        <a:lstStyle/>
+        <a:p>
+          <a:pPr lvl="0" algn="ctr" defTabSz="2133600">
+            <a:lnSpc>
+              <a:spcPct val="90000"/>
+            </a:lnSpc>
+            <a:spcBef>
+              <a:spcPct val="0"/>
+            </a:spcBef>
+            <a:spcAft>
+              <a:spcPct val="35000"/>
+            </a:spcAft>
+          </a:pPr>
+          <a:r>
+            <a:rPr lang="fr-FR" sz="4800" kern="1200" dirty="0" smtClean="0"/>
+            <a:t>1</a:t>
+          </a:r>
+          <a:endParaRPr lang="fr-FR" sz="4800" kern="1200" dirty="0"/>
+        </a:p>
+      </dsp:txBody>
+      <dsp:txXfrm>
+        <a:off x="43136" y="46360"/>
+        <a:ext cx="2158295" cy="840357"/>
+      </dsp:txXfrm>
+    </dsp:sp>
+    <dsp:sp modelId="{E355008A-5A7D-42BF-ACD7-1A35851F4BFA}">
+      <dsp:nvSpPr>
+        <dsp:cNvPr id="0" name=""/>
+        <dsp:cNvSpPr/>
+      </dsp:nvSpPr>
+      <dsp:spPr>
+        <a:xfrm>
+          <a:off x="2244567" y="930893"/>
+          <a:ext cx="6388384" cy="883493"/>
+        </a:xfrm>
+        <a:prstGeom prst="rect">
+          <a:avLst/>
+        </a:prstGeom>
+        <a:noFill/>
+        <a:ln>
+          <a:noFill/>
+        </a:ln>
+        <a:effectLst/>
+      </dsp:spPr>
+      <dsp:style>
+        <a:lnRef idx="0">
+          <a:scrgbClr r="0" g="0" b="0"/>
+        </a:lnRef>
+        <a:fillRef idx="0">
+          <a:scrgbClr r="0" g="0" b="0"/>
+        </a:fillRef>
+        <a:effectRef idx="0">
+          <a:scrgbClr r="0" g="0" b="0"/>
+        </a:effectRef>
+        <a:fontRef idx="minor"/>
+      </dsp:style>
+      <dsp:txBody>
+        <a:bodyPr spcFirstLastPara="0" vert="horz" wrap="square" lIns="81915" tIns="81915" rIns="81915" bIns="81915" numCol="1" spcCol="1270" anchor="b" anchorCtr="0">
+          <a:noAutofit/>
+        </a:bodyPr>
+        <a:lstStyle/>
+        <a:p>
+          <a:pPr lvl="0" algn="l" defTabSz="1911350">
+            <a:lnSpc>
+              <a:spcPct val="90000"/>
+            </a:lnSpc>
+            <a:spcBef>
+              <a:spcPct val="0"/>
+            </a:spcBef>
+            <a:spcAft>
+              <a:spcPct val="35000"/>
+            </a:spcAft>
+          </a:pPr>
+          <a:r>
+            <a:rPr lang="fr-FR" sz="4300" kern="1200" dirty="0" smtClean="0"/>
+            <a:t>Architecture Applicative</a:t>
+          </a:r>
+          <a:endParaRPr lang="fr-FR" sz="4300" kern="1200" dirty="0"/>
+        </a:p>
+      </dsp:txBody>
+      <dsp:txXfrm>
+        <a:off x="2244567" y="930893"/>
+        <a:ext cx="6388384" cy="883493"/>
+      </dsp:txXfrm>
+    </dsp:sp>
+    <dsp:sp modelId="{DCF69A67-D6CA-47E2-B2CD-5A357E72726A}">
+      <dsp:nvSpPr>
+        <dsp:cNvPr id="0" name=""/>
+        <dsp:cNvSpPr/>
+      </dsp:nvSpPr>
+      <dsp:spPr>
+        <a:xfrm>
+          <a:off x="0" y="930893"/>
+          <a:ext cx="2244567" cy="883493"/>
+        </a:xfrm>
+        <a:prstGeom prst="round2SameRect">
+          <a:avLst>
+            <a:gd name="adj1" fmla="val 16670"/>
+            <a:gd name="adj2" fmla="val 0"/>
+          </a:avLst>
+        </a:prstGeom>
+        <a:blipFill rotWithShape="0">
+          <a:blip xmlns:r="http://schemas.openxmlformats.org/officeDocument/2006/relationships" r:embed="rId1">
+            <a:duotone>
+              <a:schemeClr val="accent5">
+                <a:hueOff val="0"/>
+                <a:satOff val="0"/>
+                <a:lumOff val="0"/>
+                <a:alphaOff val="0"/>
+                <a:shade val="36000"/>
+                <a:satMod val="120000"/>
+              </a:schemeClr>
+              <a:schemeClr val="accent5">
+                <a:hueOff val="0"/>
+                <a:satOff val="0"/>
+                <a:lumOff val="0"/>
+                <a:alphaOff val="0"/>
+                <a:tint val="40000"/>
+              </a:schemeClr>
+            </a:duotone>
+          </a:blip>
+          <a:tile tx="0" ty="0" sx="60000" sy="59000" flip="none" algn="tl"/>
+        </a:blipFill>
+        <a:ln w="6350" cap="flat" cmpd="sng" algn="ctr">
+          <a:solidFill>
+            <a:schemeClr val="accent5">
+              <a:hueOff val="0"/>
+              <a:satOff val="0"/>
+              <a:lumOff val="0"/>
+              <a:alphaOff val="0"/>
+            </a:schemeClr>
+          </a:solidFill>
+          <a:prstDash val="solid"/>
+        </a:ln>
+        <a:effectLst>
+          <a:outerShdw blurRad="50800" dist="19050" dir="5400000" algn="tl" rotWithShape="0">
+            <a:srgbClr val="000000">
+              <a:alpha val="60000"/>
+            </a:srgbClr>
+          </a:outerShdw>
+          <a:softEdge rad="12700"/>
+        </a:effectLst>
+      </dsp:spPr>
+      <dsp:style>
+        <a:lnRef idx="1">
+          <a:scrgbClr r="0" g="0" b="0"/>
+        </a:lnRef>
+        <a:fillRef idx="3">
+          <a:scrgbClr r="0" g="0" b="0"/>
+        </a:fillRef>
+        <a:effectRef idx="3">
+          <a:scrgbClr r="0" g="0" b="0"/>
+        </a:effectRef>
+        <a:fontRef idx="minor">
+          <a:schemeClr val="lt1"/>
+        </a:fontRef>
+      </dsp:style>
+      <dsp:txBody>
+        <a:bodyPr spcFirstLastPara="0" vert="horz" wrap="square" lIns="91440" tIns="91440" rIns="91440" bIns="91440" numCol="1" spcCol="1270" anchor="ctr" anchorCtr="0">
+          <a:noAutofit/>
+        </a:bodyPr>
+        <a:lstStyle/>
+        <a:p>
+          <a:pPr lvl="0" algn="ctr" defTabSz="2133600">
+            <a:lnSpc>
+              <a:spcPct val="90000"/>
+            </a:lnSpc>
+            <a:spcBef>
+              <a:spcPct val="0"/>
+            </a:spcBef>
+            <a:spcAft>
+              <a:spcPct val="35000"/>
+            </a:spcAft>
+          </a:pPr>
+          <a:r>
+            <a:rPr lang="fr-FR" sz="4800" kern="1200" dirty="0" smtClean="0"/>
+            <a:t>2</a:t>
+          </a:r>
+          <a:endParaRPr lang="fr-FR" sz="4800" kern="1200" dirty="0"/>
+        </a:p>
+      </dsp:txBody>
+      <dsp:txXfrm>
+        <a:off x="43136" y="974029"/>
+        <a:ext cx="2158295" cy="840357"/>
+      </dsp:txXfrm>
+    </dsp:sp>
+    <dsp:sp modelId="{31606F9C-E24C-4ECC-83C0-3D167DEF6BC8}">
+      <dsp:nvSpPr>
+        <dsp:cNvPr id="0" name=""/>
+        <dsp:cNvSpPr/>
+      </dsp:nvSpPr>
+      <dsp:spPr>
+        <a:xfrm>
+          <a:off x="2244567" y="1858562"/>
+          <a:ext cx="6388384" cy="883493"/>
+        </a:xfrm>
+        <a:prstGeom prst="rect">
+          <a:avLst/>
+        </a:prstGeom>
+        <a:noFill/>
+        <a:ln>
+          <a:noFill/>
+        </a:ln>
+        <a:effectLst/>
+      </dsp:spPr>
+      <dsp:style>
+        <a:lnRef idx="0">
+          <a:scrgbClr r="0" g="0" b="0"/>
+        </a:lnRef>
+        <a:fillRef idx="0">
+          <a:scrgbClr r="0" g="0" b="0"/>
+        </a:fillRef>
+        <a:effectRef idx="0">
+          <a:scrgbClr r="0" g="0" b="0"/>
+        </a:effectRef>
+        <a:fontRef idx="minor"/>
+      </dsp:style>
+      <dsp:txBody>
+        <a:bodyPr spcFirstLastPara="0" vert="horz" wrap="square" lIns="81915" tIns="81915" rIns="81915" bIns="81915" numCol="1" spcCol="1270" anchor="b" anchorCtr="0">
+          <a:noAutofit/>
+        </a:bodyPr>
+        <a:lstStyle/>
+        <a:p>
+          <a:pPr lvl="0" algn="l" defTabSz="1911350">
+            <a:lnSpc>
+              <a:spcPct val="90000"/>
+            </a:lnSpc>
+            <a:spcBef>
+              <a:spcPct val="0"/>
+            </a:spcBef>
+            <a:spcAft>
+              <a:spcPct val="35000"/>
+            </a:spcAft>
+          </a:pPr>
+          <a:r>
+            <a:rPr lang="fr-FR" sz="4300" kern="1200" dirty="0" smtClean="0"/>
+            <a:t>Architecture Logicielle</a:t>
+          </a:r>
+          <a:endParaRPr lang="fr-FR" sz="4300" kern="1200" dirty="0"/>
+        </a:p>
+      </dsp:txBody>
+      <dsp:txXfrm>
+        <a:off x="2244567" y="1858562"/>
+        <a:ext cx="6388384" cy="883493"/>
+      </dsp:txXfrm>
+    </dsp:sp>
+    <dsp:sp modelId="{F82E91E5-7D85-44A1-9361-E40DE38E5C37}">
+      <dsp:nvSpPr>
+        <dsp:cNvPr id="0" name=""/>
+        <dsp:cNvSpPr/>
+      </dsp:nvSpPr>
+      <dsp:spPr>
+        <a:xfrm>
+          <a:off x="0" y="1858562"/>
+          <a:ext cx="2244567" cy="883493"/>
+        </a:xfrm>
+        <a:prstGeom prst="round2SameRect">
+          <a:avLst>
+            <a:gd name="adj1" fmla="val 16670"/>
+            <a:gd name="adj2" fmla="val 0"/>
+          </a:avLst>
+        </a:prstGeom>
+        <a:blipFill rotWithShape="0">
+          <a:blip xmlns:r="http://schemas.openxmlformats.org/officeDocument/2006/relationships" r:embed="rId1">
+            <a:duotone>
+              <a:schemeClr val="accent5">
+                <a:hueOff val="0"/>
+                <a:satOff val="0"/>
+                <a:lumOff val="0"/>
+                <a:alphaOff val="0"/>
+                <a:shade val="36000"/>
+                <a:satMod val="120000"/>
+              </a:schemeClr>
+              <a:schemeClr val="accent5">
+                <a:hueOff val="0"/>
+                <a:satOff val="0"/>
+                <a:lumOff val="0"/>
+                <a:alphaOff val="0"/>
+                <a:tint val="40000"/>
+              </a:schemeClr>
+            </a:duotone>
+          </a:blip>
+          <a:tile tx="0" ty="0" sx="60000" sy="59000" flip="none" algn="tl"/>
+        </a:blipFill>
+        <a:ln w="6350" cap="flat" cmpd="sng" algn="ctr">
+          <a:solidFill>
+            <a:schemeClr val="accent5">
+              <a:hueOff val="0"/>
+              <a:satOff val="0"/>
+              <a:lumOff val="0"/>
+              <a:alphaOff val="0"/>
+            </a:schemeClr>
+          </a:solidFill>
+          <a:prstDash val="solid"/>
+        </a:ln>
+        <a:effectLst>
+          <a:outerShdw blurRad="50800" dist="19050" dir="5400000" algn="tl" rotWithShape="0">
+            <a:srgbClr val="000000">
+              <a:alpha val="60000"/>
+            </a:srgbClr>
+          </a:outerShdw>
+          <a:softEdge rad="12700"/>
+        </a:effectLst>
+      </dsp:spPr>
+      <dsp:style>
+        <a:lnRef idx="1">
+          <a:scrgbClr r="0" g="0" b="0"/>
+        </a:lnRef>
+        <a:fillRef idx="3">
+          <a:scrgbClr r="0" g="0" b="0"/>
+        </a:fillRef>
+        <a:effectRef idx="3">
+          <a:scrgbClr r="0" g="0" b="0"/>
+        </a:effectRef>
+        <a:fontRef idx="minor">
+          <a:schemeClr val="lt1"/>
+        </a:fontRef>
+      </dsp:style>
+      <dsp:txBody>
+        <a:bodyPr spcFirstLastPara="0" vert="horz" wrap="square" lIns="91440" tIns="91440" rIns="91440" bIns="91440" numCol="1" spcCol="1270" anchor="ctr" anchorCtr="0">
+          <a:noAutofit/>
+        </a:bodyPr>
+        <a:lstStyle/>
+        <a:p>
+          <a:pPr lvl="0" algn="ctr" defTabSz="2133600">
+            <a:lnSpc>
+              <a:spcPct val="90000"/>
+            </a:lnSpc>
+            <a:spcBef>
+              <a:spcPct val="0"/>
+            </a:spcBef>
+            <a:spcAft>
+              <a:spcPct val="35000"/>
+            </a:spcAft>
+          </a:pPr>
+          <a:r>
+            <a:rPr lang="fr-FR" sz="4800" kern="1200" dirty="0" smtClean="0"/>
+            <a:t>3</a:t>
+          </a:r>
+          <a:endParaRPr lang="fr-FR" sz="4800" kern="1200" dirty="0"/>
+        </a:p>
+      </dsp:txBody>
+      <dsp:txXfrm>
+        <a:off x="43136" y="1901698"/>
+        <a:ext cx="2158295" cy="840357"/>
+      </dsp:txXfrm>
+    </dsp:sp>
+    <dsp:sp modelId="{3EE545DA-222D-4016-83AB-C85D508B03C3}">
+      <dsp:nvSpPr>
+        <dsp:cNvPr id="0" name=""/>
+        <dsp:cNvSpPr/>
+      </dsp:nvSpPr>
+      <dsp:spPr>
+        <a:xfrm>
+          <a:off x="2244567" y="2786230"/>
+          <a:ext cx="6388384" cy="883493"/>
+        </a:xfrm>
+        <a:prstGeom prst="rect">
+          <a:avLst/>
+        </a:prstGeom>
+        <a:noFill/>
+        <a:ln>
+          <a:noFill/>
+        </a:ln>
+        <a:effectLst/>
+      </dsp:spPr>
+      <dsp:style>
+        <a:lnRef idx="0">
+          <a:scrgbClr r="0" g="0" b="0"/>
+        </a:lnRef>
+        <a:fillRef idx="0">
+          <a:scrgbClr r="0" g="0" b="0"/>
+        </a:fillRef>
+        <a:effectRef idx="0">
+          <a:scrgbClr r="0" g="0" b="0"/>
+        </a:effectRef>
+        <a:fontRef idx="minor"/>
+      </dsp:style>
+      <dsp:txBody>
+        <a:bodyPr spcFirstLastPara="0" vert="horz" wrap="square" lIns="81915" tIns="81915" rIns="81915" bIns="81915" numCol="1" spcCol="1270" anchor="b" anchorCtr="0">
+          <a:noAutofit/>
+        </a:bodyPr>
+        <a:lstStyle/>
+        <a:p>
+          <a:pPr lvl="0" algn="l" defTabSz="1911350">
+            <a:lnSpc>
+              <a:spcPct val="90000"/>
+            </a:lnSpc>
+            <a:spcBef>
+              <a:spcPct val="0"/>
+            </a:spcBef>
+            <a:spcAft>
+              <a:spcPct val="35000"/>
+            </a:spcAft>
+          </a:pPr>
+          <a:r>
+            <a:rPr lang="fr-FR" sz="4300" kern="1200" dirty="0" smtClean="0"/>
+            <a:t>Architecture Physique</a:t>
+          </a:r>
+          <a:endParaRPr lang="fr-FR" sz="4300" kern="1200" dirty="0"/>
+        </a:p>
+      </dsp:txBody>
+      <dsp:txXfrm>
+        <a:off x="2244567" y="2786230"/>
+        <a:ext cx="6388384" cy="883493"/>
+      </dsp:txXfrm>
+    </dsp:sp>
+    <dsp:sp modelId="{7AD26C6E-89EB-487D-94B5-1F7D58F9AAEA}">
+      <dsp:nvSpPr>
+        <dsp:cNvPr id="0" name=""/>
+        <dsp:cNvSpPr/>
+      </dsp:nvSpPr>
+      <dsp:spPr>
+        <a:xfrm>
+          <a:off x="0" y="2786230"/>
+          <a:ext cx="2244567" cy="883493"/>
+        </a:xfrm>
+        <a:prstGeom prst="round2SameRect">
+          <a:avLst>
+            <a:gd name="adj1" fmla="val 16670"/>
+            <a:gd name="adj2" fmla="val 0"/>
+          </a:avLst>
+        </a:prstGeom>
+        <a:blipFill rotWithShape="0">
+          <a:blip xmlns:r="http://schemas.openxmlformats.org/officeDocument/2006/relationships" r:embed="rId1">
+            <a:duotone>
+              <a:schemeClr val="accent5">
+                <a:hueOff val="0"/>
+                <a:satOff val="0"/>
+                <a:lumOff val="0"/>
+                <a:alphaOff val="0"/>
+                <a:shade val="36000"/>
+                <a:satMod val="120000"/>
+              </a:schemeClr>
+              <a:schemeClr val="accent5">
+                <a:hueOff val="0"/>
+                <a:satOff val="0"/>
+                <a:lumOff val="0"/>
+                <a:alphaOff val="0"/>
+                <a:tint val="40000"/>
+              </a:schemeClr>
+            </a:duotone>
+          </a:blip>
+          <a:tile tx="0" ty="0" sx="60000" sy="59000" flip="none" algn="tl"/>
+        </a:blipFill>
+        <a:ln w="6350" cap="flat" cmpd="sng" algn="ctr">
+          <a:solidFill>
+            <a:schemeClr val="accent5">
+              <a:hueOff val="0"/>
+              <a:satOff val="0"/>
+              <a:lumOff val="0"/>
+              <a:alphaOff val="0"/>
+            </a:schemeClr>
+          </a:solidFill>
+          <a:prstDash val="solid"/>
+        </a:ln>
+        <a:effectLst>
+          <a:outerShdw blurRad="50800" dist="19050" dir="5400000" algn="tl" rotWithShape="0">
+            <a:srgbClr val="000000">
+              <a:alpha val="60000"/>
+            </a:srgbClr>
+          </a:outerShdw>
+          <a:softEdge rad="12700"/>
+        </a:effectLst>
+      </dsp:spPr>
+      <dsp:style>
+        <a:lnRef idx="1">
+          <a:scrgbClr r="0" g="0" b="0"/>
+        </a:lnRef>
+        <a:fillRef idx="3">
+          <a:scrgbClr r="0" g="0" b="0"/>
+        </a:fillRef>
+        <a:effectRef idx="3">
+          <a:scrgbClr r="0" g="0" b="0"/>
+        </a:effectRef>
+        <a:fontRef idx="minor">
+          <a:schemeClr val="lt1"/>
+        </a:fontRef>
+      </dsp:style>
+      <dsp:txBody>
+        <a:bodyPr spcFirstLastPara="0" vert="horz" wrap="square" lIns="91440" tIns="91440" rIns="91440" bIns="91440" numCol="1" spcCol="1270" anchor="ctr" anchorCtr="0">
+          <a:noAutofit/>
+        </a:bodyPr>
+        <a:lstStyle/>
+        <a:p>
+          <a:pPr lvl="0" algn="ctr" defTabSz="2133600">
+            <a:lnSpc>
+              <a:spcPct val="90000"/>
+            </a:lnSpc>
+            <a:spcBef>
+              <a:spcPct val="0"/>
+            </a:spcBef>
+            <a:spcAft>
+              <a:spcPct val="35000"/>
+            </a:spcAft>
+          </a:pPr>
+          <a:r>
+            <a:rPr lang="fr-FR" sz="4800" kern="1200" dirty="0" smtClean="0"/>
+            <a:t>4</a:t>
+          </a:r>
+          <a:endParaRPr lang="fr-FR" sz="4800" kern="1200" dirty="0"/>
+        </a:p>
+      </dsp:txBody>
+      <dsp:txXfrm>
+        <a:off x="43136" y="2829366"/>
+        <a:ext cx="2158295" cy="840357"/>
+      </dsp:txXfrm>
+    </dsp:sp>
+    <dsp:sp modelId="{1374A494-EA1A-4BEE-87E9-2F0FA45D2532}">
+      <dsp:nvSpPr>
+        <dsp:cNvPr id="0" name=""/>
+        <dsp:cNvSpPr/>
+      </dsp:nvSpPr>
+      <dsp:spPr>
+        <a:xfrm>
+          <a:off x="2244567" y="3713899"/>
+          <a:ext cx="6388384" cy="883493"/>
+        </a:xfrm>
+        <a:prstGeom prst="rect">
+          <a:avLst/>
+        </a:prstGeom>
+        <a:noFill/>
+        <a:ln>
+          <a:noFill/>
+        </a:ln>
+        <a:effectLst/>
+      </dsp:spPr>
+      <dsp:style>
+        <a:lnRef idx="0">
+          <a:scrgbClr r="0" g="0" b="0"/>
+        </a:lnRef>
+        <a:fillRef idx="0">
+          <a:scrgbClr r="0" g="0" b="0"/>
+        </a:fillRef>
+        <a:effectRef idx="0">
+          <a:scrgbClr r="0" g="0" b="0"/>
+        </a:effectRef>
+        <a:fontRef idx="minor"/>
+      </dsp:style>
+      <dsp:txBody>
+        <a:bodyPr spcFirstLastPara="0" vert="horz" wrap="square" lIns="81915" tIns="81915" rIns="81915" bIns="81915" numCol="1" spcCol="1270" anchor="b" anchorCtr="0">
+          <a:noAutofit/>
+        </a:bodyPr>
+        <a:lstStyle/>
+        <a:p>
+          <a:pPr lvl="0" algn="l" defTabSz="1911350">
+            <a:lnSpc>
+              <a:spcPct val="90000"/>
+            </a:lnSpc>
+            <a:spcBef>
+              <a:spcPct val="0"/>
+            </a:spcBef>
+            <a:spcAft>
+              <a:spcPct val="35000"/>
+            </a:spcAft>
+          </a:pPr>
+          <a:r>
+            <a:rPr lang="fr-FR" sz="4300" kern="1200" dirty="0" smtClean="0"/>
+            <a:t>Proof of Concept</a:t>
+          </a:r>
+          <a:endParaRPr lang="fr-FR" sz="4300" kern="1200" dirty="0"/>
+        </a:p>
+      </dsp:txBody>
+      <dsp:txXfrm>
+        <a:off x="2244567" y="3713899"/>
+        <a:ext cx="6388384" cy="883493"/>
+      </dsp:txXfrm>
+    </dsp:sp>
+    <dsp:sp modelId="{8BF9C6DC-1BCF-42CB-8828-0FA7000A2F97}">
+      <dsp:nvSpPr>
+        <dsp:cNvPr id="0" name=""/>
+        <dsp:cNvSpPr/>
+      </dsp:nvSpPr>
+      <dsp:spPr>
+        <a:xfrm>
+          <a:off x="0" y="3713899"/>
+          <a:ext cx="2244567" cy="883493"/>
+        </a:xfrm>
+        <a:prstGeom prst="round2SameRect">
+          <a:avLst>
+            <a:gd name="adj1" fmla="val 16670"/>
+            <a:gd name="adj2" fmla="val 0"/>
+          </a:avLst>
+        </a:prstGeom>
+        <a:blipFill rotWithShape="0">
+          <a:blip xmlns:r="http://schemas.openxmlformats.org/officeDocument/2006/relationships" r:embed="rId1">
+            <a:duotone>
+              <a:schemeClr val="accent5">
+                <a:hueOff val="0"/>
+                <a:satOff val="0"/>
+                <a:lumOff val="0"/>
+                <a:alphaOff val="0"/>
+                <a:shade val="36000"/>
+                <a:satMod val="120000"/>
+              </a:schemeClr>
+              <a:schemeClr val="accent5">
+                <a:hueOff val="0"/>
+                <a:satOff val="0"/>
+                <a:lumOff val="0"/>
+                <a:alphaOff val="0"/>
+                <a:tint val="40000"/>
+              </a:schemeClr>
+            </a:duotone>
+          </a:blip>
+          <a:tile tx="0" ty="0" sx="60000" sy="59000" flip="none" algn="tl"/>
+        </a:blipFill>
+        <a:ln w="6350" cap="flat" cmpd="sng" algn="ctr">
+          <a:solidFill>
+            <a:schemeClr val="accent5">
+              <a:hueOff val="0"/>
+              <a:satOff val="0"/>
+              <a:lumOff val="0"/>
+              <a:alphaOff val="0"/>
+            </a:schemeClr>
+          </a:solidFill>
+          <a:prstDash val="solid"/>
+        </a:ln>
+        <a:effectLst>
+          <a:outerShdw blurRad="50800" dist="19050" dir="5400000" algn="tl" rotWithShape="0">
+            <a:srgbClr val="000000">
+              <a:alpha val="60000"/>
+            </a:srgbClr>
+          </a:outerShdw>
+          <a:softEdge rad="12700"/>
+        </a:effectLst>
+      </dsp:spPr>
+      <dsp:style>
+        <a:lnRef idx="1">
+          <a:scrgbClr r="0" g="0" b="0"/>
+        </a:lnRef>
+        <a:fillRef idx="3">
+          <a:scrgbClr r="0" g="0" b="0"/>
+        </a:fillRef>
+        <a:effectRef idx="3">
+          <a:scrgbClr r="0" g="0" b="0"/>
+        </a:effectRef>
+        <a:fontRef idx="minor">
+          <a:schemeClr val="lt1"/>
+        </a:fontRef>
+      </dsp:style>
+      <dsp:txBody>
+        <a:bodyPr spcFirstLastPara="0" vert="horz" wrap="square" lIns="91440" tIns="91440" rIns="91440" bIns="91440" numCol="1" spcCol="1270" anchor="ctr" anchorCtr="0">
+          <a:noAutofit/>
+        </a:bodyPr>
+        <a:lstStyle/>
+        <a:p>
+          <a:pPr lvl="0" algn="ctr" defTabSz="2133600">
+            <a:lnSpc>
+              <a:spcPct val="90000"/>
+            </a:lnSpc>
+            <a:spcBef>
+              <a:spcPct val="0"/>
+            </a:spcBef>
+            <a:spcAft>
+              <a:spcPct val="35000"/>
+            </a:spcAft>
+          </a:pPr>
+          <a:r>
+            <a:rPr lang="fr-FR" sz="4800" kern="1200" dirty="0" smtClean="0"/>
+            <a:t>5</a:t>
+          </a:r>
+          <a:endParaRPr lang="fr-FR" sz="4800" kern="1200" dirty="0"/>
+        </a:p>
+      </dsp:txBody>
+      <dsp:txXfrm>
+        <a:off x="43136" y="3757035"/>
+        <a:ext cx="2158295" cy="840357"/>
+      </dsp:txXfrm>
+    </dsp:sp>
   </dsp:spTree>
 </dsp:drawing>
 </file>
@@ -3097,7 +4107,7 @@
           <a:p>
             <a:fld id="{43CAB5D0-FA79-466C-BEA9-4696C2647A17}" type="datetimeFigureOut">
               <a:rPr lang="fr-FR" smtClean="0"/>
-              <a:t>13/02/2014</a:t>
+              <a:t>14/02/2014</a:t>
             </a:fld>
             <a:endParaRPr lang="fr-FR"/>
           </a:p>
@@ -3577,7 +4587,203 @@
           <a:bodyPr/>
           <a:lstStyle/>
           <a:p>
-            <a:endParaRPr lang="fr-FR"/>
+            <a:r>
+              <a:rPr lang="fr-FR" dirty="0" err="1" smtClean="0"/>
+              <a:t>Commencant</a:t>
+            </a:r>
+            <a:r>
+              <a:rPr lang="fr-FR" baseline="0" dirty="0" smtClean="0"/>
+              <a:t> alors par la liaison des agences avec la centrale.</a:t>
+            </a:r>
+          </a:p>
+          <a:p>
+            <a:r>
+              <a:rPr lang="fr-FR" baseline="0" dirty="0" smtClean="0"/>
+              <a:t>En fait ces blocks applicatifs sont relies </a:t>
+            </a:r>
+            <a:r>
+              <a:rPr lang="fr-FR" baseline="0" dirty="0" err="1" smtClean="0"/>
+              <a:t>ala</a:t>
+            </a:r>
+            <a:r>
+              <a:rPr lang="fr-FR" baseline="0" dirty="0" smtClean="0"/>
+              <a:t> centrale avec le block applicatif Web</a:t>
+            </a:r>
+          </a:p>
+          <a:p>
+            <a:r>
+              <a:rPr lang="fr-FR" baseline="0" dirty="0" smtClean="0"/>
+              <a:t>Ce block va permettre de </a:t>
+            </a:r>
+            <a:r>
+              <a:rPr lang="fr-FR" baseline="0" dirty="0" err="1" smtClean="0"/>
+              <a:t>presenter</a:t>
+            </a:r>
+            <a:r>
+              <a:rPr lang="fr-FR" baseline="0" dirty="0" smtClean="0"/>
+              <a:t> les </a:t>
+            </a:r>
+            <a:r>
+              <a:rPr lang="fr-FR" baseline="0" dirty="0" err="1" smtClean="0"/>
+              <a:t>fonctionnalites</a:t>
+            </a:r>
+            <a:r>
+              <a:rPr lang="fr-FR" baseline="0" dirty="0" smtClean="0"/>
+              <a:t> du system pour les agents de la banque</a:t>
+            </a:r>
+          </a:p>
+          <a:p>
+            <a:r>
+              <a:rPr lang="fr-FR" baseline="0" dirty="0" smtClean="0"/>
+              <a:t>Il y aussi une interface qui consomme ce block pour le </a:t>
+            </a:r>
+            <a:r>
+              <a:rPr lang="fr-FR" baseline="0" dirty="0" err="1" smtClean="0"/>
+              <a:t>presenter</a:t>
+            </a:r>
+            <a:r>
+              <a:rPr lang="fr-FR" baseline="0" dirty="0" smtClean="0"/>
+              <a:t> aux clients ordinaires </a:t>
+            </a:r>
+            <a:r>
+              <a:rPr lang="fr-FR" baseline="0" dirty="0" err="1" smtClean="0"/>
+              <a:t>leger</a:t>
+            </a:r>
+            <a:r>
+              <a:rPr lang="fr-FR" baseline="0" dirty="0" smtClean="0"/>
+              <a:t>.</a:t>
+            </a:r>
+          </a:p>
+          <a:p>
+            <a:r>
+              <a:rPr lang="fr-FR" dirty="0" smtClean="0"/>
+              <a:t>Pour</a:t>
+            </a:r>
+            <a:r>
+              <a:rPr lang="fr-FR" baseline="0" dirty="0" smtClean="0"/>
+              <a:t> les gros clients on a consacre un block </a:t>
+            </a:r>
+            <a:r>
+              <a:rPr lang="fr-FR" baseline="0" dirty="0" err="1" smtClean="0"/>
+              <a:t>specifique</a:t>
+            </a:r>
+            <a:r>
+              <a:rPr lang="fr-FR" baseline="0" dirty="0" smtClean="0"/>
+              <a:t> a eux qui va </a:t>
+            </a:r>
+            <a:r>
+              <a:rPr lang="fr-FR" baseline="0" dirty="0" err="1" smtClean="0"/>
+              <a:t>gerer</a:t>
+            </a:r>
+            <a:r>
+              <a:rPr lang="fr-FR" baseline="0" dirty="0" smtClean="0"/>
+              <a:t> leurs demandes</a:t>
+            </a:r>
+          </a:p>
+          <a:p>
+            <a:r>
+              <a:rPr lang="fr-FR" baseline="0" dirty="0" smtClean="0"/>
+              <a:t>Et pour les courtier qui vont utiliser notre système on a aussi </a:t>
+            </a:r>
+            <a:r>
+              <a:rPr lang="fr-FR" baseline="0" dirty="0" err="1" smtClean="0"/>
+              <a:t>prevu</a:t>
+            </a:r>
+            <a:r>
+              <a:rPr lang="fr-FR" baseline="0" dirty="0" smtClean="0"/>
+              <a:t> un block </a:t>
+            </a:r>
+            <a:r>
+              <a:rPr lang="fr-FR" baseline="0" dirty="0" err="1" smtClean="0"/>
+              <a:t>specifique</a:t>
+            </a:r>
+            <a:r>
+              <a:rPr lang="fr-FR" baseline="0" dirty="0" smtClean="0"/>
+              <a:t> a eux pour externaliser les </a:t>
+            </a:r>
+            <a:r>
+              <a:rPr lang="fr-FR" baseline="0" dirty="0" err="1" smtClean="0"/>
+              <a:t>fonctionnalites</a:t>
+            </a:r>
+            <a:endParaRPr lang="fr-FR" baseline="0" dirty="0" smtClean="0"/>
+          </a:p>
+          <a:p>
+            <a:r>
+              <a:rPr lang="fr-FR" baseline="0" dirty="0" smtClean="0"/>
+              <a:t>Et donc comme vous remarquez sur le </a:t>
+            </a:r>
+            <a:r>
+              <a:rPr lang="fr-FR" baseline="0" dirty="0" err="1" smtClean="0"/>
+              <a:t>schema</a:t>
+            </a:r>
+            <a:r>
+              <a:rPr lang="fr-FR" baseline="0" dirty="0" smtClean="0"/>
+              <a:t> on a </a:t>
+            </a:r>
+            <a:r>
+              <a:rPr lang="fr-FR" baseline="0" dirty="0" err="1" smtClean="0"/>
+              <a:t>projete</a:t>
+            </a:r>
+            <a:r>
+              <a:rPr lang="fr-FR" baseline="0" dirty="0" smtClean="0"/>
+              <a:t> les </a:t>
+            </a:r>
+            <a:r>
+              <a:rPr lang="fr-FR" baseline="0" dirty="0" err="1" smtClean="0"/>
+              <a:t>differentes</a:t>
+            </a:r>
+            <a:r>
+              <a:rPr lang="fr-FR" baseline="0" dirty="0" smtClean="0"/>
+              <a:t> </a:t>
+            </a:r>
+            <a:r>
+              <a:rPr lang="fr-FR" baseline="0" dirty="0" err="1" smtClean="0"/>
+              <a:t>fonctionnalites</a:t>
+            </a:r>
+            <a:r>
+              <a:rPr lang="fr-FR" baseline="0" dirty="0" smtClean="0"/>
+              <a:t> offertes sur des block </a:t>
+            </a:r>
+            <a:r>
+              <a:rPr lang="fr-FR" baseline="0" dirty="0" err="1" smtClean="0"/>
+              <a:t>differents</a:t>
+            </a:r>
+            <a:r>
+              <a:rPr lang="fr-FR" baseline="0" dirty="0" smtClean="0"/>
+              <a:t> et ca donne plus d’</a:t>
+            </a:r>
+            <a:r>
+              <a:rPr lang="fr-FR" baseline="0" dirty="0" err="1" smtClean="0"/>
+              <a:t>extensibilite</a:t>
+            </a:r>
+            <a:r>
+              <a:rPr lang="fr-FR" baseline="0" dirty="0" smtClean="0"/>
+              <a:t> pour notre </a:t>
+            </a:r>
+            <a:r>
+              <a:rPr lang="fr-FR" baseline="0" dirty="0" err="1" smtClean="0"/>
+              <a:t>sytem</a:t>
+            </a:r>
+            <a:r>
+              <a:rPr lang="fr-FR" baseline="0" dirty="0" smtClean="0"/>
+              <a:t> vue que ces </a:t>
+            </a:r>
+            <a:r>
+              <a:rPr lang="fr-FR" baseline="0" dirty="0" err="1" smtClean="0"/>
+              <a:t>fonctionnalites</a:t>
+            </a:r>
+            <a:r>
+              <a:rPr lang="fr-FR" baseline="0" dirty="0" smtClean="0"/>
+              <a:t> sont faiblement </a:t>
+            </a:r>
+            <a:r>
+              <a:rPr lang="fr-FR" baseline="0" dirty="0" err="1" smtClean="0"/>
+              <a:t>couplees</a:t>
+            </a:r>
+            <a:r>
+              <a:rPr lang="fr-FR" baseline="0" dirty="0" smtClean="0"/>
+              <a:t>.</a:t>
+            </a:r>
           </a:p>
         </p:txBody>
       </p:sp>
@@ -3598,6 +4804,90 @@
           <a:p>
             <a:fld id="{30972B6B-B5CF-41E4-B246-750F6E702F96}" type="slidenum">
               <a:rPr lang="fr-FR" smtClean="0"/>
+              <a:t>7</a:t>
+            </a:fld>
+            <a:endParaRPr lang="fr-FR"/>
+          </a:p>
+        </p:txBody>
+      </p:sp>
+    </p:spTree>
+    <p:extLst>
+      <p:ext uri="{BB962C8B-B14F-4D97-AF65-F5344CB8AC3E}">
+        <p14:creationId xmlns:p14="http://schemas.microsoft.com/office/powerpoint/2010/main" val="3049593804"/>
+      </p:ext>
+    </p:extLst>
+  </p:cSld>
+  <p:clrMapOvr>
+    <a:masterClrMapping/>
+  </p:clrMapOvr>
+</p:notes>
+</file>
+
+<file path=ppt/notesSlides/notesSlide4.xml><?xml version="1.0" encoding="utf-8"?>
+<p:notes xmlns:a="http://schemas.openxmlformats.org/drawingml/2006/main" xmlns:r="http://schemas.openxmlformats.org/officeDocument/2006/relationships" xmlns:p="http://schemas.openxmlformats.org/presentationml/2006/main">
+  <p:cSld>
+    <p:spTree>
+      <p:nvGrpSpPr>
+        <p:cNvPr id="1" name=""/>
+        <p:cNvGrpSpPr/>
+        <p:nvPr/>
+      </p:nvGrpSpPr>
+      <p:grpSpPr>
+        <a:xfrm>
+          <a:off x="0" y="0"/>
+          <a:ext cx="0" cy="0"/>
+          <a:chOff x="0" y="0"/>
+          <a:chExt cx="0" cy="0"/>
+        </a:xfrm>
+      </p:grpSpPr>
+      <p:sp>
+        <p:nvSpPr>
+          <p:cNvPr id="2" name="Slide Image Placeholder 1"/>
+          <p:cNvSpPr>
+            <a:spLocks noGrp="1" noRot="1" noChangeAspect="1"/>
+          </p:cNvSpPr>
+          <p:nvPr>
+            <p:ph type="sldImg"/>
+          </p:nvPr>
+        </p:nvSpPr>
+        <p:spPr/>
+      </p:sp>
+      <p:sp>
+        <p:nvSpPr>
+          <p:cNvPr id="3" name="Notes Placeholder 2"/>
+          <p:cNvSpPr>
+            <a:spLocks noGrp="1"/>
+          </p:cNvSpPr>
+          <p:nvPr>
+            <p:ph type="body" idx="1"/>
+          </p:nvPr>
+        </p:nvSpPr>
+        <p:spPr/>
+        <p:txBody>
+          <a:bodyPr/>
+          <a:lstStyle/>
+          <a:p>
+            <a:endParaRPr lang="fr-FR"/>
+          </a:p>
+        </p:txBody>
+      </p:sp>
+      <p:sp>
+        <p:nvSpPr>
+          <p:cNvPr id="4" name="Slide Number Placeholder 3"/>
+          <p:cNvSpPr>
+            <a:spLocks noGrp="1"/>
+          </p:cNvSpPr>
+          <p:nvPr>
+            <p:ph type="sldNum" sz="quarter" idx="10"/>
+          </p:nvPr>
+        </p:nvSpPr>
+        <p:spPr/>
+        <p:txBody>
+          <a:bodyPr/>
+          <a:lstStyle/>
+          <a:p>
+            <a:fld id="{30972B6B-B5CF-41E4-B246-750F6E702F96}" type="slidenum">
+              <a:rPr lang="fr-FR" smtClean="0"/>
               <a:t>10</a:t>
             </a:fld>
             <a:endParaRPr lang="fr-FR"/>
@@ -3617,7 +4907,7 @@
 </p:notes>
 </file>
 
-<file path=ppt/notesSlides/notesSlide4.xml><?xml version="1.0" encoding="utf-8"?>
+<file path=ppt/notesSlides/notesSlide5.xml><?xml version="1.0" encoding="utf-8"?>
 <p:notes xmlns:a="http://schemas.openxmlformats.org/drawingml/2006/main" xmlns:r="http://schemas.openxmlformats.org/officeDocument/2006/relationships" xmlns:p="http://schemas.openxmlformats.org/presentationml/2006/main">
   <p:cSld>
     <p:spTree>
@@ -4104,7 +5394,7 @@
           <a:p>
             <a:fld id="{6B0339B2-9F74-4C9D-A9E4-BAA83C9857E2}" type="datetime1">
               <a:rPr lang="fr-FR" smtClean="0"/>
-              <a:t>13/02/2014</a:t>
+              <a:t>14/02/2014</a:t>
             </a:fld>
             <a:endParaRPr lang="en-US"/>
           </a:p>
@@ -4284,7 +5574,7 @@
           <a:p>
             <a:fld id="{6B0339B2-9F74-4C9D-A9E4-BAA83C9857E2}" type="datetime1">
               <a:rPr lang="fr-FR" smtClean="0"/>
-              <a:t>13/02/2014</a:t>
+              <a:t>14/02/2014</a:t>
             </a:fld>
             <a:endParaRPr lang="en-US"/>
           </a:p>
@@ -4465,7 +5755,7 @@
           <a:p>
             <a:fld id="{6B0339B2-9F74-4C9D-A9E4-BAA83C9857E2}" type="datetime1">
               <a:rPr lang="fr-FR" smtClean="0"/>
-              <a:t>13/02/2014</a:t>
+              <a:t>14/02/2014</a:t>
             </a:fld>
             <a:endParaRPr lang="en-US"/>
           </a:p>
@@ -4636,7 +5926,7 @@
           <a:p>
             <a:fld id="{6B0339B2-9F74-4C9D-A9E4-BAA83C9857E2}" type="datetime1">
               <a:rPr lang="fr-FR" smtClean="0"/>
-              <a:t>13/02/2014</a:t>
+              <a:t>14/02/2014</a:t>
             </a:fld>
             <a:endParaRPr lang="en-US"/>
           </a:p>
@@ -4950,7 +6240,7 @@
           <a:p>
             <a:fld id="{6B0339B2-9F74-4C9D-A9E4-BAA83C9857E2}" type="datetime1">
               <a:rPr lang="fr-FR" smtClean="0"/>
-              <a:t>13/02/2014</a:t>
+              <a:t>14/02/2014</a:t>
             </a:fld>
             <a:endParaRPr lang="en-US"/>
           </a:p>
@@ -5337,7 +6627,7 @@
           <a:p>
             <a:fld id="{6B0339B2-9F74-4C9D-A9E4-BAA83C9857E2}" type="datetime1">
               <a:rPr lang="fr-FR" smtClean="0"/>
-              <a:t>13/02/2014</a:t>
+              <a:t>14/02/2014</a:t>
             </a:fld>
             <a:endParaRPr lang="en-US"/>
           </a:p>
@@ -5772,7 +7062,7 @@
           <a:p>
             <a:fld id="{6B0339B2-9F74-4C9D-A9E4-BAA83C9857E2}" type="datetime1">
               <a:rPr lang="fr-FR" smtClean="0"/>
-              <a:t>13/02/2014</a:t>
+              <a:t>14/02/2014</a:t>
             </a:fld>
             <a:endParaRPr lang="en-US"/>
           </a:p>
@@ -5891,7 +7181,7 @@
           <a:p>
             <a:fld id="{6B0339B2-9F74-4C9D-A9E4-BAA83C9857E2}" type="datetime1">
               <a:rPr lang="fr-FR" smtClean="0"/>
-              <a:t>13/02/2014</a:t>
+              <a:t>14/02/2014</a:t>
             </a:fld>
             <a:endParaRPr lang="en-US"/>
           </a:p>
@@ -5987,7 +7277,7 @@
           <a:p>
             <a:fld id="{6B0339B2-9F74-4C9D-A9E4-BAA83C9857E2}" type="datetime1">
               <a:rPr lang="fr-FR" smtClean="0"/>
-              <a:t>13/02/2014</a:t>
+              <a:t>14/02/2014</a:t>
             </a:fld>
             <a:endParaRPr lang="en-US"/>
           </a:p>
@@ -6338,7 +7628,7 @@
           <a:p>
             <a:fld id="{6B0339B2-9F74-4C9D-A9E4-BAA83C9857E2}" type="datetime1">
               <a:rPr lang="fr-FR" smtClean="0"/>
-              <a:t>13/02/2014</a:t>
+              <a:t>14/02/2014</a:t>
             </a:fld>
             <a:endParaRPr lang="en-US"/>
           </a:p>
@@ -6764,7 +8054,7 @@
           <a:p>
             <a:fld id="{6B0339B2-9F74-4C9D-A9E4-BAA83C9857E2}" type="datetime1">
               <a:rPr lang="fr-FR" smtClean="0"/>
-              <a:t>13/02/2014</a:t>
+              <a:t>14/02/2014</a:t>
             </a:fld>
             <a:endParaRPr lang="en-US"/>
           </a:p>
@@ -7051,7 +8341,7 @@
           <a:p>
             <a:fld id="{6B0339B2-9F74-4C9D-A9E4-BAA83C9857E2}" type="datetime1">
               <a:rPr lang="fr-FR" smtClean="0"/>
-              <a:t>13/02/2014</a:t>
+              <a:t>14/02/2014</a:t>
             </a:fld>
             <a:endParaRPr lang="en-US"/>
           </a:p>
@@ -7707,7 +8997,7 @@
           <a:p>
             <a:fld id="{45DF6BF9-2561-418A-8A3F-01EBEA8528AD}" type="datetime1">
               <a:rPr lang="fr-FR" smtClean="0"/>
-              <a:t>13/02/2014</a:t>
+              <a:t>14/02/2014</a:t>
             </a:fld>
             <a:endParaRPr lang="en-US"/>
           </a:p>
@@ -8218,7 +9508,7 @@
           <a:p>
             <a:fld id="{FB1B83DD-50DA-412C-AC7A-B7308402EA50}" type="datetime1">
               <a:rPr lang="fr-FR" smtClean="0"/>
-              <a:t>13/02/2014</a:t>
+              <a:t>14/02/2014</a:t>
             </a:fld>
             <a:endParaRPr lang="en-US"/>
           </a:p>
@@ -9265,7 +10555,7 @@
           <a:p>
             <a:fld id="{75D9AB38-9A3B-4299-A716-F9578564FF92}" type="datetime1">
               <a:rPr lang="fr-FR" smtClean="0"/>
-              <a:t>13/02/2014</a:t>
+              <a:t>14/02/2014</a:t>
             </a:fld>
             <a:endParaRPr lang="en-US"/>
           </a:p>
@@ -10149,7 +11439,7 @@
           <a:p>
             <a:fld id="{75D9AB38-9A3B-4299-A716-F9578564FF92}" type="datetime1">
               <a:rPr lang="fr-FR" smtClean="0"/>
-              <a:t>13/02/2014</a:t>
+              <a:t>14/02/2014</a:t>
             </a:fld>
             <a:endParaRPr lang="en-US"/>
           </a:p>
@@ -10578,7 +11868,7 @@
           <a:p>
             <a:fld id="{6B0339B2-9F74-4C9D-A9E4-BAA83C9857E2}" type="datetime1">
               <a:rPr lang="fr-FR" smtClean="0"/>
-              <a:t>13/02/2014</a:t>
+              <a:t>14/02/2014</a:t>
             </a:fld>
             <a:endParaRPr lang="en-US"/>
           </a:p>
@@ -11684,7 +12974,7 @@
           <a:p>
             <a:fld id="{256F38FA-52ED-4A86-A46E-21A00260D8EF}" type="datetime1">
               <a:rPr lang="fr-FR" smtClean="0"/>
-              <a:t>13/02/2014</a:t>
+              <a:t>14/02/2014</a:t>
             </a:fld>
             <a:endParaRPr lang="en-US"/>
           </a:p>
@@ -11971,7 +13261,7 @@
           <a:p>
             <a:fld id="{74268F3B-B68E-4782-B3DC-846E45352065}" type="datetime1">
               <a:rPr lang="fr-FR" smtClean="0"/>
-              <a:t>13/02/2014</a:t>
+              <a:t>14/02/2014</a:t>
             </a:fld>
             <a:endParaRPr lang="en-US"/>
           </a:p>
@@ -12436,7 +13726,7 @@
                             </p:stCondLst>
                             <p:childTnLst>
                               <p:par>
-                                <p:cTn id="20" presetID="1" presetClass="entr" presetSubtype="0" fill="hold" nodeType="afterEffect">
+                                <p:cTn id="20" presetID="22" presetClass="entr" presetSubtype="4" fill="hold" nodeType="afterEffect">
                                   <p:stCondLst>
                                     <p:cond delay="0"/>
                                   </p:stCondLst>
@@ -12449,6 +13739,318 @@
                                           </p:stCondLst>
                                         </p:cTn>
                                         <p:tgtEl>
+                                          <p:spTgt spid="3">
+                                            <p:txEl>
+                                              <p:pRg st="4" end="4"/>
+                                            </p:txEl>
+                                          </p:spTgt>
+                                        </p:tgtEl>
+                                        <p:attrNameLst>
+                                          <p:attrName>style.visibility</p:attrName>
+                                        </p:attrNameLst>
+                                      </p:cBhvr>
+                                      <p:to>
+                                        <p:strVal val="visible"/>
+                                      </p:to>
+                                    </p:set>
+                                    <p:animEffect transition="in" filter="wipe(down)">
+                                      <p:cBhvr>
+                                        <p:cTn id="22" dur="500"/>
+                                        <p:tgtEl>
+                                          <p:spTgt spid="3">
+                                            <p:txEl>
+                                              <p:pRg st="4" end="4"/>
+                                            </p:txEl>
+                                          </p:spTgt>
+                                        </p:tgtEl>
+                                      </p:cBhvr>
+                                    </p:animEffect>
+                                  </p:childTnLst>
+                                </p:cTn>
+                              </p:par>
+                            </p:childTnLst>
+                          </p:cTn>
+                        </p:par>
+                        <p:par>
+                          <p:cTn id="23" fill="hold">
+                            <p:stCondLst>
+                              <p:cond delay="2000"/>
+                            </p:stCondLst>
+                            <p:childTnLst>
+                              <p:par>
+                                <p:cTn id="24" presetID="22" presetClass="entr" presetSubtype="4" fill="hold" nodeType="afterEffect">
+                                  <p:stCondLst>
+                                    <p:cond delay="0"/>
+                                  </p:stCondLst>
+                                  <p:childTnLst>
+                                    <p:set>
+                                      <p:cBhvr>
+                                        <p:cTn id="25" dur="1" fill="hold">
+                                          <p:stCondLst>
+                                            <p:cond delay="0"/>
+                                          </p:stCondLst>
+                                        </p:cTn>
+                                        <p:tgtEl>
+                                          <p:spTgt spid="3">
+                                            <p:txEl>
+                                              <p:pRg st="5" end="5"/>
+                                            </p:txEl>
+                                          </p:spTgt>
+                                        </p:tgtEl>
+                                        <p:attrNameLst>
+                                          <p:attrName>style.visibility</p:attrName>
+                                        </p:attrNameLst>
+                                      </p:cBhvr>
+                                      <p:to>
+                                        <p:strVal val="visible"/>
+                                      </p:to>
+                                    </p:set>
+                                    <p:animEffect transition="in" filter="wipe(down)">
+                                      <p:cBhvr>
+                                        <p:cTn id="26" dur="500"/>
+                                        <p:tgtEl>
+                                          <p:spTgt spid="3">
+                                            <p:txEl>
+                                              <p:pRg st="5" end="5"/>
+                                            </p:txEl>
+                                          </p:spTgt>
+                                        </p:tgtEl>
+                                      </p:cBhvr>
+                                    </p:animEffect>
+                                  </p:childTnLst>
+                                </p:cTn>
+                              </p:par>
+                            </p:childTnLst>
+                          </p:cTn>
+                        </p:par>
+                        <p:par>
+                          <p:cTn id="27" fill="hold">
+                            <p:stCondLst>
+                              <p:cond delay="2500"/>
+                            </p:stCondLst>
+                            <p:childTnLst>
+                              <p:par>
+                                <p:cTn id="28" presetID="22" presetClass="entr" presetSubtype="4" fill="hold" nodeType="afterEffect">
+                                  <p:stCondLst>
+                                    <p:cond delay="0"/>
+                                  </p:stCondLst>
+                                  <p:childTnLst>
+                                    <p:set>
+                                      <p:cBhvr>
+                                        <p:cTn id="29" dur="1" fill="hold">
+                                          <p:stCondLst>
+                                            <p:cond delay="0"/>
+                                          </p:stCondLst>
+                                        </p:cTn>
+                                        <p:tgtEl>
+                                          <p:spTgt spid="3">
+                                            <p:txEl>
+                                              <p:pRg st="6" end="6"/>
+                                            </p:txEl>
+                                          </p:spTgt>
+                                        </p:tgtEl>
+                                        <p:attrNameLst>
+                                          <p:attrName>style.visibility</p:attrName>
+                                        </p:attrNameLst>
+                                      </p:cBhvr>
+                                      <p:to>
+                                        <p:strVal val="visible"/>
+                                      </p:to>
+                                    </p:set>
+                                    <p:animEffect transition="in" filter="wipe(down)">
+                                      <p:cBhvr>
+                                        <p:cTn id="30" dur="500"/>
+                                        <p:tgtEl>
+                                          <p:spTgt spid="3">
+                                            <p:txEl>
+                                              <p:pRg st="6" end="6"/>
+                                            </p:txEl>
+                                          </p:spTgt>
+                                        </p:tgtEl>
+                                      </p:cBhvr>
+                                    </p:animEffect>
+                                  </p:childTnLst>
+                                </p:cTn>
+                              </p:par>
+                            </p:childTnLst>
+                          </p:cTn>
+                        </p:par>
+                        <p:par>
+                          <p:cTn id="31" fill="hold">
+                            <p:stCondLst>
+                              <p:cond delay="3000"/>
+                            </p:stCondLst>
+                            <p:childTnLst>
+                              <p:par>
+                                <p:cTn id="32" presetID="22" presetClass="entr" presetSubtype="4" fill="hold" nodeType="afterEffect">
+                                  <p:stCondLst>
+                                    <p:cond delay="0"/>
+                                  </p:stCondLst>
+                                  <p:childTnLst>
+                                    <p:set>
+                                      <p:cBhvr>
+                                        <p:cTn id="33" dur="1" fill="hold">
+                                          <p:stCondLst>
+                                            <p:cond delay="0"/>
+                                          </p:stCondLst>
+                                        </p:cTn>
+                                        <p:tgtEl>
+                                          <p:spTgt spid="3">
+                                            <p:txEl>
+                                              <p:pRg st="7" end="7"/>
+                                            </p:txEl>
+                                          </p:spTgt>
+                                        </p:tgtEl>
+                                        <p:attrNameLst>
+                                          <p:attrName>style.visibility</p:attrName>
+                                        </p:attrNameLst>
+                                      </p:cBhvr>
+                                      <p:to>
+                                        <p:strVal val="visible"/>
+                                      </p:to>
+                                    </p:set>
+                                    <p:animEffect transition="in" filter="wipe(down)">
+                                      <p:cBhvr>
+                                        <p:cTn id="34" dur="500"/>
+                                        <p:tgtEl>
+                                          <p:spTgt spid="3">
+                                            <p:txEl>
+                                              <p:pRg st="7" end="7"/>
+                                            </p:txEl>
+                                          </p:spTgt>
+                                        </p:tgtEl>
+                                      </p:cBhvr>
+                                    </p:animEffect>
+                                  </p:childTnLst>
+                                </p:cTn>
+                              </p:par>
+                            </p:childTnLst>
+                          </p:cTn>
+                        </p:par>
+                        <p:par>
+                          <p:cTn id="35" fill="hold">
+                            <p:stCondLst>
+                              <p:cond delay="3500"/>
+                            </p:stCondLst>
+                            <p:childTnLst>
+                              <p:par>
+                                <p:cTn id="36" presetID="22" presetClass="entr" presetSubtype="4" fill="hold" nodeType="afterEffect">
+                                  <p:stCondLst>
+                                    <p:cond delay="0"/>
+                                  </p:stCondLst>
+                                  <p:childTnLst>
+                                    <p:set>
+                                      <p:cBhvr>
+                                        <p:cTn id="37" dur="1" fill="hold">
+                                          <p:stCondLst>
+                                            <p:cond delay="0"/>
+                                          </p:stCondLst>
+                                        </p:cTn>
+                                        <p:tgtEl>
+                                          <p:spTgt spid="3">
+                                            <p:txEl>
+                                              <p:pRg st="8" end="8"/>
+                                            </p:txEl>
+                                          </p:spTgt>
+                                        </p:tgtEl>
+                                        <p:attrNameLst>
+                                          <p:attrName>style.visibility</p:attrName>
+                                        </p:attrNameLst>
+                                      </p:cBhvr>
+                                      <p:to>
+                                        <p:strVal val="visible"/>
+                                      </p:to>
+                                    </p:set>
+                                    <p:animEffect transition="in" filter="wipe(down)">
+                                      <p:cBhvr>
+                                        <p:cTn id="38" dur="500"/>
+                                        <p:tgtEl>
+                                          <p:spTgt spid="3">
+                                            <p:txEl>
+                                              <p:pRg st="8" end="8"/>
+                                            </p:txEl>
+                                          </p:spTgt>
+                                        </p:tgtEl>
+                                      </p:cBhvr>
+                                    </p:animEffect>
+                                  </p:childTnLst>
+                                </p:cTn>
+                              </p:par>
+                            </p:childTnLst>
+                          </p:cTn>
+                        </p:par>
+                        <p:par>
+                          <p:cTn id="39" fill="hold">
+                            <p:stCondLst>
+                              <p:cond delay="4000"/>
+                            </p:stCondLst>
+                            <p:childTnLst>
+                              <p:par>
+                                <p:cTn id="40" presetID="22" presetClass="entr" presetSubtype="4" fill="hold" nodeType="afterEffect">
+                                  <p:stCondLst>
+                                    <p:cond delay="0"/>
+                                  </p:stCondLst>
+                                  <p:childTnLst>
+                                    <p:set>
+                                      <p:cBhvr>
+                                        <p:cTn id="41" dur="1" fill="hold">
+                                          <p:stCondLst>
+                                            <p:cond delay="0"/>
+                                          </p:stCondLst>
+                                        </p:cTn>
+                                        <p:tgtEl>
+                                          <p:spTgt spid="3">
+                                            <p:txEl>
+                                              <p:pRg st="9" end="9"/>
+                                            </p:txEl>
+                                          </p:spTgt>
+                                        </p:tgtEl>
+                                        <p:attrNameLst>
+                                          <p:attrName>style.visibility</p:attrName>
+                                        </p:attrNameLst>
+                                      </p:cBhvr>
+                                      <p:to>
+                                        <p:strVal val="visible"/>
+                                      </p:to>
+                                    </p:set>
+                                    <p:animEffect transition="in" filter="wipe(down)">
+                                      <p:cBhvr>
+                                        <p:cTn id="42" dur="500"/>
+                                        <p:tgtEl>
+                                          <p:spTgt spid="3">
+                                            <p:txEl>
+                                              <p:pRg st="9" end="9"/>
+                                            </p:txEl>
+                                          </p:spTgt>
+                                        </p:tgtEl>
+                                      </p:cBhvr>
+                                    </p:animEffect>
+                                  </p:childTnLst>
+                                </p:cTn>
+                              </p:par>
+                            </p:childTnLst>
+                          </p:cTn>
+                        </p:par>
+                        <p:par>
+                          <p:cTn id="43" fill="hold">
+                            <p:stCondLst>
+                              <p:cond delay="4500"/>
+                            </p:stCondLst>
+                            <p:childTnLst>
+                              <p:par>
+                                <p:cTn id="44" presetID="1" presetClass="entr" presetSubtype="0" fill="hold" nodeType="afterEffect">
+                                  <p:stCondLst>
+                                    <p:cond delay="0"/>
+                                  </p:stCondLst>
+                                  <p:childTnLst>
+                                    <p:set>
+                                      <p:cBhvr>
+                                        <p:cTn id="45" dur="1" fill="hold">
+                                          <p:stCondLst>
+                                            <p:cond delay="0"/>
+                                          </p:stCondLst>
+                                        </p:cTn>
+                                        <p:tgtEl>
                                           <p:spTgt spid="4"/>
                                         </p:tgtEl>
                                         <p:attrNameLst>
@@ -12466,20 +14068,20 @@
                           </p:cTn>
                         </p:par>
                         <p:par>
-                          <p:cTn id="22" fill="hold">
+                          <p:cTn id="46" fill="hold">
                             <p:stCondLst>
-                              <p:cond delay="1500"/>
+                              <p:cond delay="4500"/>
                             </p:stCondLst>
                             <p:childTnLst>
                               <p:par>
-                                <p:cTn id="23" presetID="1" presetClass="entr" presetSubtype="0" fill="hold" nodeType="afterEffect">
+                                <p:cTn id="47" presetID="1" presetClass="entr" presetSubtype="0" fill="hold" nodeType="afterEffect">
                                   <p:stCondLst>
                                     <p:cond delay="0"/>
                                   </p:stCondLst>
                                   <p:childTnLst>
                                     <p:set>
                                       <p:cBhvr>
-                                        <p:cTn id="24" dur="1" fill="hold">
+                                        <p:cTn id="48" dur="1" fill="hold">
                                           <p:stCondLst>
                                             <p:cond delay="0"/>
                                           </p:stCondLst>
@@ -12502,20 +14104,20 @@
                           </p:cTn>
                         </p:par>
                         <p:par>
-                          <p:cTn id="25" fill="hold">
+                          <p:cTn id="49" fill="hold">
                             <p:stCondLst>
-                              <p:cond delay="1500"/>
+                              <p:cond delay="4500"/>
                             </p:stCondLst>
                             <p:childTnLst>
                               <p:par>
-                                <p:cTn id="26" presetID="1" presetClass="entr" presetSubtype="0" fill="hold" nodeType="afterEffect">
+                                <p:cTn id="50" presetID="1" presetClass="entr" presetSubtype="0" fill="hold" nodeType="afterEffect">
                                   <p:stCondLst>
                                     <p:cond delay="0"/>
                                   </p:stCondLst>
                                   <p:childTnLst>
                                     <p:set>
                                       <p:cBhvr>
-                                        <p:cTn id="27" dur="1" fill="hold">
+                                        <p:cTn id="51" dur="1" fill="hold">
                                           <p:stCondLst>
                                             <p:cond delay="0"/>
                                           </p:stCondLst>
@@ -12538,20 +14140,20 @@
                           </p:cTn>
                         </p:par>
                         <p:par>
-                          <p:cTn id="28" fill="hold">
+                          <p:cTn id="52" fill="hold">
                             <p:stCondLst>
-                              <p:cond delay="1500"/>
+                              <p:cond delay="4500"/>
                             </p:stCondLst>
                             <p:childTnLst>
                               <p:par>
-                                <p:cTn id="29" presetID="1" presetClass="entr" presetSubtype="0" fill="hold" nodeType="afterEffect">
+                                <p:cTn id="53" presetID="1" presetClass="entr" presetSubtype="0" fill="hold" nodeType="afterEffect">
                                   <p:stCondLst>
                                     <p:cond delay="0"/>
                                   </p:stCondLst>
                                   <p:childTnLst>
                                     <p:set>
                                       <p:cBhvr>
-                                        <p:cTn id="30" dur="1" fill="hold">
+                                        <p:cTn id="54" dur="1" fill="hold">
                                           <p:stCondLst>
                                             <p:cond delay="0"/>
                                           </p:stCondLst>
@@ -12574,20 +14176,20 @@
                           </p:cTn>
                         </p:par>
                         <p:par>
-                          <p:cTn id="31" fill="hold">
+                          <p:cTn id="55" fill="hold">
                             <p:stCondLst>
-                              <p:cond delay="1500"/>
+                              <p:cond delay="4500"/>
                             </p:stCondLst>
                             <p:childTnLst>
                               <p:par>
-                                <p:cTn id="32" presetID="1" presetClass="entr" presetSubtype="0" fill="hold" nodeType="afterEffect">
+                                <p:cTn id="56" presetID="1" presetClass="entr" presetSubtype="0" fill="hold" nodeType="afterEffect">
                                   <p:stCondLst>
                                     <p:cond delay="0"/>
                                   </p:stCondLst>
                                   <p:childTnLst>
                                     <p:set>
                                       <p:cBhvr>
-                                        <p:cTn id="33" dur="1" fill="hold">
+                                        <p:cTn id="57" dur="1" fill="hold">
                                           <p:stCondLst>
                                             <p:cond delay="0"/>
                                           </p:stCondLst>
@@ -12610,20 +14212,20 @@
                           </p:cTn>
                         </p:par>
                         <p:par>
-                          <p:cTn id="34" fill="hold">
+                          <p:cTn id="58" fill="hold">
                             <p:stCondLst>
-                              <p:cond delay="1500"/>
+                              <p:cond delay="4500"/>
                             </p:stCondLst>
                             <p:childTnLst>
                               <p:par>
-                                <p:cTn id="35" presetID="10" presetClass="entr" presetSubtype="0" fill="hold" nodeType="afterEffect">
+                                <p:cTn id="59" presetID="10" presetClass="entr" presetSubtype="0" fill="hold" nodeType="afterEffect">
                                   <p:stCondLst>
                                     <p:cond delay="0"/>
                                   </p:stCondLst>
                                   <p:childTnLst>
                                     <p:set>
                                       <p:cBhvr>
-                                        <p:cTn id="36" dur="1" fill="hold">
+                                        <p:cTn id="60" dur="1" fill="hold">
                                           <p:stCondLst>
                                             <p:cond delay="0"/>
                                           </p:stCondLst>
@@ -12641,7 +14243,7 @@
                                     </p:set>
                                     <p:animEffect transition="in" filter="fade">
                                       <p:cBhvr>
-                                        <p:cTn id="37" dur="500"/>
+                                        <p:cTn id="61" dur="500"/>
                                         <p:tgtEl>
                                           <p:spTgt spid="14"/>
                                         </p:tgtEl>
@@ -12895,7 +14497,7 @@
           <a:p>
             <a:fld id="{74268F3B-B68E-4782-B3DC-846E45352065}" type="datetime1">
               <a:rPr lang="fr-FR" smtClean="0"/>
-              <a:t>13/02/2014</a:t>
+              <a:t>14/02/2014</a:t>
             </a:fld>
             <a:endParaRPr lang="en-US"/>
           </a:p>
@@ -13660,7 +15262,7 @@
           <a:p>
             <a:fld id="{40C929A7-D313-490D-B877-ABDEEB22D221}" type="datetime1">
               <a:rPr lang="fr-FR" smtClean="0"/>
-              <a:t>13/02/2014</a:t>
+              <a:t>14/02/2014</a:t>
             </a:fld>
             <a:endParaRPr lang="en-US"/>
           </a:p>
@@ -15230,7 +16832,7 @@
           <a:p>
             <a:fld id="{40C929A7-D313-490D-B877-ABDEEB22D221}" type="datetime1">
               <a:rPr lang="fr-FR" smtClean="0"/>
-              <a:t>13/02/2014</a:t>
+              <a:t>14/02/2014</a:t>
             </a:fld>
             <a:endParaRPr lang="en-US"/>
           </a:p>
@@ -16065,7 +17667,7 @@
           <a:p>
             <a:fld id="{40C929A7-D313-490D-B877-ABDEEB22D221}" type="datetime1">
               <a:rPr lang="fr-FR" smtClean="0"/>
-              <a:t>13/02/2014</a:t>
+              <a:t>14/02/2014</a:t>
             </a:fld>
             <a:endParaRPr lang="en-US"/>
           </a:p>
@@ -16103,7 +17705,7 @@
           <p:nvPr/>
         </p:nvPicPr>
         <p:blipFill>
-          <a:blip r:embed="rId2"/>
+          <a:blip r:embed="rId3"/>
           <a:stretch>
             <a:fillRect/>
           </a:stretch>
@@ -16127,7 +17729,7 @@
           <p:nvPr/>
         </p:nvPicPr>
         <p:blipFill>
-          <a:blip r:embed="rId3"/>
+          <a:blip r:embed="rId4"/>
           <a:stretch>
             <a:fillRect/>
           </a:stretch>
@@ -16151,7 +17753,7 @@
           <p:nvPr/>
         </p:nvPicPr>
         <p:blipFill>
-          <a:blip r:embed="rId4"/>
+          <a:blip r:embed="rId5"/>
           <a:stretch>
             <a:fillRect/>
           </a:stretch>
@@ -17693,7 +19295,7 @@
           <a:p>
             <a:fld id="{40C929A7-D313-490D-B877-ABDEEB22D221}" type="datetime1">
               <a:rPr lang="fr-FR" smtClean="0"/>
-              <a:t>13/02/2014</a:t>
+              <a:t>14/02/2014</a:t>
             </a:fld>
             <a:endParaRPr lang="en-US"/>
           </a:p>
